--- a/Slide seminar/Seminar.pptx
+++ b/Slide seminar/Seminar.pptx
@@ -5,12 +5,13 @@
     <p:sldMasterId id="2147483648" r:id="rId1"/>
   </p:sldMasterIdLst>
   <p:notesMasterIdLst>
-    <p:notesMasterId r:id="rId15"/>
+    <p:notesMasterId r:id="rId16"/>
   </p:notesMasterIdLst>
   <p:sldIdLst>
-    <p:sldId id="256" r:id="rId3"/>
-    <p:sldId id="269" r:id="rId4"/>
-    <p:sldId id="280" r:id="rId5"/>
+    <p:sldId id="256" r:id="rId2"/>
+    <p:sldId id="269" r:id="rId3"/>
+    <p:sldId id="280" r:id="rId4"/>
+    <p:sldId id="281" r:id="rId5"/>
     <p:sldId id="257" r:id="rId6"/>
     <p:sldId id="258" r:id="rId7"/>
     <p:sldId id="259" r:id="rId8"/>
@@ -20,6 +21,7 @@
     <p:sldId id="263" r:id="rId12"/>
     <p:sldId id="266" r:id="rId13"/>
     <p:sldId id="264" r:id="rId14"/>
+    <p:sldId id="282" r:id="rId15"/>
   </p:sldIdLst>
   <p:sldSz cx="12192000" cy="6858000"/>
   <p:notesSz cx="6858000" cy="9144000"/>
@@ -118,6 +120,11 @@
       </a:defRPr>
     </a:lvl9pPr>
   </p:defaultTextStyle>
+  <p:extLst>
+    <p:ext uri="{EFAFB233-063F-42B5-8137-9DF3F51BA10A}">
+      <p15:sldGuideLst xmlns:p15="http://schemas.microsoft.com/office/powerpoint/2012/main"/>
+    </p:ext>
+  </p:extLst>
 </p:presentation>
 </file>
 
@@ -203,6 +210,7 @@
           <a:p>
             <a:fld id="{8D6F176A-20DB-419A-A316-CB18727BE9E7}" type="datetimeFigureOut">
               <a:rPr lang="en-US" smtClean="0"/>
+              <a:t>27/04/2018</a:t>
             </a:fld>
             <a:endParaRPr lang="en-US"/>
           </a:p>
@@ -269,7 +277,6 @@
               <a:rPr lang="en-US"/>
               <a:t>Edit Master text styles</a:t>
             </a:r>
-            <a:endParaRPr lang="en-US"/>
           </a:p>
           <a:p>
             <a:pPr lvl="1"/>
@@ -277,7 +284,6 @@
               <a:rPr lang="en-US"/>
               <a:t>Second level</a:t>
             </a:r>
-            <a:endParaRPr lang="en-US"/>
           </a:p>
           <a:p>
             <a:pPr lvl="2"/>
@@ -285,7 +291,6 @@
               <a:rPr lang="en-US"/>
               <a:t>Third level</a:t>
             </a:r>
-            <a:endParaRPr lang="en-US"/>
           </a:p>
           <a:p>
             <a:pPr lvl="3"/>
@@ -293,7 +298,6 @@
               <a:rPr lang="en-US"/>
               <a:t>Fourth level</a:t>
             </a:r>
-            <a:endParaRPr lang="en-US"/>
           </a:p>
           <a:p>
             <a:pPr lvl="4"/>
@@ -301,7 +305,6 @@
               <a:rPr lang="en-US"/>
               <a:t>Fifth level</a:t>
             </a:r>
-            <a:endParaRPr lang="en-US"/>
           </a:p>
         </p:txBody>
       </p:sp>
@@ -365,6 +368,7 @@
           <a:p>
             <a:fld id="{B668CA86-01AF-40F0-9A55-3DE8452BA234}" type="slidenum">
               <a:rPr lang="en-US" smtClean="0"/>
+              <a:t>‹#›</a:t>
             </a:fld>
             <a:endParaRPr lang="en-US"/>
           </a:p>
@@ -639,6 +643,7 @@
           <a:p>
             <a:fld id="{88D01429-BA7F-4469-87DB-0548295C10A9}" type="datetime1">
               <a:rPr lang="en-US" smtClean="0"/>
+              <a:t>27/04/2018</a:t>
             </a:fld>
             <a:endParaRPr lang="en-US"/>
           </a:p>
@@ -680,6 +685,7 @@
           <a:p>
             <a:fld id="{6BB9AED3-D2BB-49A3-B8E7-A4A64ED2F011}" type="slidenum">
               <a:rPr lang="en-US" smtClean="0"/>
+              <a:t>‹#›</a:t>
             </a:fld>
             <a:endParaRPr lang="en-US"/>
           </a:p>
@@ -924,7 +930,6 @@
               <a:rPr lang="en-US"/>
               <a:t>Edit Master text styles</a:t>
             </a:r>
-            <a:endParaRPr lang="en-US"/>
           </a:p>
         </p:txBody>
       </p:sp>
@@ -945,6 +950,7 @@
           <a:p>
             <a:fld id="{52695B30-10D3-41F9-A859-BCD91930A355}" type="datetime1">
               <a:rPr lang="en-US" smtClean="0"/>
+              <a:t>27/04/2018</a:t>
             </a:fld>
             <a:endParaRPr lang="en-US"/>
           </a:p>
@@ -986,6 +992,7 @@
           <a:p>
             <a:fld id="{6BB9AED3-D2BB-49A3-B8E7-A4A64ED2F011}" type="slidenum">
               <a:rPr lang="en-US" smtClean="0"/>
+              <a:t>‹#›</a:t>
             </a:fld>
             <a:endParaRPr lang="en-US"/>
           </a:p>
@@ -1140,7 +1147,6 @@
               <a:rPr lang="en-US"/>
               <a:t>Edit Master text styles</a:t>
             </a:r>
-            <a:endParaRPr lang="en-US"/>
           </a:p>
         </p:txBody>
       </p:sp>
@@ -1161,6 +1167,7 @@
           <a:p>
             <a:fld id="{83E69A3D-6127-46F6-9C7C-CC3A0E1FFDD1}" type="datetime1">
               <a:rPr lang="en-US" smtClean="0"/>
+              <a:t>27/04/2018</a:t>
             </a:fld>
             <a:endParaRPr lang="en-US"/>
           </a:p>
@@ -1202,6 +1209,7 @@
           <a:p>
             <a:fld id="{6BB9AED3-D2BB-49A3-B8E7-A4A64ED2F011}" type="slidenum">
               <a:rPr lang="en-US" smtClean="0"/>
+              <a:t>‹#›</a:t>
             </a:fld>
             <a:endParaRPr lang="en-US"/>
           </a:p>
@@ -1358,7 +1366,6 @@
               <a:rPr lang="en-US"/>
               <a:t>Edit Master text styles</a:t>
             </a:r>
-            <a:endParaRPr lang="en-US"/>
           </a:p>
         </p:txBody>
       </p:sp>
@@ -1426,7 +1433,6 @@
               <a:rPr lang="en-US"/>
               <a:t>Edit Master text styles</a:t>
             </a:r>
-            <a:endParaRPr lang="en-US"/>
           </a:p>
         </p:txBody>
       </p:sp>
@@ -1447,6 +1453,7 @@
           <a:p>
             <a:fld id="{99998E29-EE15-4B8F-AA0A-74E89FDE28FE}" type="datetime1">
               <a:rPr lang="en-US" smtClean="0"/>
+              <a:t>27/04/2018</a:t>
             </a:fld>
             <a:endParaRPr lang="en-US"/>
           </a:p>
@@ -1488,6 +1495,7 @@
           <a:p>
             <a:fld id="{6BB9AED3-D2BB-49A3-B8E7-A4A64ED2F011}" type="slidenum">
               <a:rPr lang="en-US" smtClean="0"/>
+              <a:t>‹#›</a:t>
             </a:fld>
             <a:endParaRPr lang="en-US"/>
           </a:p>
@@ -1606,12 +1614,6 @@
               </a:rPr>
               <a:t>“</a:t>
             </a:r>
-            <a:endParaRPr lang="en-US" sz="8000" dirty="0">
-              <a:solidFill>
-                <a:schemeClr val="tx1"/>
-              </a:solidFill>
-              <a:effectLst/>
-            </a:endParaRPr>
           </a:p>
         </p:txBody>
       </p:sp>
@@ -1728,12 +1730,6 @@
               </a:rPr>
               <a:t>”</a:t>
             </a:r>
-            <a:endParaRPr lang="en-US" sz="8000" dirty="0">
-              <a:solidFill>
-                <a:schemeClr val="tx1"/>
-              </a:solidFill>
-              <a:effectLst/>
-            </a:endParaRPr>
           </a:p>
         </p:txBody>
       </p:sp>
@@ -1886,7 +1882,6 @@
               <a:rPr lang="en-US"/>
               <a:t>Edit Master text styles</a:t>
             </a:r>
-            <a:endParaRPr lang="en-US"/>
           </a:p>
         </p:txBody>
       </p:sp>
@@ -1907,6 +1902,7 @@
           <a:p>
             <a:fld id="{6DE933E9-C4D6-4372-91B7-E82F7D51DCB7}" type="datetime1">
               <a:rPr lang="en-US" smtClean="0"/>
+              <a:t>27/04/2018</a:t>
             </a:fld>
             <a:endParaRPr lang="en-US"/>
           </a:p>
@@ -1948,6 +1944,7 @@
           <a:p>
             <a:fld id="{6BB9AED3-D2BB-49A3-B8E7-A4A64ED2F011}" type="slidenum">
               <a:rPr lang="en-US" smtClean="0"/>
+              <a:t>‹#›</a:t>
             </a:fld>
             <a:endParaRPr lang="en-US"/>
           </a:p>
@@ -2107,7 +2104,6 @@
               <a:rPr lang="en-US"/>
               <a:t>Edit Master text styles</a:t>
             </a:r>
-            <a:endParaRPr lang="en-US"/>
           </a:p>
         </p:txBody>
       </p:sp>
@@ -2175,7 +2171,6 @@
               <a:rPr lang="en-US"/>
               <a:t>Edit Master text styles</a:t>
             </a:r>
-            <a:endParaRPr lang="en-US"/>
           </a:p>
         </p:txBody>
       </p:sp>
@@ -2250,7 +2245,6 @@
               <a:rPr lang="en-US"/>
               <a:t>Edit Master text styles</a:t>
             </a:r>
-            <a:endParaRPr lang="en-US"/>
           </a:p>
         </p:txBody>
       </p:sp>
@@ -2318,7 +2312,6 @@
               <a:rPr lang="en-US"/>
               <a:t>Edit Master text styles</a:t>
             </a:r>
-            <a:endParaRPr lang="en-US"/>
           </a:p>
         </p:txBody>
       </p:sp>
@@ -2393,7 +2386,6 @@
               <a:rPr lang="en-US"/>
               <a:t>Edit Master text styles</a:t>
             </a:r>
-            <a:endParaRPr lang="en-US"/>
           </a:p>
         </p:txBody>
       </p:sp>
@@ -2461,7 +2453,6 @@
               <a:rPr lang="en-US"/>
               <a:t>Edit Master text styles</a:t>
             </a:r>
-            <a:endParaRPr lang="en-US"/>
           </a:p>
         </p:txBody>
       </p:sp>
@@ -2482,6 +2473,7 @@
           <a:p>
             <a:fld id="{000E013C-2778-4DE1-8656-D1F69B4ABB07}" type="datetime1">
               <a:rPr lang="en-US" smtClean="0"/>
+              <a:t>27/04/2018</a:t>
             </a:fld>
             <a:endParaRPr lang="en-US"/>
           </a:p>
@@ -2523,6 +2515,7 @@
           <a:p>
             <a:fld id="{6BB9AED3-D2BB-49A3-B8E7-A4A64ED2F011}" type="slidenum">
               <a:rPr lang="en-US" smtClean="0"/>
+              <a:t>‹#›</a:t>
             </a:fld>
             <a:endParaRPr lang="en-US"/>
           </a:p>
@@ -2682,7 +2675,6 @@
               <a:rPr lang="en-US"/>
               <a:t>Edit Master text styles</a:t>
             </a:r>
-            <a:endParaRPr lang="en-US"/>
           </a:p>
         </p:txBody>
       </p:sp>
@@ -2842,7 +2834,6 @@
               <a:rPr lang="en-US"/>
               <a:t>Edit Master text styles</a:t>
             </a:r>
-            <a:endParaRPr lang="en-US"/>
           </a:p>
         </p:txBody>
       </p:sp>
@@ -2917,7 +2908,6 @@
               <a:rPr lang="en-US"/>
               <a:t>Edit Master text styles</a:t>
             </a:r>
-            <a:endParaRPr lang="en-US"/>
           </a:p>
         </p:txBody>
       </p:sp>
@@ -3077,7 +3067,6 @@
               <a:rPr lang="en-US"/>
               <a:t>Edit Master text styles</a:t>
             </a:r>
-            <a:endParaRPr lang="en-US"/>
           </a:p>
         </p:txBody>
       </p:sp>
@@ -3152,7 +3141,6 @@
               <a:rPr lang="en-US"/>
               <a:t>Edit Master text styles</a:t>
             </a:r>
-            <a:endParaRPr lang="en-US"/>
           </a:p>
         </p:txBody>
       </p:sp>
@@ -3312,7 +3300,6 @@
               <a:rPr lang="en-US"/>
               <a:t>Edit Master text styles</a:t>
             </a:r>
-            <a:endParaRPr lang="en-US"/>
           </a:p>
         </p:txBody>
       </p:sp>
@@ -3333,6 +3320,7 @@
           <a:p>
             <a:fld id="{C84298BA-0A92-4606-B9E1-7E80DE9546BF}" type="datetime1">
               <a:rPr lang="en-US" smtClean="0"/>
+              <a:t>27/04/2018</a:t>
             </a:fld>
             <a:endParaRPr lang="en-US"/>
           </a:p>
@@ -3374,6 +3362,7 @@
           <a:p>
             <a:fld id="{6BB9AED3-D2BB-49A3-B8E7-A4A64ED2F011}" type="slidenum">
               <a:rPr lang="en-US" smtClean="0"/>
+              <a:t>‹#›</a:t>
             </a:fld>
             <a:endParaRPr lang="en-US"/>
           </a:p>
@@ -3482,7 +3471,6 @@
               <a:rPr lang="en-US"/>
               <a:t>Edit Master text styles</a:t>
             </a:r>
-            <a:endParaRPr lang="en-US"/>
           </a:p>
           <a:p>
             <a:pPr lvl="1"/>
@@ -3490,7 +3478,6 @@
               <a:rPr lang="en-US"/>
               <a:t>Second level</a:t>
             </a:r>
-            <a:endParaRPr lang="en-US"/>
           </a:p>
           <a:p>
             <a:pPr lvl="2"/>
@@ -3498,7 +3485,6 @@
               <a:rPr lang="en-US"/>
               <a:t>Third level</a:t>
             </a:r>
-            <a:endParaRPr lang="en-US"/>
           </a:p>
           <a:p>
             <a:pPr lvl="3"/>
@@ -3506,7 +3492,6 @@
               <a:rPr lang="en-US"/>
               <a:t>Fourth level</a:t>
             </a:r>
-            <a:endParaRPr lang="en-US"/>
           </a:p>
           <a:p>
             <a:pPr lvl="4"/>
@@ -3535,6 +3520,7 @@
           <a:p>
             <a:fld id="{D2583EDF-D5B5-43EA-A179-877D2932B254}" type="datetime1">
               <a:rPr lang="en-US" smtClean="0"/>
+              <a:t>27/04/2018</a:t>
             </a:fld>
             <a:endParaRPr lang="en-US"/>
           </a:p>
@@ -3576,6 +3562,7 @@
           <a:p>
             <a:fld id="{6BB9AED3-D2BB-49A3-B8E7-A4A64ED2F011}" type="slidenum">
               <a:rPr lang="en-US" smtClean="0"/>
+              <a:t>‹#›</a:t>
             </a:fld>
             <a:endParaRPr lang="en-US"/>
           </a:p>
@@ -3693,7 +3680,6 @@
               <a:rPr lang="en-US"/>
               <a:t>Edit Master text styles</a:t>
             </a:r>
-            <a:endParaRPr lang="en-US"/>
           </a:p>
           <a:p>
             <a:pPr lvl="1"/>
@@ -3701,7 +3687,6 @@
               <a:rPr lang="en-US"/>
               <a:t>Second level</a:t>
             </a:r>
-            <a:endParaRPr lang="en-US"/>
           </a:p>
           <a:p>
             <a:pPr lvl="2"/>
@@ -3709,7 +3694,6 @@
               <a:rPr lang="en-US"/>
               <a:t>Third level</a:t>
             </a:r>
-            <a:endParaRPr lang="en-US"/>
           </a:p>
           <a:p>
             <a:pPr lvl="3"/>
@@ -3717,7 +3701,6 @@
               <a:rPr lang="en-US"/>
               <a:t>Fourth level</a:t>
             </a:r>
-            <a:endParaRPr lang="en-US"/>
           </a:p>
           <a:p>
             <a:pPr lvl="4"/>
@@ -3746,6 +3729,7 @@
           <a:p>
             <a:fld id="{74E557E1-0AEB-47C6-A698-960411513F23}" type="datetime1">
               <a:rPr lang="en-US" smtClean="0"/>
+              <a:t>27/04/2018</a:t>
             </a:fld>
             <a:endParaRPr lang="en-US"/>
           </a:p>
@@ -3787,6 +3771,7 @@
           <a:p>
             <a:fld id="{6BB9AED3-D2BB-49A3-B8E7-A4A64ED2F011}" type="slidenum">
               <a:rPr lang="en-US" smtClean="0"/>
+              <a:t>‹#›</a:t>
             </a:fld>
             <a:endParaRPr lang="en-US"/>
           </a:p>
@@ -3895,7 +3880,6 @@
               <a:rPr lang="en-US"/>
               <a:t>Edit Master text styles</a:t>
             </a:r>
-            <a:endParaRPr lang="en-US"/>
           </a:p>
           <a:p>
             <a:pPr lvl="1"/>
@@ -3903,7 +3887,6 @@
               <a:rPr lang="en-US"/>
               <a:t>Second level</a:t>
             </a:r>
-            <a:endParaRPr lang="en-US"/>
           </a:p>
           <a:p>
             <a:pPr lvl="2"/>
@@ -3911,7 +3894,6 @@
               <a:rPr lang="en-US"/>
               <a:t>Third level</a:t>
             </a:r>
-            <a:endParaRPr lang="en-US"/>
           </a:p>
           <a:p>
             <a:pPr lvl="3"/>
@@ -3919,7 +3901,6 @@
               <a:rPr lang="en-US"/>
               <a:t>Fourth level</a:t>
             </a:r>
-            <a:endParaRPr lang="en-US"/>
           </a:p>
           <a:p>
             <a:pPr lvl="4"/>
@@ -3948,6 +3929,7 @@
           <a:p>
             <a:fld id="{4F54B63A-A422-47DF-8959-0F2BAFC78F5D}" type="datetime1">
               <a:rPr lang="en-US" smtClean="0"/>
+              <a:t>27/04/2018</a:t>
             </a:fld>
             <a:endParaRPr lang="en-US"/>
           </a:p>
@@ -3989,6 +3971,7 @@
           <a:p>
             <a:fld id="{6BB9AED3-D2BB-49A3-B8E7-A4A64ED2F011}" type="slidenum">
               <a:rPr lang="en-US" smtClean="0"/>
+              <a:t>‹#›</a:t>
             </a:fld>
             <a:endParaRPr lang="en-US"/>
           </a:p>
@@ -4201,7 +4184,6 @@
               <a:rPr lang="en-US"/>
               <a:t>Edit Master text styles</a:t>
             </a:r>
-            <a:endParaRPr lang="en-US"/>
           </a:p>
         </p:txBody>
       </p:sp>
@@ -4222,6 +4204,7 @@
           <a:p>
             <a:fld id="{7AB1CA06-7AD4-4894-94AF-95E0E2513B72}" type="datetime1">
               <a:rPr lang="en-US" smtClean="0"/>
+              <a:t>27/04/2018</a:t>
             </a:fld>
             <a:endParaRPr lang="en-US"/>
           </a:p>
@@ -4263,6 +4246,7 @@
           <a:p>
             <a:fld id="{6BB9AED3-D2BB-49A3-B8E7-A4A64ED2F011}" type="slidenum">
               <a:rPr lang="en-US" smtClean="0"/>
+              <a:t>‹#›</a:t>
             </a:fld>
             <a:endParaRPr lang="en-US"/>
           </a:p>
@@ -4376,7 +4360,6 @@
               <a:rPr lang="en-US"/>
               <a:t>Edit Master text styles</a:t>
             </a:r>
-            <a:endParaRPr lang="en-US"/>
           </a:p>
           <a:p>
             <a:pPr lvl="1"/>
@@ -4384,7 +4367,6 @@
               <a:rPr lang="en-US"/>
               <a:t>Second level</a:t>
             </a:r>
-            <a:endParaRPr lang="en-US"/>
           </a:p>
           <a:p>
             <a:pPr lvl="2"/>
@@ -4392,7 +4374,6 @@
               <a:rPr lang="en-US"/>
               <a:t>Third level</a:t>
             </a:r>
-            <a:endParaRPr lang="en-US"/>
           </a:p>
           <a:p>
             <a:pPr lvl="3"/>
@@ -4400,7 +4381,6 @@
               <a:rPr lang="en-US"/>
               <a:t>Fourth level</a:t>
             </a:r>
-            <a:endParaRPr lang="en-US"/>
           </a:p>
           <a:p>
             <a:pPr lvl="4"/>
@@ -4437,7 +4417,6 @@
               <a:rPr lang="en-US"/>
               <a:t>Edit Master text styles</a:t>
             </a:r>
-            <a:endParaRPr lang="en-US"/>
           </a:p>
           <a:p>
             <a:pPr lvl="1"/>
@@ -4445,7 +4424,6 @@
               <a:rPr lang="en-US"/>
               <a:t>Second level</a:t>
             </a:r>
-            <a:endParaRPr lang="en-US"/>
           </a:p>
           <a:p>
             <a:pPr lvl="2"/>
@@ -4453,7 +4431,6 @@
               <a:rPr lang="en-US"/>
               <a:t>Third level</a:t>
             </a:r>
-            <a:endParaRPr lang="en-US"/>
           </a:p>
           <a:p>
             <a:pPr lvl="3"/>
@@ -4461,7 +4438,6 @@
               <a:rPr lang="en-US"/>
               <a:t>Fourth level</a:t>
             </a:r>
-            <a:endParaRPr lang="en-US"/>
           </a:p>
           <a:p>
             <a:pPr lvl="4"/>
@@ -4490,6 +4466,7 @@
           <a:p>
             <a:fld id="{02AFCF8F-6457-4E98-8A92-AD422F2DE2DD}" type="datetime1">
               <a:rPr lang="en-US" smtClean="0"/>
+              <a:t>27/04/2018</a:t>
             </a:fld>
             <a:endParaRPr lang="en-US"/>
           </a:p>
@@ -4531,6 +4508,7 @@
           <a:p>
             <a:fld id="{6BB9AED3-D2BB-49A3-B8E7-A4A64ED2F011}" type="slidenum">
               <a:rPr lang="en-US" smtClean="0"/>
+              <a:t>‹#›</a:t>
             </a:fld>
             <a:endParaRPr lang="en-US"/>
           </a:p>
@@ -4690,7 +4668,6 @@
               <a:rPr lang="en-US"/>
               <a:t>Edit Master text styles</a:t>
             </a:r>
-            <a:endParaRPr lang="en-US"/>
           </a:p>
         </p:txBody>
       </p:sp>
@@ -4719,7 +4696,6 @@
               <a:rPr lang="en-US"/>
               <a:t>Edit Master text styles</a:t>
             </a:r>
-            <a:endParaRPr lang="en-US"/>
           </a:p>
           <a:p>
             <a:pPr lvl="1"/>
@@ -4727,7 +4703,6 @@
               <a:rPr lang="en-US"/>
               <a:t>Second level</a:t>
             </a:r>
-            <a:endParaRPr lang="en-US"/>
           </a:p>
           <a:p>
             <a:pPr lvl="2"/>
@@ -4735,7 +4710,6 @@
               <a:rPr lang="en-US"/>
               <a:t>Third level</a:t>
             </a:r>
-            <a:endParaRPr lang="en-US"/>
           </a:p>
           <a:p>
             <a:pPr lvl="3"/>
@@ -4743,7 +4717,6 @@
               <a:rPr lang="en-US"/>
               <a:t>Fourth level</a:t>
             </a:r>
-            <a:endParaRPr lang="en-US"/>
           </a:p>
           <a:p>
             <a:pPr lvl="4"/>
@@ -4826,7 +4799,6 @@
               <a:rPr lang="en-US"/>
               <a:t>Edit Master text styles</a:t>
             </a:r>
-            <a:endParaRPr lang="en-US"/>
           </a:p>
         </p:txBody>
       </p:sp>
@@ -4855,7 +4827,6 @@
               <a:rPr lang="en-US"/>
               <a:t>Edit Master text styles</a:t>
             </a:r>
-            <a:endParaRPr lang="en-US"/>
           </a:p>
           <a:p>
             <a:pPr lvl="1"/>
@@ -4863,7 +4834,6 @@
               <a:rPr lang="en-US"/>
               <a:t>Second level</a:t>
             </a:r>
-            <a:endParaRPr lang="en-US"/>
           </a:p>
           <a:p>
             <a:pPr lvl="2"/>
@@ -4871,7 +4841,6 @@
               <a:rPr lang="en-US"/>
               <a:t>Third level</a:t>
             </a:r>
-            <a:endParaRPr lang="en-US"/>
           </a:p>
           <a:p>
             <a:pPr lvl="3"/>
@@ -4879,7 +4848,6 @@
               <a:rPr lang="en-US"/>
               <a:t>Fourth level</a:t>
             </a:r>
-            <a:endParaRPr lang="en-US"/>
           </a:p>
           <a:p>
             <a:pPr lvl="4"/>
@@ -4908,6 +4876,7 @@
           <a:p>
             <a:fld id="{B78901DD-A918-4B09-99CB-D4559AE441DE}" type="datetime1">
               <a:rPr lang="en-US" smtClean="0"/>
+              <a:t>27/04/2018</a:t>
             </a:fld>
             <a:endParaRPr lang="en-US"/>
           </a:p>
@@ -4949,6 +4918,7 @@
           <a:p>
             <a:fld id="{6BB9AED3-D2BB-49A3-B8E7-A4A64ED2F011}" type="slidenum">
               <a:rPr lang="en-US" smtClean="0"/>
+              <a:t>‹#›</a:t>
             </a:fld>
             <a:endParaRPr lang="en-US"/>
           </a:p>
@@ -5049,6 +5019,7 @@
           <a:p>
             <a:fld id="{CD8A6D92-F2D7-4404-B25E-944AA2355307}" type="datetime1">
               <a:rPr lang="en-US" smtClean="0"/>
+              <a:t>27/04/2018</a:t>
             </a:fld>
             <a:endParaRPr lang="en-US"/>
           </a:p>
@@ -5090,6 +5061,7 @@
           <a:p>
             <a:fld id="{6BB9AED3-D2BB-49A3-B8E7-A4A64ED2F011}" type="slidenum">
               <a:rPr lang="en-US" smtClean="0"/>
+              <a:t>‹#›</a:t>
             </a:fld>
             <a:endParaRPr lang="en-US"/>
           </a:p>
@@ -5167,6 +5139,7 @@
           <a:p>
             <a:fld id="{1AAE86A8-E964-4873-8C46-7ECA4F2106B8}" type="datetime1">
               <a:rPr lang="en-US" smtClean="0"/>
+              <a:t>27/04/2018</a:t>
             </a:fld>
             <a:endParaRPr lang="en-US"/>
           </a:p>
@@ -5208,6 +5181,7 @@
           <a:p>
             <a:fld id="{6BB9AED3-D2BB-49A3-B8E7-A4A64ED2F011}" type="slidenum">
               <a:rPr lang="en-US" smtClean="0"/>
+              <a:t>‹#›</a:t>
             </a:fld>
             <a:endParaRPr lang="en-US"/>
           </a:p>
@@ -5325,7 +5299,6 @@
               <a:rPr lang="en-US"/>
               <a:t>Edit Master text styles</a:t>
             </a:r>
-            <a:endParaRPr lang="en-US"/>
           </a:p>
           <a:p>
             <a:pPr lvl="1"/>
@@ -5333,7 +5306,6 @@
               <a:rPr lang="en-US"/>
               <a:t>Second level</a:t>
             </a:r>
-            <a:endParaRPr lang="en-US"/>
           </a:p>
           <a:p>
             <a:pPr lvl="2"/>
@@ -5341,7 +5313,6 @@
               <a:rPr lang="en-US"/>
               <a:t>Third level</a:t>
             </a:r>
-            <a:endParaRPr lang="en-US"/>
           </a:p>
           <a:p>
             <a:pPr lvl="3"/>
@@ -5349,7 +5320,6 @@
               <a:rPr lang="en-US"/>
               <a:t>Fourth level</a:t>
             </a:r>
-            <a:endParaRPr lang="en-US"/>
           </a:p>
           <a:p>
             <a:pPr lvl="4"/>
@@ -5423,7 +5393,6 @@
               <a:rPr lang="en-US"/>
               <a:t>Edit Master text styles</a:t>
             </a:r>
-            <a:endParaRPr lang="en-US"/>
           </a:p>
         </p:txBody>
       </p:sp>
@@ -5444,6 +5413,7 @@
           <a:p>
             <a:fld id="{7B3420EA-0922-44EA-9E5F-D072AE7DE1A3}" type="datetime1">
               <a:rPr lang="en-US" smtClean="0"/>
+              <a:t>27/04/2018</a:t>
             </a:fld>
             <a:endParaRPr lang="en-US"/>
           </a:p>
@@ -5485,6 +5455,7 @@
           <a:p>
             <a:fld id="{6BB9AED3-D2BB-49A3-B8E7-A4A64ED2F011}" type="slidenum">
               <a:rPr lang="en-US" smtClean="0"/>
+              <a:t>‹#›</a:t>
             </a:fld>
             <a:endParaRPr lang="en-US"/>
           </a:p>
@@ -5729,7 +5700,6 @@
               <a:rPr lang="en-US"/>
               <a:t>Edit Master text styles</a:t>
             </a:r>
-            <a:endParaRPr lang="en-US"/>
           </a:p>
         </p:txBody>
       </p:sp>
@@ -5750,6 +5720,7 @@
           <a:p>
             <a:fld id="{31D63C95-EB5A-4B80-86C7-AC8D2A04E2B5}" type="datetime1">
               <a:rPr lang="en-US" smtClean="0"/>
+              <a:t>27/04/2018</a:t>
             </a:fld>
             <a:endParaRPr lang="en-US"/>
           </a:p>
@@ -5791,6 +5762,7 @@
           <a:p>
             <a:fld id="{6BB9AED3-D2BB-49A3-B8E7-A4A64ED2F011}" type="slidenum">
               <a:rPr lang="en-US" smtClean="0"/>
+              <a:t>‹#›</a:t>
             </a:fld>
             <a:endParaRPr lang="en-US"/>
           </a:p>
@@ -5835,7 +5807,7 @@
           <p:nvPr/>
         </p:nvPicPr>
         <p:blipFill>
-          <a:blip r:embed="rId18">
+          <a:blip r:embed="rId19">
             <a:extLst>
               <a:ext uri="{28A0092B-C50C-407E-A947-70E740481C1C}">
                 <a14:useLocalDpi xmlns:a14="http://schemas.microsoft.com/office/drawing/2010/main" val="0"/>
@@ -5930,7 +5902,6 @@
               <a:rPr lang="en-US"/>
               <a:t>Edit Master text styles</a:t>
             </a:r>
-            <a:endParaRPr lang="en-US"/>
           </a:p>
           <a:p>
             <a:pPr lvl="1"/>
@@ -5938,7 +5909,6 @@
               <a:rPr lang="en-US"/>
               <a:t>Second level</a:t>
             </a:r>
-            <a:endParaRPr lang="en-US"/>
           </a:p>
           <a:p>
             <a:pPr lvl="2"/>
@@ -5946,7 +5916,6 @@
               <a:rPr lang="en-US"/>
               <a:t>Third level</a:t>
             </a:r>
-            <a:endParaRPr lang="en-US"/>
           </a:p>
           <a:p>
             <a:pPr lvl="3"/>
@@ -5954,7 +5923,6 @@
               <a:rPr lang="en-US"/>
               <a:t>Fourth level</a:t>
             </a:r>
-            <a:endParaRPr lang="en-US"/>
           </a:p>
           <a:p>
             <a:pPr lvl="4"/>
@@ -5999,6 +5967,7 @@
           <a:p>
             <a:fld id="{33E8DCB2-3C86-4671-9450-C782F1601F56}" type="datetime1">
               <a:rPr lang="en-US" smtClean="0"/>
+              <a:t>27/04/2018</a:t>
             </a:fld>
             <a:endParaRPr lang="en-US"/>
           </a:p>
@@ -6072,6 +6041,7 @@
           <a:p>
             <a:fld id="{6BB9AED3-D2BB-49A3-B8E7-A4A64ED2F011}" type="slidenum">
               <a:rPr lang="en-US" smtClean="0"/>
+              <a:t>‹#›</a:t>
             </a:fld>
             <a:endParaRPr lang="en-US"/>
           </a:p>
@@ -6477,20 +6447,6 @@
               </a:rPr>
               <a:t>MÔ HÌNH WATERFALL</a:t>
             </a:r>
-            <a:endParaRPr lang="en-US" sz="5000" b="1" dirty="0">
-              <a:solidFill>
-                <a:srgbClr val="0000FF"/>
-              </a:solidFill>
-              <a:effectLst>
-                <a:outerShdw blurRad="38100" dist="38100" dir="2700000" algn="tl">
-                  <a:srgbClr val="000000">
-                    <a:alpha val="43137"/>
-                  </a:srgbClr>
-                </a:outerShdw>
-              </a:effectLst>
-              <a:latin typeface="Times New Roman" panose="02020603050405020304" pitchFamily="18" charset="0"/>
-              <a:cs typeface="Times New Roman" panose="02020603050405020304" pitchFamily="18" charset="0"/>
-            </a:endParaRPr>
           </a:p>
         </p:txBody>
       </p:sp>
@@ -6600,10 +6556,6 @@
               </a:rPr>
               <a:t> – SE104.I23</a:t>
             </a:r>
-            <a:endParaRPr lang="en-US" sz="2000" dirty="0">
-              <a:latin typeface="Times New Roman" panose="02020603050405020304" pitchFamily="18" charset="0"/>
-              <a:cs typeface="Times New Roman" panose="02020603050405020304" pitchFamily="18" charset="0"/>
-            </a:endParaRPr>
           </a:p>
           <a:p>
             <a:r>
@@ -6827,10 +6779,6 @@
               </a:rPr>
               <a:t>:</a:t>
             </a:r>
-            <a:endParaRPr lang="en-US" sz="2500" dirty="0">
-              <a:latin typeface="Times New Roman" panose="02020603050405020304" pitchFamily="18" charset="0"/>
-              <a:cs typeface="Times New Roman" panose="02020603050405020304" pitchFamily="18" charset="0"/>
-            </a:endParaRPr>
           </a:p>
           <a:p>
             <a:r>
@@ -6868,10 +6816,6 @@
               </a:rPr>
               <a:t> – 16520415 (L)</a:t>
             </a:r>
-            <a:endParaRPr lang="en-US" sz="2500" dirty="0">
-              <a:latin typeface="Times New Roman" panose="02020603050405020304" pitchFamily="18" charset="0"/>
-              <a:cs typeface="Times New Roman" panose="02020603050405020304" pitchFamily="18" charset="0"/>
-            </a:endParaRPr>
           </a:p>
           <a:p>
             <a:r>
@@ -6923,10 +6867,6 @@
               </a:rPr>
               <a:t> - 16521140</a:t>
             </a:r>
-            <a:endParaRPr lang="en-US" sz="2500" dirty="0">
-              <a:latin typeface="Times New Roman" panose="02020603050405020304" pitchFamily="18" charset="0"/>
-              <a:cs typeface="Times New Roman" panose="02020603050405020304" pitchFamily="18" charset="0"/>
-            </a:endParaRPr>
           </a:p>
           <a:p>
             <a:r>
@@ -6978,10 +6918,6 @@
               </a:rPr>
               <a:t> - 16521485</a:t>
             </a:r>
-            <a:endParaRPr lang="en-US" sz="2500" dirty="0">
-              <a:latin typeface="Times New Roman" panose="02020603050405020304" pitchFamily="18" charset="0"/>
-              <a:cs typeface="Times New Roman" panose="02020603050405020304" pitchFamily="18" charset="0"/>
-            </a:endParaRPr>
           </a:p>
           <a:p>
             <a:r>
@@ -7047,10 +6983,6 @@
               </a:rPr>
               <a:t> - 16521275</a:t>
             </a:r>
-            <a:endParaRPr lang="en-US" sz="2500" dirty="0">
-              <a:latin typeface="Times New Roman" panose="02020603050405020304" pitchFamily="18" charset="0"/>
-              <a:cs typeface="Times New Roman" panose="02020603050405020304" pitchFamily="18" charset="0"/>
-            </a:endParaRPr>
           </a:p>
           <a:p>
             <a:endParaRPr lang="en-US" dirty="0"/>
@@ -7066,7 +6998,7 @@
           <p:nvPr/>
         </p:nvPicPr>
         <p:blipFill>
-          <a:blip r:embed="rId1">
+          <a:blip r:embed="rId2">
             <a:extLst>
               <a:ext uri="{28A0092B-C50C-407E-A947-70E740481C1C}">
                 <a14:useLocalDpi xmlns:a14="http://schemas.microsoft.com/office/drawing/2010/main" val="0"/>
@@ -7443,6 +7375,1566 @@
           <a:chExt cx="0" cy="0"/>
         </a:xfrm>
       </p:grpSpPr>
+      <p:sp>
+        <p:nvSpPr>
+          <p:cNvPr id="4" name="TextBox 3"/>
+          <p:cNvSpPr txBox="1"/>
+          <p:nvPr/>
+        </p:nvSpPr>
+        <p:spPr>
+          <a:xfrm>
+            <a:off x="1126435" y="993913"/>
+            <a:ext cx="8494643" cy="553085"/>
+          </a:xfrm>
+          <a:prstGeom prst="rect">
+            <a:avLst/>
+          </a:prstGeom>
+          <a:noFill/>
+        </p:spPr>
+        <p:txBody>
+          <a:bodyPr wrap="square" rtlCol="0">
+            <a:spAutoFit/>
+          </a:bodyPr>
+          <a:lstStyle/>
+          <a:p>
+            <a:r>
+              <a:rPr lang="en-US" sz="3000" b="1" dirty="0">
+                <a:solidFill>
+                  <a:srgbClr val="00B0F0"/>
+                </a:solidFill>
+                <a:latin typeface="Times New Roman" panose="02020603050405020304" pitchFamily="18" charset="0"/>
+                <a:ea typeface="Tahoma" panose="020B0604030504040204" pitchFamily="34" charset="0"/>
+                <a:cs typeface="Tahoma" panose="020B0604030504040204" pitchFamily="34" charset="0"/>
+              </a:rPr>
+              <a:t>2) Nh</a:t>
+            </a:r>
+            <a:r>
+              <a:rPr lang="vi-VN" sz="3000" b="1" dirty="0">
+                <a:solidFill>
+                  <a:srgbClr val="00B0F0"/>
+                </a:solidFill>
+                <a:latin typeface="Times New Roman" panose="02020603050405020304" pitchFamily="18" charset="0"/>
+                <a:ea typeface="Tahoma" panose="020B0604030504040204" pitchFamily="34" charset="0"/>
+                <a:cs typeface="Tahoma" panose="020B0604030504040204" pitchFamily="34" charset="0"/>
+              </a:rPr>
+              <a:t>ư</a:t>
+            </a:r>
+            <a:r>
+              <a:rPr lang="en-US" sz="3000" b="1" dirty="0" err="1">
+                <a:solidFill>
+                  <a:srgbClr val="00B0F0"/>
+                </a:solidFill>
+                <a:latin typeface="Times New Roman" panose="02020603050405020304" pitchFamily="18" charset="0"/>
+                <a:ea typeface="Tahoma" panose="020B0604030504040204" pitchFamily="34" charset="0"/>
+                <a:cs typeface="Tahoma" panose="020B0604030504040204" pitchFamily="34" charset="0"/>
+              </a:rPr>
+              <a:t>ợc</a:t>
+            </a:r>
+            <a:r>
+              <a:rPr lang="en-US" sz="3000" b="1" dirty="0">
+                <a:solidFill>
+                  <a:srgbClr val="00B0F0"/>
+                </a:solidFill>
+                <a:latin typeface="Times New Roman" panose="02020603050405020304" pitchFamily="18" charset="0"/>
+                <a:ea typeface="Tahoma" panose="020B0604030504040204" pitchFamily="34" charset="0"/>
+                <a:cs typeface="Tahoma" panose="020B0604030504040204" pitchFamily="34" charset="0"/>
+              </a:rPr>
+              <a:t> </a:t>
+            </a:r>
+            <a:r>
+              <a:rPr lang="en-US" sz="3000" b="1" dirty="0" err="1">
+                <a:solidFill>
+                  <a:srgbClr val="00B0F0"/>
+                </a:solidFill>
+                <a:latin typeface="Times New Roman" panose="02020603050405020304" pitchFamily="18" charset="0"/>
+                <a:ea typeface="Tahoma" panose="020B0604030504040204" pitchFamily="34" charset="0"/>
+                <a:cs typeface="Tahoma" panose="020B0604030504040204" pitchFamily="34" charset="0"/>
+              </a:rPr>
+              <a:t>điểm</a:t>
+            </a:r>
+            <a:r>
+              <a:rPr lang="en-US" sz="3000" b="1" dirty="0">
+                <a:solidFill>
+                  <a:srgbClr val="00B0F0"/>
+                </a:solidFill>
+                <a:latin typeface="Times New Roman" panose="02020603050405020304" pitchFamily="18" charset="0"/>
+                <a:ea typeface="Tahoma" panose="020B0604030504040204" pitchFamily="34" charset="0"/>
+                <a:cs typeface="Tahoma" panose="020B0604030504040204" pitchFamily="34" charset="0"/>
+              </a:rPr>
+              <a:t>:</a:t>
+            </a:r>
+          </a:p>
+        </p:txBody>
+      </p:sp>
+      <p:pic>
+        <p:nvPicPr>
+          <p:cNvPr id="8" name="Picture 7"/>
+          <p:cNvPicPr>
+            <a:picLocks noChangeAspect="1"/>
+          </p:cNvPicPr>
+          <p:nvPr/>
+        </p:nvPicPr>
+        <p:blipFill>
+          <a:blip r:embed="rId2"/>
+          <a:stretch>
+            <a:fillRect/>
+          </a:stretch>
+        </p:blipFill>
+        <p:spPr>
+          <a:xfrm>
+            <a:off x="1126490" y="2212975"/>
+            <a:ext cx="2894330" cy="2699385"/>
+          </a:xfrm>
+          <a:prstGeom prst="rect">
+            <a:avLst/>
+          </a:prstGeom>
+        </p:spPr>
+      </p:pic>
+      <p:sp>
+        <p:nvSpPr>
+          <p:cNvPr id="9" name="TextBox 8"/>
+          <p:cNvSpPr txBox="1"/>
+          <p:nvPr/>
+        </p:nvSpPr>
+        <p:spPr>
+          <a:xfrm>
+            <a:off x="4598505" y="2138287"/>
+            <a:ext cx="6705400" cy="2784475"/>
+          </a:xfrm>
+          <a:prstGeom prst="rect">
+            <a:avLst/>
+          </a:prstGeom>
+          <a:noFill/>
+        </p:spPr>
+        <p:txBody>
+          <a:bodyPr wrap="square" rtlCol="0">
+            <a:spAutoFit/>
+          </a:bodyPr>
+          <a:lstStyle/>
+          <a:p>
+            <a:r>
+              <a:rPr lang="en-US" sz="2500" dirty="0">
+                <a:latin typeface="Times New Roman" panose="02020603050405020304" pitchFamily="18" charset="0"/>
+                <a:ea typeface="Tahoma" panose="020B0604030504040204" pitchFamily="34" charset="0"/>
+                <a:cs typeface="Tahoma" panose="020B0604030504040204" pitchFamily="34" charset="0"/>
+              </a:rPr>
+              <a:t>-  </a:t>
+            </a:r>
+            <a:r>
+              <a:rPr lang="en-US" sz="2500" dirty="0" err="1">
+                <a:latin typeface="Times New Roman" panose="02020603050405020304" pitchFamily="18" charset="0"/>
+                <a:ea typeface="Tahoma" panose="020B0604030504040204" pitchFamily="34" charset="0"/>
+                <a:cs typeface="Tahoma" panose="020B0604030504040204" pitchFamily="34" charset="0"/>
+              </a:rPr>
+              <a:t>Tách</a:t>
+            </a:r>
+            <a:r>
+              <a:rPr lang="en-US" sz="2500" dirty="0">
+                <a:latin typeface="Times New Roman" panose="02020603050405020304" pitchFamily="18" charset="0"/>
+                <a:ea typeface="Tahoma" panose="020B0604030504040204" pitchFamily="34" charset="0"/>
+                <a:cs typeface="Tahoma" panose="020B0604030504040204" pitchFamily="34" charset="0"/>
+              </a:rPr>
+              <a:t> </a:t>
+            </a:r>
+            <a:r>
+              <a:rPr lang="en-US" sz="2500" dirty="0" err="1">
+                <a:latin typeface="Times New Roman" panose="02020603050405020304" pitchFamily="18" charset="0"/>
+                <a:ea typeface="Tahoma" panose="020B0604030504040204" pitchFamily="34" charset="0"/>
+                <a:cs typeface="Tahoma" panose="020B0604030504040204" pitchFamily="34" charset="0"/>
+              </a:rPr>
+              <a:t>biệt</a:t>
+            </a:r>
+            <a:r>
+              <a:rPr lang="en-US" sz="2500" dirty="0">
+                <a:latin typeface="Times New Roman" panose="02020603050405020304" pitchFamily="18" charset="0"/>
+                <a:ea typeface="Tahoma" panose="020B0604030504040204" pitchFamily="34" charset="0"/>
+                <a:cs typeface="Tahoma" panose="020B0604030504040204" pitchFamily="34" charset="0"/>
+              </a:rPr>
+              <a:t> </a:t>
+            </a:r>
+            <a:r>
+              <a:rPr lang="en-US" sz="2500" dirty="0" err="1">
+                <a:latin typeface="Times New Roman" panose="02020603050405020304" pitchFamily="18" charset="0"/>
+                <a:ea typeface="Tahoma" panose="020B0604030504040204" pitchFamily="34" charset="0"/>
+                <a:cs typeface="Tahoma" panose="020B0604030504040204" pitchFamily="34" charset="0"/>
+              </a:rPr>
+              <a:t>giữa</a:t>
+            </a:r>
+            <a:r>
+              <a:rPr lang="en-US" sz="2500" dirty="0">
+                <a:latin typeface="Times New Roman" panose="02020603050405020304" pitchFamily="18" charset="0"/>
+                <a:ea typeface="Tahoma" panose="020B0604030504040204" pitchFamily="34" charset="0"/>
+                <a:cs typeface="Tahoma" panose="020B0604030504040204" pitchFamily="34" charset="0"/>
+              </a:rPr>
+              <a:t> </a:t>
+            </a:r>
+            <a:r>
+              <a:rPr lang="en-US" sz="2500" dirty="0" err="1">
+                <a:latin typeface="Times New Roman" panose="02020603050405020304" pitchFamily="18" charset="0"/>
+                <a:ea typeface="Tahoma" panose="020B0604030504040204" pitchFamily="34" charset="0"/>
+                <a:cs typeface="Tahoma" panose="020B0604030504040204" pitchFamily="34" charset="0"/>
+              </a:rPr>
+              <a:t>các</a:t>
+            </a:r>
+            <a:r>
+              <a:rPr lang="en-US" sz="2500" dirty="0">
+                <a:latin typeface="Times New Roman" panose="02020603050405020304" pitchFamily="18" charset="0"/>
+                <a:ea typeface="Tahoma" panose="020B0604030504040204" pitchFamily="34" charset="0"/>
+                <a:cs typeface="Tahoma" panose="020B0604030504040204" pitchFamily="34" charset="0"/>
+              </a:rPr>
+              <a:t> </a:t>
+            </a:r>
+            <a:r>
+              <a:rPr lang="en-US" sz="2500" dirty="0" err="1">
+                <a:latin typeface="Times New Roman" panose="02020603050405020304" pitchFamily="18" charset="0"/>
+                <a:ea typeface="Tahoma" panose="020B0604030504040204" pitchFamily="34" charset="0"/>
+                <a:cs typeface="Tahoma" panose="020B0604030504040204" pitchFamily="34" charset="0"/>
+              </a:rPr>
+              <a:t>pha</a:t>
+            </a:r>
+            <a:r>
+              <a:rPr lang="en-US" sz="2500" dirty="0">
+                <a:latin typeface="Times New Roman" panose="02020603050405020304" pitchFamily="18" charset="0"/>
+                <a:ea typeface="Tahoma" panose="020B0604030504040204" pitchFamily="34" charset="0"/>
+                <a:cs typeface="Tahoma" panose="020B0604030504040204" pitchFamily="34" charset="0"/>
+              </a:rPr>
+              <a:t>, </a:t>
+            </a:r>
+            <a:r>
+              <a:rPr lang="en-US" sz="2500" dirty="0" err="1">
+                <a:latin typeface="Times New Roman" panose="02020603050405020304" pitchFamily="18" charset="0"/>
+                <a:ea typeface="Tahoma" panose="020B0604030504040204" pitchFamily="34" charset="0"/>
+                <a:cs typeface="Tahoma" panose="020B0604030504040204" pitchFamily="34" charset="0"/>
+              </a:rPr>
+              <a:t>tiến</a:t>
+            </a:r>
+            <a:r>
+              <a:rPr lang="en-US" sz="2500" dirty="0">
+                <a:latin typeface="Times New Roman" panose="02020603050405020304" pitchFamily="18" charset="0"/>
+                <a:ea typeface="Tahoma" panose="020B0604030504040204" pitchFamily="34" charset="0"/>
+                <a:cs typeface="Tahoma" panose="020B0604030504040204" pitchFamily="34" charset="0"/>
+              </a:rPr>
+              <a:t> </a:t>
+            </a:r>
+            <a:r>
+              <a:rPr lang="en-US" sz="2500" dirty="0" err="1">
+                <a:latin typeface="Times New Roman" panose="02020603050405020304" pitchFamily="18" charset="0"/>
+                <a:ea typeface="Tahoma" panose="020B0604030504040204" pitchFamily="34" charset="0"/>
+                <a:cs typeface="Tahoma" panose="020B0604030504040204" pitchFamily="34" charset="0"/>
+              </a:rPr>
+              <a:t>hành</a:t>
+            </a:r>
+            <a:r>
+              <a:rPr lang="en-US" sz="2500" dirty="0">
+                <a:latin typeface="Times New Roman" panose="02020603050405020304" pitchFamily="18" charset="0"/>
+                <a:ea typeface="Tahoma" panose="020B0604030504040204" pitchFamily="34" charset="0"/>
+                <a:cs typeface="Tahoma" panose="020B0604030504040204" pitchFamily="34" charset="0"/>
+              </a:rPr>
+              <a:t> </a:t>
+            </a:r>
+            <a:r>
+              <a:rPr lang="en-US" sz="2500" dirty="0" err="1">
+                <a:latin typeface="Times New Roman" panose="02020603050405020304" pitchFamily="18" charset="0"/>
+                <a:ea typeface="Tahoma" panose="020B0604030504040204" pitchFamily="34" charset="0"/>
+                <a:cs typeface="Tahoma" panose="020B0604030504040204" pitchFamily="34" charset="0"/>
+              </a:rPr>
+              <a:t>tuần</a:t>
+            </a:r>
+            <a:r>
+              <a:rPr lang="en-US" sz="2500" dirty="0">
+                <a:latin typeface="Times New Roman" panose="02020603050405020304" pitchFamily="18" charset="0"/>
+                <a:ea typeface="Tahoma" panose="020B0604030504040204" pitchFamily="34" charset="0"/>
+                <a:cs typeface="Tahoma" panose="020B0604030504040204" pitchFamily="34" charset="0"/>
+              </a:rPr>
+              <a:t> </a:t>
+            </a:r>
+            <a:r>
+              <a:rPr lang="en-US" sz="2500" dirty="0" err="1">
+                <a:latin typeface="Times New Roman" panose="02020603050405020304" pitchFamily="18" charset="0"/>
+                <a:ea typeface="Tahoma" panose="020B0604030504040204" pitchFamily="34" charset="0"/>
+                <a:cs typeface="Tahoma" panose="020B0604030504040204" pitchFamily="34" charset="0"/>
+              </a:rPr>
+              <a:t>tự</a:t>
+            </a:r>
+            <a:r>
+              <a:rPr lang="en-US" sz="2500" dirty="0">
+                <a:latin typeface="Times New Roman" panose="02020603050405020304" pitchFamily="18" charset="0"/>
+                <a:ea typeface="Tahoma" panose="020B0604030504040204" pitchFamily="34" charset="0"/>
+                <a:cs typeface="Tahoma" panose="020B0604030504040204" pitchFamily="34" charset="0"/>
+              </a:rPr>
+              <a:t>.</a:t>
+            </a:r>
+          </a:p>
+          <a:p>
+            <a:pPr marL="285750" lvl="0" indent="-285750">
+              <a:buFontTx/>
+              <a:buChar char="-"/>
+            </a:pPr>
+            <a:r>
+              <a:rPr lang="en-GB" sz="2500" dirty="0" err="1">
+                <a:latin typeface="Times New Roman" panose="02020603050405020304" pitchFamily="18" charset="0"/>
+                <a:ea typeface="Tahoma" panose="020B0604030504040204" pitchFamily="34" charset="0"/>
+                <a:cs typeface="Tahoma" panose="020B0604030504040204" pitchFamily="34" charset="0"/>
+              </a:rPr>
+              <a:t>Không</a:t>
+            </a:r>
+            <a:r>
+              <a:rPr lang="en-GB" sz="2500" dirty="0">
+                <a:latin typeface="Times New Roman" panose="02020603050405020304" pitchFamily="18" charset="0"/>
+                <a:ea typeface="Tahoma" panose="020B0604030504040204" pitchFamily="34" charset="0"/>
+                <a:cs typeface="Tahoma" panose="020B0604030504040204" pitchFamily="34" charset="0"/>
+              </a:rPr>
+              <a:t> </a:t>
+            </a:r>
+            <a:r>
+              <a:rPr lang="en-GB" sz="2500" dirty="0" err="1">
+                <a:latin typeface="Times New Roman" panose="02020603050405020304" pitchFamily="18" charset="0"/>
+                <a:ea typeface="Tahoma" panose="020B0604030504040204" pitchFamily="34" charset="0"/>
+                <a:cs typeface="Tahoma" panose="020B0604030504040204" pitchFamily="34" charset="0"/>
+              </a:rPr>
+              <a:t>có</a:t>
+            </a:r>
+            <a:r>
+              <a:rPr lang="en-GB" sz="2500" dirty="0">
+                <a:latin typeface="Times New Roman" panose="02020603050405020304" pitchFamily="18" charset="0"/>
+                <a:ea typeface="Tahoma" panose="020B0604030504040204" pitchFamily="34" charset="0"/>
+                <a:cs typeface="Tahoma" panose="020B0604030504040204" pitchFamily="34" charset="0"/>
+              </a:rPr>
+              <a:t> </a:t>
+            </a:r>
+            <a:r>
+              <a:rPr lang="en-GB" sz="2500" dirty="0" err="1">
+                <a:latin typeface="Times New Roman" panose="02020603050405020304" pitchFamily="18" charset="0"/>
+                <a:ea typeface="Tahoma" panose="020B0604030504040204" pitchFamily="34" charset="0"/>
+                <a:cs typeface="Tahoma" panose="020B0604030504040204" pitchFamily="34" charset="0"/>
+              </a:rPr>
+              <a:t>phần</a:t>
+            </a:r>
+            <a:r>
+              <a:rPr lang="en-GB" sz="2500" dirty="0">
+                <a:latin typeface="Times New Roman" panose="02020603050405020304" pitchFamily="18" charset="0"/>
+                <a:ea typeface="Tahoma" panose="020B0604030504040204" pitchFamily="34" charset="0"/>
+                <a:cs typeface="Tahoma" panose="020B0604030504040204" pitchFamily="34" charset="0"/>
+              </a:rPr>
+              <a:t> </a:t>
+            </a:r>
+            <a:r>
+              <a:rPr lang="en-GB" sz="2500" dirty="0" err="1">
+                <a:latin typeface="Times New Roman" panose="02020603050405020304" pitchFamily="18" charset="0"/>
+                <a:ea typeface="Tahoma" panose="020B0604030504040204" pitchFamily="34" charset="0"/>
+                <a:cs typeface="Tahoma" panose="020B0604030504040204" pitchFamily="34" charset="0"/>
+              </a:rPr>
+              <a:t>mềm</a:t>
+            </a:r>
+            <a:r>
+              <a:rPr lang="en-GB" sz="2500" dirty="0">
+                <a:latin typeface="Times New Roman" panose="02020603050405020304" pitchFamily="18" charset="0"/>
+                <a:ea typeface="Tahoma" panose="020B0604030504040204" pitchFamily="34" charset="0"/>
+                <a:cs typeface="Tahoma" panose="020B0604030504040204" pitchFamily="34" charset="0"/>
+              </a:rPr>
+              <a:t> </a:t>
+            </a:r>
+            <a:r>
+              <a:rPr lang="en-GB" sz="2500" dirty="0" err="1">
+                <a:latin typeface="Times New Roman" panose="02020603050405020304" pitchFamily="18" charset="0"/>
+                <a:ea typeface="Tahoma" panose="020B0604030504040204" pitchFamily="34" charset="0"/>
+                <a:cs typeface="Tahoma" panose="020B0604030504040204" pitchFamily="34" charset="0"/>
+              </a:rPr>
+              <a:t>làm</a:t>
+            </a:r>
+            <a:r>
+              <a:rPr lang="en-GB" sz="2500" dirty="0">
+                <a:latin typeface="Times New Roman" panose="02020603050405020304" pitchFamily="18" charset="0"/>
+                <a:ea typeface="Tahoma" panose="020B0604030504040204" pitchFamily="34" charset="0"/>
+                <a:cs typeface="Tahoma" panose="020B0604030504040204" pitchFamily="34" charset="0"/>
+              </a:rPr>
+              <a:t> </a:t>
+            </a:r>
+            <a:r>
+              <a:rPr lang="en-GB" sz="2500" dirty="0" err="1">
+                <a:latin typeface="Times New Roman" panose="02020603050405020304" pitchFamily="18" charset="0"/>
+                <a:ea typeface="Tahoma" panose="020B0604030504040204" pitchFamily="34" charset="0"/>
+                <a:cs typeface="Tahoma" panose="020B0604030504040204" pitchFamily="34" charset="0"/>
+              </a:rPr>
+              <a:t>việc</a:t>
+            </a:r>
+            <a:r>
+              <a:rPr lang="en-GB" sz="2500" dirty="0">
+                <a:latin typeface="Times New Roman" panose="02020603050405020304" pitchFamily="18" charset="0"/>
+                <a:ea typeface="Tahoma" panose="020B0604030504040204" pitchFamily="34" charset="0"/>
+                <a:cs typeface="Tahoma" panose="020B0604030504040204" pitchFamily="34" charset="0"/>
+              </a:rPr>
+              <a:t> </a:t>
+            </a:r>
+            <a:r>
+              <a:rPr lang="en-GB" sz="2500" dirty="0" err="1">
+                <a:latin typeface="Times New Roman" panose="02020603050405020304" pitchFamily="18" charset="0"/>
+                <a:ea typeface="Tahoma" panose="020B0604030504040204" pitchFamily="34" charset="0"/>
+                <a:cs typeface="Tahoma" panose="020B0604030504040204" pitchFamily="34" charset="0"/>
+              </a:rPr>
+              <a:t>được</a:t>
+            </a:r>
+            <a:r>
+              <a:rPr lang="en-GB" sz="2500" dirty="0">
+                <a:latin typeface="Times New Roman" panose="02020603050405020304" pitchFamily="18" charset="0"/>
+                <a:ea typeface="Tahoma" panose="020B0604030504040204" pitchFamily="34" charset="0"/>
+                <a:cs typeface="Tahoma" panose="020B0604030504040204" pitchFamily="34" charset="0"/>
+              </a:rPr>
+              <a:t> </a:t>
+            </a:r>
+            <a:r>
+              <a:rPr lang="en-GB" sz="2500" dirty="0" err="1">
+                <a:latin typeface="Times New Roman" panose="02020603050405020304" pitchFamily="18" charset="0"/>
+                <a:ea typeface="Tahoma" panose="020B0604030504040204" pitchFamily="34" charset="0"/>
+                <a:cs typeface="Tahoma" panose="020B0604030504040204" pitchFamily="34" charset="0"/>
+              </a:rPr>
+              <a:t>tạo</a:t>
+            </a:r>
+            <a:r>
+              <a:rPr lang="en-GB" sz="2500" dirty="0">
+                <a:latin typeface="Times New Roman" panose="02020603050405020304" pitchFamily="18" charset="0"/>
+                <a:ea typeface="Tahoma" panose="020B0604030504040204" pitchFamily="34" charset="0"/>
+                <a:cs typeface="Tahoma" panose="020B0604030504040204" pitchFamily="34" charset="0"/>
+              </a:rPr>
+              <a:t> </a:t>
+            </a:r>
+            <a:r>
+              <a:rPr lang="en-GB" sz="2500" dirty="0" err="1">
+                <a:latin typeface="Times New Roman" panose="02020603050405020304" pitchFamily="18" charset="0"/>
+                <a:ea typeface="Tahoma" panose="020B0604030504040204" pitchFamily="34" charset="0"/>
+                <a:cs typeface="Tahoma" panose="020B0604030504040204" pitchFamily="34" charset="0"/>
+              </a:rPr>
+              <a:t>ra</a:t>
+            </a:r>
+            <a:r>
+              <a:rPr lang="en-GB" sz="2500" dirty="0">
+                <a:latin typeface="Times New Roman" panose="02020603050405020304" pitchFamily="18" charset="0"/>
+                <a:ea typeface="Tahoma" panose="020B0604030504040204" pitchFamily="34" charset="0"/>
+                <a:cs typeface="Tahoma" panose="020B0604030504040204" pitchFamily="34" charset="0"/>
+              </a:rPr>
+              <a:t> </a:t>
+            </a:r>
+            <a:r>
+              <a:rPr lang="en-GB" sz="2500" dirty="0" err="1">
+                <a:latin typeface="Times New Roman" panose="02020603050405020304" pitchFamily="18" charset="0"/>
+                <a:ea typeface="Tahoma" panose="020B0604030504040204" pitchFamily="34" charset="0"/>
+                <a:cs typeface="Tahoma" panose="020B0604030504040204" pitchFamily="34" charset="0"/>
+              </a:rPr>
+              <a:t>cho</a:t>
+            </a:r>
+            <a:r>
+              <a:rPr lang="en-GB" sz="2500" dirty="0">
+                <a:latin typeface="Times New Roman" panose="02020603050405020304" pitchFamily="18" charset="0"/>
+                <a:ea typeface="Tahoma" panose="020B0604030504040204" pitchFamily="34" charset="0"/>
+                <a:cs typeface="Tahoma" panose="020B0604030504040204" pitchFamily="34" charset="0"/>
+              </a:rPr>
+              <a:t> </a:t>
+            </a:r>
+            <a:r>
+              <a:rPr lang="en-GB" sz="2500" dirty="0" err="1">
+                <a:latin typeface="Times New Roman" panose="02020603050405020304" pitchFamily="18" charset="0"/>
+                <a:ea typeface="Tahoma" panose="020B0604030504040204" pitchFamily="34" charset="0"/>
+                <a:cs typeface="Tahoma" panose="020B0604030504040204" pitchFamily="34" charset="0"/>
+              </a:rPr>
+              <a:t>đến</a:t>
+            </a:r>
+            <a:r>
+              <a:rPr lang="en-GB" sz="2500" dirty="0">
+                <a:latin typeface="Times New Roman" panose="02020603050405020304" pitchFamily="18" charset="0"/>
+                <a:ea typeface="Tahoma" panose="020B0604030504040204" pitchFamily="34" charset="0"/>
+                <a:cs typeface="Tahoma" panose="020B0604030504040204" pitchFamily="34" charset="0"/>
+              </a:rPr>
+              <a:t> </a:t>
+            </a:r>
+            <a:r>
+              <a:rPr lang="en-GB" sz="2500" dirty="0" err="1">
+                <a:latin typeface="Times New Roman" panose="02020603050405020304" pitchFamily="18" charset="0"/>
+                <a:ea typeface="Tahoma" panose="020B0604030504040204" pitchFamily="34" charset="0"/>
+                <a:cs typeface="Tahoma" panose="020B0604030504040204" pitchFamily="34" charset="0"/>
+              </a:rPr>
+              <a:t>cuối</a:t>
+            </a:r>
+            <a:r>
+              <a:rPr lang="en-GB" sz="2500" dirty="0">
+                <a:latin typeface="Times New Roman" panose="02020603050405020304" pitchFamily="18" charset="0"/>
+                <a:ea typeface="Tahoma" panose="020B0604030504040204" pitchFamily="34" charset="0"/>
+                <a:cs typeface="Tahoma" panose="020B0604030504040204" pitchFamily="34" charset="0"/>
+              </a:rPr>
+              <a:t> </a:t>
+            </a:r>
+            <a:r>
+              <a:rPr lang="en-GB" sz="2500" dirty="0" err="1">
+                <a:latin typeface="Times New Roman" panose="02020603050405020304" pitchFamily="18" charset="0"/>
+                <a:ea typeface="Tahoma" panose="020B0604030504040204" pitchFamily="34" charset="0"/>
+                <a:cs typeface="Tahoma" panose="020B0604030504040204" pitchFamily="34" charset="0"/>
+              </a:rPr>
+              <a:t>trong</a:t>
+            </a:r>
+            <a:r>
+              <a:rPr lang="en-GB" sz="2500" dirty="0">
+                <a:latin typeface="Times New Roman" panose="02020603050405020304" pitchFamily="18" charset="0"/>
+                <a:ea typeface="Tahoma" panose="020B0604030504040204" pitchFamily="34" charset="0"/>
+                <a:cs typeface="Tahoma" panose="020B0604030504040204" pitchFamily="34" charset="0"/>
+              </a:rPr>
+              <a:t> </a:t>
+            </a:r>
+            <a:r>
+              <a:rPr lang="en-GB" sz="2500" dirty="0" err="1">
+                <a:latin typeface="Times New Roman" panose="02020603050405020304" pitchFamily="18" charset="0"/>
+                <a:ea typeface="Tahoma" panose="020B0604030504040204" pitchFamily="34" charset="0"/>
+                <a:cs typeface="Tahoma" panose="020B0604030504040204" pitchFamily="34" charset="0"/>
+              </a:rPr>
+              <a:t>suốt</a:t>
+            </a:r>
+            <a:r>
+              <a:rPr lang="en-GB" sz="2500" dirty="0">
+                <a:latin typeface="Times New Roman" panose="02020603050405020304" pitchFamily="18" charset="0"/>
+                <a:ea typeface="Tahoma" panose="020B0604030504040204" pitchFamily="34" charset="0"/>
+                <a:cs typeface="Tahoma" panose="020B0604030504040204" pitchFamily="34" charset="0"/>
+              </a:rPr>
+              <a:t> chu </a:t>
+            </a:r>
+            <a:r>
+              <a:rPr lang="en-GB" sz="2500" dirty="0" err="1">
+                <a:latin typeface="Times New Roman" panose="02020603050405020304" pitchFamily="18" charset="0"/>
+                <a:ea typeface="Tahoma" panose="020B0604030504040204" pitchFamily="34" charset="0"/>
+                <a:cs typeface="Tahoma" panose="020B0604030504040204" pitchFamily="34" charset="0"/>
+              </a:rPr>
+              <a:t>trình</a:t>
+            </a:r>
+            <a:r>
+              <a:rPr lang="en-GB" sz="2500" dirty="0">
+                <a:latin typeface="Times New Roman" panose="02020603050405020304" pitchFamily="18" charset="0"/>
+                <a:ea typeface="Tahoma" panose="020B0604030504040204" pitchFamily="34" charset="0"/>
+                <a:cs typeface="Tahoma" panose="020B0604030504040204" pitchFamily="34" charset="0"/>
+              </a:rPr>
+              <a:t> </a:t>
+            </a:r>
+            <a:r>
+              <a:rPr lang="en-GB" sz="2500" dirty="0" err="1">
+                <a:latin typeface="Times New Roman" panose="02020603050405020304" pitchFamily="18" charset="0"/>
+                <a:ea typeface="Tahoma" panose="020B0604030504040204" pitchFamily="34" charset="0"/>
+                <a:cs typeface="Tahoma" panose="020B0604030504040204" pitchFamily="34" charset="0"/>
+              </a:rPr>
+              <a:t>sống</a:t>
+            </a:r>
+            <a:r>
+              <a:rPr lang="en-GB" sz="2500" dirty="0">
+                <a:latin typeface="Times New Roman" panose="02020603050405020304" pitchFamily="18" charset="0"/>
+                <a:ea typeface="Tahoma" panose="020B0604030504040204" pitchFamily="34" charset="0"/>
+                <a:cs typeface="Tahoma" panose="020B0604030504040204" pitchFamily="34" charset="0"/>
+              </a:rPr>
+              <a:t>. </a:t>
+            </a:r>
+            <a:r>
+              <a:rPr lang="en-US" sz="2500" dirty="0" err="1">
+                <a:latin typeface="Times New Roman" panose="02020603050405020304" pitchFamily="18" charset="0"/>
+                <a:ea typeface="Tahoma" panose="020B0604030504040204" pitchFamily="34" charset="0"/>
+                <a:cs typeface="Tahoma" panose="020B0604030504040204" pitchFamily="34" charset="0"/>
+              </a:rPr>
+              <a:t>Đòi</a:t>
+            </a:r>
+            <a:r>
+              <a:rPr lang="en-US" sz="2500" dirty="0">
+                <a:latin typeface="Times New Roman" panose="02020603050405020304" pitchFamily="18" charset="0"/>
+                <a:ea typeface="Tahoma" panose="020B0604030504040204" pitchFamily="34" charset="0"/>
+                <a:cs typeface="Tahoma" panose="020B0604030504040204" pitchFamily="34" charset="0"/>
+              </a:rPr>
+              <a:t> </a:t>
+            </a:r>
+            <a:r>
+              <a:rPr lang="en-US" sz="2500" dirty="0" err="1">
+                <a:latin typeface="Times New Roman" panose="02020603050405020304" pitchFamily="18" charset="0"/>
+                <a:ea typeface="Tahoma" panose="020B0604030504040204" pitchFamily="34" charset="0"/>
+                <a:cs typeface="Tahoma" panose="020B0604030504040204" pitchFamily="34" charset="0"/>
+              </a:rPr>
+              <a:t>hỏi</a:t>
+            </a:r>
+            <a:r>
+              <a:rPr lang="en-US" sz="2500" dirty="0">
+                <a:latin typeface="Times New Roman" panose="02020603050405020304" pitchFamily="18" charset="0"/>
+                <a:ea typeface="Tahoma" panose="020B0604030504040204" pitchFamily="34" charset="0"/>
+                <a:cs typeface="Tahoma" panose="020B0604030504040204" pitchFamily="34" charset="0"/>
+              </a:rPr>
+              <a:t> </a:t>
+            </a:r>
+            <a:r>
+              <a:rPr lang="en-US" sz="2500" dirty="0" err="1">
+                <a:latin typeface="Times New Roman" panose="02020603050405020304" pitchFamily="18" charset="0"/>
+                <a:ea typeface="Tahoma" panose="020B0604030504040204" pitchFamily="34" charset="0"/>
+                <a:cs typeface="Tahoma" panose="020B0604030504040204" pitchFamily="34" charset="0"/>
+              </a:rPr>
+              <a:t>khách</a:t>
+            </a:r>
+            <a:r>
+              <a:rPr lang="en-US" sz="2500" dirty="0">
+                <a:latin typeface="Times New Roman" panose="02020603050405020304" pitchFamily="18" charset="0"/>
+                <a:ea typeface="Tahoma" panose="020B0604030504040204" pitchFamily="34" charset="0"/>
+                <a:cs typeface="Tahoma" panose="020B0604030504040204" pitchFamily="34" charset="0"/>
+              </a:rPr>
+              <a:t> </a:t>
+            </a:r>
+            <a:r>
+              <a:rPr lang="en-US" sz="2500" dirty="0" err="1">
+                <a:latin typeface="Times New Roman" panose="02020603050405020304" pitchFamily="18" charset="0"/>
+                <a:ea typeface="Tahoma" panose="020B0604030504040204" pitchFamily="34" charset="0"/>
+                <a:cs typeface="Tahoma" panose="020B0604030504040204" pitchFamily="34" charset="0"/>
+              </a:rPr>
+              <a:t>hàng</a:t>
+            </a:r>
+            <a:r>
+              <a:rPr lang="en-US" sz="2500" dirty="0">
+                <a:latin typeface="Times New Roman" panose="02020603050405020304" pitchFamily="18" charset="0"/>
+                <a:ea typeface="Tahoma" panose="020B0604030504040204" pitchFamily="34" charset="0"/>
+                <a:cs typeface="Tahoma" panose="020B0604030504040204" pitchFamily="34" charset="0"/>
+              </a:rPr>
+              <a:t> </a:t>
+            </a:r>
+            <a:r>
+              <a:rPr lang="en-US" sz="2500" dirty="0" err="1">
+                <a:latin typeface="Times New Roman" panose="02020603050405020304" pitchFamily="18" charset="0"/>
+                <a:ea typeface="Tahoma" panose="020B0604030504040204" pitchFamily="34" charset="0"/>
+                <a:cs typeface="Tahoma" panose="020B0604030504040204" pitchFamily="34" charset="0"/>
+              </a:rPr>
+              <a:t>phải</a:t>
+            </a:r>
+            <a:r>
+              <a:rPr lang="en-US" sz="2500" dirty="0">
+                <a:latin typeface="Times New Roman" panose="02020603050405020304" pitchFamily="18" charset="0"/>
+                <a:ea typeface="Tahoma" panose="020B0604030504040204" pitchFamily="34" charset="0"/>
+                <a:cs typeface="Tahoma" panose="020B0604030504040204" pitchFamily="34" charset="0"/>
+              </a:rPr>
+              <a:t> </a:t>
+            </a:r>
+            <a:r>
+              <a:rPr lang="en-US" sz="2500" dirty="0" err="1">
+                <a:latin typeface="Times New Roman" panose="02020603050405020304" pitchFamily="18" charset="0"/>
+                <a:ea typeface="Tahoma" panose="020B0604030504040204" pitchFamily="34" charset="0"/>
+                <a:cs typeface="Tahoma" panose="020B0604030504040204" pitchFamily="34" charset="0"/>
+              </a:rPr>
+              <a:t>kiên</a:t>
+            </a:r>
+            <a:r>
+              <a:rPr lang="en-US" sz="2500" dirty="0">
+                <a:latin typeface="Times New Roman" panose="02020603050405020304" pitchFamily="18" charset="0"/>
+                <a:ea typeface="Tahoma" panose="020B0604030504040204" pitchFamily="34" charset="0"/>
+                <a:cs typeface="Tahoma" panose="020B0604030504040204" pitchFamily="34" charset="0"/>
+              </a:rPr>
+              <a:t> </a:t>
+            </a:r>
+            <a:r>
+              <a:rPr lang="en-US" sz="2500" dirty="0" err="1">
+                <a:latin typeface="Times New Roman" panose="02020603050405020304" pitchFamily="18" charset="0"/>
+                <a:ea typeface="Tahoma" panose="020B0604030504040204" pitchFamily="34" charset="0"/>
+                <a:cs typeface="Tahoma" panose="020B0604030504040204" pitchFamily="34" charset="0"/>
+              </a:rPr>
+              <a:t>nhẫn</a:t>
+            </a:r>
+            <a:r>
+              <a:rPr lang="en-US" sz="2500" dirty="0">
+                <a:latin typeface="Times New Roman" panose="02020603050405020304" pitchFamily="18" charset="0"/>
+                <a:ea typeface="Tahoma" panose="020B0604030504040204" pitchFamily="34" charset="0"/>
+                <a:cs typeface="Tahoma" panose="020B0604030504040204" pitchFamily="34" charset="0"/>
+              </a:rPr>
+              <a:t>.</a:t>
+            </a:r>
+          </a:p>
+          <a:p>
+            <a:pPr marL="285750" lvl="0" indent="-285750">
+              <a:buFontTx/>
+              <a:buChar char="-"/>
+            </a:pPr>
+            <a:r>
+              <a:rPr lang="en-GB" sz="2500" dirty="0" err="1">
+                <a:latin typeface="Times New Roman" panose="02020603050405020304" pitchFamily="18" charset="0"/>
+                <a:ea typeface="Tahoma" panose="020B0604030504040204" pitchFamily="34" charset="0"/>
+                <a:cs typeface="Tahoma" panose="020B0604030504040204" pitchFamily="34" charset="0"/>
+              </a:rPr>
+              <a:t>Rủi</a:t>
+            </a:r>
+            <a:r>
+              <a:rPr lang="en-GB" sz="2500" dirty="0">
+                <a:latin typeface="Times New Roman" panose="02020603050405020304" pitchFamily="18" charset="0"/>
+                <a:ea typeface="Tahoma" panose="020B0604030504040204" pitchFamily="34" charset="0"/>
+                <a:cs typeface="Tahoma" panose="020B0604030504040204" pitchFamily="34" charset="0"/>
+              </a:rPr>
+              <a:t> </a:t>
+            </a:r>
+            <a:r>
+              <a:rPr lang="en-GB" sz="2500" dirty="0" err="1">
+                <a:latin typeface="Times New Roman" panose="02020603050405020304" pitchFamily="18" charset="0"/>
+                <a:ea typeface="Tahoma" panose="020B0604030504040204" pitchFamily="34" charset="0"/>
+                <a:cs typeface="Tahoma" panose="020B0604030504040204" pitchFamily="34" charset="0"/>
+              </a:rPr>
+              <a:t>ro</a:t>
+            </a:r>
+            <a:r>
+              <a:rPr lang="en-GB" sz="2500" dirty="0">
+                <a:latin typeface="Times New Roman" panose="02020603050405020304" pitchFamily="18" charset="0"/>
+                <a:ea typeface="Tahoma" panose="020B0604030504040204" pitchFamily="34" charset="0"/>
+                <a:cs typeface="Tahoma" panose="020B0604030504040204" pitchFamily="34" charset="0"/>
+              </a:rPr>
+              <a:t> </a:t>
+            </a:r>
+            <a:r>
+              <a:rPr lang="en-GB" sz="2500" dirty="0" err="1">
+                <a:latin typeface="Times New Roman" panose="02020603050405020304" pitchFamily="18" charset="0"/>
+                <a:ea typeface="Tahoma" panose="020B0604030504040204" pitchFamily="34" charset="0"/>
+                <a:cs typeface="Tahoma" panose="020B0604030504040204" pitchFamily="34" charset="0"/>
+              </a:rPr>
+              <a:t>cao</a:t>
+            </a:r>
+            <a:r>
+              <a:rPr lang="en-GB" sz="2500" dirty="0">
+                <a:latin typeface="Times New Roman" panose="02020603050405020304" pitchFamily="18" charset="0"/>
+                <a:ea typeface="Tahoma" panose="020B0604030504040204" pitchFamily="34" charset="0"/>
+                <a:cs typeface="Tahoma" panose="020B0604030504040204" pitchFamily="34" charset="0"/>
+              </a:rPr>
+              <a:t>.</a:t>
+            </a:r>
+            <a:endParaRPr lang="en-US" sz="2500" dirty="0">
+              <a:latin typeface="Times New Roman" panose="02020603050405020304" pitchFamily="18" charset="0"/>
+              <a:ea typeface="Tahoma" panose="020B0604030504040204" pitchFamily="34" charset="0"/>
+              <a:cs typeface="Tahoma" panose="020B0604030504040204" pitchFamily="34" charset="0"/>
+            </a:endParaRPr>
+          </a:p>
+          <a:p>
+            <a:pPr marL="285750" lvl="0" indent="-285750">
+              <a:buFontTx/>
+              <a:buChar char="-"/>
+            </a:pPr>
+            <a:r>
+              <a:rPr lang="en-GB" sz="2500" dirty="0" err="1">
+                <a:latin typeface="Times New Roman" panose="02020603050405020304" pitchFamily="18" charset="0"/>
+                <a:ea typeface="Tahoma" panose="020B0604030504040204" pitchFamily="34" charset="0"/>
+                <a:cs typeface="Tahoma" panose="020B0604030504040204" pitchFamily="34" charset="0"/>
+              </a:rPr>
+              <a:t>Không</a:t>
+            </a:r>
+            <a:r>
+              <a:rPr lang="en-GB" sz="2500" dirty="0">
+                <a:latin typeface="Times New Roman" panose="02020603050405020304" pitchFamily="18" charset="0"/>
+                <a:ea typeface="Tahoma" panose="020B0604030504040204" pitchFamily="34" charset="0"/>
+                <a:cs typeface="Tahoma" panose="020B0604030504040204" pitchFamily="34" charset="0"/>
+              </a:rPr>
+              <a:t> </a:t>
+            </a:r>
+            <a:r>
+              <a:rPr lang="en-GB" sz="2500" dirty="0" err="1">
+                <a:latin typeface="Times New Roman" panose="02020603050405020304" pitchFamily="18" charset="0"/>
+                <a:ea typeface="Tahoma" panose="020B0604030504040204" pitchFamily="34" charset="0"/>
+                <a:cs typeface="Tahoma" panose="020B0604030504040204" pitchFamily="34" charset="0"/>
+              </a:rPr>
+              <a:t>phải</a:t>
+            </a:r>
+            <a:r>
+              <a:rPr lang="en-GB" sz="2500" dirty="0">
+                <a:latin typeface="Times New Roman" panose="02020603050405020304" pitchFamily="18" charset="0"/>
+                <a:ea typeface="Tahoma" panose="020B0604030504040204" pitchFamily="34" charset="0"/>
+                <a:cs typeface="Tahoma" panose="020B0604030504040204" pitchFamily="34" charset="0"/>
+              </a:rPr>
+              <a:t> </a:t>
+            </a:r>
+            <a:r>
+              <a:rPr lang="en-GB" sz="2500" dirty="0" err="1">
+                <a:latin typeface="Times New Roman" panose="02020603050405020304" pitchFamily="18" charset="0"/>
+                <a:ea typeface="Tahoma" panose="020B0604030504040204" pitchFamily="34" charset="0"/>
+                <a:cs typeface="Tahoma" panose="020B0604030504040204" pitchFamily="34" charset="0"/>
+              </a:rPr>
+              <a:t>là</a:t>
+            </a:r>
+            <a:r>
+              <a:rPr lang="en-GB" sz="2500" dirty="0">
+                <a:latin typeface="Times New Roman" panose="02020603050405020304" pitchFamily="18" charset="0"/>
+                <a:ea typeface="Tahoma" panose="020B0604030504040204" pitchFamily="34" charset="0"/>
+                <a:cs typeface="Tahoma" panose="020B0604030504040204" pitchFamily="34" charset="0"/>
+              </a:rPr>
+              <a:t> </a:t>
+            </a:r>
+            <a:r>
+              <a:rPr lang="en-GB" sz="2500" dirty="0" err="1">
+                <a:latin typeface="Times New Roman" panose="02020603050405020304" pitchFamily="18" charset="0"/>
+                <a:ea typeface="Tahoma" panose="020B0604030504040204" pitchFamily="34" charset="0"/>
+                <a:cs typeface="Tahoma" panose="020B0604030504040204" pitchFamily="34" charset="0"/>
+              </a:rPr>
+              <a:t>một</a:t>
+            </a:r>
+            <a:r>
+              <a:rPr lang="en-GB" sz="2500" dirty="0">
+                <a:latin typeface="Times New Roman" panose="02020603050405020304" pitchFamily="18" charset="0"/>
+                <a:ea typeface="Tahoma" panose="020B0604030504040204" pitchFamily="34" charset="0"/>
+                <a:cs typeface="Tahoma" panose="020B0604030504040204" pitchFamily="34" charset="0"/>
+              </a:rPr>
+              <a:t> </a:t>
+            </a:r>
+            <a:r>
+              <a:rPr lang="en-GB" sz="2500" dirty="0" err="1">
+                <a:latin typeface="Times New Roman" panose="02020603050405020304" pitchFamily="18" charset="0"/>
+                <a:ea typeface="Tahoma" panose="020B0604030504040204" pitchFamily="34" charset="0"/>
+                <a:cs typeface="Tahoma" panose="020B0604030504040204" pitchFamily="34" charset="0"/>
+              </a:rPr>
+              <a:t>mô</a:t>
+            </a:r>
+            <a:r>
+              <a:rPr lang="en-GB" sz="2500" dirty="0">
+                <a:latin typeface="Times New Roman" panose="02020603050405020304" pitchFamily="18" charset="0"/>
+                <a:ea typeface="Tahoma" panose="020B0604030504040204" pitchFamily="34" charset="0"/>
+                <a:cs typeface="Tahoma" panose="020B0604030504040204" pitchFamily="34" charset="0"/>
+              </a:rPr>
+              <a:t> </a:t>
+            </a:r>
+            <a:r>
+              <a:rPr lang="en-GB" sz="2500" dirty="0" err="1">
+                <a:latin typeface="Times New Roman" panose="02020603050405020304" pitchFamily="18" charset="0"/>
+                <a:ea typeface="Tahoma" panose="020B0604030504040204" pitchFamily="34" charset="0"/>
+                <a:cs typeface="Tahoma" panose="020B0604030504040204" pitchFamily="34" charset="0"/>
+              </a:rPr>
+              <a:t>hình</a:t>
+            </a:r>
+            <a:r>
+              <a:rPr lang="en-GB" sz="2500" dirty="0">
+                <a:latin typeface="Times New Roman" panose="02020603050405020304" pitchFamily="18" charset="0"/>
+                <a:ea typeface="Tahoma" panose="020B0604030504040204" pitchFamily="34" charset="0"/>
+                <a:cs typeface="Tahoma" panose="020B0604030504040204" pitchFamily="34" charset="0"/>
+              </a:rPr>
+              <a:t> </a:t>
+            </a:r>
+            <a:r>
+              <a:rPr lang="en-GB" sz="2500" dirty="0" err="1">
+                <a:latin typeface="Times New Roman" panose="02020603050405020304" pitchFamily="18" charset="0"/>
+                <a:ea typeface="Tahoma" panose="020B0604030504040204" pitchFamily="34" charset="0"/>
+                <a:cs typeface="Tahoma" panose="020B0604030504040204" pitchFamily="34" charset="0"/>
+              </a:rPr>
+              <a:t>tốt</a:t>
+            </a:r>
+            <a:r>
+              <a:rPr lang="en-GB" sz="2500" dirty="0">
+                <a:latin typeface="Times New Roman" panose="02020603050405020304" pitchFamily="18" charset="0"/>
+                <a:ea typeface="Tahoma" panose="020B0604030504040204" pitchFamily="34" charset="0"/>
+                <a:cs typeface="Tahoma" panose="020B0604030504040204" pitchFamily="34" charset="0"/>
+              </a:rPr>
+              <a:t> </a:t>
+            </a:r>
+            <a:r>
+              <a:rPr lang="en-GB" sz="2500" dirty="0" err="1">
+                <a:latin typeface="Times New Roman" panose="02020603050405020304" pitchFamily="18" charset="0"/>
+                <a:ea typeface="Tahoma" panose="020B0604030504040204" pitchFamily="34" charset="0"/>
+                <a:cs typeface="Tahoma" panose="020B0604030504040204" pitchFamily="34" charset="0"/>
+              </a:rPr>
+              <a:t>cho</a:t>
+            </a:r>
+            <a:r>
+              <a:rPr lang="en-GB" sz="2500" dirty="0">
+                <a:latin typeface="Times New Roman" panose="02020603050405020304" pitchFamily="18" charset="0"/>
+                <a:ea typeface="Tahoma" panose="020B0604030504040204" pitchFamily="34" charset="0"/>
+                <a:cs typeface="Tahoma" panose="020B0604030504040204" pitchFamily="34" charset="0"/>
+              </a:rPr>
+              <a:t> </a:t>
+            </a:r>
+            <a:r>
+              <a:rPr lang="en-GB" sz="2500" dirty="0" err="1">
+                <a:latin typeface="Times New Roman" panose="02020603050405020304" pitchFamily="18" charset="0"/>
+                <a:ea typeface="Tahoma" panose="020B0604030504040204" pitchFamily="34" charset="0"/>
+                <a:cs typeface="Tahoma" panose="020B0604030504040204" pitchFamily="34" charset="0"/>
+              </a:rPr>
+              <a:t>các</a:t>
+            </a:r>
+            <a:r>
+              <a:rPr lang="en-GB" sz="2500" dirty="0">
+                <a:latin typeface="Times New Roman" panose="02020603050405020304" pitchFamily="18" charset="0"/>
+                <a:ea typeface="Tahoma" panose="020B0604030504040204" pitchFamily="34" charset="0"/>
+                <a:cs typeface="Tahoma" panose="020B0604030504040204" pitchFamily="34" charset="0"/>
+              </a:rPr>
+              <a:t> </a:t>
+            </a:r>
+            <a:r>
+              <a:rPr lang="en-GB" sz="2500" dirty="0" err="1">
+                <a:latin typeface="Times New Roman" panose="02020603050405020304" pitchFamily="18" charset="0"/>
+                <a:ea typeface="Tahoma" panose="020B0604030504040204" pitchFamily="34" charset="0"/>
+                <a:cs typeface="Tahoma" panose="020B0604030504040204" pitchFamily="34" charset="0"/>
+              </a:rPr>
+              <a:t>dự</a:t>
+            </a:r>
+            <a:r>
+              <a:rPr lang="en-GB" sz="2500" dirty="0">
+                <a:latin typeface="Times New Roman" panose="02020603050405020304" pitchFamily="18" charset="0"/>
+                <a:ea typeface="Tahoma" panose="020B0604030504040204" pitchFamily="34" charset="0"/>
+                <a:cs typeface="Tahoma" panose="020B0604030504040204" pitchFamily="34" charset="0"/>
+              </a:rPr>
+              <a:t> </a:t>
+            </a:r>
+            <a:r>
+              <a:rPr lang="en-GB" sz="2500" dirty="0" err="1">
+                <a:latin typeface="Times New Roman" panose="02020603050405020304" pitchFamily="18" charset="0"/>
+                <a:ea typeface="Tahoma" panose="020B0604030504040204" pitchFamily="34" charset="0"/>
+                <a:cs typeface="Tahoma" panose="020B0604030504040204" pitchFamily="34" charset="0"/>
+              </a:rPr>
+              <a:t>án</a:t>
+            </a:r>
+            <a:r>
+              <a:rPr lang="en-GB" sz="2500" dirty="0">
+                <a:latin typeface="Times New Roman" panose="02020603050405020304" pitchFamily="18" charset="0"/>
+                <a:ea typeface="Tahoma" panose="020B0604030504040204" pitchFamily="34" charset="0"/>
+                <a:cs typeface="Tahoma" panose="020B0604030504040204" pitchFamily="34" charset="0"/>
+              </a:rPr>
+              <a:t> </a:t>
+            </a:r>
+            <a:r>
+              <a:rPr lang="en-GB" sz="2500" dirty="0" err="1">
+                <a:latin typeface="Times New Roman" panose="02020603050405020304" pitchFamily="18" charset="0"/>
+                <a:ea typeface="Tahoma" panose="020B0604030504040204" pitchFamily="34" charset="0"/>
+                <a:cs typeface="Tahoma" panose="020B0604030504040204" pitchFamily="34" charset="0"/>
+              </a:rPr>
+              <a:t>phức</a:t>
+            </a:r>
+            <a:r>
+              <a:rPr lang="en-GB" sz="2500" dirty="0">
+                <a:latin typeface="Times New Roman" panose="02020603050405020304" pitchFamily="18" charset="0"/>
+                <a:ea typeface="Tahoma" panose="020B0604030504040204" pitchFamily="34" charset="0"/>
+                <a:cs typeface="Tahoma" panose="020B0604030504040204" pitchFamily="34" charset="0"/>
+              </a:rPr>
+              <a:t> </a:t>
+            </a:r>
+            <a:r>
+              <a:rPr lang="en-GB" sz="2500" dirty="0" err="1">
+                <a:latin typeface="Times New Roman" panose="02020603050405020304" pitchFamily="18" charset="0"/>
+                <a:ea typeface="Tahoma" panose="020B0604030504040204" pitchFamily="34" charset="0"/>
+                <a:cs typeface="Tahoma" panose="020B0604030504040204" pitchFamily="34" charset="0"/>
+              </a:rPr>
+              <a:t>tạp</a:t>
+            </a:r>
+            <a:r>
+              <a:rPr lang="en-GB" sz="2500" dirty="0">
+                <a:latin typeface="Times New Roman" panose="02020603050405020304" pitchFamily="18" charset="0"/>
+                <a:ea typeface="Tahoma" panose="020B0604030504040204" pitchFamily="34" charset="0"/>
+                <a:cs typeface="Tahoma" panose="020B0604030504040204" pitchFamily="34" charset="0"/>
+              </a:rPr>
+              <a:t>, </a:t>
+            </a:r>
+            <a:r>
+              <a:rPr lang="en-GB" sz="2500" dirty="0" err="1">
+                <a:latin typeface="Times New Roman" panose="02020603050405020304" pitchFamily="18" charset="0"/>
+                <a:ea typeface="Tahoma" panose="020B0604030504040204" pitchFamily="34" charset="0"/>
+                <a:cs typeface="Tahoma" panose="020B0604030504040204" pitchFamily="34" charset="0"/>
+              </a:rPr>
+              <a:t>hướng</a:t>
+            </a:r>
+            <a:r>
+              <a:rPr lang="en-GB" sz="2500" dirty="0">
+                <a:latin typeface="Times New Roman" panose="02020603050405020304" pitchFamily="18" charset="0"/>
+                <a:ea typeface="Tahoma" panose="020B0604030504040204" pitchFamily="34" charset="0"/>
+                <a:cs typeface="Tahoma" panose="020B0604030504040204" pitchFamily="34" charset="0"/>
+              </a:rPr>
+              <a:t> </a:t>
+            </a:r>
+            <a:r>
+              <a:rPr lang="en-GB" sz="2500" dirty="0" err="1">
+                <a:latin typeface="Times New Roman" panose="02020603050405020304" pitchFamily="18" charset="0"/>
+                <a:ea typeface="Tahoma" panose="020B0604030504040204" pitchFamily="34" charset="0"/>
+                <a:cs typeface="Tahoma" panose="020B0604030504040204" pitchFamily="34" charset="0"/>
+              </a:rPr>
+              <a:t>đối</a:t>
+            </a:r>
+            <a:r>
+              <a:rPr lang="en-GB" sz="2500" dirty="0">
+                <a:latin typeface="Times New Roman" panose="02020603050405020304" pitchFamily="18" charset="0"/>
+                <a:ea typeface="Tahoma" panose="020B0604030504040204" pitchFamily="34" charset="0"/>
+                <a:cs typeface="Tahoma" panose="020B0604030504040204" pitchFamily="34" charset="0"/>
+              </a:rPr>
+              <a:t> </a:t>
+            </a:r>
+            <a:r>
+              <a:rPr lang="en-GB" sz="2500" dirty="0" err="1">
+                <a:latin typeface="Times New Roman" panose="02020603050405020304" pitchFamily="18" charset="0"/>
+                <a:ea typeface="Tahoma" panose="020B0604030504040204" pitchFamily="34" charset="0"/>
+                <a:cs typeface="Tahoma" panose="020B0604030504040204" pitchFamily="34" charset="0"/>
+              </a:rPr>
+              <a:t>tượng</a:t>
+            </a:r>
+            <a:r>
+              <a:rPr lang="en-GB" sz="2500" dirty="0">
+                <a:latin typeface="Times New Roman" panose="02020603050405020304" pitchFamily="18" charset="0"/>
+                <a:ea typeface="Tahoma" panose="020B0604030504040204" pitchFamily="34" charset="0"/>
+                <a:cs typeface="Tahoma" panose="020B0604030504040204" pitchFamily="34" charset="0"/>
+              </a:rPr>
+              <a:t> </a:t>
+            </a:r>
+            <a:r>
+              <a:rPr lang="en-GB" sz="2500" dirty="0" err="1">
+                <a:latin typeface="Times New Roman" panose="02020603050405020304" pitchFamily="18" charset="0"/>
+                <a:ea typeface="Tahoma" panose="020B0604030504040204" pitchFamily="34" charset="0"/>
+                <a:cs typeface="Tahoma" panose="020B0604030504040204" pitchFamily="34" charset="0"/>
+              </a:rPr>
+              <a:t>và</a:t>
+            </a:r>
+            <a:r>
+              <a:rPr lang="en-GB" sz="2500" dirty="0">
+                <a:latin typeface="Times New Roman" panose="02020603050405020304" pitchFamily="18" charset="0"/>
+                <a:ea typeface="Tahoma" panose="020B0604030504040204" pitchFamily="34" charset="0"/>
+                <a:cs typeface="Tahoma" panose="020B0604030504040204" pitchFamily="34" charset="0"/>
+              </a:rPr>
+              <a:t> </a:t>
+            </a:r>
+            <a:r>
+              <a:rPr lang="en-GB" sz="2500" dirty="0" err="1">
+                <a:latin typeface="Times New Roman" panose="02020603050405020304" pitchFamily="18" charset="0"/>
+                <a:ea typeface="Tahoma" panose="020B0604030504040204" pitchFamily="34" charset="0"/>
+                <a:cs typeface="Tahoma" panose="020B0604030504040204" pitchFamily="34" charset="0"/>
+              </a:rPr>
+              <a:t>dự</a:t>
+            </a:r>
+            <a:r>
+              <a:rPr lang="en-GB" sz="2500" dirty="0">
+                <a:latin typeface="Times New Roman" panose="02020603050405020304" pitchFamily="18" charset="0"/>
+                <a:ea typeface="Tahoma" panose="020B0604030504040204" pitchFamily="34" charset="0"/>
+                <a:cs typeface="Tahoma" panose="020B0604030504040204" pitchFamily="34" charset="0"/>
+              </a:rPr>
+              <a:t> </a:t>
+            </a:r>
+            <a:r>
+              <a:rPr lang="en-GB" sz="2500" dirty="0" err="1">
+                <a:latin typeface="Times New Roman" panose="02020603050405020304" pitchFamily="18" charset="0"/>
+                <a:ea typeface="Tahoma" panose="020B0604030504040204" pitchFamily="34" charset="0"/>
+                <a:cs typeface="Tahoma" panose="020B0604030504040204" pitchFamily="34" charset="0"/>
+              </a:rPr>
+              <a:t>án</a:t>
+            </a:r>
+            <a:r>
+              <a:rPr lang="en-GB" sz="2500" dirty="0">
+                <a:latin typeface="Times New Roman" panose="02020603050405020304" pitchFamily="18" charset="0"/>
+                <a:ea typeface="Tahoma" panose="020B0604030504040204" pitchFamily="34" charset="0"/>
+                <a:cs typeface="Tahoma" panose="020B0604030504040204" pitchFamily="34" charset="0"/>
+              </a:rPr>
+              <a:t> </a:t>
+            </a:r>
+            <a:r>
+              <a:rPr lang="en-GB" sz="2500" dirty="0" err="1">
+                <a:latin typeface="Times New Roman" panose="02020603050405020304" pitchFamily="18" charset="0"/>
+                <a:ea typeface="Tahoma" panose="020B0604030504040204" pitchFamily="34" charset="0"/>
+                <a:cs typeface="Tahoma" panose="020B0604030504040204" pitchFamily="34" charset="0"/>
+              </a:rPr>
+              <a:t>dài</a:t>
+            </a:r>
+            <a:r>
+              <a:rPr lang="en-GB" sz="2500" dirty="0">
+                <a:latin typeface="Times New Roman" panose="02020603050405020304" pitchFamily="18" charset="0"/>
+                <a:ea typeface="Tahoma" panose="020B0604030504040204" pitchFamily="34" charset="0"/>
+                <a:cs typeface="Tahoma" panose="020B0604030504040204" pitchFamily="34" charset="0"/>
+              </a:rPr>
+              <a:t> </a:t>
+            </a:r>
+            <a:r>
+              <a:rPr lang="en-GB" sz="2500" dirty="0" err="1">
+                <a:latin typeface="Times New Roman" panose="02020603050405020304" pitchFamily="18" charset="0"/>
+                <a:ea typeface="Tahoma" panose="020B0604030504040204" pitchFamily="34" charset="0"/>
+                <a:cs typeface="Tahoma" panose="020B0604030504040204" pitchFamily="34" charset="0"/>
+              </a:rPr>
+              <a:t>hạn</a:t>
+            </a:r>
+            <a:r>
+              <a:rPr lang="en-GB" sz="2500" dirty="0">
+                <a:latin typeface="Times New Roman" panose="02020603050405020304" pitchFamily="18" charset="0"/>
+                <a:ea typeface="Tahoma" panose="020B0604030504040204" pitchFamily="34" charset="0"/>
+                <a:cs typeface="Tahoma" panose="020B0604030504040204" pitchFamily="34" charset="0"/>
+              </a:rPr>
+              <a:t>.</a:t>
+            </a:r>
+            <a:endParaRPr lang="en-US" sz="2500" dirty="0">
+              <a:latin typeface="Times New Roman" panose="02020603050405020304" pitchFamily="18" charset="0"/>
+              <a:ea typeface="Tahoma" panose="020B0604030504040204" pitchFamily="34" charset="0"/>
+              <a:cs typeface="Tahoma" panose="020B0604030504040204" pitchFamily="34" charset="0"/>
+            </a:endParaRPr>
+          </a:p>
+        </p:txBody>
+      </p:sp>
+      <p:sp>
+        <p:nvSpPr>
+          <p:cNvPr id="6" name="Slide Number Placeholder 5"/>
+          <p:cNvSpPr>
+            <a:spLocks noGrp="1"/>
+          </p:cNvSpPr>
+          <p:nvPr>
+            <p:ph type="sldNum" sz="quarter" idx="12"/>
+          </p:nvPr>
+        </p:nvSpPr>
+        <p:spPr/>
+        <p:txBody>
+          <a:bodyPr/>
+          <a:lstStyle/>
+          <a:p>
+            <a:fld id="{6BB9AED3-D2BB-49A3-B8E7-A4A64ED2F011}" type="slidenum">
+              <a:rPr lang="en-US" smtClean="0"/>
+              <a:t>10</a:t>
+            </a:fld>
+            <a:endParaRPr lang="en-US"/>
+          </a:p>
+        </p:txBody>
+      </p:sp>
+    </p:spTree>
+  </p:cSld>
+  <p:clrMapOvr>
+    <a:masterClrMapping/>
+  </p:clrMapOvr>
+  <mc:AlternateContent xmlns:mc="http://schemas.openxmlformats.org/markup-compatibility/2006" xmlns:p15="http://schemas.microsoft.com/office/powerpoint/2012/main">
+    <mc:Choice Requires="p15">
+      <p:transition xmlns:p14="http://schemas.microsoft.com/office/powerpoint/2010/main" spd="slow" p14:dur="2000">
+        <p15:prstTrans prst="prestige"/>
+      </p:transition>
+    </mc:Choice>
+    <mc:Fallback xmlns="">
+      <p:transition spd="slow">
+        <p:fade/>
+      </p:transition>
+    </mc:Fallback>
+  </mc:AlternateContent>
+  <p:timing>
+    <p:tnLst>
+      <p:par>
+        <p:cTn id="1" dur="indefinite" restart="never" nodeType="tmRoot">
+          <p:childTnLst>
+            <p:seq concurrent="1" nextAc="seek">
+              <p:cTn id="2" dur="indefinite" nodeType="mainSeq">
+                <p:childTnLst>
+                  <p:par>
+                    <p:cTn id="3" fill="hold">
+                      <p:stCondLst>
+                        <p:cond delay="indefinite"/>
+                      </p:stCondLst>
+                      <p:childTnLst>
+                        <p:par>
+                          <p:cTn id="4" fill="hold">
+                            <p:stCondLst>
+                              <p:cond delay="0"/>
+                            </p:stCondLst>
+                            <p:childTnLst>
+                              <p:par>
+                                <p:cTn id="5" presetID="25" presetClass="entr" presetSubtype="0" fill="hold" grpId="0" nodeType="clickEffect">
+                                  <p:stCondLst>
+                                    <p:cond delay="0"/>
+                                  </p:stCondLst>
+                                  <p:childTnLst>
+                                    <p:set>
+                                      <p:cBhvr>
+                                        <p:cTn id="6" dur="1" fill="hold">
+                                          <p:stCondLst>
+                                            <p:cond delay="0"/>
+                                          </p:stCondLst>
+                                        </p:cTn>
+                                        <p:tgtEl>
+                                          <p:spTgt spid="4"/>
+                                        </p:tgtEl>
+                                        <p:attrNameLst>
+                                          <p:attrName>style.visibility</p:attrName>
+                                        </p:attrNameLst>
+                                      </p:cBhvr>
+                                      <p:to>
+                                        <p:strVal val="visible"/>
+                                      </p:to>
+                                    </p:set>
+                                    <p:anim calcmode="lin" valueType="num">
+                                      <p:cBhvr>
+                                        <p:cTn id="7" dur="500" decel="50000" fill="hold">
+                                          <p:stCondLst>
+                                            <p:cond delay="0"/>
+                                          </p:stCondLst>
+                                        </p:cTn>
+                                        <p:tgtEl>
+                                          <p:spTgt spid="4"/>
+                                        </p:tgtEl>
+                                        <p:attrNameLst>
+                                          <p:attrName>style.rotation</p:attrName>
+                                        </p:attrNameLst>
+                                      </p:cBhvr>
+                                      <p:tavLst>
+                                        <p:tav tm="0">
+                                          <p:val>
+                                            <p:fltVal val="-90"/>
+                                          </p:val>
+                                        </p:tav>
+                                        <p:tav tm="100000">
+                                          <p:val>
+                                            <p:fltVal val="0"/>
+                                          </p:val>
+                                        </p:tav>
+                                      </p:tavLst>
+                                    </p:anim>
+                                    <p:anim calcmode="lin" valueType="num">
+                                      <p:cBhvr>
+                                        <p:cTn id="8" dur="500" decel="50000" fill="hold">
+                                          <p:stCondLst>
+                                            <p:cond delay="0"/>
+                                          </p:stCondLst>
+                                        </p:cTn>
+                                        <p:tgtEl>
+                                          <p:spTgt spid="4"/>
+                                        </p:tgtEl>
+                                        <p:attrNameLst>
+                                          <p:attrName>ppt_w</p:attrName>
+                                        </p:attrNameLst>
+                                      </p:cBhvr>
+                                      <p:tavLst>
+                                        <p:tav tm="0">
+                                          <p:val>
+                                            <p:strVal val="#ppt_w"/>
+                                          </p:val>
+                                        </p:tav>
+                                        <p:tav tm="100000">
+                                          <p:val>
+                                            <p:strVal val="#ppt_w*.05"/>
+                                          </p:val>
+                                        </p:tav>
+                                      </p:tavLst>
+                                    </p:anim>
+                                    <p:anim calcmode="lin" valueType="num">
+                                      <p:cBhvr>
+                                        <p:cTn id="9" dur="500" accel="50000" fill="hold">
+                                          <p:stCondLst>
+                                            <p:cond delay="500"/>
+                                          </p:stCondLst>
+                                        </p:cTn>
+                                        <p:tgtEl>
+                                          <p:spTgt spid="4"/>
+                                        </p:tgtEl>
+                                        <p:attrNameLst>
+                                          <p:attrName>ppt_w</p:attrName>
+                                        </p:attrNameLst>
+                                      </p:cBhvr>
+                                      <p:tavLst>
+                                        <p:tav tm="0">
+                                          <p:val>
+                                            <p:strVal val="#ppt_w*.05"/>
+                                          </p:val>
+                                        </p:tav>
+                                        <p:tav tm="100000">
+                                          <p:val>
+                                            <p:strVal val="#ppt_w"/>
+                                          </p:val>
+                                        </p:tav>
+                                      </p:tavLst>
+                                    </p:anim>
+                                    <p:anim calcmode="lin" valueType="num">
+                                      <p:cBhvr>
+                                        <p:cTn id="10" dur="1000" fill="hold"/>
+                                        <p:tgtEl>
+                                          <p:spTgt spid="4"/>
+                                        </p:tgtEl>
+                                        <p:attrNameLst>
+                                          <p:attrName>ppt_h</p:attrName>
+                                        </p:attrNameLst>
+                                      </p:cBhvr>
+                                      <p:tavLst>
+                                        <p:tav tm="0">
+                                          <p:val>
+                                            <p:strVal val="#ppt_h"/>
+                                          </p:val>
+                                        </p:tav>
+                                        <p:tav tm="100000">
+                                          <p:val>
+                                            <p:strVal val="#ppt_h"/>
+                                          </p:val>
+                                        </p:tav>
+                                      </p:tavLst>
+                                    </p:anim>
+                                    <p:anim calcmode="lin" valueType="num">
+                                      <p:cBhvr>
+                                        <p:cTn id="11" dur="500" decel="50000" fill="hold">
+                                          <p:stCondLst>
+                                            <p:cond delay="0"/>
+                                          </p:stCondLst>
+                                        </p:cTn>
+                                        <p:tgtEl>
+                                          <p:spTgt spid="4"/>
+                                        </p:tgtEl>
+                                        <p:attrNameLst>
+                                          <p:attrName>ppt_x</p:attrName>
+                                        </p:attrNameLst>
+                                      </p:cBhvr>
+                                      <p:tavLst>
+                                        <p:tav tm="0">
+                                          <p:val>
+                                            <p:strVal val="#ppt_x+.4"/>
+                                          </p:val>
+                                        </p:tav>
+                                        <p:tav tm="100000">
+                                          <p:val>
+                                            <p:strVal val="#ppt_x"/>
+                                          </p:val>
+                                        </p:tav>
+                                      </p:tavLst>
+                                    </p:anim>
+                                    <p:anim calcmode="lin" valueType="num">
+                                      <p:cBhvr>
+                                        <p:cTn id="12" dur="500" decel="50000" fill="hold">
+                                          <p:stCondLst>
+                                            <p:cond delay="0"/>
+                                          </p:stCondLst>
+                                        </p:cTn>
+                                        <p:tgtEl>
+                                          <p:spTgt spid="4"/>
+                                        </p:tgtEl>
+                                        <p:attrNameLst>
+                                          <p:attrName>ppt_y</p:attrName>
+                                        </p:attrNameLst>
+                                      </p:cBhvr>
+                                      <p:tavLst>
+                                        <p:tav tm="0">
+                                          <p:val>
+                                            <p:strVal val="#ppt_y-.2"/>
+                                          </p:val>
+                                        </p:tav>
+                                        <p:tav tm="100000">
+                                          <p:val>
+                                            <p:strVal val="#ppt_y+.1"/>
+                                          </p:val>
+                                        </p:tav>
+                                      </p:tavLst>
+                                    </p:anim>
+                                    <p:anim calcmode="lin" valueType="num">
+                                      <p:cBhvr>
+                                        <p:cTn id="13" dur="500" accel="50000" fill="hold">
+                                          <p:stCondLst>
+                                            <p:cond delay="500"/>
+                                          </p:stCondLst>
+                                        </p:cTn>
+                                        <p:tgtEl>
+                                          <p:spTgt spid="4"/>
+                                        </p:tgtEl>
+                                        <p:attrNameLst>
+                                          <p:attrName>ppt_y</p:attrName>
+                                        </p:attrNameLst>
+                                      </p:cBhvr>
+                                      <p:tavLst>
+                                        <p:tav tm="0">
+                                          <p:val>
+                                            <p:strVal val="#ppt_y+.1"/>
+                                          </p:val>
+                                        </p:tav>
+                                        <p:tav tm="100000">
+                                          <p:val>
+                                            <p:strVal val="#ppt_y"/>
+                                          </p:val>
+                                        </p:tav>
+                                      </p:tavLst>
+                                    </p:anim>
+                                    <p:animEffect transition="in" filter="fade">
+                                      <p:cBhvr>
+                                        <p:cTn id="14" dur="1000" decel="50000">
+                                          <p:stCondLst>
+                                            <p:cond delay="0"/>
+                                          </p:stCondLst>
+                                        </p:cTn>
+                                        <p:tgtEl>
+                                          <p:spTgt spid="4"/>
+                                        </p:tgtEl>
+                                      </p:cBhvr>
+                                    </p:animEffect>
+                                  </p:childTnLst>
+                                </p:cTn>
+                              </p:par>
+                            </p:childTnLst>
+                          </p:cTn>
+                        </p:par>
+                      </p:childTnLst>
+                    </p:cTn>
+                  </p:par>
+                  <p:par>
+                    <p:cTn id="15" fill="hold">
+                      <p:stCondLst>
+                        <p:cond delay="indefinite"/>
+                      </p:stCondLst>
+                      <p:childTnLst>
+                        <p:par>
+                          <p:cTn id="16" fill="hold">
+                            <p:stCondLst>
+                              <p:cond delay="0"/>
+                            </p:stCondLst>
+                            <p:childTnLst>
+                              <p:par>
+                                <p:cTn id="17" presetID="6" presetClass="entr" presetSubtype="16" fill="hold" grpId="0" nodeType="clickEffect">
+                                  <p:stCondLst>
+                                    <p:cond delay="0"/>
+                                  </p:stCondLst>
+                                  <p:childTnLst>
+                                    <p:set>
+                                      <p:cBhvr>
+                                        <p:cTn id="18" dur="1" fill="hold">
+                                          <p:stCondLst>
+                                            <p:cond delay="0"/>
+                                          </p:stCondLst>
+                                        </p:cTn>
+                                        <p:tgtEl>
+                                          <p:spTgt spid="9"/>
+                                        </p:tgtEl>
+                                        <p:attrNameLst>
+                                          <p:attrName>style.visibility</p:attrName>
+                                        </p:attrNameLst>
+                                      </p:cBhvr>
+                                      <p:to>
+                                        <p:strVal val="visible"/>
+                                      </p:to>
+                                    </p:set>
+                                    <p:animEffect transition="in" filter="circle(in)">
+                                      <p:cBhvr>
+                                        <p:cTn id="19" dur="2000"/>
+                                        <p:tgtEl>
+                                          <p:spTgt spid="9"/>
+                                        </p:tgtEl>
+                                      </p:cBhvr>
+                                    </p:animEffect>
+                                  </p:childTnLst>
+                                </p:cTn>
+                              </p:par>
+                            </p:childTnLst>
+                          </p:cTn>
+                        </p:par>
+                      </p:childTnLst>
+                    </p:cTn>
+                  </p:par>
+                  <p:par>
+                    <p:cTn id="20" fill="hold">
+                      <p:stCondLst>
+                        <p:cond delay="indefinite"/>
+                      </p:stCondLst>
+                      <p:childTnLst>
+                        <p:par>
+                          <p:cTn id="21" fill="hold">
+                            <p:stCondLst>
+                              <p:cond delay="0"/>
+                            </p:stCondLst>
+                            <p:childTnLst>
+                              <p:par>
+                                <p:cTn id="22" presetID="55" presetClass="entr" presetSubtype="0" fill="hold" nodeType="clickEffect">
+                                  <p:stCondLst>
+                                    <p:cond delay="0"/>
+                                  </p:stCondLst>
+                                  <p:childTnLst>
+                                    <p:set>
+                                      <p:cBhvr>
+                                        <p:cTn id="23" dur="1" fill="hold">
+                                          <p:stCondLst>
+                                            <p:cond delay="0"/>
+                                          </p:stCondLst>
+                                        </p:cTn>
+                                        <p:tgtEl>
+                                          <p:spTgt spid="8"/>
+                                        </p:tgtEl>
+                                        <p:attrNameLst>
+                                          <p:attrName>style.visibility</p:attrName>
+                                        </p:attrNameLst>
+                                      </p:cBhvr>
+                                      <p:to>
+                                        <p:strVal val="visible"/>
+                                      </p:to>
+                                    </p:set>
+                                    <p:anim calcmode="lin" valueType="num">
+                                      <p:cBhvr>
+                                        <p:cTn id="24" dur="1000" fill="hold"/>
+                                        <p:tgtEl>
+                                          <p:spTgt spid="8"/>
+                                        </p:tgtEl>
+                                        <p:attrNameLst>
+                                          <p:attrName>ppt_w</p:attrName>
+                                        </p:attrNameLst>
+                                      </p:cBhvr>
+                                      <p:tavLst>
+                                        <p:tav tm="0">
+                                          <p:val>
+                                            <p:strVal val="#ppt_w*0.70"/>
+                                          </p:val>
+                                        </p:tav>
+                                        <p:tav tm="100000">
+                                          <p:val>
+                                            <p:strVal val="#ppt_w"/>
+                                          </p:val>
+                                        </p:tav>
+                                      </p:tavLst>
+                                    </p:anim>
+                                    <p:anim calcmode="lin" valueType="num">
+                                      <p:cBhvr>
+                                        <p:cTn id="25" dur="1000" fill="hold"/>
+                                        <p:tgtEl>
+                                          <p:spTgt spid="8"/>
+                                        </p:tgtEl>
+                                        <p:attrNameLst>
+                                          <p:attrName>ppt_h</p:attrName>
+                                        </p:attrNameLst>
+                                      </p:cBhvr>
+                                      <p:tavLst>
+                                        <p:tav tm="0">
+                                          <p:val>
+                                            <p:strVal val="#ppt_h"/>
+                                          </p:val>
+                                        </p:tav>
+                                        <p:tav tm="100000">
+                                          <p:val>
+                                            <p:strVal val="#ppt_h"/>
+                                          </p:val>
+                                        </p:tav>
+                                      </p:tavLst>
+                                    </p:anim>
+                                    <p:animEffect transition="in" filter="fade">
+                                      <p:cBhvr>
+                                        <p:cTn id="26" dur="1000"/>
+                                        <p:tgtEl>
+                                          <p:spTgt spid="8"/>
+                                        </p:tgtEl>
+                                      </p:cBhvr>
+                                    </p:animEffect>
+                                  </p:childTnLst>
+                                </p:cTn>
+                              </p:par>
+                            </p:childTnLst>
+                          </p:cTn>
+                        </p:par>
+                      </p:childTnLst>
+                    </p:cTn>
+                  </p:par>
+                </p:childTnLst>
+              </p:cTn>
+              <p:prevCondLst>
+                <p:cond evt="onPrev" delay="0">
+                  <p:tgtEl>
+                    <p:sldTgt/>
+                  </p:tgtEl>
+                </p:cond>
+              </p:prevCondLst>
+              <p:nextCondLst>
+                <p:cond evt="onNext" delay="0">
+                  <p:tgtEl>
+                    <p:sldTgt/>
+                  </p:tgtEl>
+                </p:cond>
+              </p:nextCondLst>
+            </p:seq>
+          </p:childTnLst>
+        </p:cTn>
+      </p:par>
+    </p:tnLst>
+    <p:bldLst>
+      <p:bldP spid="4" grpId="0"/>
+      <p:bldP spid="9" grpId="0"/>
+    </p:bldLst>
+  </p:timing>
+</p:sld>
+</file>
+
+<file path=ppt/slides/slide11.xml><?xml version="1.0" encoding="utf-8"?>
+<p:sld xmlns:a="http://schemas.openxmlformats.org/drawingml/2006/main" xmlns:r="http://schemas.openxmlformats.org/officeDocument/2006/relationships" xmlns:p="http://schemas.openxmlformats.org/presentationml/2006/main">
+  <p:cSld>
+    <p:spTree>
+      <p:nvGrpSpPr>
+        <p:cNvPr id="1" name=""/>
+        <p:cNvGrpSpPr/>
+        <p:nvPr/>
+      </p:nvGrpSpPr>
+      <p:grpSpPr>
+        <a:xfrm>
+          <a:off x="0" y="0"/>
+          <a:ext cx="0" cy="0"/>
+          <a:chOff x="0" y="0"/>
+          <a:chExt cx="0" cy="0"/>
+        </a:xfrm>
+      </p:grpSpPr>
       <p:pic>
         <p:nvPicPr>
           <p:cNvPr id="4" name="Picture 3"/>
@@ -7452,7 +8944,7 @@
           <p:nvPr/>
         </p:nvPicPr>
         <p:blipFill>
-          <a:blip r:embed="rId1"/>
+          <a:blip r:embed="rId2"/>
           <a:stretch>
             <a:fillRect/>
           </a:stretch>
@@ -7476,7 +8968,7 @@
         <p:spPr>
           <a:xfrm>
             <a:off x="944706" y="786497"/>
-            <a:ext cx="3196681" cy="860425"/>
+            <a:ext cx="3196681" cy="1246495"/>
           </a:xfrm>
           <a:prstGeom prst="rect">
             <a:avLst/>
@@ -7657,6 +9149,7 @@
           <a:p>
             <a:fld id="{6BB9AED3-D2BB-49A3-B8E7-A4A64ED2F011}" type="slidenum">
               <a:rPr lang="en-US" smtClean="0"/>
+              <a:t>11</a:t>
             </a:fld>
             <a:endParaRPr lang="en-US"/>
           </a:p>
@@ -7667,13 +9160,13 @@
   <p:clrMapOvr>
     <a:masterClrMapping/>
   </p:clrMapOvr>
-  <mc:AlternateContent xmlns:mc="http://schemas.openxmlformats.org/markup-compatibility/2006">
-    <mc:Choice xmlns:p15="http://schemas.microsoft.com/office/powerpoint/2012/main" Requires="p15">
-      <p:transition xmlns:p14="http://schemas.microsoft.com/office/powerpoint/2010/main" spd="slow" Requires="p14" p14:dur="2000">
+  <mc:AlternateContent xmlns:mc="http://schemas.openxmlformats.org/markup-compatibility/2006" xmlns:p15="http://schemas.microsoft.com/office/powerpoint/2012/main">
+    <mc:Choice Requires="p15">
+      <p:transition xmlns:p14="http://schemas.microsoft.com/office/powerpoint/2010/main" spd="slow" p14:dur="2000">
         <p15:prstTrans prst="prestige"/>
       </p:transition>
     </mc:Choice>
-    <mc:Fallback>
+    <mc:Fallback xmlns="">
       <p:transition spd="slow">
         <p:fade/>
       </p:transition>
@@ -7753,7 +9246,7 @@
                             </p:stCondLst>
                             <p:childTnLst>
                               <p:par>
-                                <p:cTn id="10" presetID="9" presetClass="entr" presetSubtype="0" fill="hold" nodeType="clickEffect">
+                                <p:cTn id="10" presetID="50" presetClass="entr" presetSubtype="0" decel="100000" fill="hold" nodeType="clickEffect">
                                   <p:stCondLst>
                                     <p:cond delay="0"/>
                                   </p:stCondLst>
@@ -7776,9 +9269,55 @@
                                         <p:strVal val="visible"/>
                                       </p:to>
                                     </p:set>
-                                    <p:animEffect transition="in" filter="dissolve">
+                                    <p:anim calcmode="lin" valueType="num">
                                       <p:cBhvr>
-                                        <p:cTn id="12" dur="500"/>
+                                        <p:cTn id="12" dur="1000" fill="hold"/>
+                                        <p:tgtEl>
+                                          <p:spTgt spid="4"/>
+                                        </p:tgtEl>
+                                        <p:attrNameLst>
+                                          <p:attrName>ppt_w</p:attrName>
+                                        </p:attrNameLst>
+                                      </p:cBhvr>
+                                      <p:tavLst>
+                                        <p:tav tm="0">
+                                          <p:val>
+                                            <p:strVal val="#ppt_w+.3"/>
+                                          </p:val>
+                                        </p:tav>
+                                        <p:tav tm="100000">
+                                          <p:val>
+                                            <p:strVal val="#ppt_w"/>
+                                          </p:val>
+                                        </p:tav>
+                                      </p:tavLst>
+                                    </p:anim>
+                                    <p:anim calcmode="lin" valueType="num">
+                                      <p:cBhvr>
+                                        <p:cTn id="13" dur="1000" fill="hold"/>
+                                        <p:tgtEl>
+                                          <p:spTgt spid="4"/>
+                                        </p:tgtEl>
+                                        <p:attrNameLst>
+                                          <p:attrName>ppt_h</p:attrName>
+                                        </p:attrNameLst>
+                                      </p:cBhvr>
+                                      <p:tavLst>
+                                        <p:tav tm="0">
+                                          <p:val>
+                                            <p:strVal val="#ppt_h"/>
+                                          </p:val>
+                                        </p:tav>
+                                        <p:tav tm="100000">
+                                          <p:val>
+                                            <p:strVal val="#ppt_h"/>
+                                          </p:val>
+                                        </p:tav>
+                                      </p:tavLst>
+                                    </p:anim>
+                                    <p:animEffect transition="in" filter="fade">
+                                      <p:cBhvr>
+                                        <p:cTn id="14" dur="1000"/>
                                         <p:tgtEl>
                                           <p:spTgt spid="4"/>
                                         </p:tgtEl>
@@ -7821,7 +9360,7 @@
 </p:sld>
 </file>
 
-<file path=ppt/slides/slide11.xml><?xml version="1.0" encoding="utf-8"?>
+<file path=ppt/slides/slide12.xml><?xml version="1.0" encoding="utf-8"?>
 <p:sld xmlns:a="http://schemas.openxmlformats.org/drawingml/2006/main" xmlns:r="http://schemas.openxmlformats.org/officeDocument/2006/relationships" xmlns:p="http://schemas.openxmlformats.org/presentationml/2006/main">
   <p:cSld>
     <p:spTree>
@@ -7924,11 +9463,6 @@
               </a:rPr>
               <a:t>:</a:t>
             </a:r>
-            <a:endParaRPr lang="en-US" sz="2500" dirty="0">
-              <a:latin typeface="Tahoma" panose="020B0604030504040204" pitchFamily="34" charset="0"/>
-              <a:ea typeface="Tahoma" panose="020B0604030504040204" pitchFamily="34" charset="0"/>
-              <a:cs typeface="Tahoma" panose="020B0604030504040204" pitchFamily="34" charset="0"/>
-            </a:endParaRPr>
           </a:p>
         </p:txBody>
       </p:sp>
@@ -7941,7 +9475,7 @@
           <p:nvPr/>
         </p:nvPicPr>
         <p:blipFill>
-          <a:blip r:embed="rId1"/>
+          <a:blip r:embed="rId2"/>
           <a:stretch>
             <a:fillRect/>
           </a:stretch>
@@ -7973,6 +9507,7 @@
           <a:p>
             <a:fld id="{6BB9AED3-D2BB-49A3-B8E7-A4A64ED2F011}" type="slidenum">
               <a:rPr lang="en-US" smtClean="0"/>
+              <a:t>12</a:t>
             </a:fld>
             <a:endParaRPr lang="en-US"/>
           </a:p>
@@ -7983,13 +9518,13 @@
   <p:clrMapOvr>
     <a:masterClrMapping/>
   </p:clrMapOvr>
-  <mc:AlternateContent xmlns:mc="http://schemas.openxmlformats.org/markup-compatibility/2006">
-    <mc:Choice xmlns:p15="http://schemas.microsoft.com/office/powerpoint/2012/main" Requires="p15">
-      <p:transition xmlns:p14="http://schemas.microsoft.com/office/powerpoint/2010/main" spd="slow" Requires="p14" p14:dur="2000">
+  <mc:AlternateContent xmlns:mc="http://schemas.openxmlformats.org/markup-compatibility/2006" xmlns:p15="http://schemas.microsoft.com/office/powerpoint/2012/main">
+    <mc:Choice Requires="p15">
+      <p:transition xmlns:p14="http://schemas.microsoft.com/office/powerpoint/2010/main" spd="slow" p14:dur="2000">
         <p15:prstTrans prst="prestige"/>
       </p:transition>
     </mc:Choice>
-    <mc:Fallback>
+    <mc:Fallback xmlns="">
       <p:transition spd="slow">
         <p:fade/>
       </p:transition>
@@ -8326,7 +9861,7 @@
 </p:sld>
 </file>
 
-<file path=ppt/slides/slide12.xml><?xml version="1.0" encoding="utf-8"?>
+<file path=ppt/slides/slide13.xml><?xml version="1.0" encoding="utf-8"?>
 <p:sld xmlns:a="http://schemas.openxmlformats.org/drawingml/2006/main" xmlns:r="http://schemas.openxmlformats.org/officeDocument/2006/relationships" xmlns:p="http://schemas.openxmlformats.org/presentationml/2006/main">
   <p:cSld>
     <p:spTree>
@@ -8422,8 +9957,20 @@
                 <a:tableStyleId>{5C22544A-7EE6-4342-B048-85BDC9FD1C3A}</a:tableStyleId>
               </a:tblPr>
               <a:tblGrid>
-                <a:gridCol w="4805680"/>
-                <a:gridCol w="4805680"/>
+                <a:gridCol w="4805680">
+                  <a:extLst>
+                    <a:ext uri="{9D8B030D-6E8A-4147-A177-3AD203B41FA5}">
+                      <a16:colId xmlns:a16="http://schemas.microsoft.com/office/drawing/2014/main" val="20000"/>
+                    </a:ext>
+                  </a:extLst>
+                </a:gridCol>
+                <a:gridCol w="4805680">
+                  <a:extLst>
+                    <a:ext uri="{9D8B030D-6E8A-4147-A177-3AD203B41FA5}">
+                      <a16:colId xmlns:a16="http://schemas.microsoft.com/office/drawing/2014/main" val="20001"/>
+                    </a:ext>
+                  </a:extLst>
+                </a:gridCol>
               </a:tblGrid>
               <a:tr h="551815">
                 <a:tc>
@@ -8443,14 +9990,6 @@
                         </a:rPr>
                         <a:t>WATERFALL</a:t>
                       </a:r>
-                      <a:endParaRPr lang="en-US" sz="2500" b="1" dirty="0">
-                        <a:solidFill>
-                          <a:schemeClr val="bg1"/>
-                        </a:solidFill>
-                        <a:latin typeface="Times New Roman" panose="02020603050405020304" pitchFamily="18" charset="0"/>
-                        <a:ea typeface="Tahoma" panose="020B0604030504040204" pitchFamily="34" charset="0"/>
-                        <a:cs typeface="Tahoma" panose="020B0604030504040204" pitchFamily="34" charset="0"/>
-                      </a:endParaRPr>
                     </a:p>
                   </a:txBody>
                   <a:tcPr/>
@@ -8484,6 +10023,11 @@
                   </a:txBody>
                   <a:tcPr/>
                 </a:tc>
+                <a:extLst>
+                  <a:ext uri="{0D108BD9-81ED-4DB2-BD59-A6C34878D82A}">
+                    <a16:rowId xmlns:a16="http://schemas.microsoft.com/office/drawing/2014/main" val="10000"/>
+                  </a:ext>
+                </a:extLst>
               </a:tr>
               <a:tr h="3245485">
                 <a:tc>
@@ -8675,15 +10219,6 @@
                         </a:rPr>
                         <a:t> </a:t>
                       </a:r>
-                      <a:endParaRPr lang="en-GB" sz="2500" b="0" kern="1200" dirty="0">
-                        <a:solidFill>
-                          <a:schemeClr val="dk1"/>
-                        </a:solidFill>
-                        <a:effectLst/>
-                        <a:latin typeface="Times New Roman" panose="02020603050405020304" pitchFamily="18" charset="0"/>
-                        <a:ea typeface="Tahoma" panose="020B0604030504040204" pitchFamily="34" charset="0"/>
-                        <a:cs typeface="Tahoma" panose="020B0604030504040204" pitchFamily="34" charset="0"/>
-                      </a:endParaRPr>
                     </a:p>
                     <a:p>
                       <a:pPr marL="285750" marR="0" lvl="0" indent="-285750" algn="l" defTabSz="914400" rtl="0" eaLnBrk="1" fontAlgn="auto" latinLnBrk="0" hangingPunct="1">
@@ -8822,15 +10357,6 @@
                         </a:rPr>
                         <a:t>.</a:t>
                       </a:r>
-                      <a:endParaRPr lang="en-GB" sz="2500" b="0" kern="1200" dirty="0">
-                        <a:solidFill>
-                          <a:schemeClr val="dk1"/>
-                        </a:solidFill>
-                        <a:effectLst/>
-                        <a:latin typeface="Times New Roman" panose="02020603050405020304" pitchFamily="18" charset="0"/>
-                        <a:ea typeface="Tahoma" panose="020B0604030504040204" pitchFamily="34" charset="0"/>
-                        <a:cs typeface="Tahoma" panose="020B0604030504040204" pitchFamily="34" charset="0"/>
-                      </a:endParaRPr>
                     </a:p>
                     <a:p>
                       <a:pPr marL="285750" marR="0" lvl="0" indent="-285750" algn="l" defTabSz="914400" rtl="0" eaLnBrk="1" fontAlgn="auto" latinLnBrk="0" hangingPunct="1">
@@ -8969,15 +10495,6 @@
                         </a:rPr>
                         <a:t>.</a:t>
                       </a:r>
-                      <a:endParaRPr lang="en-GB" sz="2500" b="0" kern="1200" dirty="0">
-                        <a:solidFill>
-                          <a:schemeClr val="dk1"/>
-                        </a:solidFill>
-                        <a:effectLst/>
-                        <a:latin typeface="Times New Roman" panose="02020603050405020304" pitchFamily="18" charset="0"/>
-                        <a:ea typeface="Tahoma" panose="020B0604030504040204" pitchFamily="34" charset="0"/>
-                        <a:cs typeface="Tahoma" panose="020B0604030504040204" pitchFamily="34" charset="0"/>
-                      </a:endParaRPr>
                     </a:p>
                     <a:p>
                       <a:pPr marL="285750" indent="-285750">
@@ -9056,15 +10573,6 @@
                         </a:rPr>
                         <a:t>.</a:t>
                       </a:r>
-                      <a:endParaRPr lang="en-GB" sz="2500" b="0" kern="1200" dirty="0">
-                        <a:solidFill>
-                          <a:schemeClr val="dk1"/>
-                        </a:solidFill>
-                        <a:effectLst/>
-                        <a:latin typeface="Times New Roman" panose="02020603050405020304" pitchFamily="18" charset="0"/>
-                        <a:ea typeface="Tahoma" panose="020B0604030504040204" pitchFamily="34" charset="0"/>
-                        <a:cs typeface="Tahoma" panose="020B0604030504040204" pitchFamily="34" charset="0"/>
-                      </a:endParaRPr>
                     </a:p>
                     <a:p>
                       <a:pPr marL="285750" indent="-285750">
@@ -9500,15 +11008,6 @@
                         </a:rPr>
                         <a:t>.</a:t>
                       </a:r>
-                      <a:endParaRPr lang="en-GB" sz="2500" b="0" kern="1200" dirty="0">
-                        <a:solidFill>
-                          <a:schemeClr val="dk1"/>
-                        </a:solidFill>
-                        <a:effectLst/>
-                        <a:latin typeface="Times New Roman" panose="02020603050405020304" pitchFamily="18" charset="0"/>
-                        <a:ea typeface="Tahoma" panose="020B0604030504040204" pitchFamily="34" charset="0"/>
-                        <a:cs typeface="Tahoma" panose="020B0604030504040204" pitchFamily="34" charset="0"/>
-                      </a:endParaRPr>
                     </a:p>
                     <a:p>
                       <a:pPr marL="285750" indent="-285750">
@@ -9635,15 +11134,6 @@
                         </a:rPr>
                         <a:t>.</a:t>
                       </a:r>
-                      <a:endParaRPr lang="en-GB" sz="2500" b="0" kern="1200" dirty="0">
-                        <a:solidFill>
-                          <a:schemeClr val="dk1"/>
-                        </a:solidFill>
-                        <a:effectLst/>
-                        <a:latin typeface="Times New Roman" panose="02020603050405020304" pitchFamily="18" charset="0"/>
-                        <a:ea typeface="Tahoma" panose="020B0604030504040204" pitchFamily="34" charset="0"/>
-                        <a:cs typeface="Tahoma" panose="020B0604030504040204" pitchFamily="34" charset="0"/>
-                      </a:endParaRPr>
                     </a:p>
                     <a:p>
                       <a:pPr marL="285750" indent="-285750">
@@ -9746,15 +11236,6 @@
                         </a:rPr>
                         <a:t>.</a:t>
                       </a:r>
-                      <a:endParaRPr lang="en-GB" sz="2500" b="0" kern="1200" dirty="0">
-                        <a:solidFill>
-                          <a:schemeClr val="dk1"/>
-                        </a:solidFill>
-                        <a:effectLst/>
-                        <a:latin typeface="Times New Roman" panose="02020603050405020304" pitchFamily="18" charset="0"/>
-                        <a:ea typeface="Tahoma" panose="020B0604030504040204" pitchFamily="34" charset="0"/>
-                        <a:cs typeface="Tahoma" panose="020B0604030504040204" pitchFamily="34" charset="0"/>
-                      </a:endParaRPr>
                     </a:p>
                     <a:p>
                       <a:pPr marL="285750" indent="-285750">
@@ -10226,6 +11707,11 @@
                   </a:txBody>
                   <a:tcPr/>
                 </a:tc>
+                <a:extLst>
+                  <a:ext uri="{0D108BD9-81ED-4DB2-BD59-A6C34878D82A}">
+                    <a16:rowId xmlns:a16="http://schemas.microsoft.com/office/drawing/2014/main" val="10001"/>
+                  </a:ext>
+                </a:extLst>
               </a:tr>
             </a:tbl>
           </a:graphicData>
@@ -10248,351 +11734,24 @@
           <a:p>
             <a:fld id="{6BB9AED3-D2BB-49A3-B8E7-A4A64ED2F011}" type="slidenum">
               <a:rPr lang="en-US" smtClean="0"/>
+              <a:t>13</a:t>
             </a:fld>
             <a:endParaRPr lang="en-US"/>
           </a:p>
         </p:txBody>
       </p:sp>
-      <p:sp>
-        <p:nvSpPr>
-          <p:cNvPr id="6" name="TextBox 5"/>
-          <p:cNvSpPr txBox="1"/>
-          <p:nvPr/>
-        </p:nvSpPr>
-        <p:spPr>
-          <a:xfrm>
-            <a:off x="1831485" y="1235426"/>
-            <a:ext cx="8529029" cy="1168400"/>
-          </a:xfrm>
-          <a:prstGeom prst="rect">
-            <a:avLst/>
-          </a:prstGeom>
-          <a:noFill/>
-        </p:spPr>
-        <p:txBody>
-          <a:bodyPr wrap="square" rtlCol="0">
-            <a:spAutoFit/>
-          </a:bodyPr>
-          <a:lstStyle/>
-          <a:p>
-            <a:pPr algn="ctr"/>
-            <a:r>
-              <a:rPr lang="en-US" sz="3500" b="1" dirty="0" err="1">
-                <a:solidFill>
-                  <a:srgbClr val="FF0066"/>
-                </a:solidFill>
-                <a:latin typeface="Times New Roman" panose="02020603050405020304" pitchFamily="18" charset="0"/>
-                <a:ea typeface="Tahoma" panose="020B0604030504040204" pitchFamily="34" charset="0"/>
-                <a:cs typeface="Tahoma" panose="020B0604030504040204" pitchFamily="34" charset="0"/>
-              </a:rPr>
-              <a:t>Cám</a:t>
-            </a:r>
-            <a:r>
-              <a:rPr lang="en-US" sz="3500" b="1" dirty="0">
-                <a:solidFill>
-                  <a:srgbClr val="FF0066"/>
-                </a:solidFill>
-                <a:latin typeface="Times New Roman" panose="02020603050405020304" pitchFamily="18" charset="0"/>
-                <a:ea typeface="Tahoma" panose="020B0604030504040204" pitchFamily="34" charset="0"/>
-                <a:cs typeface="Tahoma" panose="020B0604030504040204" pitchFamily="34" charset="0"/>
-              </a:rPr>
-              <a:t> </a:t>
-            </a:r>
-            <a:r>
-              <a:rPr lang="vi-VN" sz="3500" b="1" dirty="0">
-                <a:solidFill>
-                  <a:srgbClr val="FF0066"/>
-                </a:solidFill>
-                <a:latin typeface="Times New Roman" panose="02020603050405020304" pitchFamily="18" charset="0"/>
-                <a:ea typeface="Tahoma" panose="020B0604030504040204" pitchFamily="34" charset="0"/>
-                <a:cs typeface="Tahoma" panose="020B0604030504040204" pitchFamily="34" charset="0"/>
-              </a:rPr>
-              <a:t>ơ</a:t>
-            </a:r>
-            <a:r>
-              <a:rPr lang="en-US" sz="3500" b="1" dirty="0">
-                <a:solidFill>
-                  <a:srgbClr val="FF0066"/>
-                </a:solidFill>
-                <a:latin typeface="Times New Roman" panose="02020603050405020304" pitchFamily="18" charset="0"/>
-                <a:ea typeface="Tahoma" panose="020B0604030504040204" pitchFamily="34" charset="0"/>
-                <a:cs typeface="Tahoma" panose="020B0604030504040204" pitchFamily="34" charset="0"/>
-              </a:rPr>
-              <a:t>n </a:t>
-            </a:r>
-            <a:r>
-              <a:rPr lang="en-US" sz="3500" b="1" dirty="0" err="1">
-                <a:solidFill>
-                  <a:srgbClr val="FF0066"/>
-                </a:solidFill>
-                <a:latin typeface="Times New Roman" panose="02020603050405020304" pitchFamily="18" charset="0"/>
-                <a:ea typeface="Tahoma" panose="020B0604030504040204" pitchFamily="34" charset="0"/>
-                <a:cs typeface="Tahoma" panose="020B0604030504040204" pitchFamily="34" charset="0"/>
-              </a:rPr>
-              <a:t>thầy</a:t>
-            </a:r>
-            <a:r>
-              <a:rPr lang="en-US" sz="3500" b="1" dirty="0">
-                <a:solidFill>
-                  <a:srgbClr val="FF0066"/>
-                </a:solidFill>
-                <a:latin typeface="Times New Roman" panose="02020603050405020304" pitchFamily="18" charset="0"/>
-                <a:ea typeface="Tahoma" panose="020B0604030504040204" pitchFamily="34" charset="0"/>
-                <a:cs typeface="Tahoma" panose="020B0604030504040204" pitchFamily="34" charset="0"/>
-              </a:rPr>
-              <a:t> </a:t>
-            </a:r>
-            <a:r>
-              <a:rPr lang="en-US" sz="3500" b="1" dirty="0" err="1">
-                <a:solidFill>
-                  <a:srgbClr val="FF0066"/>
-                </a:solidFill>
-                <a:latin typeface="Times New Roman" panose="02020603050405020304" pitchFamily="18" charset="0"/>
-                <a:ea typeface="Tahoma" panose="020B0604030504040204" pitchFamily="34" charset="0"/>
-                <a:cs typeface="Tahoma" panose="020B0604030504040204" pitchFamily="34" charset="0"/>
-              </a:rPr>
-              <a:t>và</a:t>
-            </a:r>
-            <a:r>
-              <a:rPr lang="en-US" sz="3500" b="1" dirty="0">
-                <a:solidFill>
-                  <a:srgbClr val="FF0066"/>
-                </a:solidFill>
-                <a:latin typeface="Times New Roman" panose="02020603050405020304" pitchFamily="18" charset="0"/>
-                <a:ea typeface="Tahoma" panose="020B0604030504040204" pitchFamily="34" charset="0"/>
-                <a:cs typeface="Tahoma" panose="020B0604030504040204" pitchFamily="34" charset="0"/>
-              </a:rPr>
-              <a:t> </a:t>
-            </a:r>
-            <a:r>
-              <a:rPr lang="en-US" sz="3500" b="1" dirty="0" err="1">
-                <a:solidFill>
-                  <a:srgbClr val="FF0066"/>
-                </a:solidFill>
-                <a:latin typeface="Times New Roman" panose="02020603050405020304" pitchFamily="18" charset="0"/>
-                <a:ea typeface="Tahoma" panose="020B0604030504040204" pitchFamily="34" charset="0"/>
-                <a:cs typeface="Tahoma" panose="020B0604030504040204" pitchFamily="34" charset="0"/>
-              </a:rPr>
-              <a:t>các</a:t>
-            </a:r>
-            <a:r>
-              <a:rPr lang="en-US" sz="3500" b="1" dirty="0">
-                <a:solidFill>
-                  <a:srgbClr val="FF0066"/>
-                </a:solidFill>
-                <a:latin typeface="Times New Roman" panose="02020603050405020304" pitchFamily="18" charset="0"/>
-                <a:ea typeface="Tahoma" panose="020B0604030504040204" pitchFamily="34" charset="0"/>
-                <a:cs typeface="Tahoma" panose="020B0604030504040204" pitchFamily="34" charset="0"/>
-              </a:rPr>
-              <a:t> </a:t>
-            </a:r>
-            <a:r>
-              <a:rPr lang="en-US" sz="3500" b="1" dirty="0" err="1">
-                <a:solidFill>
-                  <a:srgbClr val="FF0066"/>
-                </a:solidFill>
-                <a:latin typeface="Times New Roman" panose="02020603050405020304" pitchFamily="18" charset="0"/>
-                <a:ea typeface="Tahoma" panose="020B0604030504040204" pitchFamily="34" charset="0"/>
-                <a:cs typeface="Tahoma" panose="020B0604030504040204" pitchFamily="34" charset="0"/>
-              </a:rPr>
-              <a:t>bạn</a:t>
-            </a:r>
-            <a:r>
-              <a:rPr lang="en-US" sz="3500" b="1" dirty="0">
-                <a:solidFill>
-                  <a:srgbClr val="FF0066"/>
-                </a:solidFill>
-                <a:latin typeface="Times New Roman" panose="02020603050405020304" pitchFamily="18" charset="0"/>
-                <a:ea typeface="Tahoma" panose="020B0604030504040204" pitchFamily="34" charset="0"/>
-                <a:cs typeface="Tahoma" panose="020B0604030504040204" pitchFamily="34" charset="0"/>
-              </a:rPr>
-              <a:t> </a:t>
-            </a:r>
-            <a:r>
-              <a:rPr lang="en-US" sz="3500" b="1" dirty="0" err="1">
-                <a:solidFill>
-                  <a:srgbClr val="FF0066"/>
-                </a:solidFill>
-                <a:latin typeface="Times New Roman" panose="02020603050405020304" pitchFamily="18" charset="0"/>
-                <a:ea typeface="Tahoma" panose="020B0604030504040204" pitchFamily="34" charset="0"/>
-                <a:cs typeface="Tahoma" panose="020B0604030504040204" pitchFamily="34" charset="0"/>
-              </a:rPr>
-              <a:t>đã</a:t>
-            </a:r>
-            <a:r>
-              <a:rPr lang="en-US" sz="3500" b="1" dirty="0">
-                <a:solidFill>
-                  <a:srgbClr val="FF0066"/>
-                </a:solidFill>
-                <a:latin typeface="Times New Roman" panose="02020603050405020304" pitchFamily="18" charset="0"/>
-                <a:ea typeface="Tahoma" panose="020B0604030504040204" pitchFamily="34" charset="0"/>
-                <a:cs typeface="Tahoma" panose="020B0604030504040204" pitchFamily="34" charset="0"/>
-              </a:rPr>
-              <a:t> </a:t>
-            </a:r>
-            <a:r>
-              <a:rPr lang="en-US" sz="3500" b="1" dirty="0" err="1">
-                <a:solidFill>
-                  <a:srgbClr val="FF0066"/>
-                </a:solidFill>
-                <a:latin typeface="Times New Roman" panose="02020603050405020304" pitchFamily="18" charset="0"/>
-                <a:ea typeface="Tahoma" panose="020B0604030504040204" pitchFamily="34" charset="0"/>
-                <a:cs typeface="Tahoma" panose="020B0604030504040204" pitchFamily="34" charset="0"/>
-              </a:rPr>
-              <a:t>theo</a:t>
-            </a:r>
-            <a:r>
-              <a:rPr lang="en-US" sz="3500" b="1" dirty="0">
-                <a:solidFill>
-                  <a:srgbClr val="FF0066"/>
-                </a:solidFill>
-                <a:latin typeface="Times New Roman" panose="02020603050405020304" pitchFamily="18" charset="0"/>
-                <a:ea typeface="Tahoma" panose="020B0604030504040204" pitchFamily="34" charset="0"/>
-                <a:cs typeface="Tahoma" panose="020B0604030504040204" pitchFamily="34" charset="0"/>
-              </a:rPr>
-              <a:t> </a:t>
-            </a:r>
-            <a:r>
-              <a:rPr lang="en-US" sz="3500" b="1" dirty="0" err="1">
-                <a:solidFill>
-                  <a:srgbClr val="FF0066"/>
-                </a:solidFill>
-                <a:latin typeface="Times New Roman" panose="02020603050405020304" pitchFamily="18" charset="0"/>
-                <a:ea typeface="Tahoma" panose="020B0604030504040204" pitchFamily="34" charset="0"/>
-                <a:cs typeface="Tahoma" panose="020B0604030504040204" pitchFamily="34" charset="0"/>
-              </a:rPr>
-              <a:t>dõi</a:t>
-            </a:r>
-            <a:r>
-              <a:rPr lang="en-US" sz="3500" b="1" dirty="0">
-                <a:solidFill>
-                  <a:srgbClr val="FF0066"/>
-                </a:solidFill>
-                <a:latin typeface="Times New Roman" panose="02020603050405020304" pitchFamily="18" charset="0"/>
-                <a:ea typeface="Tahoma" panose="020B0604030504040204" pitchFamily="34" charset="0"/>
-                <a:cs typeface="Tahoma" panose="020B0604030504040204" pitchFamily="34" charset="0"/>
-              </a:rPr>
-              <a:t> </a:t>
-            </a:r>
-            <a:r>
-              <a:rPr lang="en-US" sz="3500" b="1" dirty="0" err="1">
-                <a:solidFill>
-                  <a:srgbClr val="FF0066"/>
-                </a:solidFill>
-                <a:latin typeface="Times New Roman" panose="02020603050405020304" pitchFamily="18" charset="0"/>
-                <a:ea typeface="Tahoma" panose="020B0604030504040204" pitchFamily="34" charset="0"/>
-                <a:cs typeface="Tahoma" panose="020B0604030504040204" pitchFamily="34" charset="0"/>
-              </a:rPr>
-              <a:t>và</a:t>
-            </a:r>
-            <a:r>
-              <a:rPr lang="en-US" sz="3500" b="1" dirty="0">
-                <a:solidFill>
-                  <a:srgbClr val="FF0066"/>
-                </a:solidFill>
-                <a:latin typeface="Times New Roman" panose="02020603050405020304" pitchFamily="18" charset="0"/>
-                <a:ea typeface="Tahoma" panose="020B0604030504040204" pitchFamily="34" charset="0"/>
-                <a:cs typeface="Tahoma" panose="020B0604030504040204" pitchFamily="34" charset="0"/>
-              </a:rPr>
-              <a:t> </a:t>
-            </a:r>
-            <a:r>
-              <a:rPr lang="en-US" sz="3500" b="1" dirty="0" err="1">
-                <a:solidFill>
-                  <a:srgbClr val="FF0066"/>
-                </a:solidFill>
-                <a:latin typeface="Times New Roman" panose="02020603050405020304" pitchFamily="18" charset="0"/>
-                <a:ea typeface="Tahoma" panose="020B0604030504040204" pitchFamily="34" charset="0"/>
-                <a:cs typeface="Tahoma" panose="020B0604030504040204" pitchFamily="34" charset="0"/>
-              </a:rPr>
-              <a:t>lắng</a:t>
-            </a:r>
-            <a:r>
-              <a:rPr lang="en-US" sz="3500" b="1" dirty="0">
-                <a:solidFill>
-                  <a:srgbClr val="FF0066"/>
-                </a:solidFill>
-                <a:latin typeface="Times New Roman" panose="02020603050405020304" pitchFamily="18" charset="0"/>
-                <a:ea typeface="Tahoma" panose="020B0604030504040204" pitchFamily="34" charset="0"/>
-                <a:cs typeface="Tahoma" panose="020B0604030504040204" pitchFamily="34" charset="0"/>
-              </a:rPr>
-              <a:t> </a:t>
-            </a:r>
-            <a:r>
-              <a:rPr lang="en-US" sz="3500" b="1" dirty="0" err="1">
-                <a:solidFill>
-                  <a:srgbClr val="FF0066"/>
-                </a:solidFill>
-                <a:latin typeface="Times New Roman" panose="02020603050405020304" pitchFamily="18" charset="0"/>
-                <a:ea typeface="Tahoma" panose="020B0604030504040204" pitchFamily="34" charset="0"/>
-                <a:cs typeface="Tahoma" panose="020B0604030504040204" pitchFamily="34" charset="0"/>
-              </a:rPr>
-              <a:t>nghe</a:t>
-            </a:r>
-            <a:r>
-              <a:rPr lang="en-US" sz="3500" b="1" dirty="0">
-                <a:solidFill>
-                  <a:srgbClr val="FF0066"/>
-                </a:solidFill>
-                <a:latin typeface="Times New Roman" panose="02020603050405020304" pitchFamily="18" charset="0"/>
-                <a:ea typeface="Tahoma" panose="020B0604030504040204" pitchFamily="34" charset="0"/>
-                <a:cs typeface="Tahoma" panose="020B0604030504040204" pitchFamily="34" charset="0"/>
-              </a:rPr>
-              <a:t>!</a:t>
-            </a:r>
-            <a:endParaRPr lang="en-US" sz="3500" b="1" dirty="0">
-              <a:solidFill>
-                <a:srgbClr val="FF0066"/>
-              </a:solidFill>
-              <a:latin typeface="Times New Roman" panose="02020603050405020304" pitchFamily="18" charset="0"/>
-              <a:ea typeface="Tahoma" panose="020B0604030504040204" pitchFamily="34" charset="0"/>
-              <a:cs typeface="Tahoma" panose="020B0604030504040204" pitchFamily="34" charset="0"/>
-            </a:endParaRPr>
-          </a:p>
-        </p:txBody>
-      </p:sp>
-      <p:pic>
-        <p:nvPicPr>
-          <p:cNvPr id="8" name="Picture 7"/>
-          <p:cNvPicPr>
-            <a:picLocks noChangeAspect="1"/>
-          </p:cNvPicPr>
-          <p:nvPr/>
-        </p:nvPicPr>
-        <p:blipFill>
-          <a:blip r:embed="rId1">
-            <a:extLst>
-              <a:ext uri="{28A0092B-C50C-407E-A947-70E740481C1C}">
-                <a14:useLocalDpi xmlns:a14="http://schemas.microsoft.com/office/drawing/2010/main" val="0"/>
-              </a:ext>
-            </a:extLst>
-          </a:blip>
-          <a:stretch>
-            <a:fillRect/>
-          </a:stretch>
-        </p:blipFill>
-        <p:spPr>
-          <a:xfrm>
-            <a:off x="3730078" y="3166523"/>
-            <a:ext cx="4731842" cy="2843338"/>
-          </a:xfrm>
-          <a:prstGeom prst="rect">
-            <a:avLst/>
-          </a:prstGeom>
-        </p:spPr>
-      </p:pic>
     </p:spTree>
   </p:cSld>
   <p:clrMapOvr>
     <a:masterClrMapping/>
   </p:clrMapOvr>
-  <mc:AlternateContent xmlns:mc="http://schemas.openxmlformats.org/markup-compatibility/2006">
-    <mc:Choice xmlns:p15="http://schemas.microsoft.com/office/powerpoint/2012/main" Requires="p15">
-      <p:transition xmlns:p14="http://schemas.microsoft.com/office/powerpoint/2010/main" spd="slow" Requires="p14" p14:dur="2000">
+  <mc:AlternateContent xmlns:mc="http://schemas.openxmlformats.org/markup-compatibility/2006" xmlns:p15="http://schemas.microsoft.com/office/powerpoint/2012/main">
+    <mc:Choice Requires="p15">
+      <p:transition xmlns:p14="http://schemas.microsoft.com/office/powerpoint/2010/main" spd="slow" p14:dur="2000">
         <p15:prstTrans prst="prestige"/>
       </p:transition>
     </mc:Choice>
-    <mc:Fallback>
+    <mc:Fallback xmlns="">
       <p:transition spd="slow">
         <p:fade/>
       </p:transition>
@@ -10955,148 +12114,456 @@
                       </p:childTnLst>
                     </p:cTn>
                   </p:par>
+                </p:childTnLst>
+              </p:cTn>
+              <p:prevCondLst>
+                <p:cond evt="onPrev" delay="0">
+                  <p:tgtEl>
+                    <p:sldTgt/>
+                  </p:tgtEl>
+                </p:cond>
+              </p:prevCondLst>
+              <p:nextCondLst>
+                <p:cond evt="onNext" delay="0">
+                  <p:tgtEl>
+                    <p:sldTgt/>
+                  </p:tgtEl>
+                </p:cond>
+              </p:nextCondLst>
+            </p:seq>
+          </p:childTnLst>
+        </p:cTn>
+      </p:par>
+    </p:tnLst>
+    <p:bldLst>
+      <p:bldP spid="4" grpId="0"/>
+    </p:bldLst>
+  </p:timing>
+</p:sld>
+</file>
+
+<file path=ppt/slides/slide14.xml><?xml version="1.0" encoding="utf-8"?>
+<p:sld xmlns:a="http://schemas.openxmlformats.org/drawingml/2006/main" xmlns:r="http://schemas.openxmlformats.org/officeDocument/2006/relationships" xmlns:p="http://schemas.openxmlformats.org/presentationml/2006/main">
+  <p:cSld>
+    <p:spTree>
+      <p:nvGrpSpPr>
+        <p:cNvPr id="1" name=""/>
+        <p:cNvGrpSpPr/>
+        <p:nvPr/>
+      </p:nvGrpSpPr>
+      <p:grpSpPr>
+        <a:xfrm>
+          <a:off x="0" y="0"/>
+          <a:ext cx="0" cy="0"/>
+          <a:chOff x="0" y="0"/>
+          <a:chExt cx="0" cy="0"/>
+        </a:xfrm>
+      </p:grpSpPr>
+      <p:sp>
+        <p:nvSpPr>
+          <p:cNvPr id="4" name="Slide Number Placeholder 3">
+            <a:extLst>
+              <a:ext uri="{FF2B5EF4-FFF2-40B4-BE49-F238E27FC236}">
+                <a16:creationId xmlns:a16="http://schemas.microsoft.com/office/drawing/2014/main" id="{8EBC6D6B-A638-4445-973E-C57DA4B2537A}"/>
+              </a:ext>
+            </a:extLst>
+          </p:cNvPr>
+          <p:cNvSpPr>
+            <a:spLocks noGrp="1"/>
+          </p:cNvSpPr>
+          <p:nvPr>
+            <p:ph type="sldNum" sz="quarter" idx="12"/>
+          </p:nvPr>
+        </p:nvSpPr>
+        <p:spPr/>
+        <p:txBody>
+          <a:bodyPr/>
+          <a:lstStyle/>
+          <a:p>
+            <a:fld id="{6BB9AED3-D2BB-49A3-B8E7-A4A64ED2F011}" type="slidenum">
+              <a:rPr lang="en-US" smtClean="0"/>
+              <a:t>14</a:t>
+            </a:fld>
+            <a:endParaRPr lang="en-US"/>
+          </a:p>
+        </p:txBody>
+      </p:sp>
+      <p:sp>
+        <p:nvSpPr>
+          <p:cNvPr id="5" name="TextBox 4">
+            <a:extLst>
+              <a:ext uri="{FF2B5EF4-FFF2-40B4-BE49-F238E27FC236}">
+                <a16:creationId xmlns:a16="http://schemas.microsoft.com/office/drawing/2014/main" id="{6ED6D584-89F9-468F-9FF8-4F029ED2FFFF}"/>
+              </a:ext>
+            </a:extLst>
+          </p:cNvPr>
+          <p:cNvSpPr txBox="1"/>
+          <p:nvPr/>
+        </p:nvSpPr>
+        <p:spPr>
+          <a:xfrm>
+            <a:off x="1831485" y="1235426"/>
+            <a:ext cx="8529029" cy="1168400"/>
+          </a:xfrm>
+          <a:prstGeom prst="rect">
+            <a:avLst/>
+          </a:prstGeom>
+          <a:noFill/>
+        </p:spPr>
+        <p:txBody>
+          <a:bodyPr wrap="square" rtlCol="0">
+            <a:spAutoFit/>
+          </a:bodyPr>
+          <a:lstStyle/>
+          <a:p>
+            <a:pPr algn="ctr"/>
+            <a:r>
+              <a:rPr lang="en-US" sz="3500" b="1" dirty="0" err="1">
+                <a:solidFill>
+                  <a:srgbClr val="FF0066"/>
+                </a:solidFill>
+                <a:latin typeface="Times New Roman" panose="02020603050405020304" pitchFamily="18" charset="0"/>
+                <a:ea typeface="Tahoma" panose="020B0604030504040204" pitchFamily="34" charset="0"/>
+                <a:cs typeface="Tahoma" panose="020B0604030504040204" pitchFamily="34" charset="0"/>
+              </a:rPr>
+              <a:t>Cám</a:t>
+            </a:r>
+            <a:r>
+              <a:rPr lang="en-US" sz="3500" b="1" dirty="0">
+                <a:solidFill>
+                  <a:srgbClr val="FF0066"/>
+                </a:solidFill>
+                <a:latin typeface="Times New Roman" panose="02020603050405020304" pitchFamily="18" charset="0"/>
+                <a:ea typeface="Tahoma" panose="020B0604030504040204" pitchFamily="34" charset="0"/>
+                <a:cs typeface="Tahoma" panose="020B0604030504040204" pitchFamily="34" charset="0"/>
+              </a:rPr>
+              <a:t> </a:t>
+            </a:r>
+            <a:r>
+              <a:rPr lang="vi-VN" sz="3500" b="1" dirty="0">
+                <a:solidFill>
+                  <a:srgbClr val="FF0066"/>
+                </a:solidFill>
+                <a:latin typeface="Times New Roman" panose="02020603050405020304" pitchFamily="18" charset="0"/>
+                <a:ea typeface="Tahoma" panose="020B0604030504040204" pitchFamily="34" charset="0"/>
+                <a:cs typeface="Tahoma" panose="020B0604030504040204" pitchFamily="34" charset="0"/>
+              </a:rPr>
+              <a:t>ơ</a:t>
+            </a:r>
+            <a:r>
+              <a:rPr lang="en-US" sz="3500" b="1" dirty="0">
+                <a:solidFill>
+                  <a:srgbClr val="FF0066"/>
+                </a:solidFill>
+                <a:latin typeface="Times New Roman" panose="02020603050405020304" pitchFamily="18" charset="0"/>
+                <a:ea typeface="Tahoma" panose="020B0604030504040204" pitchFamily="34" charset="0"/>
+                <a:cs typeface="Tahoma" panose="020B0604030504040204" pitchFamily="34" charset="0"/>
+              </a:rPr>
+              <a:t>n </a:t>
+            </a:r>
+            <a:r>
+              <a:rPr lang="en-US" sz="3500" b="1" dirty="0" err="1">
+                <a:solidFill>
+                  <a:srgbClr val="FF0066"/>
+                </a:solidFill>
+                <a:latin typeface="Times New Roman" panose="02020603050405020304" pitchFamily="18" charset="0"/>
+                <a:ea typeface="Tahoma" panose="020B0604030504040204" pitchFamily="34" charset="0"/>
+                <a:cs typeface="Tahoma" panose="020B0604030504040204" pitchFamily="34" charset="0"/>
+              </a:rPr>
+              <a:t>thầy</a:t>
+            </a:r>
+            <a:r>
+              <a:rPr lang="en-US" sz="3500" b="1" dirty="0">
+                <a:solidFill>
+                  <a:srgbClr val="FF0066"/>
+                </a:solidFill>
+                <a:latin typeface="Times New Roman" panose="02020603050405020304" pitchFamily="18" charset="0"/>
+                <a:ea typeface="Tahoma" panose="020B0604030504040204" pitchFamily="34" charset="0"/>
+                <a:cs typeface="Tahoma" panose="020B0604030504040204" pitchFamily="34" charset="0"/>
+              </a:rPr>
+              <a:t> </a:t>
+            </a:r>
+            <a:r>
+              <a:rPr lang="en-US" sz="3500" b="1" dirty="0" err="1">
+                <a:solidFill>
+                  <a:srgbClr val="FF0066"/>
+                </a:solidFill>
+                <a:latin typeface="Times New Roman" panose="02020603050405020304" pitchFamily="18" charset="0"/>
+                <a:ea typeface="Tahoma" panose="020B0604030504040204" pitchFamily="34" charset="0"/>
+                <a:cs typeface="Tahoma" panose="020B0604030504040204" pitchFamily="34" charset="0"/>
+              </a:rPr>
+              <a:t>và</a:t>
+            </a:r>
+            <a:r>
+              <a:rPr lang="en-US" sz="3500" b="1" dirty="0">
+                <a:solidFill>
+                  <a:srgbClr val="FF0066"/>
+                </a:solidFill>
+                <a:latin typeface="Times New Roman" panose="02020603050405020304" pitchFamily="18" charset="0"/>
+                <a:ea typeface="Tahoma" panose="020B0604030504040204" pitchFamily="34" charset="0"/>
+                <a:cs typeface="Tahoma" panose="020B0604030504040204" pitchFamily="34" charset="0"/>
+              </a:rPr>
+              <a:t> </a:t>
+            </a:r>
+            <a:r>
+              <a:rPr lang="en-US" sz="3500" b="1" dirty="0" err="1">
+                <a:solidFill>
+                  <a:srgbClr val="FF0066"/>
+                </a:solidFill>
+                <a:latin typeface="Times New Roman" panose="02020603050405020304" pitchFamily="18" charset="0"/>
+                <a:ea typeface="Tahoma" panose="020B0604030504040204" pitchFamily="34" charset="0"/>
+                <a:cs typeface="Tahoma" panose="020B0604030504040204" pitchFamily="34" charset="0"/>
+              </a:rPr>
+              <a:t>các</a:t>
+            </a:r>
+            <a:r>
+              <a:rPr lang="en-US" sz="3500" b="1" dirty="0">
+                <a:solidFill>
+                  <a:srgbClr val="FF0066"/>
+                </a:solidFill>
+                <a:latin typeface="Times New Roman" panose="02020603050405020304" pitchFamily="18" charset="0"/>
+                <a:ea typeface="Tahoma" panose="020B0604030504040204" pitchFamily="34" charset="0"/>
+                <a:cs typeface="Tahoma" panose="020B0604030504040204" pitchFamily="34" charset="0"/>
+              </a:rPr>
+              <a:t> </a:t>
+            </a:r>
+            <a:r>
+              <a:rPr lang="en-US" sz="3500" b="1" dirty="0" err="1">
+                <a:solidFill>
+                  <a:srgbClr val="FF0066"/>
+                </a:solidFill>
+                <a:latin typeface="Times New Roman" panose="02020603050405020304" pitchFamily="18" charset="0"/>
+                <a:ea typeface="Tahoma" panose="020B0604030504040204" pitchFamily="34" charset="0"/>
+                <a:cs typeface="Tahoma" panose="020B0604030504040204" pitchFamily="34" charset="0"/>
+              </a:rPr>
+              <a:t>bạn</a:t>
+            </a:r>
+            <a:r>
+              <a:rPr lang="en-US" sz="3500" b="1" dirty="0">
+                <a:solidFill>
+                  <a:srgbClr val="FF0066"/>
+                </a:solidFill>
+                <a:latin typeface="Times New Roman" panose="02020603050405020304" pitchFamily="18" charset="0"/>
+                <a:ea typeface="Tahoma" panose="020B0604030504040204" pitchFamily="34" charset="0"/>
+                <a:cs typeface="Tahoma" panose="020B0604030504040204" pitchFamily="34" charset="0"/>
+              </a:rPr>
+              <a:t> </a:t>
+            </a:r>
+            <a:r>
+              <a:rPr lang="en-US" sz="3500" b="1" dirty="0" err="1">
+                <a:solidFill>
+                  <a:srgbClr val="FF0066"/>
+                </a:solidFill>
+                <a:latin typeface="Times New Roman" panose="02020603050405020304" pitchFamily="18" charset="0"/>
+                <a:ea typeface="Tahoma" panose="020B0604030504040204" pitchFamily="34" charset="0"/>
+                <a:cs typeface="Tahoma" panose="020B0604030504040204" pitchFamily="34" charset="0"/>
+              </a:rPr>
+              <a:t>đã</a:t>
+            </a:r>
+            <a:r>
+              <a:rPr lang="en-US" sz="3500" b="1" dirty="0">
+                <a:solidFill>
+                  <a:srgbClr val="FF0066"/>
+                </a:solidFill>
+                <a:latin typeface="Times New Roman" panose="02020603050405020304" pitchFamily="18" charset="0"/>
+                <a:ea typeface="Tahoma" panose="020B0604030504040204" pitchFamily="34" charset="0"/>
+                <a:cs typeface="Tahoma" panose="020B0604030504040204" pitchFamily="34" charset="0"/>
+              </a:rPr>
+              <a:t> </a:t>
+            </a:r>
+            <a:r>
+              <a:rPr lang="en-US" sz="3500" b="1" dirty="0" err="1">
+                <a:solidFill>
+                  <a:srgbClr val="FF0066"/>
+                </a:solidFill>
+                <a:latin typeface="Times New Roman" panose="02020603050405020304" pitchFamily="18" charset="0"/>
+                <a:ea typeface="Tahoma" panose="020B0604030504040204" pitchFamily="34" charset="0"/>
+                <a:cs typeface="Tahoma" panose="020B0604030504040204" pitchFamily="34" charset="0"/>
+              </a:rPr>
+              <a:t>theo</a:t>
+            </a:r>
+            <a:r>
+              <a:rPr lang="en-US" sz="3500" b="1" dirty="0">
+                <a:solidFill>
+                  <a:srgbClr val="FF0066"/>
+                </a:solidFill>
+                <a:latin typeface="Times New Roman" panose="02020603050405020304" pitchFamily="18" charset="0"/>
+                <a:ea typeface="Tahoma" panose="020B0604030504040204" pitchFamily="34" charset="0"/>
+                <a:cs typeface="Tahoma" panose="020B0604030504040204" pitchFamily="34" charset="0"/>
+              </a:rPr>
+              <a:t> </a:t>
+            </a:r>
+            <a:r>
+              <a:rPr lang="en-US" sz="3500" b="1" dirty="0" err="1">
+                <a:solidFill>
+                  <a:srgbClr val="FF0066"/>
+                </a:solidFill>
+                <a:latin typeface="Times New Roman" panose="02020603050405020304" pitchFamily="18" charset="0"/>
+                <a:ea typeface="Tahoma" panose="020B0604030504040204" pitchFamily="34" charset="0"/>
+                <a:cs typeface="Tahoma" panose="020B0604030504040204" pitchFamily="34" charset="0"/>
+              </a:rPr>
+              <a:t>dõi</a:t>
+            </a:r>
+            <a:r>
+              <a:rPr lang="en-US" sz="3500" b="1" dirty="0">
+                <a:solidFill>
+                  <a:srgbClr val="FF0066"/>
+                </a:solidFill>
+                <a:latin typeface="Times New Roman" panose="02020603050405020304" pitchFamily="18" charset="0"/>
+                <a:ea typeface="Tahoma" panose="020B0604030504040204" pitchFamily="34" charset="0"/>
+                <a:cs typeface="Tahoma" panose="020B0604030504040204" pitchFamily="34" charset="0"/>
+              </a:rPr>
+              <a:t> </a:t>
+            </a:r>
+            <a:r>
+              <a:rPr lang="en-US" sz="3500" b="1" dirty="0" err="1">
+                <a:solidFill>
+                  <a:srgbClr val="FF0066"/>
+                </a:solidFill>
+                <a:latin typeface="Times New Roman" panose="02020603050405020304" pitchFamily="18" charset="0"/>
+                <a:ea typeface="Tahoma" panose="020B0604030504040204" pitchFamily="34" charset="0"/>
+                <a:cs typeface="Tahoma" panose="020B0604030504040204" pitchFamily="34" charset="0"/>
+              </a:rPr>
+              <a:t>và</a:t>
+            </a:r>
+            <a:r>
+              <a:rPr lang="en-US" sz="3500" b="1" dirty="0">
+                <a:solidFill>
+                  <a:srgbClr val="FF0066"/>
+                </a:solidFill>
+                <a:latin typeface="Times New Roman" panose="02020603050405020304" pitchFamily="18" charset="0"/>
+                <a:ea typeface="Tahoma" panose="020B0604030504040204" pitchFamily="34" charset="0"/>
+                <a:cs typeface="Tahoma" panose="020B0604030504040204" pitchFamily="34" charset="0"/>
+              </a:rPr>
+              <a:t> </a:t>
+            </a:r>
+            <a:r>
+              <a:rPr lang="en-US" sz="3500" b="1" dirty="0" err="1">
+                <a:solidFill>
+                  <a:srgbClr val="FF0066"/>
+                </a:solidFill>
+                <a:latin typeface="Times New Roman" panose="02020603050405020304" pitchFamily="18" charset="0"/>
+                <a:ea typeface="Tahoma" panose="020B0604030504040204" pitchFamily="34" charset="0"/>
+                <a:cs typeface="Tahoma" panose="020B0604030504040204" pitchFamily="34" charset="0"/>
+              </a:rPr>
+              <a:t>lắng</a:t>
+            </a:r>
+            <a:r>
+              <a:rPr lang="en-US" sz="3500" b="1" dirty="0">
+                <a:solidFill>
+                  <a:srgbClr val="FF0066"/>
+                </a:solidFill>
+                <a:latin typeface="Times New Roman" panose="02020603050405020304" pitchFamily="18" charset="0"/>
+                <a:ea typeface="Tahoma" panose="020B0604030504040204" pitchFamily="34" charset="0"/>
+                <a:cs typeface="Tahoma" panose="020B0604030504040204" pitchFamily="34" charset="0"/>
+              </a:rPr>
+              <a:t> </a:t>
+            </a:r>
+            <a:r>
+              <a:rPr lang="en-US" sz="3500" b="1" dirty="0" err="1">
+                <a:solidFill>
+                  <a:srgbClr val="FF0066"/>
+                </a:solidFill>
+                <a:latin typeface="Times New Roman" panose="02020603050405020304" pitchFamily="18" charset="0"/>
+                <a:ea typeface="Tahoma" panose="020B0604030504040204" pitchFamily="34" charset="0"/>
+                <a:cs typeface="Tahoma" panose="020B0604030504040204" pitchFamily="34" charset="0"/>
+              </a:rPr>
+              <a:t>nghe</a:t>
+            </a:r>
+            <a:r>
+              <a:rPr lang="en-US" sz="3500" b="1" dirty="0">
+                <a:solidFill>
+                  <a:srgbClr val="FF0066"/>
+                </a:solidFill>
+                <a:latin typeface="Times New Roman" panose="02020603050405020304" pitchFamily="18" charset="0"/>
+                <a:ea typeface="Tahoma" panose="020B0604030504040204" pitchFamily="34" charset="0"/>
+                <a:cs typeface="Tahoma" panose="020B0604030504040204" pitchFamily="34" charset="0"/>
+              </a:rPr>
+              <a:t>!</a:t>
+            </a:r>
+          </a:p>
+        </p:txBody>
+      </p:sp>
+      <p:pic>
+        <p:nvPicPr>
+          <p:cNvPr id="6" name="Picture 5">
+            <a:extLst>
+              <a:ext uri="{FF2B5EF4-FFF2-40B4-BE49-F238E27FC236}">
+                <a16:creationId xmlns:a16="http://schemas.microsoft.com/office/drawing/2014/main" id="{556F2B37-84A1-42D6-9AE4-A225201C9C3C}"/>
+              </a:ext>
+            </a:extLst>
+          </p:cNvPr>
+          <p:cNvPicPr>
+            <a:picLocks noChangeAspect="1"/>
+          </p:cNvPicPr>
+          <p:nvPr/>
+        </p:nvPicPr>
+        <p:blipFill>
+          <a:blip r:embed="rId2">
+            <a:extLst>
+              <a:ext uri="{28A0092B-C50C-407E-A947-70E740481C1C}">
+                <a14:useLocalDpi xmlns:a14="http://schemas.microsoft.com/office/drawing/2010/main" val="0"/>
+              </a:ext>
+            </a:extLst>
+          </a:blip>
+          <a:stretch>
+            <a:fillRect/>
+          </a:stretch>
+        </p:blipFill>
+        <p:spPr>
+          <a:xfrm>
+            <a:off x="3730078" y="3166523"/>
+            <a:ext cx="4731842" cy="2843338"/>
+          </a:xfrm>
+          <a:prstGeom prst="rect">
+            <a:avLst/>
+          </a:prstGeom>
+        </p:spPr>
+      </p:pic>
+    </p:spTree>
+    <p:extLst>
+      <p:ext uri="{BB962C8B-B14F-4D97-AF65-F5344CB8AC3E}">
+        <p14:creationId xmlns:p14="http://schemas.microsoft.com/office/powerpoint/2010/main" val="710011598"/>
+      </p:ext>
+    </p:extLst>
+  </p:cSld>
+  <p:clrMapOvr>
+    <a:masterClrMapping/>
+  </p:clrMapOvr>
+  <p:timing>
+    <p:tnLst>
+      <p:par>
+        <p:cTn id="1" dur="indefinite" restart="never" nodeType="tmRoot">
+          <p:childTnLst>
+            <p:seq concurrent="1" nextAc="seek">
+              <p:cTn id="2" dur="indefinite" nodeType="mainSeq">
+                <p:childTnLst>
                   <p:par>
-                    <p:cTn id="26" fill="hold">
+                    <p:cTn id="3" fill="hold">
                       <p:stCondLst>
                         <p:cond delay="indefinite"/>
+                        <p:cond evt="onBegin" delay="0">
+                          <p:tn val="2"/>
+                        </p:cond>
                       </p:stCondLst>
                       <p:childTnLst>
                         <p:par>
-                          <p:cTn id="27" fill="hold">
+                          <p:cTn id="4" fill="hold">
                             <p:stCondLst>
                               <p:cond delay="0"/>
                             </p:stCondLst>
                             <p:childTnLst>
                               <p:par>
-                                <p:cTn id="28" presetID="23" presetClass="exit" presetSubtype="32" fill="hold" grpId="1" nodeType="clickEffect">
+                                <p:cTn id="5" presetID="3" presetClass="entr" presetSubtype="10" fill="hold" grpId="0" nodeType="withEffect">
                                   <p:stCondLst>
                                     <p:cond delay="0"/>
                                   </p:stCondLst>
                                   <p:childTnLst>
-                                    <p:anim calcmode="lin" valueType="num">
-                                      <p:cBhvr>
-                                        <p:cTn id="29" dur="500"/>
-                                        <p:tgtEl>
-                                          <p:spTgt spid="4"/>
-                                        </p:tgtEl>
-                                        <p:attrNameLst>
-                                          <p:attrName>ppt_w</p:attrName>
-                                        </p:attrNameLst>
-                                      </p:cBhvr>
-                                      <p:tavLst>
-                                        <p:tav tm="0">
-                                          <p:val>
-                                            <p:strVal val="ppt_w"/>
-                                          </p:val>
-                                        </p:tav>
-                                        <p:tav tm="100000">
-                                          <p:val>
-                                            <p:fltVal val="0"/>
-                                          </p:val>
-                                        </p:tav>
-                                      </p:tavLst>
-                                    </p:anim>
-                                    <p:anim calcmode="lin" valueType="num">
-                                      <p:cBhvr>
-                                        <p:cTn id="30" dur="500"/>
-                                        <p:tgtEl>
-                                          <p:spTgt spid="4"/>
-                                        </p:tgtEl>
-                                        <p:attrNameLst>
-                                          <p:attrName>ppt_h</p:attrName>
-                                        </p:attrNameLst>
-                                      </p:cBhvr>
-                                      <p:tavLst>
-                                        <p:tav tm="0">
-                                          <p:val>
-                                            <p:strVal val="ppt_h"/>
-                                          </p:val>
-                                        </p:tav>
-                                        <p:tav tm="100000">
-                                          <p:val>
-                                            <p:fltVal val="0"/>
-                                          </p:val>
-                                        </p:tav>
-                                      </p:tavLst>
-                                    </p:anim>
                                     <p:set>
                                       <p:cBhvr>
-                                        <p:cTn id="31" dur="1" fill="hold">
+                                        <p:cTn id="6" dur="1" fill="hold">
                                           <p:stCondLst>
-                                            <p:cond delay="499"/>
-                                          </p:stCondLst>
-                                        </p:cTn>
-                                        <p:tgtEl>
-                                          <p:spTgt spid="4"/>
-                                        </p:tgtEl>
-                                        <p:attrNameLst>
-                                          <p:attrName>style.visibility</p:attrName>
-                                        </p:attrNameLst>
-                                      </p:cBhvr>
-                                      <p:to>
-                                        <p:strVal val="hidden"/>
-                                      </p:to>
-                                    </p:set>
-                                  </p:childTnLst>
-                                </p:cTn>
-                              </p:par>
-                              <p:par>
-                                <p:cTn id="32" presetID="23" presetClass="exit" presetSubtype="32" fill="hold" nodeType="withEffect">
-                                  <p:stCondLst>
-                                    <p:cond delay="0"/>
-                                  </p:stCondLst>
-                                  <p:childTnLst>
-                                    <p:anim calcmode="lin" valueType="num">
-                                      <p:cBhvr>
-                                        <p:cTn id="33" dur="500"/>
-                                        <p:tgtEl>
-                                          <p:spTgt spid="5"/>
-                                        </p:tgtEl>
-                                        <p:attrNameLst>
-                                          <p:attrName>ppt_w</p:attrName>
-                                        </p:attrNameLst>
-                                      </p:cBhvr>
-                                      <p:tavLst>
-                                        <p:tav tm="0">
-                                          <p:val>
-                                            <p:strVal val="ppt_w"/>
-                                          </p:val>
-                                        </p:tav>
-                                        <p:tav tm="100000">
-                                          <p:val>
-                                            <p:fltVal val="0"/>
-                                          </p:val>
-                                        </p:tav>
-                                      </p:tavLst>
-                                    </p:anim>
-                                    <p:anim calcmode="lin" valueType="num">
-                                      <p:cBhvr>
-                                        <p:cTn id="34" dur="500"/>
-                                        <p:tgtEl>
-                                          <p:spTgt spid="5"/>
-                                        </p:tgtEl>
-                                        <p:attrNameLst>
-                                          <p:attrName>ppt_h</p:attrName>
-                                        </p:attrNameLst>
-                                      </p:cBhvr>
-                                      <p:tavLst>
-                                        <p:tav tm="0">
-                                          <p:val>
-                                            <p:strVal val="ppt_h"/>
-                                          </p:val>
-                                        </p:tav>
-                                        <p:tav tm="100000">
-                                          <p:val>
-                                            <p:fltVal val="0"/>
-                                          </p:val>
-                                        </p:tav>
-                                      </p:tavLst>
-                                    </p:anim>
-                                    <p:set>
-                                      <p:cBhvr>
-                                        <p:cTn id="35" dur="1" fill="hold">
-                                          <p:stCondLst>
-                                            <p:cond delay="499"/>
+                                            <p:cond delay="0"/>
                                           </p:stCondLst>
                                         </p:cTn>
                                         <p:tgtEl>
@@ -11107,21 +12574,29 @@
                                         </p:attrNameLst>
                                       </p:cBhvr>
                                       <p:to>
-                                        <p:strVal val="hidden"/>
+                                        <p:strVal val="visible"/>
                                       </p:to>
                                     </p:set>
+                                    <p:animEffect transition="in" filter="blinds(horizontal)">
+                                      <p:cBhvr>
+                                        <p:cTn id="7" dur="500"/>
+                                        <p:tgtEl>
+                                          <p:spTgt spid="5"/>
+                                        </p:tgtEl>
+                                      </p:cBhvr>
+                                    </p:animEffect>
                                   </p:childTnLst>
                                 </p:cTn>
                               </p:par>
                               <p:par>
-                                <p:cTn id="36" presetID="3" presetClass="entr" presetSubtype="10" fill="hold" grpId="0" nodeType="withEffect">
+                                <p:cTn id="8" presetID="45" presetClass="entr" presetSubtype="0" fill="hold" nodeType="withEffect">
                                   <p:stCondLst>
                                     <p:cond delay="0"/>
                                   </p:stCondLst>
                                   <p:childTnLst>
                                     <p:set>
                                       <p:cBhvr>
-                                        <p:cTn id="37" dur="1" fill="hold">
+                                        <p:cTn id="9" dur="1" fill="hold">
                                           <p:stCondLst>
                                             <p:cond delay="0"/>
                                           </p:stCondLst>
@@ -11137,54 +12612,19 @@
                                         <p:strVal val="visible"/>
                                       </p:to>
                                     </p:set>
-                                    <p:animEffect transition="in" filter="blinds(horizontal)">
+                                    <p:animEffect transition="in" filter="fade">
                                       <p:cBhvr>
-                                        <p:cTn id="38" dur="500"/>
+                                        <p:cTn id="10" dur="2000"/>
                                         <p:tgtEl>
                                           <p:spTgt spid="6"/>
                                         </p:tgtEl>
                                       </p:cBhvr>
                                     </p:animEffect>
-                                  </p:childTnLst>
-                                </p:cTn>
-                              </p:par>
-                              <p:par>
-                                <p:cTn id="39" presetID="45" presetClass="entr" presetSubtype="0" fill="hold" nodeType="withEffect">
-                                  <p:stCondLst>
-                                    <p:cond delay="0"/>
-                                  </p:stCondLst>
-                                  <p:childTnLst>
-                                    <p:set>
-                                      <p:cBhvr>
-                                        <p:cTn id="40" dur="1" fill="hold">
-                                          <p:stCondLst>
-                                            <p:cond delay="0"/>
-                                          </p:stCondLst>
-                                        </p:cTn>
-                                        <p:tgtEl>
-                                          <p:spTgt spid="8"/>
-                                        </p:tgtEl>
-                                        <p:attrNameLst>
-                                          <p:attrName>style.visibility</p:attrName>
-                                        </p:attrNameLst>
-                                      </p:cBhvr>
-                                      <p:to>
-                                        <p:strVal val="visible"/>
-                                      </p:to>
-                                    </p:set>
-                                    <p:animEffect transition="in" filter="fade">
-                                      <p:cBhvr>
-                                        <p:cTn id="41" dur="2000"/>
-                                        <p:tgtEl>
-                                          <p:spTgt spid="8"/>
-                                        </p:tgtEl>
-                                      </p:cBhvr>
-                                    </p:animEffect>
                                     <p:anim calcmode="lin" valueType="num">
                                       <p:cBhvr>
-                                        <p:cTn id="42" dur="2000" fill="hold"/>
+                                        <p:cTn id="11" dur="2000" fill="hold"/>
                                         <p:tgtEl>
-                                          <p:spTgt spid="8"/>
+                                          <p:spTgt spid="6"/>
                                         </p:tgtEl>
                                         <p:attrNameLst>
                                           <p:attrName>ppt_w</p:attrName>
@@ -11205,9 +12645,9 @@
                                     </p:anim>
                                     <p:anim calcmode="lin" valueType="num">
                                       <p:cBhvr>
-                                        <p:cTn id="43" dur="2000" fill="hold"/>
+                                        <p:cTn id="12" dur="2000" fill="hold"/>
                                         <p:tgtEl>
-                                          <p:spTgt spid="8"/>
+                                          <p:spTgt spid="6"/>
                                         </p:tgtEl>
                                         <p:attrNameLst>
                                           <p:attrName>ppt_h</p:attrName>
@@ -11257,9 +12697,7 @@
       </p:par>
     </p:tnLst>
     <p:bldLst>
-      <p:bldP spid="4" grpId="0"/>
-      <p:bldP spid="4" grpId="1"/>
-      <p:bldP spid="6" grpId="0"/>
+      <p:bldP spid="5" grpId="0"/>
     </p:bldLst>
   </p:timing>
 </p:sld>
@@ -11320,11 +12758,6 @@
               </a:rPr>
               <a:t>TỔNG QUAN VỀ QUY TRÌNH PHÁT TRIỂN PHẦN MỀM.</a:t>
             </a:r>
-            <a:endParaRPr lang="en-US" sz="2500" dirty="0">
-              <a:latin typeface="Times New Roman" panose="02020603050405020304" pitchFamily="18" charset="0"/>
-              <a:ea typeface="Tahoma" panose="020B0604030504040204" pitchFamily="34" charset="0"/>
-              <a:cs typeface="Tahoma" panose="020B0604030504040204" pitchFamily="34" charset="0"/>
-            </a:endParaRPr>
           </a:p>
           <a:p>
             <a:r>
@@ -11343,11 +12776,6 @@
               </a:rPr>
               <a:t>KHÁI NIỆM.</a:t>
             </a:r>
-            <a:endParaRPr lang="en-US" sz="2500" dirty="0">
-              <a:latin typeface="Times New Roman" panose="02020603050405020304" pitchFamily="18" charset="0"/>
-              <a:ea typeface="Tahoma" panose="020B0604030504040204" pitchFamily="34" charset="0"/>
-              <a:cs typeface="Tahoma" panose="020B0604030504040204" pitchFamily="34" charset="0"/>
-            </a:endParaRPr>
           </a:p>
           <a:p>
             <a:r>
@@ -11366,11 +12794,6 @@
               </a:rPr>
               <a:t>CÁC PHA THỰC HIỆN.</a:t>
             </a:r>
-            <a:endParaRPr lang="en-US" sz="2500" dirty="0">
-              <a:latin typeface="Times New Roman" panose="02020603050405020304" pitchFamily="18" charset="0"/>
-              <a:ea typeface="Tahoma" panose="020B0604030504040204" pitchFamily="34" charset="0"/>
-              <a:cs typeface="Tahoma" panose="020B0604030504040204" pitchFamily="34" charset="0"/>
-            </a:endParaRPr>
           </a:p>
           <a:p>
             <a:r>
@@ -11413,11 +12836,6 @@
               </a:rPr>
               <a:t>ỢC ĐIỂM CỦA WATERFALL.</a:t>
             </a:r>
-            <a:endParaRPr lang="en-US" sz="2500" dirty="0">
-              <a:latin typeface="Times New Roman" panose="02020603050405020304" pitchFamily="18" charset="0"/>
-              <a:ea typeface="Tahoma" panose="020B0604030504040204" pitchFamily="34" charset="0"/>
-              <a:cs typeface="Tahoma" panose="020B0604030504040204" pitchFamily="34" charset="0"/>
-            </a:endParaRPr>
           </a:p>
           <a:p>
             <a:r>
@@ -11467,7 +12885,7 @@
           <p:nvPr/>
         </p:nvPicPr>
         <p:blipFill>
-          <a:blip r:embed="rId1">
+          <a:blip r:embed="rId2" cstate="print">
             <a:extLst>
               <a:ext uri="{28A0092B-C50C-407E-A947-70E740481C1C}">
                 <a14:useLocalDpi xmlns:a14="http://schemas.microsoft.com/office/drawing/2010/main" val="0"/>
@@ -11505,6 +12923,7 @@
           <a:p>
             <a:fld id="{6BB9AED3-D2BB-49A3-B8E7-A4A64ED2F011}" type="slidenum">
               <a:rPr lang="en-US" smtClean="0"/>
+              <a:t>2</a:t>
             </a:fld>
             <a:endParaRPr lang="en-US"/>
           </a:p>
@@ -11923,12 +13342,6 @@
               </a:rPr>
               <a:t>TỔNG QUAN VỀ QUY TRÌNH PHÁT TRIỂN PHẦN MỀM:</a:t>
             </a:r>
-            <a:endParaRPr lang="en-US" sz="3500" b="1" dirty="0">
-              <a:solidFill>
-                <a:srgbClr val="0000FF"/>
-              </a:solidFill>
-              <a:latin typeface="Times New Roman" panose="02020603050405020304" pitchFamily="18" charset="0"/>
-            </a:endParaRPr>
           </a:p>
           <a:p>
             <a:endParaRPr lang="en-US" sz="3500" b="1" dirty="0">
@@ -11969,7 +13382,7 @@
                 </a:solidFill>
                 <a:latin typeface="Times New Roman" panose="02020603050405020304" pitchFamily="18" charset="0"/>
                 <a:ea typeface="Tahoma" panose="020B0604030504040204" pitchFamily="34" charset="0"/>
-                <a:cs typeface="Tahoma" panose="020B0604030504040204" pitchFamily="34" charset="0"/>
+                <a:cs typeface="Times New Roman" panose="02020603050405020304" pitchFamily="18" charset="0"/>
               </a:rPr>
               <a:t>1. </a:t>
             </a:r>
@@ -11980,7 +13393,7 @@
                 </a:solidFill>
                 <a:latin typeface="Times New Roman" panose="02020603050405020304" pitchFamily="18" charset="0"/>
                 <a:ea typeface="Tahoma" panose="020B0604030504040204" pitchFamily="34" charset="0"/>
-                <a:cs typeface="Tahoma" panose="020B0604030504040204" pitchFamily="34" charset="0"/>
+                <a:cs typeface="Times New Roman" panose="02020603050405020304" pitchFamily="18" charset="0"/>
               </a:rPr>
               <a:t>Khái</a:t>
             </a:r>
@@ -11991,7 +13404,7 @@
                 </a:solidFill>
                 <a:latin typeface="Times New Roman" panose="02020603050405020304" pitchFamily="18" charset="0"/>
                 <a:ea typeface="Tahoma" panose="020B0604030504040204" pitchFamily="34" charset="0"/>
-                <a:cs typeface="Tahoma" panose="020B0604030504040204" pitchFamily="34" charset="0"/>
+                <a:cs typeface="Times New Roman" panose="02020603050405020304" pitchFamily="18" charset="0"/>
               </a:rPr>
               <a:t> </a:t>
             </a:r>
@@ -12002,7 +13415,7 @@
                 </a:solidFill>
                 <a:latin typeface="Times New Roman" panose="02020603050405020304" pitchFamily="18" charset="0"/>
                 <a:ea typeface="Tahoma" panose="020B0604030504040204" pitchFamily="34" charset="0"/>
-                <a:cs typeface="Tahoma" panose="020B0604030504040204" pitchFamily="34" charset="0"/>
+                <a:cs typeface="Times New Roman" panose="02020603050405020304" pitchFamily="18" charset="0"/>
               </a:rPr>
               <a:t>niệm</a:t>
             </a:r>
@@ -12012,7 +13425,7 @@
               </a:solidFill>
               <a:latin typeface="Times New Roman" panose="02020603050405020304" pitchFamily="18" charset="0"/>
               <a:ea typeface="Tahoma" panose="020B0604030504040204" pitchFamily="34" charset="0"/>
-              <a:cs typeface="Tahoma" panose="020B0604030504040204" pitchFamily="34" charset="0"/>
+              <a:cs typeface="Times New Roman" panose="02020603050405020304" pitchFamily="18" charset="0"/>
             </a:endParaRPr>
           </a:p>
           <a:p>
@@ -12020,7 +13433,7 @@
               <a:rPr lang="en-GB" sz="2500" dirty="0" err="1">
                 <a:latin typeface="Times New Roman" panose="02020603050405020304" pitchFamily="18" charset="0"/>
                 <a:ea typeface="Tahoma" panose="020B0604030504040204" pitchFamily="34" charset="0"/>
-                <a:cs typeface="Tahoma" panose="020B0604030504040204" pitchFamily="34" charset="0"/>
+                <a:cs typeface="Times New Roman" panose="02020603050405020304" pitchFamily="18" charset="0"/>
               </a:rPr>
               <a:t>Quy</a:t>
             </a:r>
@@ -12028,7 +13441,7 @@
               <a:rPr lang="en-GB" sz="2500" dirty="0">
                 <a:latin typeface="Times New Roman" panose="02020603050405020304" pitchFamily="18" charset="0"/>
                 <a:ea typeface="Tahoma" panose="020B0604030504040204" pitchFamily="34" charset="0"/>
-                <a:cs typeface="Tahoma" panose="020B0604030504040204" pitchFamily="34" charset="0"/>
+                <a:cs typeface="Times New Roman" panose="02020603050405020304" pitchFamily="18" charset="0"/>
               </a:rPr>
               <a:t> </a:t>
             </a:r>
@@ -12036,7 +13449,7 @@
               <a:rPr lang="en-GB" sz="2500" dirty="0" err="1">
                 <a:latin typeface="Times New Roman" panose="02020603050405020304" pitchFamily="18" charset="0"/>
                 <a:ea typeface="Tahoma" panose="020B0604030504040204" pitchFamily="34" charset="0"/>
-                <a:cs typeface="Tahoma" panose="020B0604030504040204" pitchFamily="34" charset="0"/>
+                <a:cs typeface="Times New Roman" panose="02020603050405020304" pitchFamily="18" charset="0"/>
               </a:rPr>
               <a:t>trình</a:t>
             </a:r>
@@ -12044,7 +13457,7 @@
               <a:rPr lang="en-GB" sz="2500" dirty="0">
                 <a:latin typeface="Times New Roman" panose="02020603050405020304" pitchFamily="18" charset="0"/>
                 <a:ea typeface="Tahoma" panose="020B0604030504040204" pitchFamily="34" charset="0"/>
-                <a:cs typeface="Tahoma" panose="020B0604030504040204" pitchFamily="34" charset="0"/>
+                <a:cs typeface="Times New Roman" panose="02020603050405020304" pitchFamily="18" charset="0"/>
               </a:rPr>
               <a:t> </a:t>
             </a:r>
@@ -12052,7 +13465,7 @@
               <a:rPr lang="en-GB" sz="2500" dirty="0" err="1">
                 <a:latin typeface="Times New Roman" panose="02020603050405020304" pitchFamily="18" charset="0"/>
                 <a:ea typeface="Tahoma" panose="020B0604030504040204" pitchFamily="34" charset="0"/>
-                <a:cs typeface="Tahoma" panose="020B0604030504040204" pitchFamily="34" charset="0"/>
+                <a:cs typeface="Times New Roman" panose="02020603050405020304" pitchFamily="18" charset="0"/>
               </a:rPr>
               <a:t>phát</a:t>
             </a:r>
@@ -12060,7 +13473,7 @@
               <a:rPr lang="en-GB" sz="2500" dirty="0">
                 <a:latin typeface="Times New Roman" panose="02020603050405020304" pitchFamily="18" charset="0"/>
                 <a:ea typeface="Tahoma" panose="020B0604030504040204" pitchFamily="34" charset="0"/>
-                <a:cs typeface="Tahoma" panose="020B0604030504040204" pitchFamily="34" charset="0"/>
+                <a:cs typeface="Times New Roman" panose="02020603050405020304" pitchFamily="18" charset="0"/>
               </a:rPr>
               <a:t> </a:t>
             </a:r>
@@ -12068,7 +13481,7 @@
               <a:rPr lang="en-GB" sz="2500" dirty="0" err="1">
                 <a:latin typeface="Times New Roman" panose="02020603050405020304" pitchFamily="18" charset="0"/>
                 <a:ea typeface="Tahoma" panose="020B0604030504040204" pitchFamily="34" charset="0"/>
-                <a:cs typeface="Tahoma" panose="020B0604030504040204" pitchFamily="34" charset="0"/>
+                <a:cs typeface="Times New Roman" panose="02020603050405020304" pitchFamily="18" charset="0"/>
               </a:rPr>
               <a:t>triển</a:t>
             </a:r>
@@ -12076,7 +13489,7 @@
               <a:rPr lang="en-GB" sz="2500" dirty="0">
                 <a:latin typeface="Times New Roman" panose="02020603050405020304" pitchFamily="18" charset="0"/>
                 <a:ea typeface="Tahoma" panose="020B0604030504040204" pitchFamily="34" charset="0"/>
-                <a:cs typeface="Tahoma" panose="020B0604030504040204" pitchFamily="34" charset="0"/>
+                <a:cs typeface="Times New Roman" panose="02020603050405020304" pitchFamily="18" charset="0"/>
               </a:rPr>
               <a:t> </a:t>
             </a:r>
@@ -12084,7 +13497,7 @@
               <a:rPr lang="en-GB" sz="2500" dirty="0" err="1">
                 <a:latin typeface="Times New Roman" panose="02020603050405020304" pitchFamily="18" charset="0"/>
                 <a:ea typeface="Tahoma" panose="020B0604030504040204" pitchFamily="34" charset="0"/>
-                <a:cs typeface="Tahoma" panose="020B0604030504040204" pitchFamily="34" charset="0"/>
+                <a:cs typeface="Times New Roman" panose="02020603050405020304" pitchFamily="18" charset="0"/>
               </a:rPr>
               <a:t>phần</a:t>
             </a:r>
@@ -12092,7 +13505,7 @@
               <a:rPr lang="en-GB" sz="2500" dirty="0">
                 <a:latin typeface="Times New Roman" panose="02020603050405020304" pitchFamily="18" charset="0"/>
                 <a:ea typeface="Tahoma" panose="020B0604030504040204" pitchFamily="34" charset="0"/>
-                <a:cs typeface="Tahoma" panose="020B0604030504040204" pitchFamily="34" charset="0"/>
+                <a:cs typeface="Times New Roman" panose="02020603050405020304" pitchFamily="18" charset="0"/>
               </a:rPr>
               <a:t> </a:t>
             </a:r>
@@ -12100,7 +13513,7 @@
               <a:rPr lang="en-GB" sz="2500" dirty="0" err="1">
                 <a:latin typeface="Times New Roman" panose="02020603050405020304" pitchFamily="18" charset="0"/>
                 <a:ea typeface="Tahoma" panose="020B0604030504040204" pitchFamily="34" charset="0"/>
-                <a:cs typeface="Tahoma" panose="020B0604030504040204" pitchFamily="34" charset="0"/>
+                <a:cs typeface="Times New Roman" panose="02020603050405020304" pitchFamily="18" charset="0"/>
               </a:rPr>
               <a:t>mềm</a:t>
             </a:r>
@@ -12108,7 +13521,7 @@
               <a:rPr lang="en-GB" sz="2500" dirty="0">
                 <a:latin typeface="Times New Roman" panose="02020603050405020304" pitchFamily="18" charset="0"/>
                 <a:ea typeface="Tahoma" panose="020B0604030504040204" pitchFamily="34" charset="0"/>
-                <a:cs typeface="Tahoma" panose="020B0604030504040204" pitchFamily="34" charset="0"/>
+                <a:cs typeface="Times New Roman" panose="02020603050405020304" pitchFamily="18" charset="0"/>
               </a:rPr>
               <a:t> </a:t>
             </a:r>
@@ -12116,7 +13529,7 @@
               <a:rPr lang="en-GB" sz="2500" dirty="0" err="1">
                 <a:latin typeface="Times New Roman" panose="02020603050405020304" pitchFamily="18" charset="0"/>
                 <a:ea typeface="Tahoma" panose="020B0604030504040204" pitchFamily="34" charset="0"/>
-                <a:cs typeface="Tahoma" panose="020B0604030504040204" pitchFamily="34" charset="0"/>
+                <a:cs typeface="Times New Roman" panose="02020603050405020304" pitchFamily="18" charset="0"/>
               </a:rPr>
               <a:t>là</a:t>
             </a:r>
@@ -12124,7 +13537,7 @@
               <a:rPr lang="en-GB" sz="2500" dirty="0">
                 <a:latin typeface="Times New Roman" panose="02020603050405020304" pitchFamily="18" charset="0"/>
                 <a:ea typeface="Tahoma" panose="020B0604030504040204" pitchFamily="34" charset="0"/>
-                <a:cs typeface="Tahoma" panose="020B0604030504040204" pitchFamily="34" charset="0"/>
+                <a:cs typeface="Times New Roman" panose="02020603050405020304" pitchFamily="18" charset="0"/>
               </a:rPr>
               <a:t> </a:t>
             </a:r>
@@ -12132,7 +13545,7 @@
               <a:rPr lang="en-GB" sz="2500" dirty="0" err="1">
                 <a:latin typeface="Times New Roman" panose="02020603050405020304" pitchFamily="18" charset="0"/>
                 <a:ea typeface="Tahoma" panose="020B0604030504040204" pitchFamily="34" charset="0"/>
-                <a:cs typeface="Tahoma" panose="020B0604030504040204" pitchFamily="34" charset="0"/>
+                <a:cs typeface="Times New Roman" panose="02020603050405020304" pitchFamily="18" charset="0"/>
               </a:rPr>
               <a:t>một</a:t>
             </a:r>
@@ -12140,7 +13553,7 @@
               <a:rPr lang="en-GB" sz="2500" dirty="0">
                 <a:latin typeface="Times New Roman" panose="02020603050405020304" pitchFamily="18" charset="0"/>
                 <a:ea typeface="Tahoma" panose="020B0604030504040204" pitchFamily="34" charset="0"/>
-                <a:cs typeface="Tahoma" panose="020B0604030504040204" pitchFamily="34" charset="0"/>
+                <a:cs typeface="Times New Roman" panose="02020603050405020304" pitchFamily="18" charset="0"/>
               </a:rPr>
               <a:t> </a:t>
             </a:r>
@@ -12148,7 +13561,7 @@
               <a:rPr lang="en-GB" sz="2500" dirty="0" err="1">
                 <a:latin typeface="Times New Roman" panose="02020603050405020304" pitchFamily="18" charset="0"/>
                 <a:ea typeface="Tahoma" panose="020B0604030504040204" pitchFamily="34" charset="0"/>
-                <a:cs typeface="Tahoma" panose="020B0604030504040204" pitchFamily="34" charset="0"/>
+                <a:cs typeface="Times New Roman" panose="02020603050405020304" pitchFamily="18" charset="0"/>
               </a:rPr>
               <a:t>tập</a:t>
             </a:r>
@@ -12156,7 +13569,7 @@
               <a:rPr lang="en-GB" sz="2500" dirty="0">
                 <a:latin typeface="Times New Roman" panose="02020603050405020304" pitchFamily="18" charset="0"/>
                 <a:ea typeface="Tahoma" panose="020B0604030504040204" pitchFamily="34" charset="0"/>
-                <a:cs typeface="Tahoma" panose="020B0604030504040204" pitchFamily="34" charset="0"/>
+                <a:cs typeface="Times New Roman" panose="02020603050405020304" pitchFamily="18" charset="0"/>
               </a:rPr>
               <a:t> </a:t>
             </a:r>
@@ -12164,7 +13577,7 @@
               <a:rPr lang="en-GB" sz="2500" dirty="0" err="1">
                 <a:latin typeface="Times New Roman" panose="02020603050405020304" pitchFamily="18" charset="0"/>
                 <a:ea typeface="Tahoma" panose="020B0604030504040204" pitchFamily="34" charset="0"/>
-                <a:cs typeface="Tahoma" panose="020B0604030504040204" pitchFamily="34" charset="0"/>
+                <a:cs typeface="Times New Roman" panose="02020603050405020304" pitchFamily="18" charset="0"/>
               </a:rPr>
               <a:t>hợp</a:t>
             </a:r>
@@ -12172,7 +13585,7 @@
               <a:rPr lang="en-GB" sz="2500" dirty="0">
                 <a:latin typeface="Times New Roman" panose="02020603050405020304" pitchFamily="18" charset="0"/>
                 <a:ea typeface="Tahoma" panose="020B0604030504040204" pitchFamily="34" charset="0"/>
-                <a:cs typeface="Tahoma" panose="020B0604030504040204" pitchFamily="34" charset="0"/>
+                <a:cs typeface="Times New Roman" panose="02020603050405020304" pitchFamily="18" charset="0"/>
               </a:rPr>
               <a:t> </a:t>
             </a:r>
@@ -12180,7 +13593,7 @@
               <a:rPr lang="en-GB" sz="2500" dirty="0" err="1">
                 <a:latin typeface="Times New Roman" panose="02020603050405020304" pitchFamily="18" charset="0"/>
                 <a:ea typeface="Tahoma" panose="020B0604030504040204" pitchFamily="34" charset="0"/>
-                <a:cs typeface="Tahoma" panose="020B0604030504040204" pitchFamily="34" charset="0"/>
+                <a:cs typeface="Times New Roman" panose="02020603050405020304" pitchFamily="18" charset="0"/>
               </a:rPr>
               <a:t>các</a:t>
             </a:r>
@@ -12188,7 +13601,7 @@
               <a:rPr lang="en-GB" sz="2500" dirty="0">
                 <a:latin typeface="Times New Roman" panose="02020603050405020304" pitchFamily="18" charset="0"/>
                 <a:ea typeface="Tahoma" panose="020B0604030504040204" pitchFamily="34" charset="0"/>
-                <a:cs typeface="Tahoma" panose="020B0604030504040204" pitchFamily="34" charset="0"/>
+                <a:cs typeface="Times New Roman" panose="02020603050405020304" pitchFamily="18" charset="0"/>
               </a:rPr>
               <a:t> </a:t>
             </a:r>
@@ -12196,7 +13609,7 @@
               <a:rPr lang="en-GB" sz="2500" dirty="0" err="1">
                 <a:latin typeface="Times New Roman" panose="02020603050405020304" pitchFamily="18" charset="0"/>
                 <a:ea typeface="Tahoma" panose="020B0604030504040204" pitchFamily="34" charset="0"/>
-                <a:cs typeface="Tahoma" panose="020B0604030504040204" pitchFamily="34" charset="0"/>
+                <a:cs typeface="Times New Roman" panose="02020603050405020304" pitchFamily="18" charset="0"/>
               </a:rPr>
               <a:t>hoạt</a:t>
             </a:r>
@@ -12204,7 +13617,7 @@
               <a:rPr lang="en-GB" sz="2500" dirty="0">
                 <a:latin typeface="Times New Roman" panose="02020603050405020304" pitchFamily="18" charset="0"/>
                 <a:ea typeface="Tahoma" panose="020B0604030504040204" pitchFamily="34" charset="0"/>
-                <a:cs typeface="Tahoma" panose="020B0604030504040204" pitchFamily="34" charset="0"/>
+                <a:cs typeface="Times New Roman" panose="02020603050405020304" pitchFamily="18" charset="0"/>
               </a:rPr>
               <a:t> </a:t>
             </a:r>
@@ -12212,7 +13625,7 @@
               <a:rPr lang="en-GB" sz="2500" dirty="0" err="1">
                 <a:latin typeface="Times New Roman" panose="02020603050405020304" pitchFamily="18" charset="0"/>
                 <a:ea typeface="Tahoma" panose="020B0604030504040204" pitchFamily="34" charset="0"/>
-                <a:cs typeface="Tahoma" panose="020B0604030504040204" pitchFamily="34" charset="0"/>
+                <a:cs typeface="Times New Roman" panose="02020603050405020304" pitchFamily="18" charset="0"/>
               </a:rPr>
               <a:t>động</a:t>
             </a:r>
@@ -12220,7 +13633,7 @@
               <a:rPr lang="en-GB" sz="2500" dirty="0">
                 <a:latin typeface="Times New Roman" panose="02020603050405020304" pitchFamily="18" charset="0"/>
                 <a:ea typeface="Tahoma" panose="020B0604030504040204" pitchFamily="34" charset="0"/>
-                <a:cs typeface="Tahoma" panose="020B0604030504040204" pitchFamily="34" charset="0"/>
+                <a:cs typeface="Times New Roman" panose="02020603050405020304" pitchFamily="18" charset="0"/>
               </a:rPr>
               <a:t> </a:t>
             </a:r>
@@ -12228,7 +13641,7 @@
               <a:rPr lang="en-GB" sz="2500" dirty="0" err="1">
                 <a:latin typeface="Times New Roman" panose="02020603050405020304" pitchFamily="18" charset="0"/>
                 <a:ea typeface="Tahoma" panose="020B0604030504040204" pitchFamily="34" charset="0"/>
-                <a:cs typeface="Tahoma" panose="020B0604030504040204" pitchFamily="34" charset="0"/>
+                <a:cs typeface="Times New Roman" panose="02020603050405020304" pitchFamily="18" charset="0"/>
               </a:rPr>
               <a:t>tổ</a:t>
             </a:r>
@@ -12236,7 +13649,7 @@
               <a:rPr lang="en-GB" sz="2500" dirty="0">
                 <a:latin typeface="Times New Roman" panose="02020603050405020304" pitchFamily="18" charset="0"/>
                 <a:ea typeface="Tahoma" panose="020B0604030504040204" pitchFamily="34" charset="0"/>
-                <a:cs typeface="Tahoma" panose="020B0604030504040204" pitchFamily="34" charset="0"/>
+                <a:cs typeface="Times New Roman" panose="02020603050405020304" pitchFamily="18" charset="0"/>
               </a:rPr>
               <a:t> </a:t>
             </a:r>
@@ -12244,7 +13657,7 @@
               <a:rPr lang="en-GB" sz="2500" dirty="0" err="1">
                 <a:latin typeface="Times New Roman" panose="02020603050405020304" pitchFamily="18" charset="0"/>
                 <a:ea typeface="Tahoma" panose="020B0604030504040204" pitchFamily="34" charset="0"/>
-                <a:cs typeface="Tahoma" panose="020B0604030504040204" pitchFamily="34" charset="0"/>
+                <a:cs typeface="Times New Roman" panose="02020603050405020304" pitchFamily="18" charset="0"/>
               </a:rPr>
               <a:t>chức</a:t>
             </a:r>
@@ -12252,7 +13665,7 @@
               <a:rPr lang="en-GB" sz="2500" dirty="0">
                 <a:latin typeface="Times New Roman" panose="02020603050405020304" pitchFamily="18" charset="0"/>
                 <a:ea typeface="Tahoma" panose="020B0604030504040204" pitchFamily="34" charset="0"/>
-                <a:cs typeface="Tahoma" panose="020B0604030504040204" pitchFamily="34" charset="0"/>
+                <a:cs typeface="Times New Roman" panose="02020603050405020304" pitchFamily="18" charset="0"/>
               </a:rPr>
               <a:t> </a:t>
             </a:r>
@@ -12260,7 +13673,7 @@
               <a:rPr lang="en-GB" sz="2500" dirty="0" err="1">
                 <a:latin typeface="Times New Roman" panose="02020603050405020304" pitchFamily="18" charset="0"/>
                 <a:ea typeface="Tahoma" panose="020B0604030504040204" pitchFamily="34" charset="0"/>
-                <a:cs typeface="Tahoma" panose="020B0604030504040204" pitchFamily="34" charset="0"/>
+                <a:cs typeface="Times New Roman" panose="02020603050405020304" pitchFamily="18" charset="0"/>
               </a:rPr>
               <a:t>mà</a:t>
             </a:r>
@@ -12268,7 +13681,7 @@
               <a:rPr lang="en-GB" sz="2500" dirty="0">
                 <a:latin typeface="Times New Roman" panose="02020603050405020304" pitchFamily="18" charset="0"/>
                 <a:ea typeface="Tahoma" panose="020B0604030504040204" pitchFamily="34" charset="0"/>
-                <a:cs typeface="Tahoma" panose="020B0604030504040204" pitchFamily="34" charset="0"/>
+                <a:cs typeface="Times New Roman" panose="02020603050405020304" pitchFamily="18" charset="0"/>
               </a:rPr>
               <a:t> </a:t>
             </a:r>
@@ -12276,7 +13689,7 @@
               <a:rPr lang="en-GB" sz="2500" dirty="0" err="1">
                 <a:latin typeface="Times New Roman" panose="02020603050405020304" pitchFamily="18" charset="0"/>
                 <a:ea typeface="Tahoma" panose="020B0604030504040204" pitchFamily="34" charset="0"/>
-                <a:cs typeface="Tahoma" panose="020B0604030504040204" pitchFamily="34" charset="0"/>
+                <a:cs typeface="Times New Roman" panose="02020603050405020304" pitchFamily="18" charset="0"/>
               </a:rPr>
               <a:t>mục</a:t>
             </a:r>
@@ -12284,7 +13697,7 @@
               <a:rPr lang="en-GB" sz="2500" dirty="0">
                 <a:latin typeface="Times New Roman" panose="02020603050405020304" pitchFamily="18" charset="0"/>
                 <a:ea typeface="Tahoma" panose="020B0604030504040204" pitchFamily="34" charset="0"/>
-                <a:cs typeface="Tahoma" panose="020B0604030504040204" pitchFamily="34" charset="0"/>
+                <a:cs typeface="Times New Roman" panose="02020603050405020304" pitchFamily="18" charset="0"/>
               </a:rPr>
               <a:t> </a:t>
             </a:r>
@@ -12292,7 +13705,7 @@
               <a:rPr lang="en-GB" sz="2500" dirty="0" err="1">
                 <a:latin typeface="Times New Roman" panose="02020603050405020304" pitchFamily="18" charset="0"/>
                 <a:ea typeface="Tahoma" panose="020B0604030504040204" pitchFamily="34" charset="0"/>
-                <a:cs typeface="Tahoma" panose="020B0604030504040204" pitchFamily="34" charset="0"/>
+                <a:cs typeface="Times New Roman" panose="02020603050405020304" pitchFamily="18" charset="0"/>
               </a:rPr>
               <a:t>đích</a:t>
             </a:r>
@@ -12300,7 +13713,7 @@
               <a:rPr lang="en-GB" sz="2500" dirty="0">
                 <a:latin typeface="Times New Roman" panose="02020603050405020304" pitchFamily="18" charset="0"/>
                 <a:ea typeface="Tahoma" panose="020B0604030504040204" pitchFamily="34" charset="0"/>
-                <a:cs typeface="Tahoma" panose="020B0604030504040204" pitchFamily="34" charset="0"/>
+                <a:cs typeface="Times New Roman" panose="02020603050405020304" pitchFamily="18" charset="0"/>
               </a:rPr>
               <a:t> </a:t>
             </a:r>
@@ -12308,7 +13721,7 @@
               <a:rPr lang="en-GB" sz="2500" dirty="0" err="1">
                 <a:latin typeface="Times New Roman" panose="02020603050405020304" pitchFamily="18" charset="0"/>
                 <a:ea typeface="Tahoma" panose="020B0604030504040204" pitchFamily="34" charset="0"/>
-                <a:cs typeface="Tahoma" panose="020B0604030504040204" pitchFamily="34" charset="0"/>
+                <a:cs typeface="Times New Roman" panose="02020603050405020304" pitchFamily="18" charset="0"/>
               </a:rPr>
               <a:t>của</a:t>
             </a:r>
@@ -12316,7 +13729,7 @@
               <a:rPr lang="en-GB" sz="2500" dirty="0">
                 <a:latin typeface="Times New Roman" panose="02020603050405020304" pitchFamily="18" charset="0"/>
                 <a:ea typeface="Tahoma" panose="020B0604030504040204" pitchFamily="34" charset="0"/>
-                <a:cs typeface="Tahoma" panose="020B0604030504040204" pitchFamily="34" charset="0"/>
+                <a:cs typeface="Times New Roman" panose="02020603050405020304" pitchFamily="18" charset="0"/>
               </a:rPr>
               <a:t> </a:t>
             </a:r>
@@ -12324,7 +13737,7 @@
               <a:rPr lang="en-GB" sz="2500" dirty="0" err="1">
                 <a:latin typeface="Times New Roman" panose="02020603050405020304" pitchFamily="18" charset="0"/>
                 <a:ea typeface="Tahoma" panose="020B0604030504040204" pitchFamily="34" charset="0"/>
-                <a:cs typeface="Tahoma" panose="020B0604030504040204" pitchFamily="34" charset="0"/>
+                <a:cs typeface="Times New Roman" panose="02020603050405020304" pitchFamily="18" charset="0"/>
               </a:rPr>
               <a:t>chúng</a:t>
             </a:r>
@@ -12332,7 +13745,7 @@
               <a:rPr lang="en-GB" sz="2500" dirty="0">
                 <a:latin typeface="Times New Roman" panose="02020603050405020304" pitchFamily="18" charset="0"/>
                 <a:ea typeface="Tahoma" panose="020B0604030504040204" pitchFamily="34" charset="0"/>
-                <a:cs typeface="Tahoma" panose="020B0604030504040204" pitchFamily="34" charset="0"/>
+                <a:cs typeface="Times New Roman" panose="02020603050405020304" pitchFamily="18" charset="0"/>
               </a:rPr>
               <a:t> </a:t>
             </a:r>
@@ -12340,7 +13753,7 @@
               <a:rPr lang="en-GB" sz="2500" dirty="0" err="1">
                 <a:latin typeface="Times New Roman" panose="02020603050405020304" pitchFamily="18" charset="0"/>
                 <a:ea typeface="Tahoma" panose="020B0604030504040204" pitchFamily="34" charset="0"/>
-                <a:cs typeface="Tahoma" panose="020B0604030504040204" pitchFamily="34" charset="0"/>
+                <a:cs typeface="Times New Roman" panose="02020603050405020304" pitchFamily="18" charset="0"/>
               </a:rPr>
               <a:t>là</a:t>
             </a:r>
@@ -12348,7 +13761,7 @@
               <a:rPr lang="en-GB" sz="2500" dirty="0">
                 <a:latin typeface="Times New Roman" panose="02020603050405020304" pitchFamily="18" charset="0"/>
                 <a:ea typeface="Tahoma" panose="020B0604030504040204" pitchFamily="34" charset="0"/>
-                <a:cs typeface="Tahoma" panose="020B0604030504040204" pitchFamily="34" charset="0"/>
+                <a:cs typeface="Times New Roman" panose="02020603050405020304" pitchFamily="18" charset="0"/>
               </a:rPr>
               <a:t> </a:t>
             </a:r>
@@ -12356,7 +13769,7 @@
               <a:rPr lang="en-GB" sz="2500" dirty="0" err="1">
                 <a:latin typeface="Times New Roman" panose="02020603050405020304" pitchFamily="18" charset="0"/>
                 <a:ea typeface="Tahoma" panose="020B0604030504040204" pitchFamily="34" charset="0"/>
-                <a:cs typeface="Tahoma" panose="020B0604030504040204" pitchFamily="34" charset="0"/>
+                <a:cs typeface="Times New Roman" panose="02020603050405020304" pitchFamily="18" charset="0"/>
               </a:rPr>
               <a:t>xây</a:t>
             </a:r>
@@ -12364,7 +13777,7 @@
               <a:rPr lang="en-GB" sz="2500" dirty="0">
                 <a:latin typeface="Times New Roman" panose="02020603050405020304" pitchFamily="18" charset="0"/>
                 <a:ea typeface="Tahoma" panose="020B0604030504040204" pitchFamily="34" charset="0"/>
-                <a:cs typeface="Tahoma" panose="020B0604030504040204" pitchFamily="34" charset="0"/>
+                <a:cs typeface="Times New Roman" panose="02020603050405020304" pitchFamily="18" charset="0"/>
               </a:rPr>
               <a:t> </a:t>
             </a:r>
@@ -12372,7 +13785,7 @@
               <a:rPr lang="en-GB" sz="2500" dirty="0" err="1">
                 <a:latin typeface="Times New Roman" panose="02020603050405020304" pitchFamily="18" charset="0"/>
                 <a:ea typeface="Tahoma" panose="020B0604030504040204" pitchFamily="34" charset="0"/>
-                <a:cs typeface="Tahoma" panose="020B0604030504040204" pitchFamily="34" charset="0"/>
+                <a:cs typeface="Times New Roman" panose="02020603050405020304" pitchFamily="18" charset="0"/>
               </a:rPr>
               <a:t>dựng</a:t>
             </a:r>
@@ -12380,7 +13793,7 @@
               <a:rPr lang="en-GB" sz="2500" dirty="0">
                 <a:latin typeface="Times New Roman" panose="02020603050405020304" pitchFamily="18" charset="0"/>
                 <a:ea typeface="Tahoma" panose="020B0604030504040204" pitchFamily="34" charset="0"/>
-                <a:cs typeface="Tahoma" panose="020B0604030504040204" pitchFamily="34" charset="0"/>
+                <a:cs typeface="Times New Roman" panose="02020603050405020304" pitchFamily="18" charset="0"/>
               </a:rPr>
               <a:t> </a:t>
             </a:r>
@@ -12388,7 +13801,7 @@
               <a:rPr lang="en-GB" sz="2500" dirty="0" err="1">
                 <a:latin typeface="Times New Roman" panose="02020603050405020304" pitchFamily="18" charset="0"/>
                 <a:ea typeface="Tahoma" panose="020B0604030504040204" pitchFamily="34" charset="0"/>
-                <a:cs typeface="Tahoma" panose="020B0604030504040204" pitchFamily="34" charset="0"/>
+                <a:cs typeface="Times New Roman" panose="02020603050405020304" pitchFamily="18" charset="0"/>
               </a:rPr>
               <a:t>và</a:t>
             </a:r>
@@ -12396,7 +13809,7 @@
               <a:rPr lang="en-GB" sz="2500" dirty="0">
                 <a:latin typeface="Times New Roman" panose="02020603050405020304" pitchFamily="18" charset="0"/>
                 <a:ea typeface="Tahoma" panose="020B0604030504040204" pitchFamily="34" charset="0"/>
-                <a:cs typeface="Tahoma" panose="020B0604030504040204" pitchFamily="34" charset="0"/>
+                <a:cs typeface="Times New Roman" panose="02020603050405020304" pitchFamily="18" charset="0"/>
               </a:rPr>
               <a:t> </a:t>
             </a:r>
@@ -12404,7 +13817,7 @@
               <a:rPr lang="en-GB" sz="2500" dirty="0" err="1">
                 <a:latin typeface="Times New Roman" panose="02020603050405020304" pitchFamily="18" charset="0"/>
                 <a:ea typeface="Tahoma" panose="020B0604030504040204" pitchFamily="34" charset="0"/>
-                <a:cs typeface="Tahoma" panose="020B0604030504040204" pitchFamily="34" charset="0"/>
+                <a:cs typeface="Times New Roman" panose="02020603050405020304" pitchFamily="18" charset="0"/>
               </a:rPr>
               <a:t>phát</a:t>
             </a:r>
@@ -12412,7 +13825,7 @@
               <a:rPr lang="en-GB" sz="2500" dirty="0">
                 <a:latin typeface="Times New Roman" panose="02020603050405020304" pitchFamily="18" charset="0"/>
                 <a:ea typeface="Tahoma" panose="020B0604030504040204" pitchFamily="34" charset="0"/>
-                <a:cs typeface="Tahoma" panose="020B0604030504040204" pitchFamily="34" charset="0"/>
+                <a:cs typeface="Times New Roman" panose="02020603050405020304" pitchFamily="18" charset="0"/>
               </a:rPr>
               <a:t> </a:t>
             </a:r>
@@ -12420,7 +13833,7 @@
               <a:rPr lang="en-GB" sz="2500" dirty="0" err="1">
                 <a:latin typeface="Times New Roman" panose="02020603050405020304" pitchFamily="18" charset="0"/>
                 <a:ea typeface="Tahoma" panose="020B0604030504040204" pitchFamily="34" charset="0"/>
-                <a:cs typeface="Tahoma" panose="020B0604030504040204" pitchFamily="34" charset="0"/>
+                <a:cs typeface="Times New Roman" panose="02020603050405020304" pitchFamily="18" charset="0"/>
               </a:rPr>
               <a:t>triển</a:t>
             </a:r>
@@ -12428,7 +13841,7 @@
               <a:rPr lang="en-GB" sz="2500" dirty="0">
                 <a:latin typeface="Times New Roman" panose="02020603050405020304" pitchFamily="18" charset="0"/>
                 <a:ea typeface="Tahoma" panose="020B0604030504040204" pitchFamily="34" charset="0"/>
-                <a:cs typeface="Tahoma" panose="020B0604030504040204" pitchFamily="34" charset="0"/>
+                <a:cs typeface="Times New Roman" panose="02020603050405020304" pitchFamily="18" charset="0"/>
               </a:rPr>
               <a:t> </a:t>
             </a:r>
@@ -12436,7 +13849,7 @@
               <a:rPr lang="en-GB" sz="2500" dirty="0" err="1">
                 <a:latin typeface="Times New Roman" panose="02020603050405020304" pitchFamily="18" charset="0"/>
                 <a:ea typeface="Tahoma" panose="020B0604030504040204" pitchFamily="34" charset="0"/>
-                <a:cs typeface="Tahoma" panose="020B0604030504040204" pitchFamily="34" charset="0"/>
+                <a:cs typeface="Times New Roman" panose="02020603050405020304" pitchFamily="18" charset="0"/>
               </a:rPr>
               <a:t>phần</a:t>
             </a:r>
@@ -12444,7 +13857,7 @@
               <a:rPr lang="en-GB" sz="2500" dirty="0">
                 <a:latin typeface="Times New Roman" panose="02020603050405020304" pitchFamily="18" charset="0"/>
                 <a:ea typeface="Tahoma" panose="020B0604030504040204" pitchFamily="34" charset="0"/>
-                <a:cs typeface="Tahoma" panose="020B0604030504040204" pitchFamily="34" charset="0"/>
+                <a:cs typeface="Times New Roman" panose="02020603050405020304" pitchFamily="18" charset="0"/>
               </a:rPr>
               <a:t> </a:t>
             </a:r>
@@ -12452,7 +13865,7 @@
               <a:rPr lang="en-GB" sz="2500" dirty="0" err="1">
                 <a:latin typeface="Times New Roman" panose="02020603050405020304" pitchFamily="18" charset="0"/>
                 <a:ea typeface="Tahoma" panose="020B0604030504040204" pitchFamily="34" charset="0"/>
-                <a:cs typeface="Tahoma" panose="020B0604030504040204" pitchFamily="34" charset="0"/>
+                <a:cs typeface="Times New Roman" panose="02020603050405020304" pitchFamily="18" charset="0"/>
               </a:rPr>
               <a:t>mềm</a:t>
             </a:r>
@@ -12460,14 +13873,14 @@
               <a:rPr lang="en-GB" sz="2500" dirty="0">
                 <a:latin typeface="Times New Roman" panose="02020603050405020304" pitchFamily="18" charset="0"/>
                 <a:ea typeface="Tahoma" panose="020B0604030504040204" pitchFamily="34" charset="0"/>
-                <a:cs typeface="Tahoma" panose="020B0604030504040204" pitchFamily="34" charset="0"/>
+                <a:cs typeface="Times New Roman" panose="02020603050405020304" pitchFamily="18" charset="0"/>
               </a:rPr>
               <a:t>.</a:t>
             </a:r>
             <a:endParaRPr lang="en-US" sz="2500" dirty="0">
               <a:latin typeface="Times New Roman" panose="02020603050405020304" pitchFamily="18" charset="0"/>
               <a:ea typeface="Tahoma" panose="020B0604030504040204" pitchFamily="34" charset="0"/>
-              <a:cs typeface="Tahoma" panose="020B0604030504040204" pitchFamily="34" charset="0"/>
+              <a:cs typeface="Times New Roman" panose="02020603050405020304" pitchFamily="18" charset="0"/>
             </a:endParaRPr>
           </a:p>
           <a:p>
@@ -12486,7 +13899,7 @@
         <p:spPr>
           <a:xfrm>
             <a:off x="1470992" y="3178069"/>
-            <a:ext cx="10257182" cy="3323987"/>
+            <a:ext cx="10257182" cy="2477601"/>
           </a:xfrm>
           <a:prstGeom prst="rect">
             <a:avLst/>
@@ -12504,9 +13917,9 @@
                 <a:solidFill>
                   <a:srgbClr val="00B0F0"/>
                 </a:solidFill>
-                <a:latin typeface="Tahoma" panose="020B0604030504040204" pitchFamily="34" charset="0"/>
-                <a:ea typeface="Tahoma" panose="020B0604030504040204" pitchFamily="34" charset="0"/>
-                <a:cs typeface="Tahoma" panose="020B0604030504040204" pitchFamily="34" charset="0"/>
+                <a:latin typeface="Times New Roman" panose="02020603050405020304" pitchFamily="18" charset="0"/>
+                <a:ea typeface="Tahoma" panose="020B0604030504040204" pitchFamily="34" charset="0"/>
+                <a:cs typeface="Times New Roman" panose="02020603050405020304" pitchFamily="18" charset="0"/>
               </a:rPr>
               <a:t>2. </a:t>
             </a:r>
@@ -12515,9 +13928,9 @@
                 <a:solidFill>
                   <a:srgbClr val="00B0F0"/>
                 </a:solidFill>
-                <a:latin typeface="Tahoma" panose="020B0604030504040204" pitchFamily="34" charset="0"/>
-                <a:ea typeface="Tahoma" panose="020B0604030504040204" pitchFamily="34" charset="0"/>
-                <a:cs typeface="Tahoma" panose="020B0604030504040204" pitchFamily="34" charset="0"/>
+                <a:latin typeface="Times New Roman" panose="02020603050405020304" pitchFamily="18" charset="0"/>
+                <a:ea typeface="Tahoma" panose="020B0604030504040204" pitchFamily="34" charset="0"/>
+                <a:cs typeface="Times New Roman" panose="02020603050405020304" pitchFamily="18" charset="0"/>
               </a:rPr>
               <a:t>Các</a:t>
             </a:r>
@@ -12526,9 +13939,9 @@
                 <a:solidFill>
                   <a:srgbClr val="00B0F0"/>
                 </a:solidFill>
-                <a:latin typeface="Tahoma" panose="020B0604030504040204" pitchFamily="34" charset="0"/>
-                <a:ea typeface="Tahoma" panose="020B0604030504040204" pitchFamily="34" charset="0"/>
-                <a:cs typeface="Tahoma" panose="020B0604030504040204" pitchFamily="34" charset="0"/>
+                <a:latin typeface="Times New Roman" panose="02020603050405020304" pitchFamily="18" charset="0"/>
+                <a:ea typeface="Tahoma" panose="020B0604030504040204" pitchFamily="34" charset="0"/>
+                <a:cs typeface="Times New Roman" panose="02020603050405020304" pitchFamily="18" charset="0"/>
               </a:rPr>
               <a:t> </a:t>
             </a:r>
@@ -12537,9 +13950,9 @@
                 <a:solidFill>
                   <a:srgbClr val="00B0F0"/>
                 </a:solidFill>
-                <a:latin typeface="Tahoma" panose="020B0604030504040204" pitchFamily="34" charset="0"/>
-                <a:ea typeface="Tahoma" panose="020B0604030504040204" pitchFamily="34" charset="0"/>
-                <a:cs typeface="Tahoma" panose="020B0604030504040204" pitchFamily="34" charset="0"/>
+                <a:latin typeface="Times New Roman" panose="02020603050405020304" pitchFamily="18" charset="0"/>
+                <a:ea typeface="Tahoma" panose="020B0604030504040204" pitchFamily="34" charset="0"/>
+                <a:cs typeface="Times New Roman" panose="02020603050405020304" pitchFamily="18" charset="0"/>
               </a:rPr>
               <a:t>hoạt</a:t>
             </a:r>
@@ -12548,9 +13961,9 @@
                 <a:solidFill>
                   <a:srgbClr val="00B0F0"/>
                 </a:solidFill>
-                <a:latin typeface="Tahoma" panose="020B0604030504040204" pitchFamily="34" charset="0"/>
-                <a:ea typeface="Tahoma" panose="020B0604030504040204" pitchFamily="34" charset="0"/>
-                <a:cs typeface="Tahoma" panose="020B0604030504040204" pitchFamily="34" charset="0"/>
+                <a:latin typeface="Times New Roman" panose="02020603050405020304" pitchFamily="18" charset="0"/>
+                <a:ea typeface="Tahoma" panose="020B0604030504040204" pitchFamily="34" charset="0"/>
+                <a:cs typeface="Times New Roman" panose="02020603050405020304" pitchFamily="18" charset="0"/>
               </a:rPr>
               <a:t> </a:t>
             </a:r>
@@ -12559,9 +13972,9 @@
                 <a:solidFill>
                   <a:srgbClr val="00B0F0"/>
                 </a:solidFill>
-                <a:latin typeface="Tahoma" panose="020B0604030504040204" pitchFamily="34" charset="0"/>
-                <a:ea typeface="Tahoma" panose="020B0604030504040204" pitchFamily="34" charset="0"/>
-                <a:cs typeface="Tahoma" panose="020B0604030504040204" pitchFamily="34" charset="0"/>
+                <a:latin typeface="Times New Roman" panose="02020603050405020304" pitchFamily="18" charset="0"/>
+                <a:ea typeface="Tahoma" panose="020B0604030504040204" pitchFamily="34" charset="0"/>
+                <a:cs typeface="Times New Roman" panose="02020603050405020304" pitchFamily="18" charset="0"/>
               </a:rPr>
               <a:t>động</a:t>
             </a:r>
@@ -12570,9 +13983,9 @@
                 <a:solidFill>
                   <a:srgbClr val="00B0F0"/>
                 </a:solidFill>
-                <a:latin typeface="Tahoma" panose="020B0604030504040204" pitchFamily="34" charset="0"/>
-                <a:ea typeface="Tahoma" panose="020B0604030504040204" pitchFamily="34" charset="0"/>
-                <a:cs typeface="Tahoma" panose="020B0604030504040204" pitchFamily="34" charset="0"/>
+                <a:latin typeface="Times New Roman" panose="02020603050405020304" pitchFamily="18" charset="0"/>
+                <a:ea typeface="Tahoma" panose="020B0604030504040204" pitchFamily="34" charset="0"/>
+                <a:cs typeface="Times New Roman" panose="02020603050405020304" pitchFamily="18" charset="0"/>
               </a:rPr>
               <a:t> </a:t>
             </a:r>
@@ -12581,9 +13994,9 @@
                 <a:solidFill>
                   <a:srgbClr val="00B0F0"/>
                 </a:solidFill>
-                <a:latin typeface="Tahoma" panose="020B0604030504040204" pitchFamily="34" charset="0"/>
-                <a:ea typeface="Tahoma" panose="020B0604030504040204" pitchFamily="34" charset="0"/>
-                <a:cs typeface="Tahoma" panose="020B0604030504040204" pitchFamily="34" charset="0"/>
+                <a:latin typeface="Times New Roman" panose="02020603050405020304" pitchFamily="18" charset="0"/>
+                <a:ea typeface="Tahoma" panose="020B0604030504040204" pitchFamily="34" charset="0"/>
+                <a:cs typeface="Times New Roman" panose="02020603050405020304" pitchFamily="18" charset="0"/>
               </a:rPr>
               <a:t>cơ</a:t>
             </a:r>
@@ -12592,9 +14005,9 @@
                 <a:solidFill>
                   <a:srgbClr val="00B0F0"/>
                 </a:solidFill>
-                <a:latin typeface="Tahoma" panose="020B0604030504040204" pitchFamily="34" charset="0"/>
-                <a:ea typeface="Tahoma" panose="020B0604030504040204" pitchFamily="34" charset="0"/>
-                <a:cs typeface="Tahoma" panose="020B0604030504040204" pitchFamily="34" charset="0"/>
+                <a:latin typeface="Times New Roman" panose="02020603050405020304" pitchFamily="18" charset="0"/>
+                <a:ea typeface="Tahoma" panose="020B0604030504040204" pitchFamily="34" charset="0"/>
+                <a:cs typeface="Times New Roman" panose="02020603050405020304" pitchFamily="18" charset="0"/>
               </a:rPr>
               <a:t> </a:t>
             </a:r>
@@ -12603,9 +14016,9 @@
                 <a:solidFill>
                   <a:srgbClr val="00B0F0"/>
                 </a:solidFill>
-                <a:latin typeface="Tahoma" panose="020B0604030504040204" pitchFamily="34" charset="0"/>
-                <a:ea typeface="Tahoma" panose="020B0604030504040204" pitchFamily="34" charset="0"/>
-                <a:cs typeface="Tahoma" panose="020B0604030504040204" pitchFamily="34" charset="0"/>
+                <a:latin typeface="Times New Roman" panose="02020603050405020304" pitchFamily="18" charset="0"/>
+                <a:ea typeface="Tahoma" panose="020B0604030504040204" pitchFamily="34" charset="0"/>
+                <a:cs typeface="Times New Roman" panose="02020603050405020304" pitchFamily="18" charset="0"/>
               </a:rPr>
               <a:t>bản</a:t>
             </a:r>
@@ -12614,9 +14027,9 @@
                 <a:solidFill>
                   <a:srgbClr val="00B0F0"/>
                 </a:solidFill>
-                <a:latin typeface="Tahoma" panose="020B0604030504040204" pitchFamily="34" charset="0"/>
-                <a:ea typeface="Tahoma" panose="020B0604030504040204" pitchFamily="34" charset="0"/>
-                <a:cs typeface="Tahoma" panose="020B0604030504040204" pitchFamily="34" charset="0"/>
+                <a:latin typeface="Times New Roman" panose="02020603050405020304" pitchFamily="18" charset="0"/>
+                <a:ea typeface="Tahoma" panose="020B0604030504040204" pitchFamily="34" charset="0"/>
+                <a:cs typeface="Times New Roman" panose="02020603050405020304" pitchFamily="18" charset="0"/>
               </a:rPr>
               <a:t> </a:t>
             </a:r>
@@ -12625,9 +14038,9 @@
                 <a:solidFill>
                   <a:srgbClr val="00B0F0"/>
                 </a:solidFill>
-                <a:latin typeface="Tahoma" panose="020B0604030504040204" pitchFamily="34" charset="0"/>
-                <a:ea typeface="Tahoma" panose="020B0604030504040204" pitchFamily="34" charset="0"/>
-                <a:cs typeface="Tahoma" panose="020B0604030504040204" pitchFamily="34" charset="0"/>
+                <a:latin typeface="Times New Roman" panose="02020603050405020304" pitchFamily="18" charset="0"/>
+                <a:ea typeface="Tahoma" panose="020B0604030504040204" pitchFamily="34" charset="0"/>
+                <a:cs typeface="Times New Roman" panose="02020603050405020304" pitchFamily="18" charset="0"/>
               </a:rPr>
               <a:t>của</a:t>
             </a:r>
@@ -12636,9 +14049,9 @@
                 <a:solidFill>
                   <a:srgbClr val="00B0F0"/>
                 </a:solidFill>
-                <a:latin typeface="Tahoma" panose="020B0604030504040204" pitchFamily="34" charset="0"/>
-                <a:ea typeface="Tahoma" panose="020B0604030504040204" pitchFamily="34" charset="0"/>
-                <a:cs typeface="Tahoma" panose="020B0604030504040204" pitchFamily="34" charset="0"/>
+                <a:latin typeface="Times New Roman" panose="02020603050405020304" pitchFamily="18" charset="0"/>
+                <a:ea typeface="Tahoma" panose="020B0604030504040204" pitchFamily="34" charset="0"/>
+                <a:cs typeface="Times New Roman" panose="02020603050405020304" pitchFamily="18" charset="0"/>
               </a:rPr>
               <a:t> </a:t>
             </a:r>
@@ -12647,9 +14060,9 @@
                 <a:solidFill>
                   <a:srgbClr val="00B0F0"/>
                 </a:solidFill>
-                <a:latin typeface="Tahoma" panose="020B0604030504040204" pitchFamily="34" charset="0"/>
-                <a:ea typeface="Tahoma" panose="020B0604030504040204" pitchFamily="34" charset="0"/>
-                <a:cs typeface="Tahoma" panose="020B0604030504040204" pitchFamily="34" charset="0"/>
+                <a:latin typeface="Times New Roman" panose="02020603050405020304" pitchFamily="18" charset="0"/>
+                <a:ea typeface="Tahoma" panose="020B0604030504040204" pitchFamily="34" charset="0"/>
+                <a:cs typeface="Times New Roman" panose="02020603050405020304" pitchFamily="18" charset="0"/>
               </a:rPr>
               <a:t>quy</a:t>
             </a:r>
@@ -12658,9 +14071,9 @@
                 <a:solidFill>
                   <a:srgbClr val="00B0F0"/>
                 </a:solidFill>
-                <a:latin typeface="Tahoma" panose="020B0604030504040204" pitchFamily="34" charset="0"/>
-                <a:ea typeface="Tahoma" panose="020B0604030504040204" pitchFamily="34" charset="0"/>
-                <a:cs typeface="Tahoma" panose="020B0604030504040204" pitchFamily="34" charset="0"/>
+                <a:latin typeface="Times New Roman" panose="02020603050405020304" pitchFamily="18" charset="0"/>
+                <a:ea typeface="Tahoma" panose="020B0604030504040204" pitchFamily="34" charset="0"/>
+                <a:cs typeface="Times New Roman" panose="02020603050405020304" pitchFamily="18" charset="0"/>
               </a:rPr>
               <a:t> </a:t>
             </a:r>
@@ -12669,9 +14082,9 @@
                 <a:solidFill>
                   <a:srgbClr val="00B0F0"/>
                 </a:solidFill>
-                <a:latin typeface="Tahoma" panose="020B0604030504040204" pitchFamily="34" charset="0"/>
-                <a:ea typeface="Tahoma" panose="020B0604030504040204" pitchFamily="34" charset="0"/>
-                <a:cs typeface="Tahoma" panose="020B0604030504040204" pitchFamily="34" charset="0"/>
+                <a:latin typeface="Times New Roman" panose="02020603050405020304" pitchFamily="18" charset="0"/>
+                <a:ea typeface="Tahoma" panose="020B0604030504040204" pitchFamily="34" charset="0"/>
+                <a:cs typeface="Times New Roman" panose="02020603050405020304" pitchFamily="18" charset="0"/>
               </a:rPr>
               <a:t>trình</a:t>
             </a:r>
@@ -12680,9 +14093,9 @@
                 <a:solidFill>
                   <a:srgbClr val="00B0F0"/>
                 </a:solidFill>
-                <a:latin typeface="Tahoma" panose="020B0604030504040204" pitchFamily="34" charset="0"/>
-                <a:ea typeface="Tahoma" panose="020B0604030504040204" pitchFamily="34" charset="0"/>
-                <a:cs typeface="Tahoma" panose="020B0604030504040204" pitchFamily="34" charset="0"/>
+                <a:latin typeface="Times New Roman" panose="02020603050405020304" pitchFamily="18" charset="0"/>
+                <a:ea typeface="Tahoma" panose="020B0604030504040204" pitchFamily="34" charset="0"/>
+                <a:cs typeface="Times New Roman" panose="02020603050405020304" pitchFamily="18" charset="0"/>
               </a:rPr>
               <a:t> </a:t>
             </a:r>
@@ -12691,9 +14104,9 @@
                 <a:solidFill>
                   <a:srgbClr val="00B0F0"/>
                 </a:solidFill>
-                <a:latin typeface="Tahoma" panose="020B0604030504040204" pitchFamily="34" charset="0"/>
-                <a:ea typeface="Tahoma" panose="020B0604030504040204" pitchFamily="34" charset="0"/>
-                <a:cs typeface="Tahoma" panose="020B0604030504040204" pitchFamily="34" charset="0"/>
+                <a:latin typeface="Times New Roman" panose="02020603050405020304" pitchFamily="18" charset="0"/>
+                <a:ea typeface="Tahoma" panose="020B0604030504040204" pitchFamily="34" charset="0"/>
+                <a:cs typeface="Times New Roman" panose="02020603050405020304" pitchFamily="18" charset="0"/>
               </a:rPr>
               <a:t>phát</a:t>
             </a:r>
@@ -12702,9 +14115,9 @@
                 <a:solidFill>
                   <a:srgbClr val="00B0F0"/>
                 </a:solidFill>
-                <a:latin typeface="Tahoma" panose="020B0604030504040204" pitchFamily="34" charset="0"/>
-                <a:ea typeface="Tahoma" panose="020B0604030504040204" pitchFamily="34" charset="0"/>
-                <a:cs typeface="Tahoma" panose="020B0604030504040204" pitchFamily="34" charset="0"/>
+                <a:latin typeface="Times New Roman" panose="02020603050405020304" pitchFamily="18" charset="0"/>
+                <a:ea typeface="Tahoma" panose="020B0604030504040204" pitchFamily="34" charset="0"/>
+                <a:cs typeface="Times New Roman" panose="02020603050405020304" pitchFamily="18" charset="0"/>
               </a:rPr>
               <a:t> </a:t>
             </a:r>
@@ -12713,9 +14126,9 @@
                 <a:solidFill>
                   <a:srgbClr val="00B0F0"/>
                 </a:solidFill>
-                <a:latin typeface="Tahoma" panose="020B0604030504040204" pitchFamily="34" charset="0"/>
-                <a:ea typeface="Tahoma" panose="020B0604030504040204" pitchFamily="34" charset="0"/>
-                <a:cs typeface="Tahoma" panose="020B0604030504040204" pitchFamily="34" charset="0"/>
+                <a:latin typeface="Times New Roman" panose="02020603050405020304" pitchFamily="18" charset="0"/>
+                <a:ea typeface="Tahoma" panose="020B0604030504040204" pitchFamily="34" charset="0"/>
+                <a:cs typeface="Times New Roman" panose="02020603050405020304" pitchFamily="18" charset="0"/>
               </a:rPr>
               <a:t>triển</a:t>
             </a:r>
@@ -12724,9 +14137,9 @@
                 <a:solidFill>
                   <a:srgbClr val="00B0F0"/>
                 </a:solidFill>
-                <a:latin typeface="Tahoma" panose="020B0604030504040204" pitchFamily="34" charset="0"/>
-                <a:ea typeface="Tahoma" panose="020B0604030504040204" pitchFamily="34" charset="0"/>
-                <a:cs typeface="Tahoma" panose="020B0604030504040204" pitchFamily="34" charset="0"/>
+                <a:latin typeface="Times New Roman" panose="02020603050405020304" pitchFamily="18" charset="0"/>
+                <a:ea typeface="Tahoma" panose="020B0604030504040204" pitchFamily="34" charset="0"/>
+                <a:cs typeface="Times New Roman" panose="02020603050405020304" pitchFamily="18" charset="0"/>
               </a:rPr>
               <a:t> </a:t>
             </a:r>
@@ -12735,9 +14148,9 @@
                 <a:solidFill>
                   <a:srgbClr val="00B0F0"/>
                 </a:solidFill>
-                <a:latin typeface="Tahoma" panose="020B0604030504040204" pitchFamily="34" charset="0"/>
-                <a:ea typeface="Tahoma" panose="020B0604030504040204" pitchFamily="34" charset="0"/>
-                <a:cs typeface="Tahoma" panose="020B0604030504040204" pitchFamily="34" charset="0"/>
+                <a:latin typeface="Times New Roman" panose="02020603050405020304" pitchFamily="18" charset="0"/>
+                <a:ea typeface="Tahoma" panose="020B0604030504040204" pitchFamily="34" charset="0"/>
+                <a:cs typeface="Times New Roman" panose="02020603050405020304" pitchFamily="18" charset="0"/>
               </a:rPr>
               <a:t>phần</a:t>
             </a:r>
@@ -12746,9 +14159,9 @@
                 <a:solidFill>
                   <a:srgbClr val="00B0F0"/>
                 </a:solidFill>
-                <a:latin typeface="Tahoma" panose="020B0604030504040204" pitchFamily="34" charset="0"/>
-                <a:ea typeface="Tahoma" panose="020B0604030504040204" pitchFamily="34" charset="0"/>
-                <a:cs typeface="Tahoma" panose="020B0604030504040204" pitchFamily="34" charset="0"/>
+                <a:latin typeface="Times New Roman" panose="02020603050405020304" pitchFamily="18" charset="0"/>
+                <a:ea typeface="Tahoma" panose="020B0604030504040204" pitchFamily="34" charset="0"/>
+                <a:cs typeface="Times New Roman" panose="02020603050405020304" pitchFamily="18" charset="0"/>
               </a:rPr>
               <a:t> </a:t>
             </a:r>
@@ -12757,9 +14170,9 @@
                 <a:solidFill>
                   <a:srgbClr val="00B0F0"/>
                 </a:solidFill>
-                <a:latin typeface="Tahoma" panose="020B0604030504040204" pitchFamily="34" charset="0"/>
-                <a:ea typeface="Tahoma" panose="020B0604030504040204" pitchFamily="34" charset="0"/>
-                <a:cs typeface="Tahoma" panose="020B0604030504040204" pitchFamily="34" charset="0"/>
+                <a:latin typeface="Times New Roman" panose="02020603050405020304" pitchFamily="18" charset="0"/>
+                <a:ea typeface="Tahoma" panose="020B0604030504040204" pitchFamily="34" charset="0"/>
+                <a:cs typeface="Times New Roman" panose="02020603050405020304" pitchFamily="18" charset="0"/>
               </a:rPr>
               <a:t>mềm</a:t>
             </a:r>
@@ -12767,273 +14180,273 @@
               <a:solidFill>
                 <a:srgbClr val="00B0F0"/>
               </a:solidFill>
-              <a:latin typeface="Tahoma" panose="020B0604030504040204" pitchFamily="34" charset="0"/>
+              <a:latin typeface="Times New Roman" panose="02020603050405020304" pitchFamily="18" charset="0"/>
               <a:ea typeface="Tahoma" panose="020B0604030504040204" pitchFamily="34" charset="0"/>
-              <a:cs typeface="Tahoma" panose="020B0604030504040204" pitchFamily="34" charset="0"/>
+              <a:cs typeface="Times New Roman" panose="02020603050405020304" pitchFamily="18" charset="0"/>
             </a:endParaRPr>
           </a:p>
           <a:p>
             <a:pPr lvl="0"/>
             <a:r>
               <a:rPr lang="en-GB" sz="2500" dirty="0" err="1">
-                <a:latin typeface="Tahoma" panose="020B0604030504040204" pitchFamily="34" charset="0"/>
-                <a:ea typeface="Tahoma" panose="020B0604030504040204" pitchFamily="34" charset="0"/>
-                <a:cs typeface="Tahoma" panose="020B0604030504040204" pitchFamily="34" charset="0"/>
+                <a:latin typeface="Times New Roman" panose="02020603050405020304" pitchFamily="18" charset="0"/>
+                <a:ea typeface="Tahoma" panose="020B0604030504040204" pitchFamily="34" charset="0"/>
+                <a:cs typeface="Times New Roman" panose="02020603050405020304" pitchFamily="18" charset="0"/>
               </a:rPr>
               <a:t>Có</a:t>
             </a:r>
             <a:r>
               <a:rPr lang="en-GB" sz="2500" dirty="0">
-                <a:latin typeface="Tahoma" panose="020B0604030504040204" pitchFamily="34" charset="0"/>
-                <a:ea typeface="Tahoma" panose="020B0604030504040204" pitchFamily="34" charset="0"/>
-                <a:cs typeface="Tahoma" panose="020B0604030504040204" pitchFamily="34" charset="0"/>
+                <a:latin typeface="Times New Roman" panose="02020603050405020304" pitchFamily="18" charset="0"/>
+                <a:ea typeface="Tahoma" panose="020B0604030504040204" pitchFamily="34" charset="0"/>
+                <a:cs typeface="Times New Roman" panose="02020603050405020304" pitchFamily="18" charset="0"/>
               </a:rPr>
               <a:t> 4 </a:t>
             </a:r>
             <a:r>
               <a:rPr lang="en-GB" sz="2500" dirty="0" err="1">
-                <a:latin typeface="Tahoma" panose="020B0604030504040204" pitchFamily="34" charset="0"/>
-                <a:ea typeface="Tahoma" panose="020B0604030504040204" pitchFamily="34" charset="0"/>
-                <a:cs typeface="Tahoma" panose="020B0604030504040204" pitchFamily="34" charset="0"/>
+                <a:latin typeface="Times New Roman" panose="02020603050405020304" pitchFamily="18" charset="0"/>
+                <a:ea typeface="Tahoma" panose="020B0604030504040204" pitchFamily="34" charset="0"/>
+                <a:cs typeface="Times New Roman" panose="02020603050405020304" pitchFamily="18" charset="0"/>
               </a:rPr>
               <a:t>thao</a:t>
             </a:r>
             <a:r>
               <a:rPr lang="en-GB" sz="2500" dirty="0">
-                <a:latin typeface="Tahoma" panose="020B0604030504040204" pitchFamily="34" charset="0"/>
-                <a:ea typeface="Tahoma" panose="020B0604030504040204" pitchFamily="34" charset="0"/>
-                <a:cs typeface="Tahoma" panose="020B0604030504040204" pitchFamily="34" charset="0"/>
+                <a:latin typeface="Times New Roman" panose="02020603050405020304" pitchFamily="18" charset="0"/>
+                <a:ea typeface="Tahoma" panose="020B0604030504040204" pitchFamily="34" charset="0"/>
+                <a:cs typeface="Times New Roman" panose="02020603050405020304" pitchFamily="18" charset="0"/>
               </a:rPr>
               <a:t> </a:t>
             </a:r>
             <a:r>
               <a:rPr lang="en-GB" sz="2500" dirty="0" err="1">
-                <a:latin typeface="Tahoma" panose="020B0604030504040204" pitchFamily="34" charset="0"/>
-                <a:ea typeface="Tahoma" panose="020B0604030504040204" pitchFamily="34" charset="0"/>
-                <a:cs typeface="Tahoma" panose="020B0604030504040204" pitchFamily="34" charset="0"/>
+                <a:latin typeface="Times New Roman" panose="02020603050405020304" pitchFamily="18" charset="0"/>
+                <a:ea typeface="Tahoma" panose="020B0604030504040204" pitchFamily="34" charset="0"/>
+                <a:cs typeface="Times New Roman" panose="02020603050405020304" pitchFamily="18" charset="0"/>
               </a:rPr>
               <a:t>tác</a:t>
             </a:r>
             <a:r>
               <a:rPr lang="en-GB" sz="2500" dirty="0">
-                <a:latin typeface="Tahoma" panose="020B0604030504040204" pitchFamily="34" charset="0"/>
-                <a:ea typeface="Tahoma" panose="020B0604030504040204" pitchFamily="34" charset="0"/>
-                <a:cs typeface="Tahoma" panose="020B0604030504040204" pitchFamily="34" charset="0"/>
+                <a:latin typeface="Times New Roman" panose="02020603050405020304" pitchFamily="18" charset="0"/>
+                <a:ea typeface="Tahoma" panose="020B0604030504040204" pitchFamily="34" charset="0"/>
+                <a:cs typeface="Times New Roman" panose="02020603050405020304" pitchFamily="18" charset="0"/>
               </a:rPr>
               <a:t> </a:t>
             </a:r>
             <a:r>
               <a:rPr lang="en-GB" sz="2500" dirty="0" err="1">
-                <a:latin typeface="Tahoma" panose="020B0604030504040204" pitchFamily="34" charset="0"/>
-                <a:ea typeface="Tahoma" panose="020B0604030504040204" pitchFamily="34" charset="0"/>
-                <a:cs typeface="Tahoma" panose="020B0604030504040204" pitchFamily="34" charset="0"/>
+                <a:latin typeface="Times New Roman" panose="02020603050405020304" pitchFamily="18" charset="0"/>
+                <a:ea typeface="Tahoma" panose="020B0604030504040204" pitchFamily="34" charset="0"/>
+                <a:cs typeface="Times New Roman" panose="02020603050405020304" pitchFamily="18" charset="0"/>
               </a:rPr>
               <a:t>là</a:t>
             </a:r>
             <a:r>
               <a:rPr lang="en-GB" sz="2500" dirty="0">
-                <a:latin typeface="Tahoma" panose="020B0604030504040204" pitchFamily="34" charset="0"/>
-                <a:ea typeface="Tahoma" panose="020B0604030504040204" pitchFamily="34" charset="0"/>
-                <a:cs typeface="Tahoma" panose="020B0604030504040204" pitchFamily="34" charset="0"/>
+                <a:latin typeface="Times New Roman" panose="02020603050405020304" pitchFamily="18" charset="0"/>
+                <a:ea typeface="Tahoma" panose="020B0604030504040204" pitchFamily="34" charset="0"/>
+                <a:cs typeface="Times New Roman" panose="02020603050405020304" pitchFamily="18" charset="0"/>
               </a:rPr>
               <a:t> </a:t>
             </a:r>
             <a:r>
               <a:rPr lang="en-GB" sz="2500" dirty="0" err="1">
-                <a:latin typeface="Tahoma" panose="020B0604030504040204" pitchFamily="34" charset="0"/>
-                <a:ea typeface="Tahoma" panose="020B0604030504040204" pitchFamily="34" charset="0"/>
-                <a:cs typeface="Tahoma" panose="020B0604030504040204" pitchFamily="34" charset="0"/>
+                <a:latin typeface="Times New Roman" panose="02020603050405020304" pitchFamily="18" charset="0"/>
+                <a:ea typeface="Tahoma" panose="020B0604030504040204" pitchFamily="34" charset="0"/>
+                <a:cs typeface="Times New Roman" panose="02020603050405020304" pitchFamily="18" charset="0"/>
               </a:rPr>
               <a:t>nền</a:t>
             </a:r>
             <a:r>
               <a:rPr lang="en-GB" sz="2500" dirty="0">
-                <a:latin typeface="Tahoma" panose="020B0604030504040204" pitchFamily="34" charset="0"/>
-                <a:ea typeface="Tahoma" panose="020B0604030504040204" pitchFamily="34" charset="0"/>
-                <a:cs typeface="Tahoma" panose="020B0604030504040204" pitchFamily="34" charset="0"/>
+                <a:latin typeface="Times New Roman" panose="02020603050405020304" pitchFamily="18" charset="0"/>
+                <a:ea typeface="Tahoma" panose="020B0604030504040204" pitchFamily="34" charset="0"/>
+                <a:cs typeface="Times New Roman" panose="02020603050405020304" pitchFamily="18" charset="0"/>
               </a:rPr>
               <a:t> </a:t>
             </a:r>
             <a:r>
               <a:rPr lang="en-GB" sz="2500" dirty="0" err="1">
-                <a:latin typeface="Tahoma" panose="020B0604030504040204" pitchFamily="34" charset="0"/>
-                <a:ea typeface="Tahoma" panose="020B0604030504040204" pitchFamily="34" charset="0"/>
-                <a:cs typeface="Tahoma" panose="020B0604030504040204" pitchFamily="34" charset="0"/>
+                <a:latin typeface="Times New Roman" panose="02020603050405020304" pitchFamily="18" charset="0"/>
+                <a:ea typeface="Tahoma" panose="020B0604030504040204" pitchFamily="34" charset="0"/>
+                <a:cs typeface="Times New Roman" panose="02020603050405020304" pitchFamily="18" charset="0"/>
               </a:rPr>
               <a:t>tảng</a:t>
             </a:r>
             <a:r>
               <a:rPr lang="en-GB" sz="2500" dirty="0">
-                <a:latin typeface="Tahoma" panose="020B0604030504040204" pitchFamily="34" charset="0"/>
-                <a:ea typeface="Tahoma" panose="020B0604030504040204" pitchFamily="34" charset="0"/>
-                <a:cs typeface="Tahoma" panose="020B0604030504040204" pitchFamily="34" charset="0"/>
+                <a:latin typeface="Times New Roman" panose="02020603050405020304" pitchFamily="18" charset="0"/>
+                <a:ea typeface="Tahoma" panose="020B0604030504040204" pitchFamily="34" charset="0"/>
+                <a:cs typeface="Times New Roman" panose="02020603050405020304" pitchFamily="18" charset="0"/>
               </a:rPr>
               <a:t> </a:t>
             </a:r>
             <a:r>
               <a:rPr lang="en-GB" sz="2500" dirty="0" err="1">
-                <a:latin typeface="Tahoma" panose="020B0604030504040204" pitchFamily="34" charset="0"/>
-                <a:ea typeface="Tahoma" panose="020B0604030504040204" pitchFamily="34" charset="0"/>
-                <a:cs typeface="Tahoma" panose="020B0604030504040204" pitchFamily="34" charset="0"/>
+                <a:latin typeface="Times New Roman" panose="02020603050405020304" pitchFamily="18" charset="0"/>
+                <a:ea typeface="Tahoma" panose="020B0604030504040204" pitchFamily="34" charset="0"/>
+                <a:cs typeface="Times New Roman" panose="02020603050405020304" pitchFamily="18" charset="0"/>
               </a:rPr>
               <a:t>của</a:t>
             </a:r>
             <a:r>
               <a:rPr lang="en-GB" sz="2500" dirty="0">
-                <a:latin typeface="Tahoma" panose="020B0604030504040204" pitchFamily="34" charset="0"/>
-                <a:ea typeface="Tahoma" panose="020B0604030504040204" pitchFamily="34" charset="0"/>
-                <a:cs typeface="Tahoma" panose="020B0604030504040204" pitchFamily="34" charset="0"/>
+                <a:latin typeface="Times New Roman" panose="02020603050405020304" pitchFamily="18" charset="0"/>
+                <a:ea typeface="Tahoma" panose="020B0604030504040204" pitchFamily="34" charset="0"/>
+                <a:cs typeface="Times New Roman" panose="02020603050405020304" pitchFamily="18" charset="0"/>
               </a:rPr>
               <a:t> </a:t>
             </a:r>
             <a:r>
               <a:rPr lang="en-GB" sz="2500" dirty="0" err="1">
-                <a:latin typeface="Tahoma" panose="020B0604030504040204" pitchFamily="34" charset="0"/>
-                <a:ea typeface="Tahoma" panose="020B0604030504040204" pitchFamily="34" charset="0"/>
-                <a:cs typeface="Tahoma" panose="020B0604030504040204" pitchFamily="34" charset="0"/>
+                <a:latin typeface="Times New Roman" panose="02020603050405020304" pitchFamily="18" charset="0"/>
+                <a:ea typeface="Tahoma" panose="020B0604030504040204" pitchFamily="34" charset="0"/>
+                <a:cs typeface="Times New Roman" panose="02020603050405020304" pitchFamily="18" charset="0"/>
               </a:rPr>
               <a:t>hầu</a:t>
             </a:r>
             <a:r>
               <a:rPr lang="en-GB" sz="2500" dirty="0">
-                <a:latin typeface="Tahoma" panose="020B0604030504040204" pitchFamily="34" charset="0"/>
-                <a:ea typeface="Tahoma" panose="020B0604030504040204" pitchFamily="34" charset="0"/>
-                <a:cs typeface="Tahoma" panose="020B0604030504040204" pitchFamily="34" charset="0"/>
+                <a:latin typeface="Times New Roman" panose="02020603050405020304" pitchFamily="18" charset="0"/>
+                <a:ea typeface="Tahoma" panose="020B0604030504040204" pitchFamily="34" charset="0"/>
+                <a:cs typeface="Times New Roman" panose="02020603050405020304" pitchFamily="18" charset="0"/>
               </a:rPr>
               <a:t> </a:t>
             </a:r>
             <a:r>
               <a:rPr lang="en-GB" sz="2500" dirty="0" err="1">
-                <a:latin typeface="Tahoma" panose="020B0604030504040204" pitchFamily="34" charset="0"/>
-                <a:ea typeface="Tahoma" panose="020B0604030504040204" pitchFamily="34" charset="0"/>
-                <a:cs typeface="Tahoma" panose="020B0604030504040204" pitchFamily="34" charset="0"/>
+                <a:latin typeface="Times New Roman" panose="02020603050405020304" pitchFamily="18" charset="0"/>
+                <a:ea typeface="Tahoma" panose="020B0604030504040204" pitchFamily="34" charset="0"/>
+                <a:cs typeface="Times New Roman" panose="02020603050405020304" pitchFamily="18" charset="0"/>
               </a:rPr>
               <a:t>hết</a:t>
             </a:r>
             <a:r>
               <a:rPr lang="en-GB" sz="2500" dirty="0">
-                <a:latin typeface="Tahoma" panose="020B0604030504040204" pitchFamily="34" charset="0"/>
-                <a:ea typeface="Tahoma" panose="020B0604030504040204" pitchFamily="34" charset="0"/>
-                <a:cs typeface="Tahoma" panose="020B0604030504040204" pitchFamily="34" charset="0"/>
+                <a:latin typeface="Times New Roman" panose="02020603050405020304" pitchFamily="18" charset="0"/>
+                <a:ea typeface="Tahoma" panose="020B0604030504040204" pitchFamily="34" charset="0"/>
+                <a:cs typeface="Times New Roman" panose="02020603050405020304" pitchFamily="18" charset="0"/>
               </a:rPr>
               <a:t> </a:t>
             </a:r>
             <a:r>
               <a:rPr lang="en-GB" sz="2500" dirty="0" err="1">
-                <a:latin typeface="Tahoma" panose="020B0604030504040204" pitchFamily="34" charset="0"/>
-                <a:ea typeface="Tahoma" panose="020B0604030504040204" pitchFamily="34" charset="0"/>
-                <a:cs typeface="Tahoma" panose="020B0604030504040204" pitchFamily="34" charset="0"/>
+                <a:latin typeface="Times New Roman" panose="02020603050405020304" pitchFamily="18" charset="0"/>
+                <a:ea typeface="Tahoma" panose="020B0604030504040204" pitchFamily="34" charset="0"/>
+                <a:cs typeface="Times New Roman" panose="02020603050405020304" pitchFamily="18" charset="0"/>
               </a:rPr>
               <a:t>các</a:t>
             </a:r>
             <a:r>
               <a:rPr lang="en-GB" sz="2500" dirty="0">
-                <a:latin typeface="Tahoma" panose="020B0604030504040204" pitchFamily="34" charset="0"/>
-                <a:ea typeface="Tahoma" panose="020B0604030504040204" pitchFamily="34" charset="0"/>
-                <a:cs typeface="Tahoma" panose="020B0604030504040204" pitchFamily="34" charset="0"/>
+                <a:latin typeface="Times New Roman" panose="02020603050405020304" pitchFamily="18" charset="0"/>
+                <a:ea typeface="Tahoma" panose="020B0604030504040204" pitchFamily="34" charset="0"/>
+                <a:cs typeface="Times New Roman" panose="02020603050405020304" pitchFamily="18" charset="0"/>
               </a:rPr>
               <a:t> </a:t>
             </a:r>
             <a:r>
               <a:rPr lang="en-GB" sz="2500" dirty="0" err="1">
-                <a:latin typeface="Tahoma" panose="020B0604030504040204" pitchFamily="34" charset="0"/>
-                <a:ea typeface="Tahoma" panose="020B0604030504040204" pitchFamily="34" charset="0"/>
-                <a:cs typeface="Tahoma" panose="020B0604030504040204" pitchFamily="34" charset="0"/>
+                <a:latin typeface="Times New Roman" panose="02020603050405020304" pitchFamily="18" charset="0"/>
+                <a:ea typeface="Tahoma" panose="020B0604030504040204" pitchFamily="34" charset="0"/>
+                <a:cs typeface="Times New Roman" panose="02020603050405020304" pitchFamily="18" charset="0"/>
               </a:rPr>
               <a:t>quy</a:t>
             </a:r>
             <a:r>
               <a:rPr lang="en-GB" sz="2500" dirty="0">
-                <a:latin typeface="Tahoma" panose="020B0604030504040204" pitchFamily="34" charset="0"/>
-                <a:ea typeface="Tahoma" panose="020B0604030504040204" pitchFamily="34" charset="0"/>
-                <a:cs typeface="Tahoma" panose="020B0604030504040204" pitchFamily="34" charset="0"/>
+                <a:latin typeface="Times New Roman" panose="02020603050405020304" pitchFamily="18" charset="0"/>
+                <a:ea typeface="Tahoma" panose="020B0604030504040204" pitchFamily="34" charset="0"/>
+                <a:cs typeface="Times New Roman" panose="02020603050405020304" pitchFamily="18" charset="0"/>
               </a:rPr>
               <a:t> </a:t>
             </a:r>
             <a:r>
               <a:rPr lang="en-GB" sz="2500" dirty="0" err="1">
-                <a:latin typeface="Tahoma" panose="020B0604030504040204" pitchFamily="34" charset="0"/>
-                <a:ea typeface="Tahoma" panose="020B0604030504040204" pitchFamily="34" charset="0"/>
-                <a:cs typeface="Tahoma" panose="020B0604030504040204" pitchFamily="34" charset="0"/>
+                <a:latin typeface="Times New Roman" panose="02020603050405020304" pitchFamily="18" charset="0"/>
+                <a:ea typeface="Tahoma" panose="020B0604030504040204" pitchFamily="34" charset="0"/>
+                <a:cs typeface="Times New Roman" panose="02020603050405020304" pitchFamily="18" charset="0"/>
               </a:rPr>
               <a:t>trình</a:t>
             </a:r>
             <a:r>
               <a:rPr lang="en-GB" sz="2500" dirty="0">
-                <a:latin typeface="Tahoma" panose="020B0604030504040204" pitchFamily="34" charset="0"/>
-                <a:ea typeface="Tahoma" panose="020B0604030504040204" pitchFamily="34" charset="0"/>
-                <a:cs typeface="Tahoma" panose="020B0604030504040204" pitchFamily="34" charset="0"/>
+                <a:latin typeface="Times New Roman" panose="02020603050405020304" pitchFamily="18" charset="0"/>
+                <a:ea typeface="Tahoma" panose="020B0604030504040204" pitchFamily="34" charset="0"/>
+                <a:cs typeface="Times New Roman" panose="02020603050405020304" pitchFamily="18" charset="0"/>
               </a:rPr>
               <a:t> </a:t>
             </a:r>
             <a:r>
               <a:rPr lang="en-GB" sz="2500" dirty="0" err="1">
-                <a:latin typeface="Tahoma" panose="020B0604030504040204" pitchFamily="34" charset="0"/>
-                <a:ea typeface="Tahoma" panose="020B0604030504040204" pitchFamily="34" charset="0"/>
-                <a:cs typeface="Tahoma" panose="020B0604030504040204" pitchFamily="34" charset="0"/>
+                <a:latin typeface="Times New Roman" panose="02020603050405020304" pitchFamily="18" charset="0"/>
+                <a:ea typeface="Tahoma" panose="020B0604030504040204" pitchFamily="34" charset="0"/>
+                <a:cs typeface="Times New Roman" panose="02020603050405020304" pitchFamily="18" charset="0"/>
               </a:rPr>
               <a:t>phát</a:t>
             </a:r>
             <a:r>
               <a:rPr lang="en-GB" sz="2500" dirty="0">
-                <a:latin typeface="Tahoma" panose="020B0604030504040204" pitchFamily="34" charset="0"/>
-                <a:ea typeface="Tahoma" panose="020B0604030504040204" pitchFamily="34" charset="0"/>
-                <a:cs typeface="Tahoma" panose="020B0604030504040204" pitchFamily="34" charset="0"/>
+                <a:latin typeface="Times New Roman" panose="02020603050405020304" pitchFamily="18" charset="0"/>
+                <a:ea typeface="Tahoma" panose="020B0604030504040204" pitchFamily="34" charset="0"/>
+                <a:cs typeface="Times New Roman" panose="02020603050405020304" pitchFamily="18" charset="0"/>
               </a:rPr>
               <a:t> </a:t>
             </a:r>
             <a:r>
               <a:rPr lang="en-GB" sz="2500" dirty="0" err="1">
-                <a:latin typeface="Tahoma" panose="020B0604030504040204" pitchFamily="34" charset="0"/>
-                <a:ea typeface="Tahoma" panose="020B0604030504040204" pitchFamily="34" charset="0"/>
-                <a:cs typeface="Tahoma" panose="020B0604030504040204" pitchFamily="34" charset="0"/>
+                <a:latin typeface="Times New Roman" panose="02020603050405020304" pitchFamily="18" charset="0"/>
+                <a:ea typeface="Tahoma" panose="020B0604030504040204" pitchFamily="34" charset="0"/>
+                <a:cs typeface="Times New Roman" panose="02020603050405020304" pitchFamily="18" charset="0"/>
               </a:rPr>
               <a:t>triển</a:t>
             </a:r>
             <a:r>
               <a:rPr lang="en-GB" sz="2500" dirty="0">
-                <a:latin typeface="Tahoma" panose="020B0604030504040204" pitchFamily="34" charset="0"/>
-                <a:ea typeface="Tahoma" panose="020B0604030504040204" pitchFamily="34" charset="0"/>
-                <a:cs typeface="Tahoma" panose="020B0604030504040204" pitchFamily="34" charset="0"/>
+                <a:latin typeface="Times New Roman" panose="02020603050405020304" pitchFamily="18" charset="0"/>
+                <a:ea typeface="Tahoma" panose="020B0604030504040204" pitchFamily="34" charset="0"/>
+                <a:cs typeface="Times New Roman" panose="02020603050405020304" pitchFamily="18" charset="0"/>
               </a:rPr>
               <a:t> </a:t>
             </a:r>
             <a:r>
               <a:rPr lang="en-GB" sz="2500" dirty="0" err="1">
-                <a:latin typeface="Tahoma" panose="020B0604030504040204" pitchFamily="34" charset="0"/>
-                <a:ea typeface="Tahoma" panose="020B0604030504040204" pitchFamily="34" charset="0"/>
-                <a:cs typeface="Tahoma" panose="020B0604030504040204" pitchFamily="34" charset="0"/>
+                <a:latin typeface="Times New Roman" panose="02020603050405020304" pitchFamily="18" charset="0"/>
+                <a:ea typeface="Tahoma" panose="020B0604030504040204" pitchFamily="34" charset="0"/>
+                <a:cs typeface="Times New Roman" panose="02020603050405020304" pitchFamily="18" charset="0"/>
               </a:rPr>
               <a:t>phần</a:t>
             </a:r>
             <a:r>
               <a:rPr lang="en-GB" sz="2500" dirty="0">
-                <a:latin typeface="Tahoma" panose="020B0604030504040204" pitchFamily="34" charset="0"/>
-                <a:ea typeface="Tahoma" panose="020B0604030504040204" pitchFamily="34" charset="0"/>
-                <a:cs typeface="Tahoma" panose="020B0604030504040204" pitchFamily="34" charset="0"/>
+                <a:latin typeface="Times New Roman" panose="02020603050405020304" pitchFamily="18" charset="0"/>
+                <a:ea typeface="Tahoma" panose="020B0604030504040204" pitchFamily="34" charset="0"/>
+                <a:cs typeface="Times New Roman" panose="02020603050405020304" pitchFamily="18" charset="0"/>
               </a:rPr>
               <a:t> </a:t>
             </a:r>
             <a:r>
               <a:rPr lang="en-GB" sz="2500" dirty="0" err="1">
-                <a:latin typeface="Tahoma" panose="020B0604030504040204" pitchFamily="34" charset="0"/>
-                <a:ea typeface="Tahoma" panose="020B0604030504040204" pitchFamily="34" charset="0"/>
-                <a:cs typeface="Tahoma" panose="020B0604030504040204" pitchFamily="34" charset="0"/>
+                <a:latin typeface="Times New Roman" panose="02020603050405020304" pitchFamily="18" charset="0"/>
+                <a:ea typeface="Tahoma" panose="020B0604030504040204" pitchFamily="34" charset="0"/>
+                <a:cs typeface="Times New Roman" panose="02020603050405020304" pitchFamily="18" charset="0"/>
               </a:rPr>
               <a:t>mềm</a:t>
             </a:r>
             <a:r>
               <a:rPr lang="en-GB" sz="2500" dirty="0">
-                <a:latin typeface="Tahoma" panose="020B0604030504040204" pitchFamily="34" charset="0"/>
-                <a:ea typeface="Tahoma" panose="020B0604030504040204" pitchFamily="34" charset="0"/>
-                <a:cs typeface="Tahoma" panose="020B0604030504040204" pitchFamily="34" charset="0"/>
+                <a:latin typeface="Times New Roman" panose="02020603050405020304" pitchFamily="18" charset="0"/>
+                <a:ea typeface="Tahoma" panose="020B0604030504040204" pitchFamily="34" charset="0"/>
+                <a:cs typeface="Times New Roman" panose="02020603050405020304" pitchFamily="18" charset="0"/>
               </a:rPr>
               <a:t>:</a:t>
             </a:r>
             <a:endParaRPr lang="en-US" sz="2500" dirty="0">
-              <a:latin typeface="Tahoma" panose="020B0604030504040204" pitchFamily="34" charset="0"/>
+              <a:latin typeface="Times New Roman" panose="02020603050405020304" pitchFamily="18" charset="0"/>
               <a:ea typeface="Tahoma" panose="020B0604030504040204" pitchFamily="34" charset="0"/>
-              <a:cs typeface="Tahoma" panose="020B0604030504040204" pitchFamily="34" charset="0"/>
+              <a:cs typeface="Times New Roman" panose="02020603050405020304" pitchFamily="18" charset="0"/>
             </a:endParaRPr>
           </a:p>
           <a:p>
@@ -13043,73 +14456,68 @@
             </a:pPr>
             <a:r>
               <a:rPr lang="en-GB" sz="2500" dirty="0" err="1">
-                <a:latin typeface="Tahoma" panose="020B0604030504040204" pitchFamily="34" charset="0"/>
-                <a:ea typeface="Tahoma" panose="020B0604030504040204" pitchFamily="34" charset="0"/>
-                <a:cs typeface="Tahoma" panose="020B0604030504040204" pitchFamily="34" charset="0"/>
+                <a:latin typeface="Times New Roman" panose="02020603050405020304" pitchFamily="18" charset="0"/>
+                <a:ea typeface="Tahoma" panose="020B0604030504040204" pitchFamily="34" charset="0"/>
+                <a:cs typeface="Times New Roman" panose="02020603050405020304" pitchFamily="18" charset="0"/>
               </a:rPr>
               <a:t>Đặc</a:t>
             </a:r>
             <a:r>
               <a:rPr lang="en-GB" sz="2500" dirty="0">
-                <a:latin typeface="Tahoma" panose="020B0604030504040204" pitchFamily="34" charset="0"/>
-                <a:ea typeface="Tahoma" panose="020B0604030504040204" pitchFamily="34" charset="0"/>
-                <a:cs typeface="Tahoma" panose="020B0604030504040204" pitchFamily="34" charset="0"/>
+                <a:latin typeface="Times New Roman" panose="02020603050405020304" pitchFamily="18" charset="0"/>
+                <a:ea typeface="Tahoma" panose="020B0604030504040204" pitchFamily="34" charset="0"/>
+                <a:cs typeface="Times New Roman" panose="02020603050405020304" pitchFamily="18" charset="0"/>
               </a:rPr>
               <a:t> </a:t>
             </a:r>
             <a:r>
               <a:rPr lang="en-GB" sz="2500" dirty="0" err="1">
-                <a:latin typeface="Tahoma" panose="020B0604030504040204" pitchFamily="34" charset="0"/>
-                <a:ea typeface="Tahoma" panose="020B0604030504040204" pitchFamily="34" charset="0"/>
-                <a:cs typeface="Tahoma" panose="020B0604030504040204" pitchFamily="34" charset="0"/>
+                <a:latin typeface="Times New Roman" panose="02020603050405020304" pitchFamily="18" charset="0"/>
+                <a:ea typeface="Tahoma" panose="020B0604030504040204" pitchFamily="34" charset="0"/>
+                <a:cs typeface="Times New Roman" panose="02020603050405020304" pitchFamily="18" charset="0"/>
               </a:rPr>
               <a:t>tả</a:t>
             </a:r>
             <a:r>
               <a:rPr lang="en-GB" sz="2500" dirty="0">
-                <a:latin typeface="Tahoma" panose="020B0604030504040204" pitchFamily="34" charset="0"/>
-                <a:ea typeface="Tahoma" panose="020B0604030504040204" pitchFamily="34" charset="0"/>
-                <a:cs typeface="Tahoma" panose="020B0604030504040204" pitchFamily="34" charset="0"/>
+                <a:latin typeface="Times New Roman" panose="02020603050405020304" pitchFamily="18" charset="0"/>
+                <a:ea typeface="Tahoma" panose="020B0604030504040204" pitchFamily="34" charset="0"/>
+                <a:cs typeface="Times New Roman" panose="02020603050405020304" pitchFamily="18" charset="0"/>
               </a:rPr>
               <a:t> </a:t>
             </a:r>
             <a:r>
               <a:rPr lang="en-GB" sz="2500" dirty="0" err="1">
-                <a:latin typeface="Tahoma" panose="020B0604030504040204" pitchFamily="34" charset="0"/>
-                <a:ea typeface="Tahoma" panose="020B0604030504040204" pitchFamily="34" charset="0"/>
-                <a:cs typeface="Tahoma" panose="020B0604030504040204" pitchFamily="34" charset="0"/>
+                <a:latin typeface="Times New Roman" panose="02020603050405020304" pitchFamily="18" charset="0"/>
+                <a:ea typeface="Tahoma" panose="020B0604030504040204" pitchFamily="34" charset="0"/>
+                <a:cs typeface="Times New Roman" panose="02020603050405020304" pitchFamily="18" charset="0"/>
               </a:rPr>
               <a:t>phần</a:t>
             </a:r>
             <a:r>
               <a:rPr lang="en-GB" sz="2500" dirty="0">
-                <a:latin typeface="Tahoma" panose="020B0604030504040204" pitchFamily="34" charset="0"/>
-                <a:ea typeface="Tahoma" panose="020B0604030504040204" pitchFamily="34" charset="0"/>
-                <a:cs typeface="Tahoma" panose="020B0604030504040204" pitchFamily="34" charset="0"/>
+                <a:latin typeface="Times New Roman" panose="02020603050405020304" pitchFamily="18" charset="0"/>
+                <a:ea typeface="Tahoma" panose="020B0604030504040204" pitchFamily="34" charset="0"/>
+                <a:cs typeface="Times New Roman" panose="02020603050405020304" pitchFamily="18" charset="0"/>
               </a:rPr>
               <a:t> </a:t>
             </a:r>
             <a:r>
               <a:rPr lang="en-GB" sz="2500" dirty="0" err="1">
-                <a:latin typeface="Tahoma" panose="020B0604030504040204" pitchFamily="34" charset="0"/>
-                <a:ea typeface="Tahoma" panose="020B0604030504040204" pitchFamily="34" charset="0"/>
-                <a:cs typeface="Tahoma" panose="020B0604030504040204" pitchFamily="34" charset="0"/>
+                <a:latin typeface="Times New Roman" panose="02020603050405020304" pitchFamily="18" charset="0"/>
+                <a:ea typeface="Tahoma" panose="020B0604030504040204" pitchFamily="34" charset="0"/>
+                <a:cs typeface="Times New Roman" panose="02020603050405020304" pitchFamily="18" charset="0"/>
               </a:rPr>
               <a:t>mềm</a:t>
             </a:r>
             <a:r>
               <a:rPr lang="en-GB" sz="2500" dirty="0">
-                <a:latin typeface="Tahoma" panose="020B0604030504040204" pitchFamily="34" charset="0"/>
-                <a:ea typeface="Tahoma" panose="020B0604030504040204" pitchFamily="34" charset="0"/>
-                <a:cs typeface="Tahoma" panose="020B0604030504040204" pitchFamily="34" charset="0"/>
+                <a:latin typeface="Times New Roman" panose="02020603050405020304" pitchFamily="18" charset="0"/>
+                <a:ea typeface="Tahoma" panose="020B0604030504040204" pitchFamily="34" charset="0"/>
+                <a:cs typeface="Times New Roman" panose="02020603050405020304" pitchFamily="18" charset="0"/>
               </a:rPr>
               <a:t>.</a:t>
             </a:r>
-            <a:endParaRPr lang="en-GB" sz="2500" dirty="0">
-              <a:latin typeface="Tahoma" panose="020B0604030504040204" pitchFamily="34" charset="0"/>
-              <a:ea typeface="Tahoma" panose="020B0604030504040204" pitchFamily="34" charset="0"/>
-              <a:cs typeface="Tahoma" panose="020B0604030504040204" pitchFamily="34" charset="0"/>
-            </a:endParaRPr>
           </a:p>
           <a:p>
             <a:pPr marL="742950" lvl="1" indent="-285750">
@@ -13118,73 +14526,68 @@
             </a:pPr>
             <a:r>
               <a:rPr lang="en-GB" sz="2500" dirty="0" err="1">
-                <a:latin typeface="Tahoma" panose="020B0604030504040204" pitchFamily="34" charset="0"/>
-                <a:ea typeface="Tahoma" panose="020B0604030504040204" pitchFamily="34" charset="0"/>
-                <a:cs typeface="Tahoma" panose="020B0604030504040204" pitchFamily="34" charset="0"/>
+                <a:latin typeface="Times New Roman" panose="02020603050405020304" pitchFamily="18" charset="0"/>
+                <a:ea typeface="Tahoma" panose="020B0604030504040204" pitchFamily="34" charset="0"/>
+                <a:cs typeface="Times New Roman" panose="02020603050405020304" pitchFamily="18" charset="0"/>
               </a:rPr>
               <a:t>Phát</a:t>
             </a:r>
             <a:r>
               <a:rPr lang="en-GB" sz="2500" dirty="0">
-                <a:latin typeface="Tahoma" panose="020B0604030504040204" pitchFamily="34" charset="0"/>
-                <a:ea typeface="Tahoma" panose="020B0604030504040204" pitchFamily="34" charset="0"/>
-                <a:cs typeface="Tahoma" panose="020B0604030504040204" pitchFamily="34" charset="0"/>
+                <a:latin typeface="Times New Roman" panose="02020603050405020304" pitchFamily="18" charset="0"/>
+                <a:ea typeface="Tahoma" panose="020B0604030504040204" pitchFamily="34" charset="0"/>
+                <a:cs typeface="Times New Roman" panose="02020603050405020304" pitchFamily="18" charset="0"/>
               </a:rPr>
               <a:t> </a:t>
             </a:r>
             <a:r>
               <a:rPr lang="en-GB" sz="2500" dirty="0" err="1">
-                <a:latin typeface="Tahoma" panose="020B0604030504040204" pitchFamily="34" charset="0"/>
-                <a:ea typeface="Tahoma" panose="020B0604030504040204" pitchFamily="34" charset="0"/>
-                <a:cs typeface="Tahoma" panose="020B0604030504040204" pitchFamily="34" charset="0"/>
+                <a:latin typeface="Times New Roman" panose="02020603050405020304" pitchFamily="18" charset="0"/>
+                <a:ea typeface="Tahoma" panose="020B0604030504040204" pitchFamily="34" charset="0"/>
+                <a:cs typeface="Times New Roman" panose="02020603050405020304" pitchFamily="18" charset="0"/>
               </a:rPr>
               <a:t>triển</a:t>
             </a:r>
             <a:r>
               <a:rPr lang="en-GB" sz="2500" dirty="0">
-                <a:latin typeface="Tahoma" panose="020B0604030504040204" pitchFamily="34" charset="0"/>
-                <a:ea typeface="Tahoma" panose="020B0604030504040204" pitchFamily="34" charset="0"/>
-                <a:cs typeface="Tahoma" panose="020B0604030504040204" pitchFamily="34" charset="0"/>
+                <a:latin typeface="Times New Roman" panose="02020603050405020304" pitchFamily="18" charset="0"/>
+                <a:ea typeface="Tahoma" panose="020B0604030504040204" pitchFamily="34" charset="0"/>
+                <a:cs typeface="Times New Roman" panose="02020603050405020304" pitchFamily="18" charset="0"/>
               </a:rPr>
               <a:t> </a:t>
             </a:r>
             <a:r>
               <a:rPr lang="en-GB" sz="2500" dirty="0" err="1">
-                <a:latin typeface="Tahoma" panose="020B0604030504040204" pitchFamily="34" charset="0"/>
-                <a:ea typeface="Tahoma" panose="020B0604030504040204" pitchFamily="34" charset="0"/>
-                <a:cs typeface="Tahoma" panose="020B0604030504040204" pitchFamily="34" charset="0"/>
+                <a:latin typeface="Times New Roman" panose="02020603050405020304" pitchFamily="18" charset="0"/>
+                <a:ea typeface="Tahoma" panose="020B0604030504040204" pitchFamily="34" charset="0"/>
+                <a:cs typeface="Times New Roman" panose="02020603050405020304" pitchFamily="18" charset="0"/>
               </a:rPr>
               <a:t>phần</a:t>
             </a:r>
             <a:r>
               <a:rPr lang="en-GB" sz="2500" dirty="0">
-                <a:latin typeface="Tahoma" panose="020B0604030504040204" pitchFamily="34" charset="0"/>
-                <a:ea typeface="Tahoma" panose="020B0604030504040204" pitchFamily="34" charset="0"/>
-                <a:cs typeface="Tahoma" panose="020B0604030504040204" pitchFamily="34" charset="0"/>
+                <a:latin typeface="Times New Roman" panose="02020603050405020304" pitchFamily="18" charset="0"/>
+                <a:ea typeface="Tahoma" panose="020B0604030504040204" pitchFamily="34" charset="0"/>
+                <a:cs typeface="Times New Roman" panose="02020603050405020304" pitchFamily="18" charset="0"/>
               </a:rPr>
               <a:t> </a:t>
             </a:r>
             <a:r>
               <a:rPr lang="en-GB" sz="2500" dirty="0" err="1">
-                <a:latin typeface="Tahoma" panose="020B0604030504040204" pitchFamily="34" charset="0"/>
-                <a:ea typeface="Tahoma" panose="020B0604030504040204" pitchFamily="34" charset="0"/>
-                <a:cs typeface="Tahoma" panose="020B0604030504040204" pitchFamily="34" charset="0"/>
+                <a:latin typeface="Times New Roman" panose="02020603050405020304" pitchFamily="18" charset="0"/>
+                <a:ea typeface="Tahoma" panose="020B0604030504040204" pitchFamily="34" charset="0"/>
+                <a:cs typeface="Times New Roman" panose="02020603050405020304" pitchFamily="18" charset="0"/>
               </a:rPr>
               <a:t>mềm</a:t>
             </a:r>
             <a:r>
               <a:rPr lang="en-GB" sz="2500" dirty="0">
-                <a:latin typeface="Tahoma" panose="020B0604030504040204" pitchFamily="34" charset="0"/>
-                <a:ea typeface="Tahoma" panose="020B0604030504040204" pitchFamily="34" charset="0"/>
-                <a:cs typeface="Tahoma" panose="020B0604030504040204" pitchFamily="34" charset="0"/>
+                <a:latin typeface="Times New Roman" panose="02020603050405020304" pitchFamily="18" charset="0"/>
+                <a:ea typeface="Tahoma" panose="020B0604030504040204" pitchFamily="34" charset="0"/>
+                <a:cs typeface="Times New Roman" panose="02020603050405020304" pitchFamily="18" charset="0"/>
               </a:rPr>
               <a:t>.</a:t>
             </a:r>
-            <a:endParaRPr lang="en-GB" sz="2500" dirty="0">
-              <a:latin typeface="Tahoma" panose="020B0604030504040204" pitchFamily="34" charset="0"/>
-              <a:ea typeface="Tahoma" panose="020B0604030504040204" pitchFamily="34" charset="0"/>
-              <a:cs typeface="Tahoma" panose="020B0604030504040204" pitchFamily="34" charset="0"/>
-            </a:endParaRPr>
           </a:p>
           <a:p>
             <a:pPr marL="742950" lvl="1" indent="-285750">
@@ -13193,73 +14596,68 @@
             </a:pPr>
             <a:r>
               <a:rPr lang="en-GB" sz="2500" dirty="0" err="1">
-                <a:latin typeface="Tahoma" panose="020B0604030504040204" pitchFamily="34" charset="0"/>
-                <a:ea typeface="Tahoma" panose="020B0604030504040204" pitchFamily="34" charset="0"/>
-                <a:cs typeface="Tahoma" panose="020B0604030504040204" pitchFamily="34" charset="0"/>
+                <a:latin typeface="Times New Roman" panose="02020603050405020304" pitchFamily="18" charset="0"/>
+                <a:ea typeface="Tahoma" panose="020B0604030504040204" pitchFamily="34" charset="0"/>
+                <a:cs typeface="Times New Roman" panose="02020603050405020304" pitchFamily="18" charset="0"/>
               </a:rPr>
               <a:t>Đánh</a:t>
             </a:r>
             <a:r>
               <a:rPr lang="en-GB" sz="2500" dirty="0">
-                <a:latin typeface="Tahoma" panose="020B0604030504040204" pitchFamily="34" charset="0"/>
-                <a:ea typeface="Tahoma" panose="020B0604030504040204" pitchFamily="34" charset="0"/>
-                <a:cs typeface="Tahoma" panose="020B0604030504040204" pitchFamily="34" charset="0"/>
+                <a:latin typeface="Times New Roman" panose="02020603050405020304" pitchFamily="18" charset="0"/>
+                <a:ea typeface="Tahoma" panose="020B0604030504040204" pitchFamily="34" charset="0"/>
+                <a:cs typeface="Times New Roman" panose="02020603050405020304" pitchFamily="18" charset="0"/>
               </a:rPr>
               <a:t> </a:t>
             </a:r>
             <a:r>
               <a:rPr lang="en-GB" sz="2500" dirty="0" err="1">
-                <a:latin typeface="Tahoma" panose="020B0604030504040204" pitchFamily="34" charset="0"/>
-                <a:ea typeface="Tahoma" panose="020B0604030504040204" pitchFamily="34" charset="0"/>
-                <a:cs typeface="Tahoma" panose="020B0604030504040204" pitchFamily="34" charset="0"/>
+                <a:latin typeface="Times New Roman" panose="02020603050405020304" pitchFamily="18" charset="0"/>
+                <a:ea typeface="Tahoma" panose="020B0604030504040204" pitchFamily="34" charset="0"/>
+                <a:cs typeface="Times New Roman" panose="02020603050405020304" pitchFamily="18" charset="0"/>
               </a:rPr>
               <a:t>giá</a:t>
             </a:r>
             <a:r>
               <a:rPr lang="en-GB" sz="2500" dirty="0">
-                <a:latin typeface="Tahoma" panose="020B0604030504040204" pitchFamily="34" charset="0"/>
-                <a:ea typeface="Tahoma" panose="020B0604030504040204" pitchFamily="34" charset="0"/>
-                <a:cs typeface="Tahoma" panose="020B0604030504040204" pitchFamily="34" charset="0"/>
+                <a:latin typeface="Times New Roman" panose="02020603050405020304" pitchFamily="18" charset="0"/>
+                <a:ea typeface="Tahoma" panose="020B0604030504040204" pitchFamily="34" charset="0"/>
+                <a:cs typeface="Times New Roman" panose="02020603050405020304" pitchFamily="18" charset="0"/>
               </a:rPr>
               <a:t> </a:t>
             </a:r>
             <a:r>
               <a:rPr lang="en-GB" sz="2500" dirty="0" err="1">
-                <a:latin typeface="Tahoma" panose="020B0604030504040204" pitchFamily="34" charset="0"/>
-                <a:ea typeface="Tahoma" panose="020B0604030504040204" pitchFamily="34" charset="0"/>
-                <a:cs typeface="Tahoma" panose="020B0604030504040204" pitchFamily="34" charset="0"/>
+                <a:latin typeface="Times New Roman" panose="02020603050405020304" pitchFamily="18" charset="0"/>
+                <a:ea typeface="Tahoma" panose="020B0604030504040204" pitchFamily="34" charset="0"/>
+                <a:cs typeface="Times New Roman" panose="02020603050405020304" pitchFamily="18" charset="0"/>
               </a:rPr>
               <a:t>phần</a:t>
             </a:r>
             <a:r>
               <a:rPr lang="en-GB" sz="2500" dirty="0">
-                <a:latin typeface="Tahoma" panose="020B0604030504040204" pitchFamily="34" charset="0"/>
-                <a:ea typeface="Tahoma" panose="020B0604030504040204" pitchFamily="34" charset="0"/>
-                <a:cs typeface="Tahoma" panose="020B0604030504040204" pitchFamily="34" charset="0"/>
+                <a:latin typeface="Times New Roman" panose="02020603050405020304" pitchFamily="18" charset="0"/>
+                <a:ea typeface="Tahoma" panose="020B0604030504040204" pitchFamily="34" charset="0"/>
+                <a:cs typeface="Times New Roman" panose="02020603050405020304" pitchFamily="18" charset="0"/>
               </a:rPr>
               <a:t> </a:t>
             </a:r>
             <a:r>
               <a:rPr lang="en-GB" sz="2500" dirty="0" err="1">
-                <a:latin typeface="Tahoma" panose="020B0604030504040204" pitchFamily="34" charset="0"/>
-                <a:ea typeface="Tahoma" panose="020B0604030504040204" pitchFamily="34" charset="0"/>
-                <a:cs typeface="Tahoma" panose="020B0604030504040204" pitchFamily="34" charset="0"/>
+                <a:latin typeface="Times New Roman" panose="02020603050405020304" pitchFamily="18" charset="0"/>
+                <a:ea typeface="Tahoma" panose="020B0604030504040204" pitchFamily="34" charset="0"/>
+                <a:cs typeface="Times New Roman" panose="02020603050405020304" pitchFamily="18" charset="0"/>
               </a:rPr>
               <a:t>mềm</a:t>
             </a:r>
             <a:r>
               <a:rPr lang="en-GB" sz="2500" dirty="0">
-                <a:latin typeface="Tahoma" panose="020B0604030504040204" pitchFamily="34" charset="0"/>
-                <a:ea typeface="Tahoma" panose="020B0604030504040204" pitchFamily="34" charset="0"/>
-                <a:cs typeface="Tahoma" panose="020B0604030504040204" pitchFamily="34" charset="0"/>
+                <a:latin typeface="Times New Roman" panose="02020603050405020304" pitchFamily="18" charset="0"/>
+                <a:ea typeface="Tahoma" panose="020B0604030504040204" pitchFamily="34" charset="0"/>
+                <a:cs typeface="Times New Roman" panose="02020603050405020304" pitchFamily="18" charset="0"/>
               </a:rPr>
               <a:t>.</a:t>
             </a:r>
-            <a:endParaRPr lang="en-GB" sz="2500" dirty="0">
-              <a:latin typeface="Tahoma" panose="020B0604030504040204" pitchFamily="34" charset="0"/>
-              <a:ea typeface="Tahoma" panose="020B0604030504040204" pitchFamily="34" charset="0"/>
-              <a:cs typeface="Tahoma" panose="020B0604030504040204" pitchFamily="34" charset="0"/>
-            </a:endParaRPr>
           </a:p>
           <a:p>
             <a:pPr marL="742950" lvl="1" indent="-285750">
@@ -13268,72 +14666,72 @@
             </a:pPr>
             <a:r>
               <a:rPr lang="en-GB" sz="2500" dirty="0" err="1">
-                <a:latin typeface="Tahoma" panose="020B0604030504040204" pitchFamily="34" charset="0"/>
-                <a:ea typeface="Tahoma" panose="020B0604030504040204" pitchFamily="34" charset="0"/>
-                <a:cs typeface="Tahoma" panose="020B0604030504040204" pitchFamily="34" charset="0"/>
+                <a:latin typeface="Times New Roman" panose="02020603050405020304" pitchFamily="18" charset="0"/>
+                <a:ea typeface="Tahoma" panose="020B0604030504040204" pitchFamily="34" charset="0"/>
+                <a:cs typeface="Times New Roman" panose="02020603050405020304" pitchFamily="18" charset="0"/>
               </a:rPr>
               <a:t>Tiến</a:t>
             </a:r>
             <a:r>
               <a:rPr lang="en-GB" sz="2500" dirty="0">
-                <a:latin typeface="Tahoma" panose="020B0604030504040204" pitchFamily="34" charset="0"/>
-                <a:ea typeface="Tahoma" panose="020B0604030504040204" pitchFamily="34" charset="0"/>
-                <a:cs typeface="Tahoma" panose="020B0604030504040204" pitchFamily="34" charset="0"/>
+                <a:latin typeface="Times New Roman" panose="02020603050405020304" pitchFamily="18" charset="0"/>
+                <a:ea typeface="Tahoma" panose="020B0604030504040204" pitchFamily="34" charset="0"/>
+                <a:cs typeface="Times New Roman" panose="02020603050405020304" pitchFamily="18" charset="0"/>
               </a:rPr>
               <a:t> </a:t>
             </a:r>
             <a:r>
               <a:rPr lang="en-GB" sz="2500" dirty="0" err="1">
-                <a:latin typeface="Tahoma" panose="020B0604030504040204" pitchFamily="34" charset="0"/>
-                <a:ea typeface="Tahoma" panose="020B0604030504040204" pitchFamily="34" charset="0"/>
-                <a:cs typeface="Tahoma" panose="020B0604030504040204" pitchFamily="34" charset="0"/>
+                <a:latin typeface="Times New Roman" panose="02020603050405020304" pitchFamily="18" charset="0"/>
+                <a:ea typeface="Tahoma" panose="020B0604030504040204" pitchFamily="34" charset="0"/>
+                <a:cs typeface="Times New Roman" panose="02020603050405020304" pitchFamily="18" charset="0"/>
               </a:rPr>
               <a:t>hóa</a:t>
             </a:r>
             <a:r>
               <a:rPr lang="en-GB" sz="2500" dirty="0">
-                <a:latin typeface="Tahoma" panose="020B0604030504040204" pitchFamily="34" charset="0"/>
-                <a:ea typeface="Tahoma" panose="020B0604030504040204" pitchFamily="34" charset="0"/>
-                <a:cs typeface="Tahoma" panose="020B0604030504040204" pitchFamily="34" charset="0"/>
+                <a:latin typeface="Times New Roman" panose="02020603050405020304" pitchFamily="18" charset="0"/>
+                <a:ea typeface="Tahoma" panose="020B0604030504040204" pitchFamily="34" charset="0"/>
+                <a:cs typeface="Times New Roman" panose="02020603050405020304" pitchFamily="18" charset="0"/>
               </a:rPr>
               <a:t> </a:t>
             </a:r>
             <a:r>
               <a:rPr lang="en-GB" sz="2500" dirty="0" err="1">
-                <a:latin typeface="Tahoma" panose="020B0604030504040204" pitchFamily="34" charset="0"/>
-                <a:ea typeface="Tahoma" panose="020B0604030504040204" pitchFamily="34" charset="0"/>
-                <a:cs typeface="Tahoma" panose="020B0604030504040204" pitchFamily="34" charset="0"/>
+                <a:latin typeface="Times New Roman" panose="02020603050405020304" pitchFamily="18" charset="0"/>
+                <a:ea typeface="Tahoma" panose="020B0604030504040204" pitchFamily="34" charset="0"/>
+                <a:cs typeface="Times New Roman" panose="02020603050405020304" pitchFamily="18" charset="0"/>
               </a:rPr>
               <a:t>phần</a:t>
             </a:r>
             <a:r>
               <a:rPr lang="en-GB" sz="2500" dirty="0">
-                <a:latin typeface="Tahoma" panose="020B0604030504040204" pitchFamily="34" charset="0"/>
-                <a:ea typeface="Tahoma" panose="020B0604030504040204" pitchFamily="34" charset="0"/>
-                <a:cs typeface="Tahoma" panose="020B0604030504040204" pitchFamily="34" charset="0"/>
+                <a:latin typeface="Times New Roman" panose="02020603050405020304" pitchFamily="18" charset="0"/>
+                <a:ea typeface="Tahoma" panose="020B0604030504040204" pitchFamily="34" charset="0"/>
+                <a:cs typeface="Times New Roman" panose="02020603050405020304" pitchFamily="18" charset="0"/>
               </a:rPr>
               <a:t> </a:t>
             </a:r>
             <a:r>
               <a:rPr lang="en-GB" sz="2500" dirty="0" err="1">
-                <a:latin typeface="Tahoma" panose="020B0604030504040204" pitchFamily="34" charset="0"/>
-                <a:ea typeface="Tahoma" panose="020B0604030504040204" pitchFamily="34" charset="0"/>
-                <a:cs typeface="Tahoma" panose="020B0604030504040204" pitchFamily="34" charset="0"/>
+                <a:latin typeface="Times New Roman" panose="02020603050405020304" pitchFamily="18" charset="0"/>
+                <a:ea typeface="Tahoma" panose="020B0604030504040204" pitchFamily="34" charset="0"/>
+                <a:cs typeface="Times New Roman" panose="02020603050405020304" pitchFamily="18" charset="0"/>
               </a:rPr>
               <a:t>mềm</a:t>
             </a:r>
             <a:r>
               <a:rPr lang="en-GB" sz="2500" dirty="0">
-                <a:latin typeface="Tahoma" panose="020B0604030504040204" pitchFamily="34" charset="0"/>
-                <a:ea typeface="Tahoma" panose="020B0604030504040204" pitchFamily="34" charset="0"/>
-                <a:cs typeface="Tahoma" panose="020B0604030504040204" pitchFamily="34" charset="0"/>
+                <a:latin typeface="Times New Roman" panose="02020603050405020304" pitchFamily="18" charset="0"/>
+                <a:ea typeface="Tahoma" panose="020B0604030504040204" pitchFamily="34" charset="0"/>
+                <a:cs typeface="Times New Roman" panose="02020603050405020304" pitchFamily="18" charset="0"/>
               </a:rPr>
               <a:t>.</a:t>
             </a:r>
             <a:endParaRPr lang="en-US" sz="2500" dirty="0">
-              <a:latin typeface="Tahoma" panose="020B0604030504040204" pitchFamily="34" charset="0"/>
+              <a:latin typeface="Times New Roman" panose="02020603050405020304" pitchFamily="18" charset="0"/>
               <a:ea typeface="Tahoma" panose="020B0604030504040204" pitchFamily="34" charset="0"/>
-              <a:cs typeface="Tahoma" panose="020B0604030504040204" pitchFamily="34" charset="0"/>
+              <a:cs typeface="Times New Roman" panose="02020603050405020304" pitchFamily="18" charset="0"/>
             </a:endParaRPr>
           </a:p>
         </p:txBody>
@@ -13355,77 +14753,9 @@
           <a:p>
             <a:fld id="{6BB9AED3-D2BB-49A3-B8E7-A4A64ED2F011}" type="slidenum">
               <a:rPr lang="en-US" smtClean="0"/>
+              <a:t>3</a:t>
             </a:fld>
             <a:endParaRPr lang="en-US"/>
-          </a:p>
-        </p:txBody>
-      </p:sp>
-      <p:pic>
-        <p:nvPicPr>
-          <p:cNvPr id="2" name="Content Placeholder 1" descr="c618a2717e6d4117c862beb56b0d6faf"/>
-          <p:cNvPicPr>
-            <a:picLocks noChangeAspect="1"/>
-          </p:cNvPicPr>
-          <p:nvPr>
-            <p:ph sz="quarter" idx="13"/>
-          </p:nvPr>
-        </p:nvPicPr>
-        <p:blipFill>
-          <a:blip r:embed="rId1"/>
-          <a:stretch>
-            <a:fillRect/>
-          </a:stretch>
-        </p:blipFill>
-        <p:spPr>
-          <a:xfrm>
-            <a:off x="5703570" y="3018790"/>
-            <a:ext cx="3350260" cy="3042920"/>
-          </a:xfrm>
-          <a:prstGeom prst="rect">
-            <a:avLst/>
-          </a:prstGeom>
-        </p:spPr>
-      </p:pic>
-      <p:sp>
-        <p:nvSpPr>
-          <p:cNvPr id="7" name="Text Box 6"/>
-          <p:cNvSpPr txBox="1"/>
-          <p:nvPr/>
-        </p:nvSpPr>
-        <p:spPr>
-          <a:xfrm>
-            <a:off x="1792605" y="3325495"/>
-            <a:ext cx="4204970" cy="860425"/>
-          </a:xfrm>
-          <a:prstGeom prst="rect">
-            <a:avLst/>
-          </a:prstGeom>
-          <a:noFill/>
-        </p:spPr>
-        <p:txBody>
-          <a:bodyPr wrap="square" rtlCol="0">
-            <a:spAutoFit/>
-          </a:bodyPr>
-          <a:p>
-            <a:pPr marL="285750" indent="-285750">
-              <a:buFont typeface="Wingdings" panose="05000000000000000000" charset="0"/>
-              <a:buChar char=""/>
-            </a:pPr>
-            <a:r>
-              <a:rPr lang="en-US" sz="2500">
-                <a:solidFill>
-                  <a:srgbClr val="002060"/>
-                </a:solidFill>
-                <a:latin typeface="Times New Roman" panose="02020603050405020304" pitchFamily="18" charset="0"/>
-              </a:rPr>
-              <a:t>Một số mô hình phát triển phần mềm</a:t>
-            </a:r>
-            <a:endParaRPr lang="en-US" sz="2500">
-              <a:solidFill>
-                <a:srgbClr val="002060"/>
-              </a:solidFill>
-              <a:latin typeface="Times New Roman" panose="02020603050405020304" pitchFamily="18" charset="0"/>
-            </a:endParaRPr>
           </a:p>
         </p:txBody>
       </p:sp>
@@ -13434,14 +14764,6 @@
   <p:clrMapOvr>
     <a:masterClrMapping/>
   </p:clrMapOvr>
-  <mc:AlternateContent xmlns:mc="http://schemas.openxmlformats.org/markup-compatibility/2006">
-    <mc:Choice xmlns:p14="http://schemas.microsoft.com/office/powerpoint/2010/main" Requires="p14">
-      <p:transition spd="slow" p14:dur="2000"/>
-    </mc:Choice>
-    <mc:Fallback>
-      <p:transition spd="slow"/>
-    </mc:Fallback>
-  </mc:AlternateContent>
   <p:timing>
     <p:tnLst>
       <p:par>
@@ -13619,347 +14941,15 @@
                                   </p:childTnLst>
                                 </p:cTn>
                               </p:par>
-                            </p:childTnLst>
-                          </p:cTn>
-                        </p:par>
-                      </p:childTnLst>
-                    </p:cTn>
-                  </p:par>
-                  <p:par>
-                    <p:cTn id="16" fill="hold">
-                      <p:stCondLst>
-                        <p:cond delay="indefinite"/>
-                      </p:stCondLst>
-                      <p:childTnLst>
-                        <p:par>
-                          <p:cTn id="17" fill="hold">
-                            <p:stCondLst>
-                              <p:cond delay="0"/>
-                            </p:stCondLst>
-                            <p:childTnLst>
                               <p:par>
-                                <p:cTn id="18" presetID="2" presetClass="entr" presetSubtype="4" fill="hold" nodeType="clickEffect">
+                                <p:cTn id="16" presetID="12" presetClass="entr" presetSubtype="4" fill="hold" grpId="0" nodeType="withEffect">
                                   <p:stCondLst>
                                     <p:cond delay="0"/>
                                   </p:stCondLst>
                                   <p:childTnLst>
                                     <p:set>
                                       <p:cBhvr>
-                                        <p:cTn id="19" dur="1" fill="hold">
-                                          <p:stCondLst>
-                                            <p:cond delay="0"/>
-                                          </p:stCondLst>
-                                        </p:cTn>
-                                        <p:tgtEl>
-                                          <p:spTgt spid="7">
-                                            <p:txEl>
-                                              <p:pRg st="0" end="0"/>
-                                            </p:txEl>
-                                          </p:spTgt>
-                                        </p:tgtEl>
-                                        <p:attrNameLst>
-                                          <p:attrName>style.visibility</p:attrName>
-                                        </p:attrNameLst>
-                                      </p:cBhvr>
-                                      <p:to>
-                                        <p:strVal val="visible"/>
-                                      </p:to>
-                                    </p:set>
-                                    <p:anim calcmode="lin" valueType="num">
-                                      <p:cBhvr additive="base">
-                                        <p:cTn id="20" dur="500" fill="hold"/>
-                                        <p:tgtEl>
-                                          <p:spTgt spid="7">
-                                            <p:txEl>
-                                              <p:pRg st="0" end="0"/>
-                                            </p:txEl>
-                                          </p:spTgt>
-                                        </p:tgtEl>
-                                        <p:attrNameLst>
-                                          <p:attrName>ppt_x</p:attrName>
-                                        </p:attrNameLst>
-                                      </p:cBhvr>
-                                      <p:tavLst>
-                                        <p:tav tm="0">
-                                          <p:val>
-                                            <p:strVal val="#ppt_x"/>
-                                          </p:val>
-                                        </p:tav>
-                                        <p:tav tm="100000">
-                                          <p:val>
-                                            <p:strVal val="#ppt_x"/>
-                                          </p:val>
-                                        </p:tav>
-                                      </p:tavLst>
-                                    </p:anim>
-                                    <p:anim calcmode="lin" valueType="num">
-                                      <p:cBhvr additive="base">
-                                        <p:cTn id="21" dur="500" fill="hold"/>
-                                        <p:tgtEl>
-                                          <p:spTgt spid="7">
-                                            <p:txEl>
-                                              <p:pRg st="0" end="0"/>
-                                            </p:txEl>
-                                          </p:spTgt>
-                                        </p:tgtEl>
-                                        <p:attrNameLst>
-                                          <p:attrName>ppt_y</p:attrName>
-                                        </p:attrNameLst>
-                                      </p:cBhvr>
-                                      <p:tavLst>
-                                        <p:tav tm="0">
-                                          <p:val>
-                                            <p:strVal val="1+#ppt_h/2"/>
-                                          </p:val>
-                                        </p:tav>
-                                        <p:tav tm="100000">
-                                          <p:val>
-                                            <p:strVal val="#ppt_y"/>
-                                          </p:val>
-                                        </p:tav>
-                                      </p:tavLst>
-                                    </p:anim>
-                                  </p:childTnLst>
-                                </p:cTn>
-                              </p:par>
-                            </p:childTnLst>
-                          </p:cTn>
-                        </p:par>
-                      </p:childTnLst>
-                    </p:cTn>
-                  </p:par>
-                  <p:par>
-                    <p:cTn id="22" fill="hold">
-                      <p:stCondLst>
-                        <p:cond delay="indefinite"/>
-                      </p:stCondLst>
-                      <p:childTnLst>
-                        <p:par>
-                          <p:cTn id="23" fill="hold">
-                            <p:stCondLst>
-                              <p:cond delay="0"/>
-                            </p:stCondLst>
-                            <p:childTnLst>
-                              <p:par>
-                                <p:cTn id="24" presetID="6" presetClass="entr" presetSubtype="16" fill="hold" nodeType="clickEffect">
-                                  <p:stCondLst>
-                                    <p:cond delay="0"/>
-                                  </p:stCondLst>
-                                  <p:childTnLst>
-                                    <p:set>
-                                      <p:cBhvr>
-                                        <p:cTn id="25" dur="1" fill="hold">
-                                          <p:stCondLst>
-                                            <p:cond delay="0"/>
-                                          </p:stCondLst>
-                                        </p:cTn>
-                                        <p:tgtEl>
-                                          <p:spTgt spid="2"/>
-                                        </p:tgtEl>
-                                        <p:attrNameLst>
-                                          <p:attrName>style.visibility</p:attrName>
-                                        </p:attrNameLst>
-                                      </p:cBhvr>
-                                      <p:to>
-                                        <p:strVal val="visible"/>
-                                      </p:to>
-                                    </p:set>
-                                    <p:animEffect transition="in" filter="circle(in)">
-                                      <p:cBhvr>
-                                        <p:cTn id="26" dur="2000"/>
-                                        <p:tgtEl>
-                                          <p:spTgt spid="2"/>
-                                        </p:tgtEl>
-                                      </p:cBhvr>
-                                    </p:animEffect>
-                                  </p:childTnLst>
-                                </p:cTn>
-                              </p:par>
-                            </p:childTnLst>
-                          </p:cTn>
-                        </p:par>
-                      </p:childTnLst>
-                    </p:cTn>
-                  </p:par>
-                  <p:par>
-                    <p:cTn id="27" fill="hold">
-                      <p:stCondLst>
-                        <p:cond delay="indefinite"/>
-                      </p:stCondLst>
-                      <p:childTnLst>
-                        <p:par>
-                          <p:cTn id="28" fill="hold">
-                            <p:stCondLst>
-                              <p:cond delay="0"/>
-                            </p:stCondLst>
-                            <p:childTnLst>
-                              <p:par>
-                                <p:cTn id="29" presetID="23" presetClass="exit" presetSubtype="32" fill="hold" grpId="0" nodeType="clickEffect">
-                                  <p:stCondLst>
-                                    <p:cond delay="0"/>
-                                  </p:stCondLst>
-                                  <p:childTnLst>
-                                    <p:anim calcmode="lin" valueType="num">
-                                      <p:cBhvr>
-                                        <p:cTn id="30" dur="500"/>
-                                        <p:tgtEl>
-                                          <p:spTgt spid="7">
-                                            <p:txEl>
-                                              <p:pRg st="0" end="0"/>
-                                            </p:txEl>
-                                          </p:spTgt>
-                                        </p:tgtEl>
-                                        <p:attrNameLst>
-                                          <p:attrName>ppt_w</p:attrName>
-                                        </p:attrNameLst>
-                                      </p:cBhvr>
-                                      <p:tavLst>
-                                        <p:tav tm="0">
-                                          <p:val>
-                                            <p:strVal val="ppt_w"/>
-                                          </p:val>
-                                        </p:tav>
-                                        <p:tav tm="100000">
-                                          <p:val>
-                                            <p:fltVal val="0"/>
-                                          </p:val>
-                                        </p:tav>
-                                      </p:tavLst>
-                                    </p:anim>
-                                    <p:anim calcmode="lin" valueType="num">
-                                      <p:cBhvr>
-                                        <p:cTn id="31" dur="500"/>
-                                        <p:tgtEl>
-                                          <p:spTgt spid="7">
-                                            <p:txEl>
-                                              <p:pRg st="0" end="0"/>
-                                            </p:txEl>
-                                          </p:spTgt>
-                                        </p:tgtEl>
-                                        <p:attrNameLst>
-                                          <p:attrName>ppt_h</p:attrName>
-                                        </p:attrNameLst>
-                                      </p:cBhvr>
-                                      <p:tavLst>
-                                        <p:tav tm="0">
-                                          <p:val>
-                                            <p:strVal val="ppt_h"/>
-                                          </p:val>
-                                        </p:tav>
-                                        <p:tav tm="100000">
-                                          <p:val>
-                                            <p:fltVal val="0"/>
-                                          </p:val>
-                                        </p:tav>
-                                      </p:tavLst>
-                                    </p:anim>
-                                    <p:set>
-                                      <p:cBhvr>
-                                        <p:cTn id="32" dur="1" fill="hold">
-                                          <p:stCondLst>
-                                            <p:cond delay="499"/>
-                                          </p:stCondLst>
-                                        </p:cTn>
-                                        <p:tgtEl>
-                                          <p:spTgt spid="7">
-                                            <p:txEl>
-                                              <p:pRg st="0" end="0"/>
-                                            </p:txEl>
-                                          </p:spTgt>
-                                        </p:tgtEl>
-                                        <p:attrNameLst>
-                                          <p:attrName>style.visibility</p:attrName>
-                                        </p:attrNameLst>
-                                      </p:cBhvr>
-                                      <p:to>
-                                        <p:strVal val="hidden"/>
-                                      </p:to>
-                                    </p:set>
-                                  </p:childTnLst>
-                                </p:cTn>
-                              </p:par>
-                              <p:par>
-                                <p:cTn id="33" presetID="23" presetClass="exit" presetSubtype="32" fill="hold" nodeType="withEffect">
-                                  <p:stCondLst>
-                                    <p:cond delay="0"/>
-                                  </p:stCondLst>
-                                  <p:childTnLst>
-                                    <p:anim calcmode="lin" valueType="num">
-                                      <p:cBhvr>
-                                        <p:cTn id="34" dur="500"/>
-                                        <p:tgtEl>
-                                          <p:spTgt spid="2"/>
-                                        </p:tgtEl>
-                                        <p:attrNameLst>
-                                          <p:attrName>ppt_w</p:attrName>
-                                        </p:attrNameLst>
-                                      </p:cBhvr>
-                                      <p:tavLst>
-                                        <p:tav tm="0">
-                                          <p:val>
-                                            <p:strVal val="ppt_w"/>
-                                          </p:val>
-                                        </p:tav>
-                                        <p:tav tm="100000">
-                                          <p:val>
-                                            <p:fltVal val="0"/>
-                                          </p:val>
-                                        </p:tav>
-                                      </p:tavLst>
-                                    </p:anim>
-                                    <p:anim calcmode="lin" valueType="num">
-                                      <p:cBhvr>
-                                        <p:cTn id="35" dur="500"/>
-                                        <p:tgtEl>
-                                          <p:spTgt spid="2"/>
-                                        </p:tgtEl>
-                                        <p:attrNameLst>
-                                          <p:attrName>ppt_h</p:attrName>
-                                        </p:attrNameLst>
-                                      </p:cBhvr>
-                                      <p:tavLst>
-                                        <p:tav tm="0">
-                                          <p:val>
-                                            <p:strVal val="ppt_h"/>
-                                          </p:val>
-                                        </p:tav>
-                                        <p:tav tm="100000">
-                                          <p:val>
-                                            <p:fltVal val="0"/>
-                                          </p:val>
-                                        </p:tav>
-                                      </p:tavLst>
-                                    </p:anim>
-                                    <p:set>
-                                      <p:cBhvr>
-                                        <p:cTn id="36" dur="1" fill="hold">
-                                          <p:stCondLst>
-                                            <p:cond delay="499"/>
-                                          </p:stCondLst>
-                                        </p:cTn>
-                                        <p:tgtEl>
-                                          <p:spTgt spid="2"/>
-                                        </p:tgtEl>
-                                        <p:attrNameLst>
-                                          <p:attrName>style.visibility</p:attrName>
-                                        </p:attrNameLst>
-                                      </p:cBhvr>
-                                      <p:to>
-                                        <p:strVal val="hidden"/>
-                                      </p:to>
-                                    </p:set>
-                                  </p:childTnLst>
-                                </p:cTn>
-                              </p:par>
-                              <p:par>
-                                <p:cTn id="37" presetID="12" presetClass="entr" presetSubtype="4" fill="hold" grpId="0" nodeType="withEffect">
-                                  <p:stCondLst>
-                                    <p:cond delay="0"/>
-                                  </p:stCondLst>
-                                  <p:childTnLst>
-                                    <p:set>
-                                      <p:cBhvr>
-                                        <p:cTn id="38" dur="1" fill="hold">
+                                        <p:cTn id="17" dur="1" fill="hold">
                                           <p:stCondLst>
                                             <p:cond delay="0"/>
                                           </p:stCondLst>
@@ -13977,7 +14967,7 @@
                                     </p:set>
                                     <p:anim calcmode="lin" valueType="num">
                                       <p:cBhvr additive="base">
-                                        <p:cTn id="39" dur="500"/>
+                                        <p:cTn id="18" dur="500"/>
                                         <p:tgtEl>
                                           <p:spTgt spid="6"/>
                                         </p:tgtEl>
@@ -14000,7 +14990,7 @@
                                     </p:anim>
                                     <p:animEffect transition="in" filter="wipe(up)">
                                       <p:cBhvr>
-                                        <p:cTn id="40" dur="500"/>
+                                        <p:cTn id="19" dur="500"/>
                                         <p:tgtEl>
                                           <p:spTgt spid="6"/>
                                         </p:tgtEl>
@@ -14040,13 +15030,964 @@
       <p:bldP spid="4" grpId="0"/>
       <p:bldP spid="5" grpId="0"/>
       <p:bldP spid="6" grpId="0"/>
-      <p:bldP spid="7" grpId="0" bldLvl="0" build="allAtOnce"/>
     </p:bldLst>
   </p:timing>
 </p:sld>
 </file>
 
 <file path=ppt/slides/slide4.xml><?xml version="1.0" encoding="utf-8"?>
+<p:sld xmlns:a="http://schemas.openxmlformats.org/drawingml/2006/main" xmlns:r="http://schemas.openxmlformats.org/officeDocument/2006/relationships" xmlns:p="http://schemas.openxmlformats.org/presentationml/2006/main">
+  <p:cSld>
+    <p:spTree>
+      <p:nvGrpSpPr>
+        <p:cNvPr id="1" name=""/>
+        <p:cNvGrpSpPr/>
+        <p:nvPr/>
+      </p:nvGrpSpPr>
+      <p:grpSpPr>
+        <a:xfrm>
+          <a:off x="0" y="0"/>
+          <a:ext cx="0" cy="0"/>
+          <a:chOff x="0" y="0"/>
+          <a:chExt cx="0" cy="0"/>
+        </a:xfrm>
+      </p:grpSpPr>
+      <p:sp>
+        <p:nvSpPr>
+          <p:cNvPr id="4" name="Slide Number Placeholder 3">
+            <a:extLst>
+              <a:ext uri="{FF2B5EF4-FFF2-40B4-BE49-F238E27FC236}">
+                <a16:creationId xmlns:a16="http://schemas.microsoft.com/office/drawing/2014/main" id="{A5DCD66F-4087-4776-AFCC-8A983B76D6B7}"/>
+              </a:ext>
+            </a:extLst>
+          </p:cNvPr>
+          <p:cNvSpPr>
+            <a:spLocks noGrp="1"/>
+          </p:cNvSpPr>
+          <p:nvPr>
+            <p:ph type="sldNum" sz="quarter" idx="12"/>
+          </p:nvPr>
+        </p:nvSpPr>
+        <p:spPr/>
+        <p:txBody>
+          <a:bodyPr/>
+          <a:lstStyle/>
+          <a:p>
+            <a:fld id="{6BB9AED3-D2BB-49A3-B8E7-A4A64ED2F011}" type="slidenum">
+              <a:rPr lang="en-US" smtClean="0"/>
+              <a:t>4</a:t>
+            </a:fld>
+            <a:endParaRPr lang="en-US"/>
+          </a:p>
+        </p:txBody>
+      </p:sp>
+      <p:sp>
+        <p:nvSpPr>
+          <p:cNvPr id="5" name="Text Box 6">
+            <a:extLst>
+              <a:ext uri="{FF2B5EF4-FFF2-40B4-BE49-F238E27FC236}">
+                <a16:creationId xmlns:a16="http://schemas.microsoft.com/office/drawing/2014/main" id="{FEA03CC9-CD45-4852-AC6B-A9AAFC52EF0B}"/>
+              </a:ext>
+            </a:extLst>
+          </p:cNvPr>
+          <p:cNvSpPr txBox="1"/>
+          <p:nvPr/>
+        </p:nvSpPr>
+        <p:spPr>
+          <a:xfrm>
+            <a:off x="1491815" y="1388411"/>
+            <a:ext cx="8085321" cy="553998"/>
+          </a:xfrm>
+          <a:prstGeom prst="rect">
+            <a:avLst/>
+          </a:prstGeom>
+          <a:noFill/>
+        </p:spPr>
+        <p:txBody>
+          <a:bodyPr wrap="square" rtlCol="0">
+            <a:spAutoFit/>
+          </a:bodyPr>
+          <a:lstStyle/>
+          <a:p>
+            <a:r>
+              <a:rPr lang="en-US" sz="3000" b="1" dirty="0">
+                <a:solidFill>
+                  <a:srgbClr val="00B0F0"/>
+                </a:solidFill>
+                <a:latin typeface="Times New Roman" panose="02020603050405020304" pitchFamily="18" charset="0"/>
+                <a:ea typeface="Tahoma" panose="020B0604030504040204" pitchFamily="34" charset="0"/>
+                <a:cs typeface="Times New Roman" panose="02020603050405020304" pitchFamily="18" charset="0"/>
+              </a:rPr>
+              <a:t>3) </a:t>
+            </a:r>
+            <a:r>
+              <a:rPr lang="en-US" sz="3000" b="1" dirty="0" err="1">
+                <a:solidFill>
+                  <a:srgbClr val="00B0F0"/>
+                </a:solidFill>
+                <a:latin typeface="Times New Roman" panose="02020603050405020304" pitchFamily="18" charset="0"/>
+                <a:ea typeface="Tahoma" panose="020B0604030504040204" pitchFamily="34" charset="0"/>
+                <a:cs typeface="Times New Roman" panose="02020603050405020304" pitchFamily="18" charset="0"/>
+              </a:rPr>
+              <a:t>Một</a:t>
+            </a:r>
+            <a:r>
+              <a:rPr lang="en-US" sz="3000" b="1" dirty="0">
+                <a:solidFill>
+                  <a:srgbClr val="00B0F0"/>
+                </a:solidFill>
+                <a:latin typeface="Times New Roman" panose="02020603050405020304" pitchFamily="18" charset="0"/>
+                <a:ea typeface="Tahoma" panose="020B0604030504040204" pitchFamily="34" charset="0"/>
+                <a:cs typeface="Times New Roman" panose="02020603050405020304" pitchFamily="18" charset="0"/>
+              </a:rPr>
+              <a:t> </a:t>
+            </a:r>
+            <a:r>
+              <a:rPr lang="en-US" sz="3000" b="1" dirty="0" err="1">
+                <a:solidFill>
+                  <a:srgbClr val="00B0F0"/>
+                </a:solidFill>
+                <a:latin typeface="Times New Roman" panose="02020603050405020304" pitchFamily="18" charset="0"/>
+                <a:ea typeface="Tahoma" panose="020B0604030504040204" pitchFamily="34" charset="0"/>
+                <a:cs typeface="Times New Roman" panose="02020603050405020304" pitchFamily="18" charset="0"/>
+              </a:rPr>
+              <a:t>số</a:t>
+            </a:r>
+            <a:r>
+              <a:rPr lang="en-US" sz="3000" b="1" dirty="0">
+                <a:solidFill>
+                  <a:srgbClr val="00B0F0"/>
+                </a:solidFill>
+                <a:latin typeface="Times New Roman" panose="02020603050405020304" pitchFamily="18" charset="0"/>
+                <a:ea typeface="Tahoma" panose="020B0604030504040204" pitchFamily="34" charset="0"/>
+                <a:cs typeface="Times New Roman" panose="02020603050405020304" pitchFamily="18" charset="0"/>
+              </a:rPr>
+              <a:t> </a:t>
+            </a:r>
+            <a:r>
+              <a:rPr lang="en-US" sz="3000" b="1" dirty="0" err="1">
+                <a:solidFill>
+                  <a:srgbClr val="00B0F0"/>
+                </a:solidFill>
+                <a:latin typeface="Times New Roman" panose="02020603050405020304" pitchFamily="18" charset="0"/>
+                <a:ea typeface="Tahoma" panose="020B0604030504040204" pitchFamily="34" charset="0"/>
+                <a:cs typeface="Times New Roman" panose="02020603050405020304" pitchFamily="18" charset="0"/>
+              </a:rPr>
+              <a:t>mô</a:t>
+            </a:r>
+            <a:r>
+              <a:rPr lang="en-US" sz="3000" b="1" dirty="0">
+                <a:solidFill>
+                  <a:srgbClr val="00B0F0"/>
+                </a:solidFill>
+                <a:latin typeface="Times New Roman" panose="02020603050405020304" pitchFamily="18" charset="0"/>
+                <a:ea typeface="Tahoma" panose="020B0604030504040204" pitchFamily="34" charset="0"/>
+                <a:cs typeface="Times New Roman" panose="02020603050405020304" pitchFamily="18" charset="0"/>
+              </a:rPr>
+              <a:t> </a:t>
+            </a:r>
+            <a:r>
+              <a:rPr lang="en-US" sz="3000" b="1" dirty="0" err="1">
+                <a:solidFill>
+                  <a:srgbClr val="00B0F0"/>
+                </a:solidFill>
+                <a:latin typeface="Times New Roman" panose="02020603050405020304" pitchFamily="18" charset="0"/>
+                <a:ea typeface="Tahoma" panose="020B0604030504040204" pitchFamily="34" charset="0"/>
+                <a:cs typeface="Times New Roman" panose="02020603050405020304" pitchFamily="18" charset="0"/>
+              </a:rPr>
+              <a:t>hình</a:t>
+            </a:r>
+            <a:r>
+              <a:rPr lang="en-US" sz="3000" b="1" dirty="0">
+                <a:solidFill>
+                  <a:srgbClr val="00B0F0"/>
+                </a:solidFill>
+                <a:latin typeface="Times New Roman" panose="02020603050405020304" pitchFamily="18" charset="0"/>
+                <a:ea typeface="Tahoma" panose="020B0604030504040204" pitchFamily="34" charset="0"/>
+                <a:cs typeface="Times New Roman" panose="02020603050405020304" pitchFamily="18" charset="0"/>
+              </a:rPr>
+              <a:t> </a:t>
+            </a:r>
+            <a:r>
+              <a:rPr lang="en-US" sz="3000" b="1" dirty="0" err="1">
+                <a:solidFill>
+                  <a:srgbClr val="00B0F0"/>
+                </a:solidFill>
+                <a:latin typeface="Times New Roman" panose="02020603050405020304" pitchFamily="18" charset="0"/>
+                <a:ea typeface="Tahoma" panose="020B0604030504040204" pitchFamily="34" charset="0"/>
+                <a:cs typeface="Times New Roman" panose="02020603050405020304" pitchFamily="18" charset="0"/>
+              </a:rPr>
+              <a:t>phát</a:t>
+            </a:r>
+            <a:r>
+              <a:rPr lang="en-US" sz="3000" b="1" dirty="0">
+                <a:solidFill>
+                  <a:srgbClr val="00B0F0"/>
+                </a:solidFill>
+                <a:latin typeface="Times New Roman" panose="02020603050405020304" pitchFamily="18" charset="0"/>
+                <a:ea typeface="Tahoma" panose="020B0604030504040204" pitchFamily="34" charset="0"/>
+                <a:cs typeface="Times New Roman" panose="02020603050405020304" pitchFamily="18" charset="0"/>
+              </a:rPr>
+              <a:t> </a:t>
+            </a:r>
+            <a:r>
+              <a:rPr lang="en-US" sz="3000" b="1" dirty="0" err="1">
+                <a:solidFill>
+                  <a:srgbClr val="00B0F0"/>
+                </a:solidFill>
+                <a:latin typeface="Times New Roman" panose="02020603050405020304" pitchFamily="18" charset="0"/>
+                <a:ea typeface="Tahoma" panose="020B0604030504040204" pitchFamily="34" charset="0"/>
+                <a:cs typeface="Times New Roman" panose="02020603050405020304" pitchFamily="18" charset="0"/>
+              </a:rPr>
+              <a:t>triển</a:t>
+            </a:r>
+            <a:r>
+              <a:rPr lang="en-US" sz="3000" b="1" dirty="0">
+                <a:solidFill>
+                  <a:srgbClr val="00B0F0"/>
+                </a:solidFill>
+                <a:latin typeface="Times New Roman" panose="02020603050405020304" pitchFamily="18" charset="0"/>
+                <a:ea typeface="Tahoma" panose="020B0604030504040204" pitchFamily="34" charset="0"/>
+                <a:cs typeface="Times New Roman" panose="02020603050405020304" pitchFamily="18" charset="0"/>
+              </a:rPr>
+              <a:t> </a:t>
+            </a:r>
+            <a:r>
+              <a:rPr lang="en-US" sz="3000" b="1" dirty="0" err="1">
+                <a:solidFill>
+                  <a:srgbClr val="00B0F0"/>
+                </a:solidFill>
+                <a:latin typeface="Times New Roman" panose="02020603050405020304" pitchFamily="18" charset="0"/>
+                <a:ea typeface="Tahoma" panose="020B0604030504040204" pitchFamily="34" charset="0"/>
+                <a:cs typeface="Times New Roman" panose="02020603050405020304" pitchFamily="18" charset="0"/>
+              </a:rPr>
+              <a:t>phần</a:t>
+            </a:r>
+            <a:r>
+              <a:rPr lang="en-US" sz="3000" b="1" dirty="0">
+                <a:solidFill>
+                  <a:srgbClr val="00B0F0"/>
+                </a:solidFill>
+                <a:latin typeface="Times New Roman" panose="02020603050405020304" pitchFamily="18" charset="0"/>
+                <a:ea typeface="Tahoma" panose="020B0604030504040204" pitchFamily="34" charset="0"/>
+                <a:cs typeface="Times New Roman" panose="02020603050405020304" pitchFamily="18" charset="0"/>
+              </a:rPr>
+              <a:t> </a:t>
+            </a:r>
+            <a:r>
+              <a:rPr lang="en-US" sz="3000" b="1" dirty="0" err="1">
+                <a:solidFill>
+                  <a:srgbClr val="00B0F0"/>
+                </a:solidFill>
+                <a:latin typeface="Times New Roman" panose="02020603050405020304" pitchFamily="18" charset="0"/>
+                <a:ea typeface="Tahoma" panose="020B0604030504040204" pitchFamily="34" charset="0"/>
+                <a:cs typeface="Times New Roman" panose="02020603050405020304" pitchFamily="18" charset="0"/>
+              </a:rPr>
+              <a:t>mềm</a:t>
+            </a:r>
+            <a:r>
+              <a:rPr lang="en-US" sz="3000" b="1" dirty="0">
+                <a:solidFill>
+                  <a:srgbClr val="00B0F0"/>
+                </a:solidFill>
+                <a:latin typeface="Times New Roman" panose="02020603050405020304" pitchFamily="18" charset="0"/>
+                <a:ea typeface="Tahoma" panose="020B0604030504040204" pitchFamily="34" charset="0"/>
+                <a:cs typeface="Times New Roman" panose="02020603050405020304" pitchFamily="18" charset="0"/>
+              </a:rPr>
+              <a:t>:</a:t>
+            </a:r>
+          </a:p>
+        </p:txBody>
+      </p:sp>
+      <p:sp>
+        <p:nvSpPr>
+          <p:cNvPr id="6" name="TextBox 5">
+            <a:extLst>
+              <a:ext uri="{FF2B5EF4-FFF2-40B4-BE49-F238E27FC236}">
+                <a16:creationId xmlns:a16="http://schemas.microsoft.com/office/drawing/2014/main" id="{E9E53A9A-F83A-4698-806A-4700DC0A7FFF}"/>
+              </a:ext>
+            </a:extLst>
+          </p:cNvPr>
+          <p:cNvSpPr txBox="1"/>
+          <p:nvPr/>
+        </p:nvSpPr>
+        <p:spPr>
+          <a:xfrm>
+            <a:off x="1600200" y="2418347"/>
+            <a:ext cx="7206916" cy="2400657"/>
+          </a:xfrm>
+          <a:prstGeom prst="rect">
+            <a:avLst/>
+          </a:prstGeom>
+          <a:noFill/>
+        </p:spPr>
+        <p:txBody>
+          <a:bodyPr wrap="square" rtlCol="0">
+            <a:spAutoFit/>
+          </a:bodyPr>
+          <a:lstStyle/>
+          <a:p>
+            <a:r>
+              <a:rPr lang="en-US" sz="2500" dirty="0">
+                <a:latin typeface="Times New Roman" panose="02020603050405020304" pitchFamily="18" charset="0"/>
+                <a:ea typeface="Tahoma" panose="020B0604030504040204" pitchFamily="34" charset="0"/>
+                <a:cs typeface="Times New Roman" panose="02020603050405020304" pitchFamily="18" charset="0"/>
+              </a:rPr>
+              <a:t>- </a:t>
+            </a:r>
+            <a:r>
+              <a:rPr lang="en-US" sz="2500" dirty="0" err="1">
+                <a:latin typeface="Times New Roman" panose="02020603050405020304" pitchFamily="18" charset="0"/>
+                <a:ea typeface="Tahoma" panose="020B0604030504040204" pitchFamily="34" charset="0"/>
+                <a:cs typeface="Times New Roman" panose="02020603050405020304" pitchFamily="18" charset="0"/>
+              </a:rPr>
+              <a:t>Mô</a:t>
+            </a:r>
+            <a:r>
+              <a:rPr lang="en-US" sz="2500" dirty="0">
+                <a:latin typeface="Times New Roman" panose="02020603050405020304" pitchFamily="18" charset="0"/>
+                <a:ea typeface="Tahoma" panose="020B0604030504040204" pitchFamily="34" charset="0"/>
+                <a:cs typeface="Times New Roman" panose="02020603050405020304" pitchFamily="18" charset="0"/>
+              </a:rPr>
+              <a:t> </a:t>
+            </a:r>
+            <a:r>
+              <a:rPr lang="en-US" sz="2500" dirty="0" err="1">
+                <a:latin typeface="Times New Roman" panose="02020603050405020304" pitchFamily="18" charset="0"/>
+                <a:ea typeface="Tahoma" panose="020B0604030504040204" pitchFamily="34" charset="0"/>
+                <a:cs typeface="Times New Roman" panose="02020603050405020304" pitchFamily="18" charset="0"/>
+              </a:rPr>
+              <a:t>hình</a:t>
+            </a:r>
+            <a:r>
+              <a:rPr lang="en-US" sz="2500" dirty="0">
+                <a:latin typeface="Times New Roman" panose="02020603050405020304" pitchFamily="18" charset="0"/>
+                <a:ea typeface="Tahoma" panose="020B0604030504040204" pitchFamily="34" charset="0"/>
+                <a:cs typeface="Times New Roman" panose="02020603050405020304" pitchFamily="18" charset="0"/>
+              </a:rPr>
+              <a:t> </a:t>
+            </a:r>
+            <a:r>
+              <a:rPr lang="en-US" sz="2500" dirty="0" err="1">
+                <a:latin typeface="Times New Roman" panose="02020603050405020304" pitchFamily="18" charset="0"/>
+                <a:ea typeface="Tahoma" panose="020B0604030504040204" pitchFamily="34" charset="0"/>
+                <a:cs typeface="Times New Roman" panose="02020603050405020304" pitchFamily="18" charset="0"/>
+              </a:rPr>
+              <a:t>thác</a:t>
+            </a:r>
+            <a:r>
+              <a:rPr lang="en-US" sz="2500" dirty="0">
+                <a:latin typeface="Times New Roman" panose="02020603050405020304" pitchFamily="18" charset="0"/>
+                <a:ea typeface="Tahoma" panose="020B0604030504040204" pitchFamily="34" charset="0"/>
+                <a:cs typeface="Times New Roman" panose="02020603050405020304" pitchFamily="18" charset="0"/>
+              </a:rPr>
+              <a:t> n</a:t>
+            </a:r>
+            <a:r>
+              <a:rPr lang="vi-VN" sz="2500" dirty="0">
+                <a:latin typeface="Times New Roman" panose="02020603050405020304" pitchFamily="18" charset="0"/>
+                <a:ea typeface="Tahoma" panose="020B0604030504040204" pitchFamily="34" charset="0"/>
+                <a:cs typeface="Times New Roman" panose="02020603050405020304" pitchFamily="18" charset="0"/>
+              </a:rPr>
+              <a:t>ư</a:t>
+            </a:r>
+            <a:r>
+              <a:rPr lang="en-US" sz="2500" dirty="0" err="1">
+                <a:latin typeface="Times New Roman" panose="02020603050405020304" pitchFamily="18" charset="0"/>
+                <a:ea typeface="Tahoma" panose="020B0604030504040204" pitchFamily="34" charset="0"/>
+                <a:cs typeface="Times New Roman" panose="02020603050405020304" pitchFamily="18" charset="0"/>
+              </a:rPr>
+              <a:t>ớc</a:t>
+            </a:r>
+            <a:r>
+              <a:rPr lang="en-US" sz="2500" dirty="0">
+                <a:latin typeface="Times New Roman" panose="02020603050405020304" pitchFamily="18" charset="0"/>
+                <a:ea typeface="Tahoma" panose="020B0604030504040204" pitchFamily="34" charset="0"/>
+                <a:cs typeface="Times New Roman" panose="02020603050405020304" pitchFamily="18" charset="0"/>
+              </a:rPr>
+              <a:t>.</a:t>
+            </a:r>
+          </a:p>
+          <a:p>
+            <a:r>
+              <a:rPr lang="en-US" sz="2500" dirty="0">
+                <a:latin typeface="Times New Roman" panose="02020603050405020304" pitchFamily="18" charset="0"/>
+                <a:ea typeface="Tahoma" panose="020B0604030504040204" pitchFamily="34" charset="0"/>
+                <a:cs typeface="Times New Roman" panose="02020603050405020304" pitchFamily="18" charset="0"/>
+              </a:rPr>
+              <a:t>- </a:t>
+            </a:r>
+            <a:r>
+              <a:rPr lang="en-US" sz="2500" dirty="0" err="1">
+                <a:latin typeface="Times New Roman" panose="02020603050405020304" pitchFamily="18" charset="0"/>
+                <a:ea typeface="Tahoma" panose="020B0604030504040204" pitchFamily="34" charset="0"/>
+                <a:cs typeface="Times New Roman" panose="02020603050405020304" pitchFamily="18" charset="0"/>
+              </a:rPr>
+              <a:t>Mô</a:t>
+            </a:r>
+            <a:r>
+              <a:rPr lang="en-US" sz="2500" dirty="0">
+                <a:latin typeface="Times New Roman" panose="02020603050405020304" pitchFamily="18" charset="0"/>
+                <a:ea typeface="Tahoma" panose="020B0604030504040204" pitchFamily="34" charset="0"/>
+                <a:cs typeface="Times New Roman" panose="02020603050405020304" pitchFamily="18" charset="0"/>
+              </a:rPr>
+              <a:t> </a:t>
+            </a:r>
+            <a:r>
+              <a:rPr lang="en-US" sz="2500" dirty="0" err="1">
+                <a:latin typeface="Times New Roman" panose="02020603050405020304" pitchFamily="18" charset="0"/>
+                <a:ea typeface="Tahoma" panose="020B0604030504040204" pitchFamily="34" charset="0"/>
+                <a:cs typeface="Times New Roman" panose="02020603050405020304" pitchFamily="18" charset="0"/>
+              </a:rPr>
+              <a:t>hình</a:t>
+            </a:r>
+            <a:r>
+              <a:rPr lang="en-US" sz="2500" dirty="0">
+                <a:latin typeface="Times New Roman" panose="02020603050405020304" pitchFamily="18" charset="0"/>
+                <a:ea typeface="Tahoma" panose="020B0604030504040204" pitchFamily="34" charset="0"/>
+                <a:cs typeface="Times New Roman" panose="02020603050405020304" pitchFamily="18" charset="0"/>
+              </a:rPr>
+              <a:t> </a:t>
+            </a:r>
+            <a:r>
+              <a:rPr lang="en-US" sz="2500" dirty="0" err="1">
+                <a:latin typeface="Times New Roman" panose="02020603050405020304" pitchFamily="18" charset="0"/>
+                <a:ea typeface="Tahoma" panose="020B0604030504040204" pitchFamily="34" charset="0"/>
+                <a:cs typeface="Times New Roman" panose="02020603050405020304" pitchFamily="18" charset="0"/>
+              </a:rPr>
+              <a:t>phát</a:t>
+            </a:r>
+            <a:r>
+              <a:rPr lang="en-US" sz="2500" dirty="0">
+                <a:latin typeface="Times New Roman" panose="02020603050405020304" pitchFamily="18" charset="0"/>
+                <a:ea typeface="Tahoma" panose="020B0604030504040204" pitchFamily="34" charset="0"/>
+                <a:cs typeface="Times New Roman" panose="02020603050405020304" pitchFamily="18" charset="0"/>
+              </a:rPr>
+              <a:t> </a:t>
+            </a:r>
+            <a:r>
+              <a:rPr lang="en-US" sz="2500" dirty="0" err="1">
+                <a:latin typeface="Times New Roman" panose="02020603050405020304" pitchFamily="18" charset="0"/>
+                <a:ea typeface="Tahoma" panose="020B0604030504040204" pitchFamily="34" charset="0"/>
+                <a:cs typeface="Times New Roman" panose="02020603050405020304" pitchFamily="18" charset="0"/>
+              </a:rPr>
+              <a:t>triển</a:t>
+            </a:r>
+            <a:r>
+              <a:rPr lang="en-US" sz="2500" dirty="0">
+                <a:latin typeface="Times New Roman" panose="02020603050405020304" pitchFamily="18" charset="0"/>
+                <a:ea typeface="Tahoma" panose="020B0604030504040204" pitchFamily="34" charset="0"/>
+                <a:cs typeface="Times New Roman" panose="02020603050405020304" pitchFamily="18" charset="0"/>
+              </a:rPr>
+              <a:t> </a:t>
+            </a:r>
+            <a:r>
+              <a:rPr lang="en-US" sz="2500" dirty="0" err="1">
+                <a:latin typeface="Times New Roman" panose="02020603050405020304" pitchFamily="18" charset="0"/>
+                <a:ea typeface="Tahoma" panose="020B0604030504040204" pitchFamily="34" charset="0"/>
+                <a:cs typeface="Times New Roman" panose="02020603050405020304" pitchFamily="18" charset="0"/>
+              </a:rPr>
+              <a:t>tiến</a:t>
+            </a:r>
+            <a:r>
+              <a:rPr lang="en-US" sz="2500" dirty="0">
+                <a:latin typeface="Times New Roman" panose="02020603050405020304" pitchFamily="18" charset="0"/>
+                <a:ea typeface="Tahoma" panose="020B0604030504040204" pitchFamily="34" charset="0"/>
+                <a:cs typeface="Times New Roman" panose="02020603050405020304" pitchFamily="18" charset="0"/>
+              </a:rPr>
+              <a:t> </a:t>
+            </a:r>
+            <a:r>
+              <a:rPr lang="en-US" sz="2500" dirty="0" err="1">
+                <a:latin typeface="Times New Roman" panose="02020603050405020304" pitchFamily="18" charset="0"/>
+                <a:ea typeface="Tahoma" panose="020B0604030504040204" pitchFamily="34" charset="0"/>
+                <a:cs typeface="Times New Roman" panose="02020603050405020304" pitchFamily="18" charset="0"/>
+              </a:rPr>
+              <a:t>hoá</a:t>
+            </a:r>
+            <a:r>
+              <a:rPr lang="en-US" sz="2500" dirty="0">
+                <a:latin typeface="Times New Roman" panose="02020603050405020304" pitchFamily="18" charset="0"/>
+                <a:ea typeface="Tahoma" panose="020B0604030504040204" pitchFamily="34" charset="0"/>
+                <a:cs typeface="Times New Roman" panose="02020603050405020304" pitchFamily="18" charset="0"/>
+              </a:rPr>
+              <a:t>.</a:t>
+            </a:r>
+          </a:p>
+          <a:p>
+            <a:r>
+              <a:rPr lang="en-US" sz="2500" dirty="0">
+                <a:latin typeface="Times New Roman" panose="02020603050405020304" pitchFamily="18" charset="0"/>
+                <a:ea typeface="Tahoma" panose="020B0604030504040204" pitchFamily="34" charset="0"/>
+                <a:cs typeface="Times New Roman" panose="02020603050405020304" pitchFamily="18" charset="0"/>
+              </a:rPr>
+              <a:t>	+ </a:t>
+            </a:r>
+            <a:r>
+              <a:rPr lang="en-US" sz="2500" dirty="0" err="1">
+                <a:latin typeface="Times New Roman" panose="02020603050405020304" pitchFamily="18" charset="0"/>
+                <a:ea typeface="Tahoma" panose="020B0604030504040204" pitchFamily="34" charset="0"/>
+                <a:cs typeface="Times New Roman" panose="02020603050405020304" pitchFamily="18" charset="0"/>
+              </a:rPr>
+              <a:t>Mô</a:t>
+            </a:r>
+            <a:r>
+              <a:rPr lang="en-US" sz="2500" dirty="0">
+                <a:latin typeface="Times New Roman" panose="02020603050405020304" pitchFamily="18" charset="0"/>
+                <a:ea typeface="Tahoma" panose="020B0604030504040204" pitchFamily="34" charset="0"/>
+                <a:cs typeface="Times New Roman" panose="02020603050405020304" pitchFamily="18" charset="0"/>
+              </a:rPr>
+              <a:t> </a:t>
+            </a:r>
+            <a:r>
+              <a:rPr lang="en-US" sz="2500" dirty="0" err="1">
+                <a:latin typeface="Times New Roman" panose="02020603050405020304" pitchFamily="18" charset="0"/>
+                <a:ea typeface="Tahoma" panose="020B0604030504040204" pitchFamily="34" charset="0"/>
+                <a:cs typeface="Times New Roman" panose="02020603050405020304" pitchFamily="18" charset="0"/>
+              </a:rPr>
+              <a:t>hình</a:t>
+            </a:r>
+            <a:r>
+              <a:rPr lang="en-US" sz="2500" dirty="0">
+                <a:latin typeface="Times New Roman" panose="02020603050405020304" pitchFamily="18" charset="0"/>
+                <a:ea typeface="Tahoma" panose="020B0604030504040204" pitchFamily="34" charset="0"/>
+                <a:cs typeface="Times New Roman" panose="02020603050405020304" pitchFamily="18" charset="0"/>
+              </a:rPr>
+              <a:t> </a:t>
+            </a:r>
+            <a:r>
+              <a:rPr lang="en-US" sz="2500" dirty="0" err="1">
+                <a:latin typeface="Times New Roman" panose="02020603050405020304" pitchFamily="18" charset="0"/>
+                <a:ea typeface="Tahoma" panose="020B0604030504040204" pitchFamily="34" charset="0"/>
+                <a:cs typeface="Times New Roman" panose="02020603050405020304" pitchFamily="18" charset="0"/>
+              </a:rPr>
+              <a:t>bản</a:t>
+            </a:r>
+            <a:r>
+              <a:rPr lang="en-US" sz="2500" dirty="0">
+                <a:latin typeface="Times New Roman" panose="02020603050405020304" pitchFamily="18" charset="0"/>
+                <a:ea typeface="Tahoma" panose="020B0604030504040204" pitchFamily="34" charset="0"/>
+                <a:cs typeface="Times New Roman" panose="02020603050405020304" pitchFamily="18" charset="0"/>
+              </a:rPr>
+              <a:t> </a:t>
+            </a:r>
+            <a:r>
+              <a:rPr lang="en-US" sz="2500" dirty="0" err="1">
+                <a:latin typeface="Times New Roman" panose="02020603050405020304" pitchFamily="18" charset="0"/>
+                <a:ea typeface="Tahoma" panose="020B0604030504040204" pitchFamily="34" charset="0"/>
+                <a:cs typeface="Times New Roman" panose="02020603050405020304" pitchFamily="18" charset="0"/>
+              </a:rPr>
+              <a:t>mẫu</a:t>
+            </a:r>
+            <a:r>
+              <a:rPr lang="en-US" sz="2500" dirty="0">
+                <a:latin typeface="Times New Roman" panose="02020603050405020304" pitchFamily="18" charset="0"/>
+                <a:ea typeface="Tahoma" panose="020B0604030504040204" pitchFamily="34" charset="0"/>
+                <a:cs typeface="Times New Roman" panose="02020603050405020304" pitchFamily="18" charset="0"/>
+              </a:rPr>
+              <a:t>.</a:t>
+            </a:r>
+          </a:p>
+          <a:p>
+            <a:r>
+              <a:rPr lang="en-US" sz="2500" dirty="0">
+                <a:latin typeface="Times New Roman" panose="02020603050405020304" pitchFamily="18" charset="0"/>
+                <a:ea typeface="Tahoma" panose="020B0604030504040204" pitchFamily="34" charset="0"/>
+                <a:cs typeface="Times New Roman" panose="02020603050405020304" pitchFamily="18" charset="0"/>
+              </a:rPr>
+              <a:t>	+ </a:t>
+            </a:r>
+            <a:r>
+              <a:rPr lang="en-US" sz="2500" dirty="0" err="1">
+                <a:latin typeface="Times New Roman" panose="02020603050405020304" pitchFamily="18" charset="0"/>
+                <a:ea typeface="Tahoma" panose="020B0604030504040204" pitchFamily="34" charset="0"/>
+                <a:cs typeface="Times New Roman" panose="02020603050405020304" pitchFamily="18" charset="0"/>
+              </a:rPr>
+              <a:t>Mô</a:t>
+            </a:r>
+            <a:r>
+              <a:rPr lang="en-US" sz="2500" dirty="0">
+                <a:latin typeface="Times New Roman" panose="02020603050405020304" pitchFamily="18" charset="0"/>
+                <a:ea typeface="Tahoma" panose="020B0604030504040204" pitchFamily="34" charset="0"/>
+                <a:cs typeface="Times New Roman" panose="02020603050405020304" pitchFamily="18" charset="0"/>
+              </a:rPr>
+              <a:t> </a:t>
+            </a:r>
+            <a:r>
+              <a:rPr lang="en-US" sz="2500" dirty="0" err="1">
+                <a:latin typeface="Times New Roman" panose="02020603050405020304" pitchFamily="18" charset="0"/>
+                <a:ea typeface="Tahoma" panose="020B0604030504040204" pitchFamily="34" charset="0"/>
+                <a:cs typeface="Times New Roman" panose="02020603050405020304" pitchFamily="18" charset="0"/>
+              </a:rPr>
+              <a:t>hình</a:t>
+            </a:r>
+            <a:r>
+              <a:rPr lang="en-US" sz="2500" dirty="0">
+                <a:latin typeface="Times New Roman" panose="02020603050405020304" pitchFamily="18" charset="0"/>
+                <a:ea typeface="Tahoma" panose="020B0604030504040204" pitchFamily="34" charset="0"/>
+                <a:cs typeface="Times New Roman" panose="02020603050405020304" pitchFamily="18" charset="0"/>
+              </a:rPr>
+              <a:t> </a:t>
+            </a:r>
+            <a:r>
+              <a:rPr lang="en-US" sz="2500" dirty="0" err="1">
+                <a:latin typeface="Times New Roman" panose="02020603050405020304" pitchFamily="18" charset="0"/>
+                <a:ea typeface="Tahoma" panose="020B0604030504040204" pitchFamily="34" charset="0"/>
+                <a:cs typeface="Times New Roman" panose="02020603050405020304" pitchFamily="18" charset="0"/>
+              </a:rPr>
+              <a:t>xoắn</a:t>
+            </a:r>
+            <a:r>
+              <a:rPr lang="en-US" sz="2500" dirty="0">
+                <a:latin typeface="Times New Roman" panose="02020603050405020304" pitchFamily="18" charset="0"/>
+                <a:ea typeface="Tahoma" panose="020B0604030504040204" pitchFamily="34" charset="0"/>
+                <a:cs typeface="Times New Roman" panose="02020603050405020304" pitchFamily="18" charset="0"/>
+              </a:rPr>
+              <a:t> </a:t>
+            </a:r>
+            <a:r>
+              <a:rPr lang="en-US" sz="2500" dirty="0" err="1">
+                <a:latin typeface="Times New Roman" panose="02020603050405020304" pitchFamily="18" charset="0"/>
+                <a:ea typeface="Tahoma" panose="020B0604030504040204" pitchFamily="34" charset="0"/>
+                <a:cs typeface="Times New Roman" panose="02020603050405020304" pitchFamily="18" charset="0"/>
+              </a:rPr>
+              <a:t>ốc</a:t>
+            </a:r>
+            <a:r>
+              <a:rPr lang="en-US" sz="2500" dirty="0">
+                <a:latin typeface="Times New Roman" panose="02020603050405020304" pitchFamily="18" charset="0"/>
+                <a:ea typeface="Tahoma" panose="020B0604030504040204" pitchFamily="34" charset="0"/>
+                <a:cs typeface="Times New Roman" panose="02020603050405020304" pitchFamily="18" charset="0"/>
+              </a:rPr>
+              <a:t>.</a:t>
+            </a:r>
+          </a:p>
+          <a:p>
+            <a:r>
+              <a:rPr lang="en-US" sz="2500" dirty="0">
+                <a:latin typeface="Times New Roman" panose="02020603050405020304" pitchFamily="18" charset="0"/>
+                <a:ea typeface="Tahoma" panose="020B0604030504040204" pitchFamily="34" charset="0"/>
+                <a:cs typeface="Times New Roman" panose="02020603050405020304" pitchFamily="18" charset="0"/>
+              </a:rPr>
+              <a:t>	+ </a:t>
+            </a:r>
+            <a:r>
+              <a:rPr lang="vi-VN" sz="2500" dirty="0">
+                <a:latin typeface="Times New Roman" panose="02020603050405020304" pitchFamily="18" charset="0"/>
+                <a:ea typeface="Tahoma" panose="020B0604030504040204" pitchFamily="34" charset="0"/>
+                <a:cs typeface="Times New Roman" panose="02020603050405020304" pitchFamily="18" charset="0"/>
+              </a:rPr>
+              <a:t>Mô hình tăng trưởng</a:t>
+            </a:r>
+            <a:r>
+              <a:rPr lang="en-US" sz="2500" dirty="0">
+                <a:latin typeface="Times New Roman" panose="02020603050405020304" pitchFamily="18" charset="0"/>
+                <a:ea typeface="Tahoma" panose="020B0604030504040204" pitchFamily="34" charset="0"/>
+                <a:cs typeface="Times New Roman" panose="02020603050405020304" pitchFamily="18" charset="0"/>
+              </a:rPr>
+              <a:t>.</a:t>
+            </a:r>
+          </a:p>
+          <a:p>
+            <a:r>
+              <a:rPr lang="en-US" sz="2500" dirty="0">
+                <a:latin typeface="Times New Roman" panose="02020603050405020304" pitchFamily="18" charset="0"/>
+                <a:ea typeface="Tahoma" panose="020B0604030504040204" pitchFamily="34" charset="0"/>
+                <a:cs typeface="Times New Roman" panose="02020603050405020304" pitchFamily="18" charset="0"/>
+              </a:rPr>
+              <a:t>- </a:t>
+            </a:r>
+            <a:r>
+              <a:rPr lang="en-US" sz="2500" dirty="0" err="1">
+                <a:latin typeface="Times New Roman" panose="02020603050405020304" pitchFamily="18" charset="0"/>
+                <a:ea typeface="Tahoma" panose="020B0604030504040204" pitchFamily="34" charset="0"/>
+                <a:cs typeface="Times New Roman" panose="02020603050405020304" pitchFamily="18" charset="0"/>
+              </a:rPr>
+              <a:t>Mô</a:t>
+            </a:r>
+            <a:r>
+              <a:rPr lang="en-US" sz="2500" dirty="0">
+                <a:latin typeface="Times New Roman" panose="02020603050405020304" pitchFamily="18" charset="0"/>
+                <a:ea typeface="Tahoma" panose="020B0604030504040204" pitchFamily="34" charset="0"/>
+                <a:cs typeface="Times New Roman" panose="02020603050405020304" pitchFamily="18" charset="0"/>
+              </a:rPr>
+              <a:t> </a:t>
+            </a:r>
+            <a:r>
+              <a:rPr lang="en-US" sz="2500" dirty="0" err="1">
+                <a:latin typeface="Times New Roman" panose="02020603050405020304" pitchFamily="18" charset="0"/>
+                <a:ea typeface="Tahoma" panose="020B0604030504040204" pitchFamily="34" charset="0"/>
+                <a:cs typeface="Times New Roman" panose="02020603050405020304" pitchFamily="18" charset="0"/>
+              </a:rPr>
+              <a:t>hình</a:t>
+            </a:r>
+            <a:r>
+              <a:rPr lang="en-US" sz="2500" dirty="0">
+                <a:latin typeface="Times New Roman" panose="02020603050405020304" pitchFamily="18" charset="0"/>
+                <a:ea typeface="Tahoma" panose="020B0604030504040204" pitchFamily="34" charset="0"/>
+                <a:cs typeface="Times New Roman" panose="02020603050405020304" pitchFamily="18" charset="0"/>
+              </a:rPr>
+              <a:t> </a:t>
+            </a:r>
+            <a:r>
+              <a:rPr lang="en-US" sz="2500" dirty="0" err="1">
+                <a:latin typeface="Times New Roman" panose="02020603050405020304" pitchFamily="18" charset="0"/>
+                <a:ea typeface="Tahoma" panose="020B0604030504040204" pitchFamily="34" charset="0"/>
+                <a:cs typeface="Times New Roman" panose="02020603050405020304" pitchFamily="18" charset="0"/>
+              </a:rPr>
+              <a:t>lập</a:t>
+            </a:r>
+            <a:r>
+              <a:rPr lang="en-US" sz="2500" dirty="0">
+                <a:latin typeface="Times New Roman" panose="02020603050405020304" pitchFamily="18" charset="0"/>
+                <a:ea typeface="Tahoma" panose="020B0604030504040204" pitchFamily="34" charset="0"/>
+                <a:cs typeface="Times New Roman" panose="02020603050405020304" pitchFamily="18" charset="0"/>
+              </a:rPr>
+              <a:t> </a:t>
+            </a:r>
+            <a:r>
+              <a:rPr lang="en-US" sz="2500" dirty="0" err="1">
+                <a:latin typeface="Times New Roman" panose="02020603050405020304" pitchFamily="18" charset="0"/>
+                <a:ea typeface="Tahoma" panose="020B0604030504040204" pitchFamily="34" charset="0"/>
+                <a:cs typeface="Times New Roman" panose="02020603050405020304" pitchFamily="18" charset="0"/>
+              </a:rPr>
+              <a:t>trình</a:t>
+            </a:r>
+            <a:r>
+              <a:rPr lang="en-US" sz="2500" dirty="0">
+                <a:latin typeface="Times New Roman" panose="02020603050405020304" pitchFamily="18" charset="0"/>
+                <a:ea typeface="Tahoma" panose="020B0604030504040204" pitchFamily="34" charset="0"/>
+                <a:cs typeface="Times New Roman" panose="02020603050405020304" pitchFamily="18" charset="0"/>
+              </a:rPr>
+              <a:t> </a:t>
+            </a:r>
+            <a:r>
+              <a:rPr lang="en-US" sz="2500" dirty="0" err="1">
+                <a:latin typeface="Times New Roman" panose="02020603050405020304" pitchFamily="18" charset="0"/>
+                <a:ea typeface="Tahoma" panose="020B0604030504040204" pitchFamily="34" charset="0"/>
+                <a:cs typeface="Times New Roman" panose="02020603050405020304" pitchFamily="18" charset="0"/>
+              </a:rPr>
+              <a:t>cực</a:t>
+            </a:r>
+            <a:r>
+              <a:rPr lang="en-US" sz="2500" dirty="0">
+                <a:latin typeface="Times New Roman" panose="02020603050405020304" pitchFamily="18" charset="0"/>
+                <a:ea typeface="Tahoma" panose="020B0604030504040204" pitchFamily="34" charset="0"/>
+                <a:cs typeface="Times New Roman" panose="02020603050405020304" pitchFamily="18" charset="0"/>
+              </a:rPr>
+              <a:t> </a:t>
+            </a:r>
+            <a:r>
+              <a:rPr lang="en-US" sz="2500" dirty="0" err="1">
+                <a:latin typeface="Times New Roman" panose="02020603050405020304" pitchFamily="18" charset="0"/>
+                <a:ea typeface="Tahoma" panose="020B0604030504040204" pitchFamily="34" charset="0"/>
+                <a:cs typeface="Times New Roman" panose="02020603050405020304" pitchFamily="18" charset="0"/>
+              </a:rPr>
+              <a:t>đoan</a:t>
+            </a:r>
+            <a:r>
+              <a:rPr lang="en-US" sz="2500" dirty="0">
+                <a:latin typeface="Times New Roman" panose="02020603050405020304" pitchFamily="18" charset="0"/>
+                <a:ea typeface="Tahoma" panose="020B0604030504040204" pitchFamily="34" charset="0"/>
+                <a:cs typeface="Times New Roman" panose="02020603050405020304" pitchFamily="18" charset="0"/>
+              </a:rPr>
+              <a:t> XP/Agile.</a:t>
+            </a:r>
+          </a:p>
+        </p:txBody>
+      </p:sp>
+    </p:spTree>
+    <p:extLst>
+      <p:ext uri="{BB962C8B-B14F-4D97-AF65-F5344CB8AC3E}">
+        <p14:creationId xmlns:p14="http://schemas.microsoft.com/office/powerpoint/2010/main" val="3502124961"/>
+      </p:ext>
+    </p:extLst>
+  </p:cSld>
+  <p:clrMapOvr>
+    <a:masterClrMapping/>
+  </p:clrMapOvr>
+  <p:timing>
+    <p:tnLst>
+      <p:par>
+        <p:cTn id="1" dur="indefinite" restart="never" nodeType="tmRoot">
+          <p:childTnLst>
+            <p:seq concurrent="1" nextAc="seek">
+              <p:cTn id="2" dur="indefinite" nodeType="mainSeq">
+                <p:childTnLst>
+                  <p:par>
+                    <p:cTn id="3" fill="hold">
+                      <p:stCondLst>
+                        <p:cond delay="indefinite"/>
+                      </p:stCondLst>
+                      <p:childTnLst>
+                        <p:par>
+                          <p:cTn id="4" fill="hold">
+                            <p:stCondLst>
+                              <p:cond delay="0"/>
+                            </p:stCondLst>
+                            <p:childTnLst>
+                              <p:par>
+                                <p:cTn id="5" presetID="8" presetClass="entr" presetSubtype="16" fill="hold" grpId="0" nodeType="clickEffect">
+                                  <p:stCondLst>
+                                    <p:cond delay="0"/>
+                                  </p:stCondLst>
+                                  <p:childTnLst>
+                                    <p:set>
+                                      <p:cBhvr>
+                                        <p:cTn id="6" dur="1" fill="hold">
+                                          <p:stCondLst>
+                                            <p:cond delay="0"/>
+                                          </p:stCondLst>
+                                        </p:cTn>
+                                        <p:tgtEl>
+                                          <p:spTgt spid="5"/>
+                                        </p:tgtEl>
+                                        <p:attrNameLst>
+                                          <p:attrName>style.visibility</p:attrName>
+                                        </p:attrNameLst>
+                                      </p:cBhvr>
+                                      <p:to>
+                                        <p:strVal val="visible"/>
+                                      </p:to>
+                                    </p:set>
+                                    <p:animEffect transition="in" filter="diamond(in)">
+                                      <p:cBhvr>
+                                        <p:cTn id="7" dur="2000"/>
+                                        <p:tgtEl>
+                                          <p:spTgt spid="5"/>
+                                        </p:tgtEl>
+                                      </p:cBhvr>
+                                    </p:animEffect>
+                                  </p:childTnLst>
+                                </p:cTn>
+                              </p:par>
+                            </p:childTnLst>
+                          </p:cTn>
+                        </p:par>
+                      </p:childTnLst>
+                    </p:cTn>
+                  </p:par>
+                  <p:par>
+                    <p:cTn id="8" fill="hold">
+                      <p:stCondLst>
+                        <p:cond delay="indefinite"/>
+                      </p:stCondLst>
+                      <p:childTnLst>
+                        <p:par>
+                          <p:cTn id="9" fill="hold">
+                            <p:stCondLst>
+                              <p:cond delay="0"/>
+                            </p:stCondLst>
+                            <p:childTnLst>
+                              <p:par>
+                                <p:cTn id="10" presetID="23" presetClass="entr" presetSubtype="16" fill="hold" grpId="0" nodeType="clickEffect">
+                                  <p:stCondLst>
+                                    <p:cond delay="0"/>
+                                  </p:stCondLst>
+                                  <p:childTnLst>
+                                    <p:set>
+                                      <p:cBhvr>
+                                        <p:cTn id="11" dur="1" fill="hold">
+                                          <p:stCondLst>
+                                            <p:cond delay="0"/>
+                                          </p:stCondLst>
+                                        </p:cTn>
+                                        <p:tgtEl>
+                                          <p:spTgt spid="6"/>
+                                        </p:tgtEl>
+                                        <p:attrNameLst>
+                                          <p:attrName>style.visibility</p:attrName>
+                                        </p:attrNameLst>
+                                      </p:cBhvr>
+                                      <p:to>
+                                        <p:strVal val="visible"/>
+                                      </p:to>
+                                    </p:set>
+                                    <p:anim calcmode="lin" valueType="num">
+                                      <p:cBhvr>
+                                        <p:cTn id="12" dur="500" fill="hold"/>
+                                        <p:tgtEl>
+                                          <p:spTgt spid="6"/>
+                                        </p:tgtEl>
+                                        <p:attrNameLst>
+                                          <p:attrName>ppt_w</p:attrName>
+                                        </p:attrNameLst>
+                                      </p:cBhvr>
+                                      <p:tavLst>
+                                        <p:tav tm="0">
+                                          <p:val>
+                                            <p:fltVal val="0"/>
+                                          </p:val>
+                                        </p:tav>
+                                        <p:tav tm="100000">
+                                          <p:val>
+                                            <p:strVal val="#ppt_w"/>
+                                          </p:val>
+                                        </p:tav>
+                                      </p:tavLst>
+                                    </p:anim>
+                                    <p:anim calcmode="lin" valueType="num">
+                                      <p:cBhvr>
+                                        <p:cTn id="13" dur="500" fill="hold"/>
+                                        <p:tgtEl>
+                                          <p:spTgt spid="6"/>
+                                        </p:tgtEl>
+                                        <p:attrNameLst>
+                                          <p:attrName>ppt_h</p:attrName>
+                                        </p:attrNameLst>
+                                      </p:cBhvr>
+                                      <p:tavLst>
+                                        <p:tav tm="0">
+                                          <p:val>
+                                            <p:fltVal val="0"/>
+                                          </p:val>
+                                        </p:tav>
+                                        <p:tav tm="100000">
+                                          <p:val>
+                                            <p:strVal val="#ppt_h"/>
+                                          </p:val>
+                                        </p:tav>
+                                      </p:tavLst>
+                                    </p:anim>
+                                  </p:childTnLst>
+                                </p:cTn>
+                              </p:par>
+                            </p:childTnLst>
+                          </p:cTn>
+                        </p:par>
+                      </p:childTnLst>
+                    </p:cTn>
+                  </p:par>
+                </p:childTnLst>
+              </p:cTn>
+              <p:prevCondLst>
+                <p:cond evt="onPrev" delay="0">
+                  <p:tgtEl>
+                    <p:sldTgt/>
+                  </p:tgtEl>
+                </p:cond>
+              </p:prevCondLst>
+              <p:nextCondLst>
+                <p:cond evt="onNext" delay="0">
+                  <p:tgtEl>
+                    <p:sldTgt/>
+                  </p:tgtEl>
+                </p:cond>
+              </p:nextCondLst>
+            </p:seq>
+          </p:childTnLst>
+        </p:cTn>
+      </p:par>
+    </p:tnLst>
+    <p:bldLst>
+      <p:bldP spid="5" grpId="0"/>
+      <p:bldP spid="6" grpId="0"/>
+    </p:bldLst>
+  </p:timing>
+</p:sld>
+</file>
+
+<file path=ppt/slides/slide5.xml><?xml version="1.0" encoding="utf-8"?>
 <p:sld xmlns:a="http://schemas.openxmlformats.org/drawingml/2006/main" xmlns:r="http://schemas.openxmlformats.org/officeDocument/2006/relationships" xmlns:p="http://schemas.openxmlformats.org/presentationml/2006/main">
   <p:cSld>
     <p:spTree>
@@ -14121,14 +16062,6 @@
               </a:rPr>
               <a:t> NIỆM:</a:t>
             </a:r>
-            <a:endParaRPr lang="en-US" sz="3500" b="1" dirty="0">
-              <a:solidFill>
-                <a:srgbClr val="0000FF"/>
-              </a:solidFill>
-              <a:latin typeface="Times New Roman" panose="02020603050405020304" pitchFamily="18" charset="0"/>
-              <a:ea typeface="Tahoma" panose="020B0604030504040204" pitchFamily="34" charset="0"/>
-              <a:cs typeface="Tahoma" panose="020B0604030504040204" pitchFamily="34" charset="0"/>
-            </a:endParaRPr>
           </a:p>
           <a:p>
             <a:pPr marL="0" indent="0">
@@ -14270,11 +16203,6 @@
               </a:rPr>
               <a:t>.</a:t>
             </a:r>
-            <a:endParaRPr lang="en-US" sz="2500" cap="none" dirty="0">
-              <a:latin typeface="Times New Roman" panose="02020603050405020304" pitchFamily="18" charset="0"/>
-              <a:ea typeface="Tahoma" panose="020B0604030504040204" pitchFamily="34" charset="0"/>
-              <a:cs typeface="Tahoma" panose="020B0604030504040204" pitchFamily="34" charset="0"/>
-            </a:endParaRPr>
           </a:p>
           <a:p>
             <a:pPr marL="0" indent="0">
@@ -14300,7 +16228,7 @@
           <p:nvPr/>
         </p:nvPicPr>
         <p:blipFill>
-          <a:blip r:embed="rId1">
+          <a:blip r:embed="rId2">
             <a:extLst>
               <a:ext uri="{28A0092B-C50C-407E-A947-70E740481C1C}">
                 <a14:useLocalDpi xmlns:a14="http://schemas.microsoft.com/office/drawing/2010/main" val="0"/>
@@ -14343,6 +16271,7 @@
           <a:p>
             <a:fld id="{6BB9AED3-D2BB-49A3-B8E7-A4A64ED2F011}" type="slidenum">
               <a:rPr lang="en-US" smtClean="0"/>
+              <a:t>5</a:t>
             </a:fld>
             <a:endParaRPr lang="en-US"/>
           </a:p>
@@ -14353,13 +16282,13 @@
   <p:clrMapOvr>
     <a:masterClrMapping/>
   </p:clrMapOvr>
-  <mc:AlternateContent xmlns:mc="http://schemas.openxmlformats.org/markup-compatibility/2006">
-    <mc:Choice xmlns:p15="http://schemas.microsoft.com/office/powerpoint/2012/main" Requires="p15">
-      <p:transition xmlns:p14="http://schemas.microsoft.com/office/powerpoint/2010/main" spd="slow" Requires="p14" p14:dur="2000">
+  <mc:AlternateContent xmlns:mc="http://schemas.openxmlformats.org/markup-compatibility/2006" xmlns:p15="http://schemas.microsoft.com/office/powerpoint/2012/main">
+    <mc:Choice Requires="p15">
+      <p:transition xmlns:p14="http://schemas.microsoft.com/office/powerpoint/2010/main" spd="slow" p14:dur="2000">
         <p15:prstTrans prst="prestige"/>
       </p:transition>
     </mc:Choice>
-    <mc:Fallback>
+    <mc:Fallback xmlns="">
       <p:transition spd="slow">
         <p:fade/>
       </p:transition>
@@ -14660,7 +16589,7 @@
 </p:sld>
 </file>
 
-<file path=ppt/slides/slide5.xml><?xml version="1.0" encoding="utf-8"?>
+<file path=ppt/slides/slide6.xml><?xml version="1.0" encoding="utf-8"?>
 <p:sld xmlns:a="http://schemas.openxmlformats.org/drawingml/2006/main" xmlns:r="http://schemas.openxmlformats.org/officeDocument/2006/relationships" xmlns:p="http://schemas.openxmlformats.org/presentationml/2006/main">
   <p:cSld>
     <p:spTree>
@@ -14710,6 +16639,8 @@
               </a:rPr>
               <a:t>III) CÁC PHA THỰC HIỆN:</a:t>
             </a:r>
+          </a:p>
+          <a:p>
             <a:endParaRPr lang="en-US" sz="3500" b="1" dirty="0">
               <a:solidFill>
                 <a:srgbClr val="0000FF"/>
@@ -14720,16 +16651,6 @@
             </a:endParaRPr>
           </a:p>
           <a:p>
-            <a:endParaRPr lang="en-US" sz="3500" b="1" dirty="0">
-              <a:solidFill>
-                <a:srgbClr val="0000FF"/>
-              </a:solidFill>
-              <a:latin typeface="Times New Roman" panose="02020603050405020304" pitchFamily="18" charset="0"/>
-              <a:ea typeface="Tahoma" panose="020B0604030504040204" pitchFamily="34" charset="0"/>
-              <a:cs typeface="Tahoma" panose="020B0604030504040204" pitchFamily="34" charset="0"/>
-            </a:endParaRPr>
-          </a:p>
-          <a:p>
             <a:pPr marL="342900" indent="-342900">
               <a:buAutoNum type="arabicParenR"/>
             </a:pPr>
@@ -14777,14 +16698,6 @@
               </a:rPr>
               <a:t>:</a:t>
             </a:r>
-            <a:endParaRPr lang="en-US" sz="3000" b="1" dirty="0">
-              <a:solidFill>
-                <a:schemeClr val="accent1"/>
-              </a:solidFill>
-              <a:latin typeface="Times New Roman" panose="02020603050405020304" pitchFamily="18" charset="0"/>
-              <a:ea typeface="Tahoma" panose="020B0604030504040204" pitchFamily="34" charset="0"/>
-              <a:cs typeface="Tahoma" panose="020B0604030504040204" pitchFamily="34" charset="0"/>
-            </a:endParaRPr>
           </a:p>
           <a:p>
             <a:pPr marL="285750" indent="-285750">
@@ -14967,11 +16880,6 @@
               </a:rPr>
               <a:t>.</a:t>
             </a:r>
-            <a:endParaRPr lang="en-US" dirty="0">
-              <a:latin typeface="Times New Roman" panose="02020603050405020304" pitchFamily="18" charset="0"/>
-              <a:ea typeface="Tahoma" panose="020B0604030504040204" pitchFamily="34" charset="0"/>
-              <a:cs typeface="Tahoma" panose="020B0604030504040204" pitchFamily="34" charset="0"/>
-            </a:endParaRPr>
           </a:p>
           <a:p>
             <a:pPr marL="285750" indent="-285750">
@@ -14993,7 +16901,7 @@
           <p:nvPr/>
         </p:nvPicPr>
         <p:blipFill>
-          <a:blip r:embed="rId1">
+          <a:blip r:embed="rId2">
             <a:extLst>
               <a:ext uri="{28A0092B-C50C-407E-A947-70E740481C1C}">
                 <a14:useLocalDpi xmlns:a14="http://schemas.microsoft.com/office/drawing/2010/main" val="0"/>
@@ -15091,14 +16999,6 @@
               </a:rPr>
               <a:t>:</a:t>
             </a:r>
-            <a:endParaRPr lang="en-US" sz="3000" b="1" dirty="0">
-              <a:solidFill>
-                <a:schemeClr val="accent1"/>
-              </a:solidFill>
-              <a:latin typeface="Times New Roman" panose="02020603050405020304" pitchFamily="18" charset="0"/>
-              <a:ea typeface="Tahoma" panose="020B0604030504040204" pitchFamily="34" charset="0"/>
-              <a:cs typeface="Tahoma" panose="020B0604030504040204" pitchFamily="34" charset="0"/>
-            </a:endParaRPr>
           </a:p>
           <a:p>
             <a:pPr marL="285750" indent="-285750">
@@ -15281,11 +17181,6 @@
               </a:rPr>
               <a:t>.</a:t>
             </a:r>
-            <a:endParaRPr lang="en-US" sz="2500" dirty="0">
-              <a:latin typeface="Times New Roman" panose="02020603050405020304" pitchFamily="18" charset="0"/>
-              <a:ea typeface="Tahoma" panose="020B0604030504040204" pitchFamily="34" charset="0"/>
-              <a:cs typeface="Tahoma" panose="020B0604030504040204" pitchFamily="34" charset="0"/>
-            </a:endParaRPr>
           </a:p>
           <a:p>
             <a:endParaRPr lang="en-US" dirty="0">
@@ -15303,7 +17198,7 @@
           <p:nvPr/>
         </p:nvPicPr>
         <p:blipFill>
-          <a:blip r:embed="rId2">
+          <a:blip r:embed="rId3">
             <a:extLst>
               <a:ext uri="{28A0092B-C50C-407E-A947-70E740481C1C}">
                 <a14:useLocalDpi xmlns:a14="http://schemas.microsoft.com/office/drawing/2010/main" val="0"/>
@@ -15341,6 +17236,7 @@
           <a:p>
             <a:fld id="{6BB9AED3-D2BB-49A3-B8E7-A4A64ED2F011}" type="slidenum">
               <a:rPr lang="en-US" smtClean="0"/>
+              <a:t>6</a:t>
             </a:fld>
             <a:endParaRPr lang="en-US"/>
           </a:p>
@@ -15351,13 +17247,13 @@
   <p:clrMapOvr>
     <a:masterClrMapping/>
   </p:clrMapOvr>
-  <mc:AlternateContent xmlns:mc="http://schemas.openxmlformats.org/markup-compatibility/2006">
-    <mc:Choice xmlns:p15="http://schemas.microsoft.com/office/powerpoint/2012/main" Requires="p15">
-      <p:transition xmlns:p14="http://schemas.microsoft.com/office/powerpoint/2010/main" spd="slow" Requires="p14" p14:dur="2000">
+  <mc:AlternateContent xmlns:mc="http://schemas.openxmlformats.org/markup-compatibility/2006" xmlns:p15="http://schemas.microsoft.com/office/powerpoint/2012/main">
+    <mc:Choice Requires="p15">
+      <p:transition xmlns:p14="http://schemas.microsoft.com/office/powerpoint/2010/main" spd="slow" p14:dur="2000">
         <p15:prstTrans prst="prestige"/>
       </p:transition>
     </mc:Choice>
-    <mc:Fallback>
+    <mc:Fallback xmlns="">
       <p:transition spd="slow">
         <p:fade/>
       </p:transition>
@@ -15742,7 +17638,7 @@
 </p:sld>
 </file>
 
-<file path=ppt/slides/slide6.xml><?xml version="1.0" encoding="utf-8"?>
+<file path=ppt/slides/slide7.xml><?xml version="1.0" encoding="utf-8"?>
 <p:sld xmlns:a="http://schemas.openxmlformats.org/drawingml/2006/main" xmlns:r="http://schemas.openxmlformats.org/officeDocument/2006/relationships" xmlns:p="http://schemas.openxmlformats.org/presentationml/2006/main">
   <p:cSld>
     <p:spTree>
@@ -15836,14 +17732,6 @@
               </a:rPr>
               <a:t>:</a:t>
             </a:r>
-            <a:endParaRPr lang="en-US" sz="3000" b="1" dirty="0">
-              <a:solidFill>
-                <a:schemeClr val="accent1"/>
-              </a:solidFill>
-              <a:latin typeface="Times New Roman" panose="02020603050405020304" pitchFamily="18" charset="0"/>
-              <a:ea typeface="Tahoma" panose="020B0604030504040204" pitchFamily="34" charset="0"/>
-              <a:cs typeface="Tahoma" panose="020B0604030504040204" pitchFamily="34" charset="0"/>
-            </a:endParaRPr>
           </a:p>
           <a:p>
             <a:pPr marL="285750" indent="-285750">
@@ -15866,11 +17754,6 @@
               </a:rPr>
               <a:t>h.</a:t>
             </a:r>
-            <a:endParaRPr lang="en-US" sz="2500" dirty="0">
-              <a:latin typeface="Times New Roman" panose="02020603050405020304" pitchFamily="18" charset="0"/>
-              <a:ea typeface="Tahoma" panose="020B0604030504040204" pitchFamily="34" charset="0"/>
-              <a:cs typeface="Tahoma" panose="020B0604030504040204" pitchFamily="34" charset="0"/>
-            </a:endParaRPr>
           </a:p>
           <a:p>
             <a:pPr marL="285750" indent="-285750">
@@ -15973,11 +17856,6 @@
               </a:rPr>
               <a:t>.</a:t>
             </a:r>
-            <a:endParaRPr lang="en-US" sz="2500" dirty="0">
-              <a:latin typeface="Times New Roman" panose="02020603050405020304" pitchFamily="18" charset="0"/>
-              <a:ea typeface="Tahoma" panose="020B0604030504040204" pitchFamily="34" charset="0"/>
-              <a:cs typeface="Tahoma" panose="020B0604030504040204" pitchFamily="34" charset="0"/>
-            </a:endParaRPr>
           </a:p>
           <a:p>
             <a:pPr marL="285750" indent="-285750">
@@ -16032,11 +17910,6 @@
               </a:rPr>
               <a:t>).</a:t>
             </a:r>
-            <a:endParaRPr lang="en-US" sz="2500" dirty="0">
-              <a:latin typeface="Times New Roman" panose="02020603050405020304" pitchFamily="18" charset="0"/>
-              <a:ea typeface="Tahoma" panose="020B0604030504040204" pitchFamily="34" charset="0"/>
-              <a:cs typeface="Tahoma" panose="020B0604030504040204" pitchFamily="34" charset="0"/>
-            </a:endParaRPr>
           </a:p>
         </p:txBody>
       </p:sp>
@@ -16049,7 +17922,7 @@
           <p:nvPr/>
         </p:nvPicPr>
         <p:blipFill>
-          <a:blip r:embed="rId1">
+          <a:blip r:embed="rId2">
             <a:extLst>
               <a:ext uri="{28A0092B-C50C-407E-A947-70E740481C1C}">
                 <a14:useLocalDpi xmlns:a14="http://schemas.microsoft.com/office/drawing/2010/main" val="0"/>
@@ -16147,14 +18020,6 @@
               </a:rPr>
               <a:t>:</a:t>
             </a:r>
-            <a:endParaRPr lang="en-US" sz="3000" b="1" dirty="0">
-              <a:solidFill>
-                <a:schemeClr val="accent1"/>
-              </a:solidFill>
-              <a:latin typeface="Times New Roman" panose="02020603050405020304" pitchFamily="18" charset="0"/>
-              <a:ea typeface="Tahoma" panose="020B0604030504040204" pitchFamily="34" charset="0"/>
-              <a:cs typeface="Tahoma" panose="020B0604030504040204" pitchFamily="34" charset="0"/>
-            </a:endParaRPr>
           </a:p>
           <a:p>
             <a:pPr marL="285750" indent="-285750">
@@ -16273,11 +18138,6 @@
               </a:rPr>
               <a:t>.</a:t>
             </a:r>
-            <a:endParaRPr lang="en-US" sz="2500" dirty="0">
-              <a:latin typeface="Times New Roman" panose="02020603050405020304" pitchFamily="18" charset="0"/>
-              <a:ea typeface="Tahoma" panose="020B0604030504040204" pitchFamily="34" charset="0"/>
-              <a:cs typeface="Tahoma" panose="020B0604030504040204" pitchFamily="34" charset="0"/>
-            </a:endParaRPr>
           </a:p>
           <a:p>
             <a:pPr marL="285750" indent="-285750">
@@ -16444,11 +18304,6 @@
               </a:rPr>
               <a:t>.</a:t>
             </a:r>
-            <a:endParaRPr lang="en-US" sz="2500" dirty="0">
-              <a:latin typeface="Times New Roman" panose="02020603050405020304" pitchFamily="18" charset="0"/>
-              <a:ea typeface="Tahoma" panose="020B0604030504040204" pitchFamily="34" charset="0"/>
-              <a:cs typeface="Tahoma" panose="020B0604030504040204" pitchFamily="34" charset="0"/>
-            </a:endParaRPr>
           </a:p>
         </p:txBody>
       </p:sp>
@@ -16461,7 +18316,7 @@
           <p:nvPr/>
         </p:nvPicPr>
         <p:blipFill>
-          <a:blip r:embed="rId2">
+          <a:blip r:embed="rId3">
             <a:extLst>
               <a:ext uri="{28A0092B-C50C-407E-A947-70E740481C1C}">
                 <a14:useLocalDpi xmlns:a14="http://schemas.microsoft.com/office/drawing/2010/main" val="0"/>
@@ -16499,6 +18354,7 @@
           <a:p>
             <a:fld id="{6BB9AED3-D2BB-49A3-B8E7-A4A64ED2F011}" type="slidenum">
               <a:rPr lang="en-US" smtClean="0"/>
+              <a:t>7</a:t>
             </a:fld>
             <a:endParaRPr lang="en-US"/>
           </a:p>
@@ -16509,13 +18365,13 @@
   <p:clrMapOvr>
     <a:masterClrMapping/>
   </p:clrMapOvr>
-  <mc:AlternateContent xmlns:mc="http://schemas.openxmlformats.org/markup-compatibility/2006">
-    <mc:Choice xmlns:p15="http://schemas.microsoft.com/office/powerpoint/2012/main" Requires="p15">
-      <p:transition xmlns:p14="http://schemas.microsoft.com/office/powerpoint/2010/main" spd="slow" Requires="p14" p14:dur="2000">
+  <mc:AlternateContent xmlns:mc="http://schemas.openxmlformats.org/markup-compatibility/2006" xmlns:p15="http://schemas.microsoft.com/office/powerpoint/2012/main">
+    <mc:Choice Requires="p15">
+      <p:transition xmlns:p14="http://schemas.microsoft.com/office/powerpoint/2010/main" spd="slow" p14:dur="2000">
         <p15:prstTrans prst="prestige"/>
       </p:transition>
     </mc:Choice>
-    <mc:Fallback>
+    <mc:Fallback xmlns="">
       <p:transition spd="slow">
         <p:fade/>
       </p:transition>
@@ -17202,7 +19058,7 @@
 </p:sld>
 </file>
 
-<file path=ppt/slides/slide7.xml><?xml version="1.0" encoding="utf-8"?>
+<file path=ppt/slides/slide8.xml><?xml version="1.0" encoding="utf-8"?>
 <p:sld xmlns:a="http://schemas.openxmlformats.org/drawingml/2006/main" xmlns:r="http://schemas.openxmlformats.org/officeDocument/2006/relationships" xmlns:p="http://schemas.openxmlformats.org/presentationml/2006/main">
   <p:cSld>
     <p:spTree>
@@ -17296,14 +19152,6 @@
               </a:rPr>
               <a:t>:</a:t>
             </a:r>
-            <a:endParaRPr lang="en-US" sz="3000" b="1" dirty="0">
-              <a:solidFill>
-                <a:schemeClr val="accent1"/>
-              </a:solidFill>
-              <a:latin typeface="Times New Roman" panose="02020603050405020304" pitchFamily="18" charset="0"/>
-              <a:ea typeface="Tahoma" panose="020B0604030504040204" pitchFamily="34" charset="0"/>
-              <a:cs typeface="Tahoma" panose="020B0604030504040204" pitchFamily="34" charset="0"/>
-            </a:endParaRPr>
           </a:p>
           <a:p>
             <a:pPr marL="285750" indent="-285750">
@@ -17334,11 +19182,6 @@
               </a:rPr>
               <a:t>.</a:t>
             </a:r>
-            <a:endParaRPr lang="en-US" sz="2500" dirty="0">
-              <a:latin typeface="Times New Roman" panose="02020603050405020304" pitchFamily="18" charset="0"/>
-              <a:ea typeface="Tahoma" panose="020B0604030504040204" pitchFamily="34" charset="0"/>
-              <a:cs typeface="Tahoma" panose="020B0604030504040204" pitchFamily="34" charset="0"/>
-            </a:endParaRPr>
           </a:p>
           <a:p>
             <a:pPr marL="285750" indent="-285750">
@@ -17409,11 +19252,6 @@
               </a:rPr>
               <a:t>.</a:t>
             </a:r>
-            <a:endParaRPr lang="en-US" sz="2500" dirty="0">
-              <a:latin typeface="Times New Roman" panose="02020603050405020304" pitchFamily="18" charset="0"/>
-              <a:ea typeface="Tahoma" panose="020B0604030504040204" pitchFamily="34" charset="0"/>
-              <a:cs typeface="Tahoma" panose="020B0604030504040204" pitchFamily="34" charset="0"/>
-            </a:endParaRPr>
           </a:p>
           <a:p>
             <a:pPr marL="285750" indent="-285750">
@@ -17436,11 +19274,6 @@
               </a:rPr>
               <a:t>.</a:t>
             </a:r>
-            <a:endParaRPr lang="en-US" sz="2500" dirty="0">
-              <a:latin typeface="Times New Roman" panose="02020603050405020304" pitchFamily="18" charset="0"/>
-              <a:ea typeface="Tahoma" panose="020B0604030504040204" pitchFamily="34" charset="0"/>
-              <a:cs typeface="Tahoma" panose="020B0604030504040204" pitchFamily="34" charset="0"/>
-            </a:endParaRPr>
           </a:p>
           <a:p>
             <a:pPr marL="285750" indent="-285750">
@@ -17591,11 +19424,6 @@
               </a:rPr>
               <a:t>.</a:t>
             </a:r>
-            <a:endParaRPr lang="en-US" sz="2500" dirty="0">
-              <a:latin typeface="Times New Roman" panose="02020603050405020304" pitchFamily="18" charset="0"/>
-              <a:ea typeface="Tahoma" panose="020B0604030504040204" pitchFamily="34" charset="0"/>
-              <a:cs typeface="Tahoma" panose="020B0604030504040204" pitchFamily="34" charset="0"/>
-            </a:endParaRPr>
           </a:p>
         </p:txBody>
       </p:sp>
@@ -17608,7 +19436,7 @@
           <p:nvPr/>
         </p:nvPicPr>
         <p:blipFill>
-          <a:blip r:embed="rId1">
+          <a:blip r:embed="rId2">
             <a:extLst>
               <a:ext uri="{28A0092B-C50C-407E-A947-70E740481C1C}">
                 <a14:useLocalDpi xmlns:a14="http://schemas.microsoft.com/office/drawing/2010/main" val="0"/>
@@ -17646,6 +19474,7 @@
           <a:p>
             <a:fld id="{6BB9AED3-D2BB-49A3-B8E7-A4A64ED2F011}" type="slidenum">
               <a:rPr lang="en-US" smtClean="0"/>
+              <a:t>8</a:t>
             </a:fld>
             <a:endParaRPr lang="en-US"/>
           </a:p>
@@ -17656,13 +19485,13 @@
   <p:clrMapOvr>
     <a:masterClrMapping/>
   </p:clrMapOvr>
-  <mc:AlternateContent xmlns:mc="http://schemas.openxmlformats.org/markup-compatibility/2006">
-    <mc:Choice xmlns:p15="http://schemas.microsoft.com/office/powerpoint/2012/main" Requires="p15">
-      <p:transition xmlns:p14="http://schemas.microsoft.com/office/powerpoint/2010/main" spd="slow" Requires="p14" p14:dur="2000">
+  <mc:AlternateContent xmlns:mc="http://schemas.openxmlformats.org/markup-compatibility/2006" xmlns:p15="http://schemas.microsoft.com/office/powerpoint/2012/main">
+    <mc:Choice Requires="p15">
+      <p:transition xmlns:p14="http://schemas.microsoft.com/office/powerpoint/2010/main" spd="slow" p14:dur="2000">
         <p15:prstTrans prst="prestige"/>
       </p:transition>
     </mc:Choice>
-    <mc:Fallback>
+    <mc:Fallback xmlns="">
       <p:transition spd="slow">
         <p:fade/>
       </p:transition>
@@ -17810,7 +19639,7 @@
 </p:sld>
 </file>
 
-<file path=ppt/slides/slide8.xml><?xml version="1.0" encoding="utf-8"?>
+<file path=ppt/slides/slide9.xml><?xml version="1.0" encoding="utf-8"?>
 <p:sld xmlns:a="http://schemas.openxmlformats.org/drawingml/2006/main" xmlns:r="http://schemas.openxmlformats.org/officeDocument/2006/relationships" xmlns:p="http://schemas.openxmlformats.org/presentationml/2006/main">
   <p:cSld>
     <p:spTree>
@@ -18088,11 +19917,6 @@
               </a:rPr>
               <a:t>.</a:t>
             </a:r>
-            <a:endParaRPr lang="en-GB" sz="2500" dirty="0">
-              <a:latin typeface="Times New Roman" panose="02020603050405020304" pitchFamily="18" charset="0"/>
-              <a:ea typeface="Tahoma" panose="020B0604030504040204" pitchFamily="34" charset="0"/>
-              <a:cs typeface="Tahoma" panose="020B0604030504040204" pitchFamily="34" charset="0"/>
-            </a:endParaRPr>
           </a:p>
           <a:p>
             <a:pPr marL="285750" lvl="0" indent="-285750">
@@ -18485,7 +20309,7 @@
           <p:nvPr/>
         </p:nvPicPr>
         <p:blipFill>
-          <a:blip r:embed="rId1">
+          <a:blip r:embed="rId2">
             <a:extLst>
               <a:ext uri="{28A0092B-C50C-407E-A947-70E740481C1C}">
                 <a14:useLocalDpi xmlns:a14="http://schemas.microsoft.com/office/drawing/2010/main" val="0"/>
@@ -18583,14 +20407,6 @@
               </a:rPr>
               <a:t>ỢC ĐIỂM CỦA WATERFALL:</a:t>
             </a:r>
-            <a:endParaRPr lang="en-US" sz="3500" b="1" dirty="0">
-              <a:solidFill>
-                <a:srgbClr val="0000FF"/>
-              </a:solidFill>
-              <a:latin typeface="Times New Roman" panose="02020603050405020304" pitchFamily="18" charset="0"/>
-              <a:ea typeface="Tahoma" panose="020B0604030504040204" pitchFamily="34" charset="0"/>
-              <a:cs typeface="Tahoma" panose="020B0604030504040204" pitchFamily="34" charset="0"/>
-            </a:endParaRPr>
           </a:p>
         </p:txBody>
       </p:sp>
@@ -18671,14 +20487,6 @@
               </a:rPr>
               <a:t>:</a:t>
             </a:r>
-            <a:endParaRPr lang="en-US" sz="3000" b="1" dirty="0">
-              <a:solidFill>
-                <a:srgbClr val="00B0F0"/>
-              </a:solidFill>
-              <a:latin typeface="Times New Roman" panose="02020603050405020304" pitchFamily="18" charset="0"/>
-              <a:ea typeface="Tahoma" panose="020B0604030504040204" pitchFamily="34" charset="0"/>
-              <a:cs typeface="Tahoma" panose="020B0604030504040204" pitchFamily="34" charset="0"/>
-            </a:endParaRPr>
           </a:p>
         </p:txBody>
       </p:sp>
@@ -18699,6 +20507,7 @@
           <a:p>
             <a:fld id="{6BB9AED3-D2BB-49A3-B8E7-A4A64ED2F011}" type="slidenum">
               <a:rPr lang="en-US" smtClean="0"/>
+              <a:t>9</a:t>
             </a:fld>
             <a:endParaRPr lang="en-US"/>
           </a:p>
@@ -18709,13 +20518,13 @@
   <p:clrMapOvr>
     <a:masterClrMapping/>
   </p:clrMapOvr>
-  <mc:AlternateContent xmlns:mc="http://schemas.openxmlformats.org/markup-compatibility/2006">
-    <mc:Choice xmlns:p15="http://schemas.microsoft.com/office/powerpoint/2012/main" Requires="p15">
-      <p:transition xmlns:p14="http://schemas.microsoft.com/office/powerpoint/2010/main" spd="slow" Requires="p14" p14:dur="2000">
+  <mc:AlternateContent xmlns:mc="http://schemas.openxmlformats.org/markup-compatibility/2006" xmlns:p15="http://schemas.microsoft.com/office/powerpoint/2012/main">
+    <mc:Choice Requires="p15">
+      <p:transition xmlns:p14="http://schemas.microsoft.com/office/powerpoint/2010/main" spd="slow" p14:dur="2000">
         <p15:prstTrans prst="prestige"/>
       </p:transition>
     </mc:Choice>
-    <mc:Fallback>
+    <mc:Fallback xmlns="">
       <p:transition spd="slow">
         <p:fade/>
       </p:transition>
@@ -19040,1583 +20849,6 @@
 </p:sld>
 </file>
 
-<file path=ppt/slides/slide9.xml><?xml version="1.0" encoding="utf-8"?>
-<p:sld xmlns:a="http://schemas.openxmlformats.org/drawingml/2006/main" xmlns:r="http://schemas.openxmlformats.org/officeDocument/2006/relationships" xmlns:p="http://schemas.openxmlformats.org/presentationml/2006/main">
-  <p:cSld>
-    <p:spTree>
-      <p:nvGrpSpPr>
-        <p:cNvPr id="1" name=""/>
-        <p:cNvGrpSpPr/>
-        <p:nvPr/>
-      </p:nvGrpSpPr>
-      <p:grpSpPr>
-        <a:xfrm>
-          <a:off x="0" y="0"/>
-          <a:ext cx="0" cy="0"/>
-          <a:chOff x="0" y="0"/>
-          <a:chExt cx="0" cy="0"/>
-        </a:xfrm>
-      </p:grpSpPr>
-      <p:sp>
-        <p:nvSpPr>
-          <p:cNvPr id="4" name="TextBox 3"/>
-          <p:cNvSpPr txBox="1"/>
-          <p:nvPr/>
-        </p:nvSpPr>
-        <p:spPr>
-          <a:xfrm>
-            <a:off x="1126435" y="993913"/>
-            <a:ext cx="8494643" cy="553085"/>
-          </a:xfrm>
-          <a:prstGeom prst="rect">
-            <a:avLst/>
-          </a:prstGeom>
-          <a:noFill/>
-        </p:spPr>
-        <p:txBody>
-          <a:bodyPr wrap="square" rtlCol="0">
-            <a:spAutoFit/>
-          </a:bodyPr>
-          <a:lstStyle/>
-          <a:p>
-            <a:r>
-              <a:rPr lang="en-US" sz="3000" b="1" dirty="0">
-                <a:solidFill>
-                  <a:srgbClr val="00B0F0"/>
-                </a:solidFill>
-                <a:latin typeface="Times New Roman" panose="02020603050405020304" pitchFamily="18" charset="0"/>
-                <a:ea typeface="Tahoma" panose="020B0604030504040204" pitchFamily="34" charset="0"/>
-                <a:cs typeface="Tahoma" panose="020B0604030504040204" pitchFamily="34" charset="0"/>
-              </a:rPr>
-              <a:t>2) Nh</a:t>
-            </a:r>
-            <a:r>
-              <a:rPr lang="vi-VN" sz="3000" b="1" dirty="0">
-                <a:solidFill>
-                  <a:srgbClr val="00B0F0"/>
-                </a:solidFill>
-                <a:latin typeface="Times New Roman" panose="02020603050405020304" pitchFamily="18" charset="0"/>
-                <a:ea typeface="Tahoma" panose="020B0604030504040204" pitchFamily="34" charset="0"/>
-                <a:cs typeface="Tahoma" panose="020B0604030504040204" pitchFamily="34" charset="0"/>
-              </a:rPr>
-              <a:t>ư</a:t>
-            </a:r>
-            <a:r>
-              <a:rPr lang="en-US" sz="3000" b="1" dirty="0" err="1">
-                <a:solidFill>
-                  <a:srgbClr val="00B0F0"/>
-                </a:solidFill>
-                <a:latin typeface="Times New Roman" panose="02020603050405020304" pitchFamily="18" charset="0"/>
-                <a:ea typeface="Tahoma" panose="020B0604030504040204" pitchFamily="34" charset="0"/>
-                <a:cs typeface="Tahoma" panose="020B0604030504040204" pitchFamily="34" charset="0"/>
-              </a:rPr>
-              <a:t>ợc</a:t>
-            </a:r>
-            <a:r>
-              <a:rPr lang="en-US" sz="3000" b="1" dirty="0">
-                <a:solidFill>
-                  <a:srgbClr val="00B0F0"/>
-                </a:solidFill>
-                <a:latin typeface="Times New Roman" panose="02020603050405020304" pitchFamily="18" charset="0"/>
-                <a:ea typeface="Tahoma" panose="020B0604030504040204" pitchFamily="34" charset="0"/>
-                <a:cs typeface="Tahoma" panose="020B0604030504040204" pitchFamily="34" charset="0"/>
-              </a:rPr>
-              <a:t> </a:t>
-            </a:r>
-            <a:r>
-              <a:rPr lang="en-US" sz="3000" b="1" dirty="0" err="1">
-                <a:solidFill>
-                  <a:srgbClr val="00B0F0"/>
-                </a:solidFill>
-                <a:latin typeface="Times New Roman" panose="02020603050405020304" pitchFamily="18" charset="0"/>
-                <a:ea typeface="Tahoma" panose="020B0604030504040204" pitchFamily="34" charset="0"/>
-                <a:cs typeface="Tahoma" panose="020B0604030504040204" pitchFamily="34" charset="0"/>
-              </a:rPr>
-              <a:t>điểm</a:t>
-            </a:r>
-            <a:r>
-              <a:rPr lang="en-US" sz="3000" b="1" dirty="0">
-                <a:solidFill>
-                  <a:srgbClr val="00B0F0"/>
-                </a:solidFill>
-                <a:latin typeface="Times New Roman" panose="02020603050405020304" pitchFamily="18" charset="0"/>
-                <a:ea typeface="Tahoma" panose="020B0604030504040204" pitchFamily="34" charset="0"/>
-                <a:cs typeface="Tahoma" panose="020B0604030504040204" pitchFamily="34" charset="0"/>
-              </a:rPr>
-              <a:t>:</a:t>
-            </a:r>
-            <a:endParaRPr lang="en-US" sz="3000" b="1" dirty="0">
-              <a:solidFill>
-                <a:srgbClr val="00B0F0"/>
-              </a:solidFill>
-              <a:latin typeface="Times New Roman" panose="02020603050405020304" pitchFamily="18" charset="0"/>
-              <a:ea typeface="Tahoma" panose="020B0604030504040204" pitchFamily="34" charset="0"/>
-              <a:cs typeface="Tahoma" panose="020B0604030504040204" pitchFamily="34" charset="0"/>
-            </a:endParaRPr>
-          </a:p>
-        </p:txBody>
-      </p:sp>
-      <p:pic>
-        <p:nvPicPr>
-          <p:cNvPr id="8" name="Picture 7"/>
-          <p:cNvPicPr>
-            <a:picLocks noChangeAspect="1"/>
-          </p:cNvPicPr>
-          <p:nvPr/>
-        </p:nvPicPr>
-        <p:blipFill>
-          <a:blip r:embed="rId1"/>
-          <a:stretch>
-            <a:fillRect/>
-          </a:stretch>
-        </p:blipFill>
-        <p:spPr>
-          <a:xfrm>
-            <a:off x="1126490" y="2212975"/>
-            <a:ext cx="2894330" cy="2699385"/>
-          </a:xfrm>
-          <a:prstGeom prst="rect">
-            <a:avLst/>
-          </a:prstGeom>
-        </p:spPr>
-      </p:pic>
-      <p:sp>
-        <p:nvSpPr>
-          <p:cNvPr id="9" name="TextBox 8"/>
-          <p:cNvSpPr txBox="1"/>
-          <p:nvPr/>
-        </p:nvSpPr>
-        <p:spPr>
-          <a:xfrm>
-            <a:off x="4598505" y="2138287"/>
-            <a:ext cx="6705400" cy="2784475"/>
-          </a:xfrm>
-          <a:prstGeom prst="rect">
-            <a:avLst/>
-          </a:prstGeom>
-          <a:noFill/>
-        </p:spPr>
-        <p:txBody>
-          <a:bodyPr wrap="square" rtlCol="0">
-            <a:spAutoFit/>
-          </a:bodyPr>
-          <a:lstStyle/>
-          <a:p>
-            <a:r>
-              <a:rPr lang="en-US" sz="2500" dirty="0">
-                <a:latin typeface="Times New Roman" panose="02020603050405020304" pitchFamily="18" charset="0"/>
-                <a:ea typeface="Tahoma" panose="020B0604030504040204" pitchFamily="34" charset="0"/>
-                <a:cs typeface="Tahoma" panose="020B0604030504040204" pitchFamily="34" charset="0"/>
-              </a:rPr>
-              <a:t>-  </a:t>
-            </a:r>
-            <a:r>
-              <a:rPr lang="en-US" sz="2500" dirty="0" err="1">
-                <a:latin typeface="Times New Roman" panose="02020603050405020304" pitchFamily="18" charset="0"/>
-                <a:ea typeface="Tahoma" panose="020B0604030504040204" pitchFamily="34" charset="0"/>
-                <a:cs typeface="Tahoma" panose="020B0604030504040204" pitchFamily="34" charset="0"/>
-              </a:rPr>
-              <a:t>Tách</a:t>
-            </a:r>
-            <a:r>
-              <a:rPr lang="en-US" sz="2500" dirty="0">
-                <a:latin typeface="Times New Roman" panose="02020603050405020304" pitchFamily="18" charset="0"/>
-                <a:ea typeface="Tahoma" panose="020B0604030504040204" pitchFamily="34" charset="0"/>
-                <a:cs typeface="Tahoma" panose="020B0604030504040204" pitchFamily="34" charset="0"/>
-              </a:rPr>
-              <a:t> </a:t>
-            </a:r>
-            <a:r>
-              <a:rPr lang="en-US" sz="2500" dirty="0" err="1">
-                <a:latin typeface="Times New Roman" panose="02020603050405020304" pitchFamily="18" charset="0"/>
-                <a:ea typeface="Tahoma" panose="020B0604030504040204" pitchFamily="34" charset="0"/>
-                <a:cs typeface="Tahoma" panose="020B0604030504040204" pitchFamily="34" charset="0"/>
-              </a:rPr>
-              <a:t>biệt</a:t>
-            </a:r>
-            <a:r>
-              <a:rPr lang="en-US" sz="2500" dirty="0">
-                <a:latin typeface="Times New Roman" panose="02020603050405020304" pitchFamily="18" charset="0"/>
-                <a:ea typeface="Tahoma" panose="020B0604030504040204" pitchFamily="34" charset="0"/>
-                <a:cs typeface="Tahoma" panose="020B0604030504040204" pitchFamily="34" charset="0"/>
-              </a:rPr>
-              <a:t> </a:t>
-            </a:r>
-            <a:r>
-              <a:rPr lang="en-US" sz="2500" dirty="0" err="1">
-                <a:latin typeface="Times New Roman" panose="02020603050405020304" pitchFamily="18" charset="0"/>
-                <a:ea typeface="Tahoma" panose="020B0604030504040204" pitchFamily="34" charset="0"/>
-                <a:cs typeface="Tahoma" panose="020B0604030504040204" pitchFamily="34" charset="0"/>
-              </a:rPr>
-              <a:t>giữa</a:t>
-            </a:r>
-            <a:r>
-              <a:rPr lang="en-US" sz="2500" dirty="0">
-                <a:latin typeface="Times New Roman" panose="02020603050405020304" pitchFamily="18" charset="0"/>
-                <a:ea typeface="Tahoma" panose="020B0604030504040204" pitchFamily="34" charset="0"/>
-                <a:cs typeface="Tahoma" panose="020B0604030504040204" pitchFamily="34" charset="0"/>
-              </a:rPr>
-              <a:t> </a:t>
-            </a:r>
-            <a:r>
-              <a:rPr lang="en-US" sz="2500" dirty="0" err="1">
-                <a:latin typeface="Times New Roman" panose="02020603050405020304" pitchFamily="18" charset="0"/>
-                <a:ea typeface="Tahoma" panose="020B0604030504040204" pitchFamily="34" charset="0"/>
-                <a:cs typeface="Tahoma" panose="020B0604030504040204" pitchFamily="34" charset="0"/>
-              </a:rPr>
-              <a:t>các</a:t>
-            </a:r>
-            <a:r>
-              <a:rPr lang="en-US" sz="2500" dirty="0">
-                <a:latin typeface="Times New Roman" panose="02020603050405020304" pitchFamily="18" charset="0"/>
-                <a:ea typeface="Tahoma" panose="020B0604030504040204" pitchFamily="34" charset="0"/>
-                <a:cs typeface="Tahoma" panose="020B0604030504040204" pitchFamily="34" charset="0"/>
-              </a:rPr>
-              <a:t> </a:t>
-            </a:r>
-            <a:r>
-              <a:rPr lang="en-US" sz="2500" dirty="0" err="1">
-                <a:latin typeface="Times New Roman" panose="02020603050405020304" pitchFamily="18" charset="0"/>
-                <a:ea typeface="Tahoma" panose="020B0604030504040204" pitchFamily="34" charset="0"/>
-                <a:cs typeface="Tahoma" panose="020B0604030504040204" pitchFamily="34" charset="0"/>
-              </a:rPr>
-              <a:t>pha</a:t>
-            </a:r>
-            <a:r>
-              <a:rPr lang="en-US" sz="2500" dirty="0">
-                <a:latin typeface="Times New Roman" panose="02020603050405020304" pitchFamily="18" charset="0"/>
-                <a:ea typeface="Tahoma" panose="020B0604030504040204" pitchFamily="34" charset="0"/>
-                <a:cs typeface="Tahoma" panose="020B0604030504040204" pitchFamily="34" charset="0"/>
-              </a:rPr>
-              <a:t>, </a:t>
-            </a:r>
-            <a:r>
-              <a:rPr lang="en-US" sz="2500" dirty="0" err="1">
-                <a:latin typeface="Times New Roman" panose="02020603050405020304" pitchFamily="18" charset="0"/>
-                <a:ea typeface="Tahoma" panose="020B0604030504040204" pitchFamily="34" charset="0"/>
-                <a:cs typeface="Tahoma" panose="020B0604030504040204" pitchFamily="34" charset="0"/>
-              </a:rPr>
-              <a:t>tiến</a:t>
-            </a:r>
-            <a:r>
-              <a:rPr lang="en-US" sz="2500" dirty="0">
-                <a:latin typeface="Times New Roman" panose="02020603050405020304" pitchFamily="18" charset="0"/>
-                <a:ea typeface="Tahoma" panose="020B0604030504040204" pitchFamily="34" charset="0"/>
-                <a:cs typeface="Tahoma" panose="020B0604030504040204" pitchFamily="34" charset="0"/>
-              </a:rPr>
-              <a:t> </a:t>
-            </a:r>
-            <a:r>
-              <a:rPr lang="en-US" sz="2500" dirty="0" err="1">
-                <a:latin typeface="Times New Roman" panose="02020603050405020304" pitchFamily="18" charset="0"/>
-                <a:ea typeface="Tahoma" panose="020B0604030504040204" pitchFamily="34" charset="0"/>
-                <a:cs typeface="Tahoma" panose="020B0604030504040204" pitchFamily="34" charset="0"/>
-              </a:rPr>
-              <a:t>hành</a:t>
-            </a:r>
-            <a:r>
-              <a:rPr lang="en-US" sz="2500" dirty="0">
-                <a:latin typeface="Times New Roman" panose="02020603050405020304" pitchFamily="18" charset="0"/>
-                <a:ea typeface="Tahoma" panose="020B0604030504040204" pitchFamily="34" charset="0"/>
-                <a:cs typeface="Tahoma" panose="020B0604030504040204" pitchFamily="34" charset="0"/>
-              </a:rPr>
-              <a:t> </a:t>
-            </a:r>
-            <a:r>
-              <a:rPr lang="en-US" sz="2500" dirty="0" err="1">
-                <a:latin typeface="Times New Roman" panose="02020603050405020304" pitchFamily="18" charset="0"/>
-                <a:ea typeface="Tahoma" panose="020B0604030504040204" pitchFamily="34" charset="0"/>
-                <a:cs typeface="Tahoma" panose="020B0604030504040204" pitchFamily="34" charset="0"/>
-              </a:rPr>
-              <a:t>tuần</a:t>
-            </a:r>
-            <a:r>
-              <a:rPr lang="en-US" sz="2500" dirty="0">
-                <a:latin typeface="Times New Roman" panose="02020603050405020304" pitchFamily="18" charset="0"/>
-                <a:ea typeface="Tahoma" panose="020B0604030504040204" pitchFamily="34" charset="0"/>
-                <a:cs typeface="Tahoma" panose="020B0604030504040204" pitchFamily="34" charset="0"/>
-              </a:rPr>
-              <a:t> </a:t>
-            </a:r>
-            <a:r>
-              <a:rPr lang="en-US" sz="2500" dirty="0" err="1">
-                <a:latin typeface="Times New Roman" panose="02020603050405020304" pitchFamily="18" charset="0"/>
-                <a:ea typeface="Tahoma" panose="020B0604030504040204" pitchFamily="34" charset="0"/>
-                <a:cs typeface="Tahoma" panose="020B0604030504040204" pitchFamily="34" charset="0"/>
-              </a:rPr>
-              <a:t>tự</a:t>
-            </a:r>
-            <a:r>
-              <a:rPr lang="en-US" sz="2500" dirty="0">
-                <a:latin typeface="Times New Roman" panose="02020603050405020304" pitchFamily="18" charset="0"/>
-                <a:ea typeface="Tahoma" panose="020B0604030504040204" pitchFamily="34" charset="0"/>
-                <a:cs typeface="Tahoma" panose="020B0604030504040204" pitchFamily="34" charset="0"/>
-              </a:rPr>
-              <a:t>.</a:t>
-            </a:r>
-            <a:endParaRPr lang="en-US" sz="2500" dirty="0">
-              <a:latin typeface="Times New Roman" panose="02020603050405020304" pitchFamily="18" charset="0"/>
-              <a:ea typeface="Tahoma" panose="020B0604030504040204" pitchFamily="34" charset="0"/>
-              <a:cs typeface="Tahoma" panose="020B0604030504040204" pitchFamily="34" charset="0"/>
-            </a:endParaRPr>
-          </a:p>
-          <a:p>
-            <a:pPr marL="285750" lvl="0" indent="-285750">
-              <a:buFontTx/>
-              <a:buChar char="-"/>
-            </a:pPr>
-            <a:r>
-              <a:rPr lang="en-GB" sz="2500" dirty="0" err="1">
-                <a:latin typeface="Times New Roman" panose="02020603050405020304" pitchFamily="18" charset="0"/>
-                <a:ea typeface="Tahoma" panose="020B0604030504040204" pitchFamily="34" charset="0"/>
-                <a:cs typeface="Tahoma" panose="020B0604030504040204" pitchFamily="34" charset="0"/>
-              </a:rPr>
-              <a:t>Không</a:t>
-            </a:r>
-            <a:r>
-              <a:rPr lang="en-GB" sz="2500" dirty="0">
-                <a:latin typeface="Times New Roman" panose="02020603050405020304" pitchFamily="18" charset="0"/>
-                <a:ea typeface="Tahoma" panose="020B0604030504040204" pitchFamily="34" charset="0"/>
-                <a:cs typeface="Tahoma" panose="020B0604030504040204" pitchFamily="34" charset="0"/>
-              </a:rPr>
-              <a:t> </a:t>
-            </a:r>
-            <a:r>
-              <a:rPr lang="en-GB" sz="2500" dirty="0" err="1">
-                <a:latin typeface="Times New Roman" panose="02020603050405020304" pitchFamily="18" charset="0"/>
-                <a:ea typeface="Tahoma" panose="020B0604030504040204" pitchFamily="34" charset="0"/>
-                <a:cs typeface="Tahoma" panose="020B0604030504040204" pitchFamily="34" charset="0"/>
-              </a:rPr>
-              <a:t>có</a:t>
-            </a:r>
-            <a:r>
-              <a:rPr lang="en-GB" sz="2500" dirty="0">
-                <a:latin typeface="Times New Roman" panose="02020603050405020304" pitchFamily="18" charset="0"/>
-                <a:ea typeface="Tahoma" panose="020B0604030504040204" pitchFamily="34" charset="0"/>
-                <a:cs typeface="Tahoma" panose="020B0604030504040204" pitchFamily="34" charset="0"/>
-              </a:rPr>
-              <a:t> </a:t>
-            </a:r>
-            <a:r>
-              <a:rPr lang="en-GB" sz="2500" dirty="0" err="1">
-                <a:latin typeface="Times New Roman" panose="02020603050405020304" pitchFamily="18" charset="0"/>
-                <a:ea typeface="Tahoma" panose="020B0604030504040204" pitchFamily="34" charset="0"/>
-                <a:cs typeface="Tahoma" panose="020B0604030504040204" pitchFamily="34" charset="0"/>
-              </a:rPr>
-              <a:t>phần</a:t>
-            </a:r>
-            <a:r>
-              <a:rPr lang="en-GB" sz="2500" dirty="0">
-                <a:latin typeface="Times New Roman" panose="02020603050405020304" pitchFamily="18" charset="0"/>
-                <a:ea typeface="Tahoma" panose="020B0604030504040204" pitchFamily="34" charset="0"/>
-                <a:cs typeface="Tahoma" panose="020B0604030504040204" pitchFamily="34" charset="0"/>
-              </a:rPr>
-              <a:t> </a:t>
-            </a:r>
-            <a:r>
-              <a:rPr lang="en-GB" sz="2500" dirty="0" err="1">
-                <a:latin typeface="Times New Roman" panose="02020603050405020304" pitchFamily="18" charset="0"/>
-                <a:ea typeface="Tahoma" panose="020B0604030504040204" pitchFamily="34" charset="0"/>
-                <a:cs typeface="Tahoma" panose="020B0604030504040204" pitchFamily="34" charset="0"/>
-              </a:rPr>
-              <a:t>mềm</a:t>
-            </a:r>
-            <a:r>
-              <a:rPr lang="en-GB" sz="2500" dirty="0">
-                <a:latin typeface="Times New Roman" panose="02020603050405020304" pitchFamily="18" charset="0"/>
-                <a:ea typeface="Tahoma" panose="020B0604030504040204" pitchFamily="34" charset="0"/>
-                <a:cs typeface="Tahoma" panose="020B0604030504040204" pitchFamily="34" charset="0"/>
-              </a:rPr>
-              <a:t> </a:t>
-            </a:r>
-            <a:r>
-              <a:rPr lang="en-GB" sz="2500" dirty="0" err="1">
-                <a:latin typeface="Times New Roman" panose="02020603050405020304" pitchFamily="18" charset="0"/>
-                <a:ea typeface="Tahoma" panose="020B0604030504040204" pitchFamily="34" charset="0"/>
-                <a:cs typeface="Tahoma" panose="020B0604030504040204" pitchFamily="34" charset="0"/>
-              </a:rPr>
-              <a:t>làm</a:t>
-            </a:r>
-            <a:r>
-              <a:rPr lang="en-GB" sz="2500" dirty="0">
-                <a:latin typeface="Times New Roman" panose="02020603050405020304" pitchFamily="18" charset="0"/>
-                <a:ea typeface="Tahoma" panose="020B0604030504040204" pitchFamily="34" charset="0"/>
-                <a:cs typeface="Tahoma" panose="020B0604030504040204" pitchFamily="34" charset="0"/>
-              </a:rPr>
-              <a:t> </a:t>
-            </a:r>
-            <a:r>
-              <a:rPr lang="en-GB" sz="2500" dirty="0" err="1">
-                <a:latin typeface="Times New Roman" panose="02020603050405020304" pitchFamily="18" charset="0"/>
-                <a:ea typeface="Tahoma" panose="020B0604030504040204" pitchFamily="34" charset="0"/>
-                <a:cs typeface="Tahoma" panose="020B0604030504040204" pitchFamily="34" charset="0"/>
-              </a:rPr>
-              <a:t>việc</a:t>
-            </a:r>
-            <a:r>
-              <a:rPr lang="en-GB" sz="2500" dirty="0">
-                <a:latin typeface="Times New Roman" panose="02020603050405020304" pitchFamily="18" charset="0"/>
-                <a:ea typeface="Tahoma" panose="020B0604030504040204" pitchFamily="34" charset="0"/>
-                <a:cs typeface="Tahoma" panose="020B0604030504040204" pitchFamily="34" charset="0"/>
-              </a:rPr>
-              <a:t> </a:t>
-            </a:r>
-            <a:r>
-              <a:rPr lang="en-GB" sz="2500" dirty="0" err="1">
-                <a:latin typeface="Times New Roman" panose="02020603050405020304" pitchFamily="18" charset="0"/>
-                <a:ea typeface="Tahoma" panose="020B0604030504040204" pitchFamily="34" charset="0"/>
-                <a:cs typeface="Tahoma" panose="020B0604030504040204" pitchFamily="34" charset="0"/>
-              </a:rPr>
-              <a:t>được</a:t>
-            </a:r>
-            <a:r>
-              <a:rPr lang="en-GB" sz="2500" dirty="0">
-                <a:latin typeface="Times New Roman" panose="02020603050405020304" pitchFamily="18" charset="0"/>
-                <a:ea typeface="Tahoma" panose="020B0604030504040204" pitchFamily="34" charset="0"/>
-                <a:cs typeface="Tahoma" panose="020B0604030504040204" pitchFamily="34" charset="0"/>
-              </a:rPr>
-              <a:t> </a:t>
-            </a:r>
-            <a:r>
-              <a:rPr lang="en-GB" sz="2500" dirty="0" err="1">
-                <a:latin typeface="Times New Roman" panose="02020603050405020304" pitchFamily="18" charset="0"/>
-                <a:ea typeface="Tahoma" panose="020B0604030504040204" pitchFamily="34" charset="0"/>
-                <a:cs typeface="Tahoma" panose="020B0604030504040204" pitchFamily="34" charset="0"/>
-              </a:rPr>
-              <a:t>tạo</a:t>
-            </a:r>
-            <a:r>
-              <a:rPr lang="en-GB" sz="2500" dirty="0">
-                <a:latin typeface="Times New Roman" panose="02020603050405020304" pitchFamily="18" charset="0"/>
-                <a:ea typeface="Tahoma" panose="020B0604030504040204" pitchFamily="34" charset="0"/>
-                <a:cs typeface="Tahoma" panose="020B0604030504040204" pitchFamily="34" charset="0"/>
-              </a:rPr>
-              <a:t> </a:t>
-            </a:r>
-            <a:r>
-              <a:rPr lang="en-GB" sz="2500" dirty="0" err="1">
-                <a:latin typeface="Times New Roman" panose="02020603050405020304" pitchFamily="18" charset="0"/>
-                <a:ea typeface="Tahoma" panose="020B0604030504040204" pitchFamily="34" charset="0"/>
-                <a:cs typeface="Tahoma" panose="020B0604030504040204" pitchFamily="34" charset="0"/>
-              </a:rPr>
-              <a:t>ra</a:t>
-            </a:r>
-            <a:r>
-              <a:rPr lang="en-GB" sz="2500" dirty="0">
-                <a:latin typeface="Times New Roman" panose="02020603050405020304" pitchFamily="18" charset="0"/>
-                <a:ea typeface="Tahoma" panose="020B0604030504040204" pitchFamily="34" charset="0"/>
-                <a:cs typeface="Tahoma" panose="020B0604030504040204" pitchFamily="34" charset="0"/>
-              </a:rPr>
-              <a:t> </a:t>
-            </a:r>
-            <a:r>
-              <a:rPr lang="en-GB" sz="2500" dirty="0" err="1">
-                <a:latin typeface="Times New Roman" panose="02020603050405020304" pitchFamily="18" charset="0"/>
-                <a:ea typeface="Tahoma" panose="020B0604030504040204" pitchFamily="34" charset="0"/>
-                <a:cs typeface="Tahoma" panose="020B0604030504040204" pitchFamily="34" charset="0"/>
-              </a:rPr>
-              <a:t>cho</a:t>
-            </a:r>
-            <a:r>
-              <a:rPr lang="en-GB" sz="2500" dirty="0">
-                <a:latin typeface="Times New Roman" panose="02020603050405020304" pitchFamily="18" charset="0"/>
-                <a:ea typeface="Tahoma" panose="020B0604030504040204" pitchFamily="34" charset="0"/>
-                <a:cs typeface="Tahoma" panose="020B0604030504040204" pitchFamily="34" charset="0"/>
-              </a:rPr>
-              <a:t> </a:t>
-            </a:r>
-            <a:r>
-              <a:rPr lang="en-GB" sz="2500" dirty="0" err="1">
-                <a:latin typeface="Times New Roman" panose="02020603050405020304" pitchFamily="18" charset="0"/>
-                <a:ea typeface="Tahoma" panose="020B0604030504040204" pitchFamily="34" charset="0"/>
-                <a:cs typeface="Tahoma" panose="020B0604030504040204" pitchFamily="34" charset="0"/>
-              </a:rPr>
-              <a:t>đến</a:t>
-            </a:r>
-            <a:r>
-              <a:rPr lang="en-GB" sz="2500" dirty="0">
-                <a:latin typeface="Times New Roman" panose="02020603050405020304" pitchFamily="18" charset="0"/>
-                <a:ea typeface="Tahoma" panose="020B0604030504040204" pitchFamily="34" charset="0"/>
-                <a:cs typeface="Tahoma" panose="020B0604030504040204" pitchFamily="34" charset="0"/>
-              </a:rPr>
-              <a:t> </a:t>
-            </a:r>
-            <a:r>
-              <a:rPr lang="en-GB" sz="2500" dirty="0" err="1">
-                <a:latin typeface="Times New Roman" panose="02020603050405020304" pitchFamily="18" charset="0"/>
-                <a:ea typeface="Tahoma" panose="020B0604030504040204" pitchFamily="34" charset="0"/>
-                <a:cs typeface="Tahoma" panose="020B0604030504040204" pitchFamily="34" charset="0"/>
-              </a:rPr>
-              <a:t>cuối</a:t>
-            </a:r>
-            <a:r>
-              <a:rPr lang="en-GB" sz="2500" dirty="0">
-                <a:latin typeface="Times New Roman" panose="02020603050405020304" pitchFamily="18" charset="0"/>
-                <a:ea typeface="Tahoma" panose="020B0604030504040204" pitchFamily="34" charset="0"/>
-                <a:cs typeface="Tahoma" panose="020B0604030504040204" pitchFamily="34" charset="0"/>
-              </a:rPr>
-              <a:t> </a:t>
-            </a:r>
-            <a:r>
-              <a:rPr lang="en-GB" sz="2500" dirty="0" err="1">
-                <a:latin typeface="Times New Roman" panose="02020603050405020304" pitchFamily="18" charset="0"/>
-                <a:ea typeface="Tahoma" panose="020B0604030504040204" pitchFamily="34" charset="0"/>
-                <a:cs typeface="Tahoma" panose="020B0604030504040204" pitchFamily="34" charset="0"/>
-              </a:rPr>
-              <a:t>trong</a:t>
-            </a:r>
-            <a:r>
-              <a:rPr lang="en-GB" sz="2500" dirty="0">
-                <a:latin typeface="Times New Roman" panose="02020603050405020304" pitchFamily="18" charset="0"/>
-                <a:ea typeface="Tahoma" panose="020B0604030504040204" pitchFamily="34" charset="0"/>
-                <a:cs typeface="Tahoma" panose="020B0604030504040204" pitchFamily="34" charset="0"/>
-              </a:rPr>
-              <a:t> </a:t>
-            </a:r>
-            <a:r>
-              <a:rPr lang="en-GB" sz="2500" dirty="0" err="1">
-                <a:latin typeface="Times New Roman" panose="02020603050405020304" pitchFamily="18" charset="0"/>
-                <a:ea typeface="Tahoma" panose="020B0604030504040204" pitchFamily="34" charset="0"/>
-                <a:cs typeface="Tahoma" panose="020B0604030504040204" pitchFamily="34" charset="0"/>
-              </a:rPr>
-              <a:t>suốt</a:t>
-            </a:r>
-            <a:r>
-              <a:rPr lang="en-GB" sz="2500" dirty="0">
-                <a:latin typeface="Times New Roman" panose="02020603050405020304" pitchFamily="18" charset="0"/>
-                <a:ea typeface="Tahoma" panose="020B0604030504040204" pitchFamily="34" charset="0"/>
-                <a:cs typeface="Tahoma" panose="020B0604030504040204" pitchFamily="34" charset="0"/>
-              </a:rPr>
-              <a:t> chu </a:t>
-            </a:r>
-            <a:r>
-              <a:rPr lang="en-GB" sz="2500" dirty="0" err="1">
-                <a:latin typeface="Times New Roman" panose="02020603050405020304" pitchFamily="18" charset="0"/>
-                <a:ea typeface="Tahoma" panose="020B0604030504040204" pitchFamily="34" charset="0"/>
-                <a:cs typeface="Tahoma" panose="020B0604030504040204" pitchFamily="34" charset="0"/>
-              </a:rPr>
-              <a:t>trình</a:t>
-            </a:r>
-            <a:r>
-              <a:rPr lang="en-GB" sz="2500" dirty="0">
-                <a:latin typeface="Times New Roman" panose="02020603050405020304" pitchFamily="18" charset="0"/>
-                <a:ea typeface="Tahoma" panose="020B0604030504040204" pitchFamily="34" charset="0"/>
-                <a:cs typeface="Tahoma" panose="020B0604030504040204" pitchFamily="34" charset="0"/>
-              </a:rPr>
-              <a:t> </a:t>
-            </a:r>
-            <a:r>
-              <a:rPr lang="en-GB" sz="2500" dirty="0" err="1">
-                <a:latin typeface="Times New Roman" panose="02020603050405020304" pitchFamily="18" charset="0"/>
-                <a:ea typeface="Tahoma" panose="020B0604030504040204" pitchFamily="34" charset="0"/>
-                <a:cs typeface="Tahoma" panose="020B0604030504040204" pitchFamily="34" charset="0"/>
-              </a:rPr>
-              <a:t>sống</a:t>
-            </a:r>
-            <a:r>
-              <a:rPr lang="en-GB" sz="2500" dirty="0">
-                <a:latin typeface="Times New Roman" panose="02020603050405020304" pitchFamily="18" charset="0"/>
-                <a:ea typeface="Tahoma" panose="020B0604030504040204" pitchFamily="34" charset="0"/>
-                <a:cs typeface="Tahoma" panose="020B0604030504040204" pitchFamily="34" charset="0"/>
-              </a:rPr>
-              <a:t>. </a:t>
-            </a:r>
-            <a:r>
-              <a:rPr lang="en-US" sz="2500" dirty="0" err="1">
-                <a:latin typeface="Times New Roman" panose="02020603050405020304" pitchFamily="18" charset="0"/>
-                <a:ea typeface="Tahoma" panose="020B0604030504040204" pitchFamily="34" charset="0"/>
-                <a:cs typeface="Tahoma" panose="020B0604030504040204" pitchFamily="34" charset="0"/>
-              </a:rPr>
-              <a:t>Đòi</a:t>
-            </a:r>
-            <a:r>
-              <a:rPr lang="en-US" sz="2500" dirty="0">
-                <a:latin typeface="Times New Roman" panose="02020603050405020304" pitchFamily="18" charset="0"/>
-                <a:ea typeface="Tahoma" panose="020B0604030504040204" pitchFamily="34" charset="0"/>
-                <a:cs typeface="Tahoma" panose="020B0604030504040204" pitchFamily="34" charset="0"/>
-              </a:rPr>
-              <a:t> </a:t>
-            </a:r>
-            <a:r>
-              <a:rPr lang="en-US" sz="2500" dirty="0" err="1">
-                <a:latin typeface="Times New Roman" panose="02020603050405020304" pitchFamily="18" charset="0"/>
-                <a:ea typeface="Tahoma" panose="020B0604030504040204" pitchFamily="34" charset="0"/>
-                <a:cs typeface="Tahoma" panose="020B0604030504040204" pitchFamily="34" charset="0"/>
-              </a:rPr>
-              <a:t>hỏi</a:t>
-            </a:r>
-            <a:r>
-              <a:rPr lang="en-US" sz="2500" dirty="0">
-                <a:latin typeface="Times New Roman" panose="02020603050405020304" pitchFamily="18" charset="0"/>
-                <a:ea typeface="Tahoma" panose="020B0604030504040204" pitchFamily="34" charset="0"/>
-                <a:cs typeface="Tahoma" panose="020B0604030504040204" pitchFamily="34" charset="0"/>
-              </a:rPr>
-              <a:t> </a:t>
-            </a:r>
-            <a:r>
-              <a:rPr lang="en-US" sz="2500" dirty="0" err="1">
-                <a:latin typeface="Times New Roman" panose="02020603050405020304" pitchFamily="18" charset="0"/>
-                <a:ea typeface="Tahoma" panose="020B0604030504040204" pitchFamily="34" charset="0"/>
-                <a:cs typeface="Tahoma" panose="020B0604030504040204" pitchFamily="34" charset="0"/>
-              </a:rPr>
-              <a:t>khách</a:t>
-            </a:r>
-            <a:r>
-              <a:rPr lang="en-US" sz="2500" dirty="0">
-                <a:latin typeface="Times New Roman" panose="02020603050405020304" pitchFamily="18" charset="0"/>
-                <a:ea typeface="Tahoma" panose="020B0604030504040204" pitchFamily="34" charset="0"/>
-                <a:cs typeface="Tahoma" panose="020B0604030504040204" pitchFamily="34" charset="0"/>
-              </a:rPr>
-              <a:t> </a:t>
-            </a:r>
-            <a:r>
-              <a:rPr lang="en-US" sz="2500" dirty="0" err="1">
-                <a:latin typeface="Times New Roman" panose="02020603050405020304" pitchFamily="18" charset="0"/>
-                <a:ea typeface="Tahoma" panose="020B0604030504040204" pitchFamily="34" charset="0"/>
-                <a:cs typeface="Tahoma" panose="020B0604030504040204" pitchFamily="34" charset="0"/>
-              </a:rPr>
-              <a:t>hàng</a:t>
-            </a:r>
-            <a:r>
-              <a:rPr lang="en-US" sz="2500" dirty="0">
-                <a:latin typeface="Times New Roman" panose="02020603050405020304" pitchFamily="18" charset="0"/>
-                <a:ea typeface="Tahoma" panose="020B0604030504040204" pitchFamily="34" charset="0"/>
-                <a:cs typeface="Tahoma" panose="020B0604030504040204" pitchFamily="34" charset="0"/>
-              </a:rPr>
-              <a:t> </a:t>
-            </a:r>
-            <a:r>
-              <a:rPr lang="en-US" sz="2500" dirty="0" err="1">
-                <a:latin typeface="Times New Roman" panose="02020603050405020304" pitchFamily="18" charset="0"/>
-                <a:ea typeface="Tahoma" panose="020B0604030504040204" pitchFamily="34" charset="0"/>
-                <a:cs typeface="Tahoma" panose="020B0604030504040204" pitchFamily="34" charset="0"/>
-              </a:rPr>
-              <a:t>phải</a:t>
-            </a:r>
-            <a:r>
-              <a:rPr lang="en-US" sz="2500" dirty="0">
-                <a:latin typeface="Times New Roman" panose="02020603050405020304" pitchFamily="18" charset="0"/>
-                <a:ea typeface="Tahoma" panose="020B0604030504040204" pitchFamily="34" charset="0"/>
-                <a:cs typeface="Tahoma" panose="020B0604030504040204" pitchFamily="34" charset="0"/>
-              </a:rPr>
-              <a:t> </a:t>
-            </a:r>
-            <a:r>
-              <a:rPr lang="en-US" sz="2500" dirty="0" err="1">
-                <a:latin typeface="Times New Roman" panose="02020603050405020304" pitchFamily="18" charset="0"/>
-                <a:ea typeface="Tahoma" panose="020B0604030504040204" pitchFamily="34" charset="0"/>
-                <a:cs typeface="Tahoma" panose="020B0604030504040204" pitchFamily="34" charset="0"/>
-              </a:rPr>
-              <a:t>kiên</a:t>
-            </a:r>
-            <a:r>
-              <a:rPr lang="en-US" sz="2500" dirty="0">
-                <a:latin typeface="Times New Roman" panose="02020603050405020304" pitchFamily="18" charset="0"/>
-                <a:ea typeface="Tahoma" panose="020B0604030504040204" pitchFamily="34" charset="0"/>
-                <a:cs typeface="Tahoma" panose="020B0604030504040204" pitchFamily="34" charset="0"/>
-              </a:rPr>
-              <a:t> </a:t>
-            </a:r>
-            <a:r>
-              <a:rPr lang="en-US" sz="2500" dirty="0" err="1">
-                <a:latin typeface="Times New Roman" panose="02020603050405020304" pitchFamily="18" charset="0"/>
-                <a:ea typeface="Tahoma" panose="020B0604030504040204" pitchFamily="34" charset="0"/>
-                <a:cs typeface="Tahoma" panose="020B0604030504040204" pitchFamily="34" charset="0"/>
-              </a:rPr>
-              <a:t>nhẫn</a:t>
-            </a:r>
-            <a:r>
-              <a:rPr lang="en-US" sz="2500" dirty="0">
-                <a:latin typeface="Times New Roman" panose="02020603050405020304" pitchFamily="18" charset="0"/>
-                <a:ea typeface="Tahoma" panose="020B0604030504040204" pitchFamily="34" charset="0"/>
-                <a:cs typeface="Tahoma" panose="020B0604030504040204" pitchFamily="34" charset="0"/>
-              </a:rPr>
-              <a:t>.</a:t>
-            </a:r>
-            <a:endParaRPr lang="en-US" sz="2500" dirty="0">
-              <a:latin typeface="Times New Roman" panose="02020603050405020304" pitchFamily="18" charset="0"/>
-              <a:ea typeface="Tahoma" panose="020B0604030504040204" pitchFamily="34" charset="0"/>
-              <a:cs typeface="Tahoma" panose="020B0604030504040204" pitchFamily="34" charset="0"/>
-            </a:endParaRPr>
-          </a:p>
-          <a:p>
-            <a:pPr marL="285750" lvl="0" indent="-285750">
-              <a:buFontTx/>
-              <a:buChar char="-"/>
-            </a:pPr>
-            <a:r>
-              <a:rPr lang="en-GB" sz="2500" dirty="0" err="1">
-                <a:latin typeface="Times New Roman" panose="02020603050405020304" pitchFamily="18" charset="0"/>
-                <a:ea typeface="Tahoma" panose="020B0604030504040204" pitchFamily="34" charset="0"/>
-                <a:cs typeface="Tahoma" panose="020B0604030504040204" pitchFamily="34" charset="0"/>
-              </a:rPr>
-              <a:t>Rủi</a:t>
-            </a:r>
-            <a:r>
-              <a:rPr lang="en-GB" sz="2500" dirty="0">
-                <a:latin typeface="Times New Roman" panose="02020603050405020304" pitchFamily="18" charset="0"/>
-                <a:ea typeface="Tahoma" panose="020B0604030504040204" pitchFamily="34" charset="0"/>
-                <a:cs typeface="Tahoma" panose="020B0604030504040204" pitchFamily="34" charset="0"/>
-              </a:rPr>
-              <a:t> </a:t>
-            </a:r>
-            <a:r>
-              <a:rPr lang="en-GB" sz="2500" dirty="0" err="1">
-                <a:latin typeface="Times New Roman" panose="02020603050405020304" pitchFamily="18" charset="0"/>
-                <a:ea typeface="Tahoma" panose="020B0604030504040204" pitchFamily="34" charset="0"/>
-                <a:cs typeface="Tahoma" panose="020B0604030504040204" pitchFamily="34" charset="0"/>
-              </a:rPr>
-              <a:t>ro</a:t>
-            </a:r>
-            <a:r>
-              <a:rPr lang="en-GB" sz="2500" dirty="0">
-                <a:latin typeface="Times New Roman" panose="02020603050405020304" pitchFamily="18" charset="0"/>
-                <a:ea typeface="Tahoma" panose="020B0604030504040204" pitchFamily="34" charset="0"/>
-                <a:cs typeface="Tahoma" panose="020B0604030504040204" pitchFamily="34" charset="0"/>
-              </a:rPr>
-              <a:t> </a:t>
-            </a:r>
-            <a:r>
-              <a:rPr lang="en-GB" sz="2500" dirty="0" err="1">
-                <a:latin typeface="Times New Roman" panose="02020603050405020304" pitchFamily="18" charset="0"/>
-                <a:ea typeface="Tahoma" panose="020B0604030504040204" pitchFamily="34" charset="0"/>
-                <a:cs typeface="Tahoma" panose="020B0604030504040204" pitchFamily="34" charset="0"/>
-              </a:rPr>
-              <a:t>cao</a:t>
-            </a:r>
-            <a:r>
-              <a:rPr lang="en-GB" sz="2500" dirty="0">
-                <a:latin typeface="Times New Roman" panose="02020603050405020304" pitchFamily="18" charset="0"/>
-                <a:ea typeface="Tahoma" panose="020B0604030504040204" pitchFamily="34" charset="0"/>
-                <a:cs typeface="Tahoma" panose="020B0604030504040204" pitchFamily="34" charset="0"/>
-              </a:rPr>
-              <a:t>.</a:t>
-            </a:r>
-            <a:endParaRPr lang="en-US" sz="2500" dirty="0">
-              <a:latin typeface="Times New Roman" panose="02020603050405020304" pitchFamily="18" charset="0"/>
-              <a:ea typeface="Tahoma" panose="020B0604030504040204" pitchFamily="34" charset="0"/>
-              <a:cs typeface="Tahoma" panose="020B0604030504040204" pitchFamily="34" charset="0"/>
-            </a:endParaRPr>
-          </a:p>
-          <a:p>
-            <a:pPr marL="285750" lvl="0" indent="-285750">
-              <a:buFontTx/>
-              <a:buChar char="-"/>
-            </a:pPr>
-            <a:r>
-              <a:rPr lang="en-GB" sz="2500" dirty="0" err="1">
-                <a:latin typeface="Times New Roman" panose="02020603050405020304" pitchFamily="18" charset="0"/>
-                <a:ea typeface="Tahoma" panose="020B0604030504040204" pitchFamily="34" charset="0"/>
-                <a:cs typeface="Tahoma" panose="020B0604030504040204" pitchFamily="34" charset="0"/>
-              </a:rPr>
-              <a:t>Không</a:t>
-            </a:r>
-            <a:r>
-              <a:rPr lang="en-GB" sz="2500" dirty="0">
-                <a:latin typeface="Times New Roman" panose="02020603050405020304" pitchFamily="18" charset="0"/>
-                <a:ea typeface="Tahoma" panose="020B0604030504040204" pitchFamily="34" charset="0"/>
-                <a:cs typeface="Tahoma" panose="020B0604030504040204" pitchFamily="34" charset="0"/>
-              </a:rPr>
-              <a:t> </a:t>
-            </a:r>
-            <a:r>
-              <a:rPr lang="en-GB" sz="2500" dirty="0" err="1">
-                <a:latin typeface="Times New Roman" panose="02020603050405020304" pitchFamily="18" charset="0"/>
-                <a:ea typeface="Tahoma" panose="020B0604030504040204" pitchFamily="34" charset="0"/>
-                <a:cs typeface="Tahoma" panose="020B0604030504040204" pitchFamily="34" charset="0"/>
-              </a:rPr>
-              <a:t>phải</a:t>
-            </a:r>
-            <a:r>
-              <a:rPr lang="en-GB" sz="2500" dirty="0">
-                <a:latin typeface="Times New Roman" panose="02020603050405020304" pitchFamily="18" charset="0"/>
-                <a:ea typeface="Tahoma" panose="020B0604030504040204" pitchFamily="34" charset="0"/>
-                <a:cs typeface="Tahoma" panose="020B0604030504040204" pitchFamily="34" charset="0"/>
-              </a:rPr>
-              <a:t> </a:t>
-            </a:r>
-            <a:r>
-              <a:rPr lang="en-GB" sz="2500" dirty="0" err="1">
-                <a:latin typeface="Times New Roman" panose="02020603050405020304" pitchFamily="18" charset="0"/>
-                <a:ea typeface="Tahoma" panose="020B0604030504040204" pitchFamily="34" charset="0"/>
-                <a:cs typeface="Tahoma" panose="020B0604030504040204" pitchFamily="34" charset="0"/>
-              </a:rPr>
-              <a:t>là</a:t>
-            </a:r>
-            <a:r>
-              <a:rPr lang="en-GB" sz="2500" dirty="0">
-                <a:latin typeface="Times New Roman" panose="02020603050405020304" pitchFamily="18" charset="0"/>
-                <a:ea typeface="Tahoma" panose="020B0604030504040204" pitchFamily="34" charset="0"/>
-                <a:cs typeface="Tahoma" panose="020B0604030504040204" pitchFamily="34" charset="0"/>
-              </a:rPr>
-              <a:t> </a:t>
-            </a:r>
-            <a:r>
-              <a:rPr lang="en-GB" sz="2500" dirty="0" err="1">
-                <a:latin typeface="Times New Roman" panose="02020603050405020304" pitchFamily="18" charset="0"/>
-                <a:ea typeface="Tahoma" panose="020B0604030504040204" pitchFamily="34" charset="0"/>
-                <a:cs typeface="Tahoma" panose="020B0604030504040204" pitchFamily="34" charset="0"/>
-              </a:rPr>
-              <a:t>một</a:t>
-            </a:r>
-            <a:r>
-              <a:rPr lang="en-GB" sz="2500" dirty="0">
-                <a:latin typeface="Times New Roman" panose="02020603050405020304" pitchFamily="18" charset="0"/>
-                <a:ea typeface="Tahoma" panose="020B0604030504040204" pitchFamily="34" charset="0"/>
-                <a:cs typeface="Tahoma" panose="020B0604030504040204" pitchFamily="34" charset="0"/>
-              </a:rPr>
-              <a:t> </a:t>
-            </a:r>
-            <a:r>
-              <a:rPr lang="en-GB" sz="2500" dirty="0" err="1">
-                <a:latin typeface="Times New Roman" panose="02020603050405020304" pitchFamily="18" charset="0"/>
-                <a:ea typeface="Tahoma" panose="020B0604030504040204" pitchFamily="34" charset="0"/>
-                <a:cs typeface="Tahoma" panose="020B0604030504040204" pitchFamily="34" charset="0"/>
-              </a:rPr>
-              <a:t>mô</a:t>
-            </a:r>
-            <a:r>
-              <a:rPr lang="en-GB" sz="2500" dirty="0">
-                <a:latin typeface="Times New Roman" panose="02020603050405020304" pitchFamily="18" charset="0"/>
-                <a:ea typeface="Tahoma" panose="020B0604030504040204" pitchFamily="34" charset="0"/>
-                <a:cs typeface="Tahoma" panose="020B0604030504040204" pitchFamily="34" charset="0"/>
-              </a:rPr>
-              <a:t> </a:t>
-            </a:r>
-            <a:r>
-              <a:rPr lang="en-GB" sz="2500" dirty="0" err="1">
-                <a:latin typeface="Times New Roman" panose="02020603050405020304" pitchFamily="18" charset="0"/>
-                <a:ea typeface="Tahoma" panose="020B0604030504040204" pitchFamily="34" charset="0"/>
-                <a:cs typeface="Tahoma" panose="020B0604030504040204" pitchFamily="34" charset="0"/>
-              </a:rPr>
-              <a:t>hình</a:t>
-            </a:r>
-            <a:r>
-              <a:rPr lang="en-GB" sz="2500" dirty="0">
-                <a:latin typeface="Times New Roman" panose="02020603050405020304" pitchFamily="18" charset="0"/>
-                <a:ea typeface="Tahoma" panose="020B0604030504040204" pitchFamily="34" charset="0"/>
-                <a:cs typeface="Tahoma" panose="020B0604030504040204" pitchFamily="34" charset="0"/>
-              </a:rPr>
-              <a:t> </a:t>
-            </a:r>
-            <a:r>
-              <a:rPr lang="en-GB" sz="2500" dirty="0" err="1">
-                <a:latin typeface="Times New Roman" panose="02020603050405020304" pitchFamily="18" charset="0"/>
-                <a:ea typeface="Tahoma" panose="020B0604030504040204" pitchFamily="34" charset="0"/>
-                <a:cs typeface="Tahoma" panose="020B0604030504040204" pitchFamily="34" charset="0"/>
-              </a:rPr>
-              <a:t>tốt</a:t>
-            </a:r>
-            <a:r>
-              <a:rPr lang="en-GB" sz="2500" dirty="0">
-                <a:latin typeface="Times New Roman" panose="02020603050405020304" pitchFamily="18" charset="0"/>
-                <a:ea typeface="Tahoma" panose="020B0604030504040204" pitchFamily="34" charset="0"/>
-                <a:cs typeface="Tahoma" panose="020B0604030504040204" pitchFamily="34" charset="0"/>
-              </a:rPr>
-              <a:t> </a:t>
-            </a:r>
-            <a:r>
-              <a:rPr lang="en-GB" sz="2500" dirty="0" err="1">
-                <a:latin typeface="Times New Roman" panose="02020603050405020304" pitchFamily="18" charset="0"/>
-                <a:ea typeface="Tahoma" panose="020B0604030504040204" pitchFamily="34" charset="0"/>
-                <a:cs typeface="Tahoma" panose="020B0604030504040204" pitchFamily="34" charset="0"/>
-              </a:rPr>
-              <a:t>cho</a:t>
-            </a:r>
-            <a:r>
-              <a:rPr lang="en-GB" sz="2500" dirty="0">
-                <a:latin typeface="Times New Roman" panose="02020603050405020304" pitchFamily="18" charset="0"/>
-                <a:ea typeface="Tahoma" panose="020B0604030504040204" pitchFamily="34" charset="0"/>
-                <a:cs typeface="Tahoma" panose="020B0604030504040204" pitchFamily="34" charset="0"/>
-              </a:rPr>
-              <a:t> </a:t>
-            </a:r>
-            <a:r>
-              <a:rPr lang="en-GB" sz="2500" dirty="0" err="1">
-                <a:latin typeface="Times New Roman" panose="02020603050405020304" pitchFamily="18" charset="0"/>
-                <a:ea typeface="Tahoma" panose="020B0604030504040204" pitchFamily="34" charset="0"/>
-                <a:cs typeface="Tahoma" panose="020B0604030504040204" pitchFamily="34" charset="0"/>
-              </a:rPr>
-              <a:t>các</a:t>
-            </a:r>
-            <a:r>
-              <a:rPr lang="en-GB" sz="2500" dirty="0">
-                <a:latin typeface="Times New Roman" panose="02020603050405020304" pitchFamily="18" charset="0"/>
-                <a:ea typeface="Tahoma" panose="020B0604030504040204" pitchFamily="34" charset="0"/>
-                <a:cs typeface="Tahoma" panose="020B0604030504040204" pitchFamily="34" charset="0"/>
-              </a:rPr>
-              <a:t> </a:t>
-            </a:r>
-            <a:r>
-              <a:rPr lang="en-GB" sz="2500" dirty="0" err="1">
-                <a:latin typeface="Times New Roman" panose="02020603050405020304" pitchFamily="18" charset="0"/>
-                <a:ea typeface="Tahoma" panose="020B0604030504040204" pitchFamily="34" charset="0"/>
-                <a:cs typeface="Tahoma" panose="020B0604030504040204" pitchFamily="34" charset="0"/>
-              </a:rPr>
-              <a:t>dự</a:t>
-            </a:r>
-            <a:r>
-              <a:rPr lang="en-GB" sz="2500" dirty="0">
-                <a:latin typeface="Times New Roman" panose="02020603050405020304" pitchFamily="18" charset="0"/>
-                <a:ea typeface="Tahoma" panose="020B0604030504040204" pitchFamily="34" charset="0"/>
-                <a:cs typeface="Tahoma" panose="020B0604030504040204" pitchFamily="34" charset="0"/>
-              </a:rPr>
-              <a:t> </a:t>
-            </a:r>
-            <a:r>
-              <a:rPr lang="en-GB" sz="2500" dirty="0" err="1">
-                <a:latin typeface="Times New Roman" panose="02020603050405020304" pitchFamily="18" charset="0"/>
-                <a:ea typeface="Tahoma" panose="020B0604030504040204" pitchFamily="34" charset="0"/>
-                <a:cs typeface="Tahoma" panose="020B0604030504040204" pitchFamily="34" charset="0"/>
-              </a:rPr>
-              <a:t>án</a:t>
-            </a:r>
-            <a:r>
-              <a:rPr lang="en-GB" sz="2500" dirty="0">
-                <a:latin typeface="Times New Roman" panose="02020603050405020304" pitchFamily="18" charset="0"/>
-                <a:ea typeface="Tahoma" panose="020B0604030504040204" pitchFamily="34" charset="0"/>
-                <a:cs typeface="Tahoma" panose="020B0604030504040204" pitchFamily="34" charset="0"/>
-              </a:rPr>
-              <a:t> </a:t>
-            </a:r>
-            <a:r>
-              <a:rPr lang="en-GB" sz="2500" dirty="0" err="1">
-                <a:latin typeface="Times New Roman" panose="02020603050405020304" pitchFamily="18" charset="0"/>
-                <a:ea typeface="Tahoma" panose="020B0604030504040204" pitchFamily="34" charset="0"/>
-                <a:cs typeface="Tahoma" panose="020B0604030504040204" pitchFamily="34" charset="0"/>
-              </a:rPr>
-              <a:t>phức</a:t>
-            </a:r>
-            <a:r>
-              <a:rPr lang="en-GB" sz="2500" dirty="0">
-                <a:latin typeface="Times New Roman" panose="02020603050405020304" pitchFamily="18" charset="0"/>
-                <a:ea typeface="Tahoma" panose="020B0604030504040204" pitchFamily="34" charset="0"/>
-                <a:cs typeface="Tahoma" panose="020B0604030504040204" pitchFamily="34" charset="0"/>
-              </a:rPr>
-              <a:t> </a:t>
-            </a:r>
-            <a:r>
-              <a:rPr lang="en-GB" sz="2500" dirty="0" err="1">
-                <a:latin typeface="Times New Roman" panose="02020603050405020304" pitchFamily="18" charset="0"/>
-                <a:ea typeface="Tahoma" panose="020B0604030504040204" pitchFamily="34" charset="0"/>
-                <a:cs typeface="Tahoma" panose="020B0604030504040204" pitchFamily="34" charset="0"/>
-              </a:rPr>
-              <a:t>tạp</a:t>
-            </a:r>
-            <a:r>
-              <a:rPr lang="en-GB" sz="2500" dirty="0">
-                <a:latin typeface="Times New Roman" panose="02020603050405020304" pitchFamily="18" charset="0"/>
-                <a:ea typeface="Tahoma" panose="020B0604030504040204" pitchFamily="34" charset="0"/>
-                <a:cs typeface="Tahoma" panose="020B0604030504040204" pitchFamily="34" charset="0"/>
-              </a:rPr>
-              <a:t>, </a:t>
-            </a:r>
-            <a:r>
-              <a:rPr lang="en-GB" sz="2500" dirty="0" err="1">
-                <a:latin typeface="Times New Roman" panose="02020603050405020304" pitchFamily="18" charset="0"/>
-                <a:ea typeface="Tahoma" panose="020B0604030504040204" pitchFamily="34" charset="0"/>
-                <a:cs typeface="Tahoma" panose="020B0604030504040204" pitchFamily="34" charset="0"/>
-              </a:rPr>
-              <a:t>hướng</a:t>
-            </a:r>
-            <a:r>
-              <a:rPr lang="en-GB" sz="2500" dirty="0">
-                <a:latin typeface="Times New Roman" panose="02020603050405020304" pitchFamily="18" charset="0"/>
-                <a:ea typeface="Tahoma" panose="020B0604030504040204" pitchFamily="34" charset="0"/>
-                <a:cs typeface="Tahoma" panose="020B0604030504040204" pitchFamily="34" charset="0"/>
-              </a:rPr>
-              <a:t> </a:t>
-            </a:r>
-            <a:r>
-              <a:rPr lang="en-GB" sz="2500" dirty="0" err="1">
-                <a:latin typeface="Times New Roman" panose="02020603050405020304" pitchFamily="18" charset="0"/>
-                <a:ea typeface="Tahoma" panose="020B0604030504040204" pitchFamily="34" charset="0"/>
-                <a:cs typeface="Tahoma" panose="020B0604030504040204" pitchFamily="34" charset="0"/>
-              </a:rPr>
-              <a:t>đối</a:t>
-            </a:r>
-            <a:r>
-              <a:rPr lang="en-GB" sz="2500" dirty="0">
-                <a:latin typeface="Times New Roman" panose="02020603050405020304" pitchFamily="18" charset="0"/>
-                <a:ea typeface="Tahoma" panose="020B0604030504040204" pitchFamily="34" charset="0"/>
-                <a:cs typeface="Tahoma" panose="020B0604030504040204" pitchFamily="34" charset="0"/>
-              </a:rPr>
-              <a:t> </a:t>
-            </a:r>
-            <a:r>
-              <a:rPr lang="en-GB" sz="2500" dirty="0" err="1">
-                <a:latin typeface="Times New Roman" panose="02020603050405020304" pitchFamily="18" charset="0"/>
-                <a:ea typeface="Tahoma" panose="020B0604030504040204" pitchFamily="34" charset="0"/>
-                <a:cs typeface="Tahoma" panose="020B0604030504040204" pitchFamily="34" charset="0"/>
-              </a:rPr>
-              <a:t>tượng</a:t>
-            </a:r>
-            <a:r>
-              <a:rPr lang="en-GB" sz="2500" dirty="0">
-                <a:latin typeface="Times New Roman" panose="02020603050405020304" pitchFamily="18" charset="0"/>
-                <a:ea typeface="Tahoma" panose="020B0604030504040204" pitchFamily="34" charset="0"/>
-                <a:cs typeface="Tahoma" panose="020B0604030504040204" pitchFamily="34" charset="0"/>
-              </a:rPr>
-              <a:t> </a:t>
-            </a:r>
-            <a:r>
-              <a:rPr lang="en-GB" sz="2500" dirty="0" err="1">
-                <a:latin typeface="Times New Roman" panose="02020603050405020304" pitchFamily="18" charset="0"/>
-                <a:ea typeface="Tahoma" panose="020B0604030504040204" pitchFamily="34" charset="0"/>
-                <a:cs typeface="Tahoma" panose="020B0604030504040204" pitchFamily="34" charset="0"/>
-              </a:rPr>
-              <a:t>và</a:t>
-            </a:r>
-            <a:r>
-              <a:rPr lang="en-GB" sz="2500" dirty="0">
-                <a:latin typeface="Times New Roman" panose="02020603050405020304" pitchFamily="18" charset="0"/>
-                <a:ea typeface="Tahoma" panose="020B0604030504040204" pitchFamily="34" charset="0"/>
-                <a:cs typeface="Tahoma" panose="020B0604030504040204" pitchFamily="34" charset="0"/>
-              </a:rPr>
-              <a:t> </a:t>
-            </a:r>
-            <a:r>
-              <a:rPr lang="en-GB" sz="2500" dirty="0" err="1">
-                <a:latin typeface="Times New Roman" panose="02020603050405020304" pitchFamily="18" charset="0"/>
-                <a:ea typeface="Tahoma" panose="020B0604030504040204" pitchFamily="34" charset="0"/>
-                <a:cs typeface="Tahoma" panose="020B0604030504040204" pitchFamily="34" charset="0"/>
-              </a:rPr>
-              <a:t>dự</a:t>
-            </a:r>
-            <a:r>
-              <a:rPr lang="en-GB" sz="2500" dirty="0">
-                <a:latin typeface="Times New Roman" panose="02020603050405020304" pitchFamily="18" charset="0"/>
-                <a:ea typeface="Tahoma" panose="020B0604030504040204" pitchFamily="34" charset="0"/>
-                <a:cs typeface="Tahoma" panose="020B0604030504040204" pitchFamily="34" charset="0"/>
-              </a:rPr>
-              <a:t> </a:t>
-            </a:r>
-            <a:r>
-              <a:rPr lang="en-GB" sz="2500" dirty="0" err="1">
-                <a:latin typeface="Times New Roman" panose="02020603050405020304" pitchFamily="18" charset="0"/>
-                <a:ea typeface="Tahoma" panose="020B0604030504040204" pitchFamily="34" charset="0"/>
-                <a:cs typeface="Tahoma" panose="020B0604030504040204" pitchFamily="34" charset="0"/>
-              </a:rPr>
-              <a:t>án</a:t>
-            </a:r>
-            <a:r>
-              <a:rPr lang="en-GB" sz="2500" dirty="0">
-                <a:latin typeface="Times New Roman" panose="02020603050405020304" pitchFamily="18" charset="0"/>
-                <a:ea typeface="Tahoma" panose="020B0604030504040204" pitchFamily="34" charset="0"/>
-                <a:cs typeface="Tahoma" panose="020B0604030504040204" pitchFamily="34" charset="0"/>
-              </a:rPr>
-              <a:t> </a:t>
-            </a:r>
-            <a:r>
-              <a:rPr lang="en-GB" sz="2500" dirty="0" err="1">
-                <a:latin typeface="Times New Roman" panose="02020603050405020304" pitchFamily="18" charset="0"/>
-                <a:ea typeface="Tahoma" panose="020B0604030504040204" pitchFamily="34" charset="0"/>
-                <a:cs typeface="Tahoma" panose="020B0604030504040204" pitchFamily="34" charset="0"/>
-              </a:rPr>
-              <a:t>dài</a:t>
-            </a:r>
-            <a:r>
-              <a:rPr lang="en-GB" sz="2500" dirty="0">
-                <a:latin typeface="Times New Roman" panose="02020603050405020304" pitchFamily="18" charset="0"/>
-                <a:ea typeface="Tahoma" panose="020B0604030504040204" pitchFamily="34" charset="0"/>
-                <a:cs typeface="Tahoma" panose="020B0604030504040204" pitchFamily="34" charset="0"/>
-              </a:rPr>
-              <a:t> </a:t>
-            </a:r>
-            <a:r>
-              <a:rPr lang="en-GB" sz="2500" dirty="0" err="1">
-                <a:latin typeface="Times New Roman" panose="02020603050405020304" pitchFamily="18" charset="0"/>
-                <a:ea typeface="Tahoma" panose="020B0604030504040204" pitchFamily="34" charset="0"/>
-                <a:cs typeface="Tahoma" panose="020B0604030504040204" pitchFamily="34" charset="0"/>
-              </a:rPr>
-              <a:t>hạn</a:t>
-            </a:r>
-            <a:r>
-              <a:rPr lang="en-GB" sz="2500" dirty="0">
-                <a:latin typeface="Times New Roman" panose="02020603050405020304" pitchFamily="18" charset="0"/>
-                <a:ea typeface="Tahoma" panose="020B0604030504040204" pitchFamily="34" charset="0"/>
-                <a:cs typeface="Tahoma" panose="020B0604030504040204" pitchFamily="34" charset="0"/>
-              </a:rPr>
-              <a:t>.</a:t>
-            </a:r>
-            <a:endParaRPr lang="en-US" sz="2500" dirty="0">
-              <a:latin typeface="Times New Roman" panose="02020603050405020304" pitchFamily="18" charset="0"/>
-              <a:ea typeface="Tahoma" panose="020B0604030504040204" pitchFamily="34" charset="0"/>
-              <a:cs typeface="Tahoma" panose="020B0604030504040204" pitchFamily="34" charset="0"/>
-            </a:endParaRPr>
-          </a:p>
-        </p:txBody>
-      </p:sp>
-      <p:sp>
-        <p:nvSpPr>
-          <p:cNvPr id="6" name="Slide Number Placeholder 5"/>
-          <p:cNvSpPr>
-            <a:spLocks noGrp="1"/>
-          </p:cNvSpPr>
-          <p:nvPr>
-            <p:ph type="sldNum" sz="quarter" idx="12"/>
-          </p:nvPr>
-        </p:nvSpPr>
-        <p:spPr/>
-        <p:txBody>
-          <a:bodyPr/>
-          <a:lstStyle/>
-          <a:p>
-            <a:fld id="{6BB9AED3-D2BB-49A3-B8E7-A4A64ED2F011}" type="slidenum">
-              <a:rPr lang="en-US" smtClean="0"/>
-            </a:fld>
-            <a:endParaRPr lang="en-US"/>
-          </a:p>
-        </p:txBody>
-      </p:sp>
-    </p:spTree>
-  </p:cSld>
-  <p:clrMapOvr>
-    <a:masterClrMapping/>
-  </p:clrMapOvr>
-  <mc:AlternateContent xmlns:mc="http://schemas.openxmlformats.org/markup-compatibility/2006">
-    <mc:Choice xmlns:p15="http://schemas.microsoft.com/office/powerpoint/2012/main" Requires="p15">
-      <p:transition xmlns:p14="http://schemas.microsoft.com/office/powerpoint/2010/main" spd="slow" Requires="p14" p14:dur="2000">
-        <p15:prstTrans prst="prestige"/>
-      </p:transition>
-    </mc:Choice>
-    <mc:Fallback>
-      <p:transition spd="slow">
-        <p:fade/>
-      </p:transition>
-    </mc:Fallback>
-  </mc:AlternateContent>
-  <p:timing>
-    <p:tnLst>
-      <p:par>
-        <p:cTn id="1" dur="indefinite" restart="never" nodeType="tmRoot">
-          <p:childTnLst>
-            <p:seq concurrent="1" nextAc="seek">
-              <p:cTn id="2" dur="indefinite" nodeType="mainSeq">
-                <p:childTnLst>
-                  <p:par>
-                    <p:cTn id="3" fill="hold">
-                      <p:stCondLst>
-                        <p:cond delay="indefinite"/>
-                      </p:stCondLst>
-                      <p:childTnLst>
-                        <p:par>
-                          <p:cTn id="4" fill="hold">
-                            <p:stCondLst>
-                              <p:cond delay="0"/>
-                            </p:stCondLst>
-                            <p:childTnLst>
-                              <p:par>
-                                <p:cTn id="5" presetID="25" presetClass="entr" presetSubtype="0" fill="hold" grpId="0" nodeType="clickEffect">
-                                  <p:stCondLst>
-                                    <p:cond delay="0"/>
-                                  </p:stCondLst>
-                                  <p:childTnLst>
-                                    <p:set>
-                                      <p:cBhvr>
-                                        <p:cTn id="6" dur="1" fill="hold">
-                                          <p:stCondLst>
-                                            <p:cond delay="0"/>
-                                          </p:stCondLst>
-                                        </p:cTn>
-                                        <p:tgtEl>
-                                          <p:spTgt spid="4"/>
-                                        </p:tgtEl>
-                                        <p:attrNameLst>
-                                          <p:attrName>style.visibility</p:attrName>
-                                        </p:attrNameLst>
-                                      </p:cBhvr>
-                                      <p:to>
-                                        <p:strVal val="visible"/>
-                                      </p:to>
-                                    </p:set>
-                                    <p:anim calcmode="lin" valueType="num">
-                                      <p:cBhvr>
-                                        <p:cTn id="7" dur="500" decel="50000" fill="hold">
-                                          <p:stCondLst>
-                                            <p:cond delay="0"/>
-                                          </p:stCondLst>
-                                        </p:cTn>
-                                        <p:tgtEl>
-                                          <p:spTgt spid="4"/>
-                                        </p:tgtEl>
-                                        <p:attrNameLst>
-                                          <p:attrName>style.rotation</p:attrName>
-                                        </p:attrNameLst>
-                                      </p:cBhvr>
-                                      <p:tavLst>
-                                        <p:tav tm="0">
-                                          <p:val>
-                                            <p:fltVal val="-90"/>
-                                          </p:val>
-                                        </p:tav>
-                                        <p:tav tm="100000">
-                                          <p:val>
-                                            <p:fltVal val="0"/>
-                                          </p:val>
-                                        </p:tav>
-                                      </p:tavLst>
-                                    </p:anim>
-                                    <p:anim calcmode="lin" valueType="num">
-                                      <p:cBhvr>
-                                        <p:cTn id="8" dur="500" decel="50000" fill="hold">
-                                          <p:stCondLst>
-                                            <p:cond delay="0"/>
-                                          </p:stCondLst>
-                                        </p:cTn>
-                                        <p:tgtEl>
-                                          <p:spTgt spid="4"/>
-                                        </p:tgtEl>
-                                        <p:attrNameLst>
-                                          <p:attrName>ppt_w</p:attrName>
-                                        </p:attrNameLst>
-                                      </p:cBhvr>
-                                      <p:tavLst>
-                                        <p:tav tm="0">
-                                          <p:val>
-                                            <p:strVal val="#ppt_w"/>
-                                          </p:val>
-                                        </p:tav>
-                                        <p:tav tm="100000">
-                                          <p:val>
-                                            <p:strVal val="#ppt_w*.05"/>
-                                          </p:val>
-                                        </p:tav>
-                                      </p:tavLst>
-                                    </p:anim>
-                                    <p:anim calcmode="lin" valueType="num">
-                                      <p:cBhvr>
-                                        <p:cTn id="9" dur="500" accel="50000" fill="hold">
-                                          <p:stCondLst>
-                                            <p:cond delay="500"/>
-                                          </p:stCondLst>
-                                        </p:cTn>
-                                        <p:tgtEl>
-                                          <p:spTgt spid="4"/>
-                                        </p:tgtEl>
-                                        <p:attrNameLst>
-                                          <p:attrName>ppt_w</p:attrName>
-                                        </p:attrNameLst>
-                                      </p:cBhvr>
-                                      <p:tavLst>
-                                        <p:tav tm="0">
-                                          <p:val>
-                                            <p:strVal val="#ppt_w*.05"/>
-                                          </p:val>
-                                        </p:tav>
-                                        <p:tav tm="100000">
-                                          <p:val>
-                                            <p:strVal val="#ppt_w"/>
-                                          </p:val>
-                                        </p:tav>
-                                      </p:tavLst>
-                                    </p:anim>
-                                    <p:anim calcmode="lin" valueType="num">
-                                      <p:cBhvr>
-                                        <p:cTn id="10" dur="1000" fill="hold"/>
-                                        <p:tgtEl>
-                                          <p:spTgt spid="4"/>
-                                        </p:tgtEl>
-                                        <p:attrNameLst>
-                                          <p:attrName>ppt_h</p:attrName>
-                                        </p:attrNameLst>
-                                      </p:cBhvr>
-                                      <p:tavLst>
-                                        <p:tav tm="0">
-                                          <p:val>
-                                            <p:strVal val="#ppt_h"/>
-                                          </p:val>
-                                        </p:tav>
-                                        <p:tav tm="100000">
-                                          <p:val>
-                                            <p:strVal val="#ppt_h"/>
-                                          </p:val>
-                                        </p:tav>
-                                      </p:tavLst>
-                                    </p:anim>
-                                    <p:anim calcmode="lin" valueType="num">
-                                      <p:cBhvr>
-                                        <p:cTn id="11" dur="500" decel="50000" fill="hold">
-                                          <p:stCondLst>
-                                            <p:cond delay="0"/>
-                                          </p:stCondLst>
-                                        </p:cTn>
-                                        <p:tgtEl>
-                                          <p:spTgt spid="4"/>
-                                        </p:tgtEl>
-                                        <p:attrNameLst>
-                                          <p:attrName>ppt_x</p:attrName>
-                                        </p:attrNameLst>
-                                      </p:cBhvr>
-                                      <p:tavLst>
-                                        <p:tav tm="0">
-                                          <p:val>
-                                            <p:strVal val="#ppt_x+.4"/>
-                                          </p:val>
-                                        </p:tav>
-                                        <p:tav tm="100000">
-                                          <p:val>
-                                            <p:strVal val="#ppt_x"/>
-                                          </p:val>
-                                        </p:tav>
-                                      </p:tavLst>
-                                    </p:anim>
-                                    <p:anim calcmode="lin" valueType="num">
-                                      <p:cBhvr>
-                                        <p:cTn id="12" dur="500" decel="50000" fill="hold">
-                                          <p:stCondLst>
-                                            <p:cond delay="0"/>
-                                          </p:stCondLst>
-                                        </p:cTn>
-                                        <p:tgtEl>
-                                          <p:spTgt spid="4"/>
-                                        </p:tgtEl>
-                                        <p:attrNameLst>
-                                          <p:attrName>ppt_y</p:attrName>
-                                        </p:attrNameLst>
-                                      </p:cBhvr>
-                                      <p:tavLst>
-                                        <p:tav tm="0">
-                                          <p:val>
-                                            <p:strVal val="#ppt_y-.2"/>
-                                          </p:val>
-                                        </p:tav>
-                                        <p:tav tm="100000">
-                                          <p:val>
-                                            <p:strVal val="#ppt_y+.1"/>
-                                          </p:val>
-                                        </p:tav>
-                                      </p:tavLst>
-                                    </p:anim>
-                                    <p:anim calcmode="lin" valueType="num">
-                                      <p:cBhvr>
-                                        <p:cTn id="13" dur="500" accel="50000" fill="hold">
-                                          <p:stCondLst>
-                                            <p:cond delay="500"/>
-                                          </p:stCondLst>
-                                        </p:cTn>
-                                        <p:tgtEl>
-                                          <p:spTgt spid="4"/>
-                                        </p:tgtEl>
-                                        <p:attrNameLst>
-                                          <p:attrName>ppt_y</p:attrName>
-                                        </p:attrNameLst>
-                                      </p:cBhvr>
-                                      <p:tavLst>
-                                        <p:tav tm="0">
-                                          <p:val>
-                                            <p:strVal val="#ppt_y+.1"/>
-                                          </p:val>
-                                        </p:tav>
-                                        <p:tav tm="100000">
-                                          <p:val>
-                                            <p:strVal val="#ppt_y"/>
-                                          </p:val>
-                                        </p:tav>
-                                      </p:tavLst>
-                                    </p:anim>
-                                    <p:animEffect transition="in" filter="fade">
-                                      <p:cBhvr>
-                                        <p:cTn id="14" dur="1000" decel="50000">
-                                          <p:stCondLst>
-                                            <p:cond delay="0"/>
-                                          </p:stCondLst>
-                                        </p:cTn>
-                                        <p:tgtEl>
-                                          <p:spTgt spid="4"/>
-                                        </p:tgtEl>
-                                      </p:cBhvr>
-                                    </p:animEffect>
-                                  </p:childTnLst>
-                                </p:cTn>
-                              </p:par>
-                            </p:childTnLst>
-                          </p:cTn>
-                        </p:par>
-                      </p:childTnLst>
-                    </p:cTn>
-                  </p:par>
-                  <p:par>
-                    <p:cTn id="15" fill="hold">
-                      <p:stCondLst>
-                        <p:cond delay="indefinite"/>
-                      </p:stCondLst>
-                      <p:childTnLst>
-                        <p:par>
-                          <p:cTn id="16" fill="hold">
-                            <p:stCondLst>
-                              <p:cond delay="0"/>
-                            </p:stCondLst>
-                            <p:childTnLst>
-                              <p:par>
-                                <p:cTn id="17" presetID="6" presetClass="entr" presetSubtype="16" fill="hold" grpId="0" nodeType="clickEffect">
-                                  <p:stCondLst>
-                                    <p:cond delay="0"/>
-                                  </p:stCondLst>
-                                  <p:childTnLst>
-                                    <p:set>
-                                      <p:cBhvr>
-                                        <p:cTn id="18" dur="1" fill="hold">
-                                          <p:stCondLst>
-                                            <p:cond delay="0"/>
-                                          </p:stCondLst>
-                                        </p:cTn>
-                                        <p:tgtEl>
-                                          <p:spTgt spid="9"/>
-                                        </p:tgtEl>
-                                        <p:attrNameLst>
-                                          <p:attrName>style.visibility</p:attrName>
-                                        </p:attrNameLst>
-                                      </p:cBhvr>
-                                      <p:to>
-                                        <p:strVal val="visible"/>
-                                      </p:to>
-                                    </p:set>
-                                    <p:animEffect transition="in" filter="circle(in)">
-                                      <p:cBhvr>
-                                        <p:cTn id="19" dur="2000"/>
-                                        <p:tgtEl>
-                                          <p:spTgt spid="9"/>
-                                        </p:tgtEl>
-                                      </p:cBhvr>
-                                    </p:animEffect>
-                                  </p:childTnLst>
-                                </p:cTn>
-                              </p:par>
-                            </p:childTnLst>
-                          </p:cTn>
-                        </p:par>
-                      </p:childTnLst>
-                    </p:cTn>
-                  </p:par>
-                  <p:par>
-                    <p:cTn id="20" fill="hold">
-                      <p:stCondLst>
-                        <p:cond delay="indefinite"/>
-                      </p:stCondLst>
-                      <p:childTnLst>
-                        <p:par>
-                          <p:cTn id="21" fill="hold">
-                            <p:stCondLst>
-                              <p:cond delay="0"/>
-                            </p:stCondLst>
-                            <p:childTnLst>
-                              <p:par>
-                                <p:cTn id="22" presetID="55" presetClass="entr" presetSubtype="0" fill="hold" nodeType="clickEffect">
-                                  <p:stCondLst>
-                                    <p:cond delay="0"/>
-                                  </p:stCondLst>
-                                  <p:childTnLst>
-                                    <p:set>
-                                      <p:cBhvr>
-                                        <p:cTn id="23" dur="1" fill="hold">
-                                          <p:stCondLst>
-                                            <p:cond delay="0"/>
-                                          </p:stCondLst>
-                                        </p:cTn>
-                                        <p:tgtEl>
-                                          <p:spTgt spid="8"/>
-                                        </p:tgtEl>
-                                        <p:attrNameLst>
-                                          <p:attrName>style.visibility</p:attrName>
-                                        </p:attrNameLst>
-                                      </p:cBhvr>
-                                      <p:to>
-                                        <p:strVal val="visible"/>
-                                      </p:to>
-                                    </p:set>
-                                    <p:anim calcmode="lin" valueType="num">
-                                      <p:cBhvr>
-                                        <p:cTn id="24" dur="1000" fill="hold"/>
-                                        <p:tgtEl>
-                                          <p:spTgt spid="8"/>
-                                        </p:tgtEl>
-                                        <p:attrNameLst>
-                                          <p:attrName>ppt_w</p:attrName>
-                                        </p:attrNameLst>
-                                      </p:cBhvr>
-                                      <p:tavLst>
-                                        <p:tav tm="0">
-                                          <p:val>
-                                            <p:strVal val="#ppt_w*0.70"/>
-                                          </p:val>
-                                        </p:tav>
-                                        <p:tav tm="100000">
-                                          <p:val>
-                                            <p:strVal val="#ppt_w"/>
-                                          </p:val>
-                                        </p:tav>
-                                      </p:tavLst>
-                                    </p:anim>
-                                    <p:anim calcmode="lin" valueType="num">
-                                      <p:cBhvr>
-                                        <p:cTn id="25" dur="1000" fill="hold"/>
-                                        <p:tgtEl>
-                                          <p:spTgt spid="8"/>
-                                        </p:tgtEl>
-                                        <p:attrNameLst>
-                                          <p:attrName>ppt_h</p:attrName>
-                                        </p:attrNameLst>
-                                      </p:cBhvr>
-                                      <p:tavLst>
-                                        <p:tav tm="0">
-                                          <p:val>
-                                            <p:strVal val="#ppt_h"/>
-                                          </p:val>
-                                        </p:tav>
-                                        <p:tav tm="100000">
-                                          <p:val>
-                                            <p:strVal val="#ppt_h"/>
-                                          </p:val>
-                                        </p:tav>
-                                      </p:tavLst>
-                                    </p:anim>
-                                    <p:animEffect transition="in" filter="fade">
-                                      <p:cBhvr>
-                                        <p:cTn id="26" dur="1000"/>
-                                        <p:tgtEl>
-                                          <p:spTgt spid="8"/>
-                                        </p:tgtEl>
-                                      </p:cBhvr>
-                                    </p:animEffect>
-                                  </p:childTnLst>
-                                </p:cTn>
-                              </p:par>
-                            </p:childTnLst>
-                          </p:cTn>
-                        </p:par>
-                      </p:childTnLst>
-                    </p:cTn>
-                  </p:par>
-                </p:childTnLst>
-              </p:cTn>
-              <p:prevCondLst>
-                <p:cond evt="onPrev" delay="0">
-                  <p:tgtEl>
-                    <p:sldTgt/>
-                  </p:tgtEl>
-                </p:cond>
-              </p:prevCondLst>
-              <p:nextCondLst>
-                <p:cond evt="onNext" delay="0">
-                  <p:tgtEl>
-                    <p:sldTgt/>
-                  </p:tgtEl>
-                </p:cond>
-              </p:nextCondLst>
-            </p:seq>
-          </p:childTnLst>
-        </p:cTn>
-      </p:par>
-    </p:tnLst>
-    <p:bldLst>
-      <p:bldP spid="4" grpId="0"/>
-      <p:bldP spid="9" grpId="0"/>
-    </p:bldLst>
-  </p:timing>
-</p:sld>
-</file>
-
 <file path=ppt/theme/theme1.xml><?xml version="1.0" encoding="utf-8"?>
 <a:theme xmlns:a="http://schemas.openxmlformats.org/drawingml/2006/main" name="Droplet">
   <a:themeElements>
@@ -20871,6 +21103,8 @@
       </a:bgFillStyleLst>
     </a:fmtScheme>
   </a:themeElements>
+  <a:objectDefaults/>
+  <a:extraClrSchemeLst/>
   <a:extLst>
     <a:ext uri="{05A4C25C-085E-4340-85A3-A5531E510DB2}">
       <thm15:themeFamily xmlns:thm15="http://schemas.microsoft.com/office/thememl/2012/main" name="Office Theme" id="{62F939B6-93AF-4DB8-9C6B-D6C7DFDC589F}" vid="{4A3C46E8-61CC-4603-A589-7422A47A8E4A}"/>
@@ -21130,6 +21364,8 @@
       </a:bgFillStyleLst>
     </a:fmtScheme>
   </a:themeElements>
+  <a:objectDefaults/>
+  <a:extraClrSchemeLst/>
   <a:extLst>
     <a:ext uri="{05A4C25C-085E-4340-85A3-A5531E510DB2}">
       <thm15:themeFamily xmlns:thm15="http://schemas.microsoft.com/office/thememl/2012/main" name="Office Theme" id="{62F939B6-93AF-4DB8-9C6B-D6C7DFDC589F}" vid="{4A3C46E8-61CC-4603-A589-7422A47A8E4A}"/>
